--- a/readme/slide.pptx
+++ b/readme/slide.pptx
@@ -9,14 +9,22 @@
     <p:sldId id="257" r:id="rId3"/>
     <p:sldId id="258" r:id="rId4"/>
     <p:sldId id="259" r:id="rId5"/>
-    <p:sldId id="260" r:id="rId6"/>
-    <p:sldId id="261" r:id="rId7"/>
-    <p:sldId id="262" r:id="rId8"/>
-    <p:sldId id="263" r:id="rId9"/>
-    <p:sldId id="264" r:id="rId10"/>
-    <p:sldId id="265" r:id="rId11"/>
-    <p:sldId id="266" r:id="rId12"/>
-    <p:sldId id="267" r:id="rId13"/>
+    <p:sldId id="268" r:id="rId6"/>
+    <p:sldId id="275" r:id="rId7"/>
+    <p:sldId id="260" r:id="rId8"/>
+    <p:sldId id="261" r:id="rId9"/>
+    <p:sldId id="262" r:id="rId10"/>
+    <p:sldId id="263" r:id="rId11"/>
+    <p:sldId id="264" r:id="rId12"/>
+    <p:sldId id="265" r:id="rId13"/>
+    <p:sldId id="266" r:id="rId14"/>
+    <p:sldId id="267" r:id="rId15"/>
+    <p:sldId id="276" r:id="rId16"/>
+    <p:sldId id="277" r:id="rId17"/>
+    <p:sldId id="272" r:id="rId18"/>
+    <p:sldId id="270" r:id="rId19"/>
+    <p:sldId id="274" r:id="rId20"/>
+    <p:sldId id="271" r:id="rId21"/>
   </p:sldIdLst>
   <p:sldSz cx="9144000" cy="6858000" type="screen4x3"/>
   <p:notesSz cx="6858000" cy="9144000"/>
@@ -3593,15 +3601,39 @@
           <a:p>
             <a:r>
               <a:rPr lang="en-US" dirty="0" err="1" smtClean="0"/>
-              <a:t>Phân</a:t>
-            </a:r>
-            <a:r>
-              <a:rPr lang="en-US" dirty="0" smtClean="0"/>
-              <a:t> </a:t>
-            </a:r>
-            <a:r>
-              <a:rPr lang="en-US" dirty="0" err="1" smtClean="0"/>
-              <a:t>loại</a:t>
+              <a:t>Quản</a:t>
+            </a:r>
+            <a:r>
+              <a:rPr lang="en-US" dirty="0" smtClean="0"/>
+              <a:t> </a:t>
+            </a:r>
+            <a:r>
+              <a:rPr lang="en-US" dirty="0" err="1" smtClean="0"/>
+              <a:t>lý</a:t>
+            </a:r>
+            <a:r>
+              <a:rPr lang="en-US" dirty="0" smtClean="0"/>
+              <a:t> </a:t>
+            </a:r>
+            <a:r>
+              <a:rPr lang="en-US" dirty="0" err="1" smtClean="0"/>
+              <a:t>bãi</a:t>
+            </a:r>
+            <a:r>
+              <a:rPr lang="en-US" dirty="0" smtClean="0"/>
+              <a:t> </a:t>
+            </a:r>
+            <a:r>
+              <a:rPr lang="en-US" dirty="0" err="1" smtClean="0"/>
+              <a:t>đỗ</a:t>
+            </a:r>
+            <a:r>
+              <a:rPr lang="en-US" dirty="0" smtClean="0"/>
+              <a:t> </a:t>
+            </a:r>
+            <a:r>
+              <a:rPr lang="en-US" dirty="0" err="1" smtClean="0"/>
+              <a:t>xe</a:t>
             </a:r>
             <a:endParaRPr lang="en-GB" dirty="0"/>
           </a:p>
@@ -3624,33 +3656,89 @@
           <a:p>
             <a:r>
               <a:rPr lang="en-US" dirty="0" err="1" smtClean="0"/>
-              <a:t>spot_type</a:t>
-            </a:r>
-            <a:r>
-              <a:rPr lang="en-US" dirty="0" smtClean="0"/>
-              <a:t>(…)</a:t>
-            </a:r>
-            <a:endParaRPr lang="en-US" dirty="0"/>
-          </a:p>
-          <a:p>
-            <a:r>
-              <a:rPr lang="en-US" dirty="0" err="1" smtClean="0"/>
-              <a:t>vehicle_type</a:t>
-            </a:r>
-            <a:r>
-              <a:rPr lang="en-US" dirty="0" smtClean="0"/>
-              <a:t>(…)</a:t>
-            </a:r>
-          </a:p>
-          <a:p>
-            <a:r>
-              <a:rPr lang="en-US" dirty="0" err="1" smtClean="0"/>
-              <a:t>Customer_type</a:t>
-            </a:r>
-            <a:r>
-              <a:rPr lang="en-US" dirty="0" smtClean="0"/>
-              <a:t>(…)</a:t>
-            </a:r>
+              <a:t>Parking_Lot</a:t>
+            </a:r>
+            <a:r>
+              <a:rPr lang="en-US" dirty="0" smtClean="0"/>
+              <a:t>(</a:t>
+            </a:r>
+            <a:r>
+              <a:rPr lang="en-US" dirty="0" err="1" smtClean="0"/>
+              <a:t>parkingLotID</a:t>
+            </a:r>
+            <a:r>
+              <a:rPr lang="en-US" dirty="0" smtClean="0"/>
+              <a:t>, name, capacity)</a:t>
+            </a:r>
+          </a:p>
+          <a:p>
+            <a:r>
+              <a:rPr lang="en-US" dirty="0" err="1" smtClean="0"/>
+              <a:t>Parking_Spot</a:t>
+            </a:r>
+            <a:r>
+              <a:rPr lang="en-US" dirty="0" smtClean="0"/>
+              <a:t>(</a:t>
+            </a:r>
+            <a:r>
+              <a:rPr lang="en-US" dirty="0" err="1" smtClean="0"/>
+              <a:t>parkingSpotID</a:t>
+            </a:r>
+            <a:r>
+              <a:rPr lang="en-US" dirty="0" smtClean="0"/>
+              <a:t>, </a:t>
+            </a:r>
+            <a:r>
+              <a:rPr lang="en-US" dirty="0" err="1" smtClean="0"/>
+              <a:t>spotTypeID</a:t>
+            </a:r>
+            <a:r>
+              <a:rPr lang="en-US" dirty="0" smtClean="0"/>
+              <a:t>, </a:t>
+            </a:r>
+            <a:r>
+              <a:rPr lang="en-US" dirty="0" err="1" smtClean="0"/>
+              <a:t>parkingLotID</a:t>
+            </a:r>
+            <a:r>
+              <a:rPr lang="en-US" dirty="0" smtClean="0"/>
+              <a:t>, occupied)</a:t>
+            </a:r>
+          </a:p>
+          <a:p>
+            <a:r>
+              <a:rPr lang="en-US" dirty="0" smtClean="0"/>
+              <a:t>Staff(</a:t>
+            </a:r>
+            <a:r>
+              <a:rPr lang="en-US" dirty="0" err="1" smtClean="0"/>
+              <a:t>staffID</a:t>
+            </a:r>
+            <a:r>
+              <a:rPr lang="en-US" dirty="0" smtClean="0"/>
+              <a:t>, </a:t>
+            </a:r>
+            <a:r>
+              <a:rPr lang="en-US" dirty="0" err="1" smtClean="0"/>
+              <a:t>fullname</a:t>
+            </a:r>
+            <a:r>
+              <a:rPr lang="en-US" dirty="0" smtClean="0"/>
+              <a:t>, </a:t>
+            </a:r>
+            <a:r>
+              <a:rPr lang="en-US" dirty="0" err="1" smtClean="0"/>
+              <a:t>parkingLotID</a:t>
+            </a:r>
+            <a:r>
+              <a:rPr lang="en-US" dirty="0" smtClean="0"/>
+              <a:t>, password)</a:t>
+            </a:r>
+          </a:p>
+          <a:p>
+            <a:pPr marL="0" indent="0">
+              <a:buNone/>
+            </a:pPr>
             <a:endParaRPr lang="en-GB" dirty="0"/>
           </a:p>
         </p:txBody>
@@ -3658,7 +3746,7 @@
     </p:spTree>
     <p:extLst>
       <p:ext uri="{BB962C8B-B14F-4D97-AF65-F5344CB8AC3E}">
-        <p14:creationId xmlns:p14="http://schemas.microsoft.com/office/powerpoint/2010/main" val="1107836323"/>
+        <p14:creationId xmlns:p14="http://schemas.microsoft.com/office/powerpoint/2010/main" val="1246534415"/>
       </p:ext>
     </p:extLst>
   </p:cSld>
@@ -3710,15 +3798,15 @@
             </a:r>
             <a:r>
               <a:rPr lang="en-US" dirty="0" err="1" smtClean="0"/>
-              <a:t>ràng</a:t>
-            </a:r>
-            <a:r>
-              <a:rPr lang="en-US" dirty="0" smtClean="0"/>
-              <a:t> </a:t>
-            </a:r>
-            <a:r>
-              <a:rPr lang="en-US" dirty="0" err="1" smtClean="0"/>
-              <a:t>buộc</a:t>
+              <a:t>thao</a:t>
+            </a:r>
+            <a:r>
+              <a:rPr lang="en-US" dirty="0" smtClean="0"/>
+              <a:t> </a:t>
+            </a:r>
+            <a:r>
+              <a:rPr lang="en-US" dirty="0" err="1" smtClean="0"/>
+              <a:t>tác</a:t>
             </a:r>
             <a:endParaRPr lang="en-GB" dirty="0"/>
           </a:p>
@@ -3736,35 +3824,200 @@
         </p:nvSpPr>
         <p:spPr/>
         <p:txBody>
-          <a:bodyPr/>
-          <a:lstStyle/>
-          <a:p>
-            <a:r>
-              <a:rPr lang="en-US" dirty="0" smtClean="0"/>
-              <a:t>UNIQUE: </a:t>
-            </a:r>
-            <a:r>
-              <a:rPr lang="en-US" dirty="0" err="1" smtClean="0"/>
-              <a:t>mssv</a:t>
-            </a:r>
-            <a:endParaRPr lang="en-US" dirty="0"/>
-          </a:p>
-          <a:p>
-            <a:r>
-              <a:rPr lang="en-US" dirty="0" smtClean="0"/>
-              <a:t>NOT NULL</a:t>
-            </a:r>
-          </a:p>
-          <a:p>
-            <a:r>
-              <a:rPr lang="en-US" dirty="0" smtClean="0"/>
-              <a:t>CHECK length(password)</a:t>
-            </a:r>
-          </a:p>
-          <a:p>
-            <a:r>
-              <a:rPr lang="en-US" dirty="0" smtClean="0"/>
-              <a:t>Trigger</a:t>
+          <a:bodyPr>
+            <a:normAutofit/>
+          </a:bodyPr>
+          <a:lstStyle/>
+          <a:p>
+            <a:r>
+              <a:rPr lang="en-US" dirty="0" err="1" smtClean="0"/>
+              <a:t>Gửi</a:t>
+            </a:r>
+            <a:r>
+              <a:rPr lang="en-US" dirty="0" smtClean="0"/>
+              <a:t> </a:t>
+            </a:r>
+            <a:r>
+              <a:rPr lang="en-US" dirty="0" err="1" smtClean="0"/>
+              <a:t>xe</a:t>
+            </a:r>
+            <a:r>
+              <a:rPr lang="en-US" dirty="0" smtClean="0"/>
+              <a:t>, </a:t>
+            </a:r>
+            <a:r>
+              <a:rPr lang="en-US" dirty="0" err="1" smtClean="0"/>
+              <a:t>thanh</a:t>
+            </a:r>
+            <a:r>
+              <a:rPr lang="en-US" dirty="0" smtClean="0"/>
+              <a:t> </a:t>
+            </a:r>
+            <a:r>
+              <a:rPr lang="en-US" dirty="0" err="1" smtClean="0"/>
+              <a:t>toán</a:t>
+            </a:r>
+            <a:r>
+              <a:rPr lang="en-US" dirty="0" smtClean="0"/>
+              <a:t>, </a:t>
+            </a:r>
+            <a:r>
+              <a:rPr lang="en-US" dirty="0" err="1" smtClean="0"/>
+              <a:t>nạp</a:t>
+            </a:r>
+            <a:r>
+              <a:rPr lang="en-US" dirty="0" smtClean="0"/>
+              <a:t> </a:t>
+            </a:r>
+            <a:r>
+              <a:rPr lang="en-US" dirty="0" err="1" smtClean="0"/>
+              <a:t>tiền</a:t>
+            </a:r>
+            <a:endParaRPr lang="en-US" dirty="0" smtClean="0"/>
+          </a:p>
+          <a:p>
+            <a:pPr lvl="1"/>
+            <a:r>
+              <a:rPr lang="en-US" dirty="0" smtClean="0"/>
+              <a:t>Park(</a:t>
+            </a:r>
+            <a:r>
+              <a:rPr lang="en-US" dirty="0" err="1" smtClean="0"/>
+              <a:t>ParkId</a:t>
+            </a:r>
+            <a:r>
+              <a:rPr lang="en-US" dirty="0" smtClean="0"/>
+              <a:t>, </a:t>
+            </a:r>
+            <a:r>
+              <a:rPr lang="en-US" dirty="0" err="1" smtClean="0"/>
+              <a:t>VehicleId</a:t>
+            </a:r>
+            <a:r>
+              <a:rPr lang="en-US" dirty="0" smtClean="0"/>
+              <a:t>, </a:t>
+            </a:r>
+            <a:r>
+              <a:rPr lang="en-US" dirty="0" err="1" smtClean="0"/>
+              <a:t>ParkingSpotId</a:t>
+            </a:r>
+            <a:r>
+              <a:rPr lang="en-US" dirty="0" smtClean="0"/>
+              <a:t>, </a:t>
+            </a:r>
+            <a:r>
+              <a:rPr lang="en-US" dirty="0" err="1" smtClean="0"/>
+              <a:t>Entry_Time</a:t>
+            </a:r>
+            <a:r>
+              <a:rPr lang="en-US" dirty="0" smtClean="0"/>
+              <a:t>,</a:t>
+            </a:r>
+            <a:r>
+              <a:rPr lang="en-GB" dirty="0" smtClean="0"/>
+              <a:t> </a:t>
+            </a:r>
+            <a:r>
+              <a:rPr lang="en-US" dirty="0" err="1" smtClean="0"/>
+              <a:t>Exit_Time</a:t>
+            </a:r>
+            <a:r>
+              <a:rPr lang="en-US" dirty="0" smtClean="0"/>
+              <a:t>)</a:t>
+            </a:r>
+          </a:p>
+          <a:p>
+            <a:pPr lvl="1"/>
+            <a:r>
+              <a:rPr lang="en-US" dirty="0" smtClean="0"/>
+              <a:t>Transaction(</a:t>
+            </a:r>
+            <a:r>
+              <a:rPr lang="en-US" dirty="0" err="1" smtClean="0"/>
+              <a:t>TransactionID</a:t>
+            </a:r>
+            <a:r>
+              <a:rPr lang="en-US" dirty="0" smtClean="0"/>
+              <a:t>, amount, time, </a:t>
+            </a:r>
+            <a:r>
+              <a:rPr lang="en-US" dirty="0" err="1" smtClean="0"/>
+              <a:t>transaction_type</a:t>
+            </a:r>
+            <a:r>
+              <a:rPr lang="en-US" dirty="0" smtClean="0"/>
+              <a:t>, </a:t>
+            </a:r>
+            <a:r>
+              <a:rPr lang="en-US" dirty="0" err="1" smtClean="0"/>
+              <a:t>customerID</a:t>
+            </a:r>
+            <a:r>
+              <a:rPr lang="en-US" dirty="0"/>
+              <a:t>)</a:t>
+            </a:r>
+            <a:endParaRPr lang="en-US" dirty="0" smtClean="0"/>
+          </a:p>
+          <a:p>
+            <a:r>
+              <a:rPr lang="en-US" dirty="0" err="1" smtClean="0"/>
+              <a:t>Xin</a:t>
+            </a:r>
+            <a:r>
+              <a:rPr lang="en-US" dirty="0" smtClean="0"/>
+              <a:t> </a:t>
+            </a:r>
+            <a:r>
+              <a:rPr lang="en-US" dirty="0" err="1" smtClean="0"/>
+              <a:t>việc</a:t>
+            </a:r>
+            <a:r>
+              <a:rPr lang="en-US" dirty="0" smtClean="0"/>
+              <a:t> </a:t>
+            </a:r>
+            <a:r>
+              <a:rPr lang="en-US" dirty="0" err="1" smtClean="0"/>
+              <a:t>làm</a:t>
+            </a:r>
+            <a:r>
+              <a:rPr lang="en-US" dirty="0" smtClean="0"/>
+              <a:t> ở </a:t>
+            </a:r>
+            <a:r>
+              <a:rPr lang="en-US" dirty="0" err="1" smtClean="0"/>
+              <a:t>bãi</a:t>
+            </a:r>
+            <a:r>
+              <a:rPr lang="en-US" dirty="0" smtClean="0"/>
+              <a:t> </a:t>
+            </a:r>
+            <a:r>
+              <a:rPr lang="en-US" dirty="0" err="1" smtClean="0"/>
+              <a:t>đỗ</a:t>
+            </a:r>
+            <a:endParaRPr lang="en-US" dirty="0" smtClean="0"/>
+          </a:p>
+          <a:p>
+            <a:pPr lvl="1"/>
+            <a:r>
+              <a:rPr lang="en-US" dirty="0" smtClean="0"/>
+              <a:t>Application(id, </a:t>
+            </a:r>
+            <a:r>
+              <a:rPr lang="en-US" dirty="0" err="1" smtClean="0"/>
+              <a:t>fullname</a:t>
+            </a:r>
+            <a:r>
+              <a:rPr lang="en-US" dirty="0" smtClean="0"/>
+              <a:t>, </a:t>
+            </a:r>
+            <a:r>
+              <a:rPr lang="en-US" dirty="0" err="1" smtClean="0"/>
+              <a:t>datebirth</a:t>
+            </a:r>
+            <a:r>
+              <a:rPr lang="en-US" dirty="0" smtClean="0"/>
+              <a:t>, email)</a:t>
             </a:r>
           </a:p>
         </p:txBody>
@@ -3772,7 +4025,7 @@
     </p:spTree>
     <p:extLst>
       <p:ext uri="{BB962C8B-B14F-4D97-AF65-F5344CB8AC3E}">
-        <p14:creationId xmlns:p14="http://schemas.microsoft.com/office/powerpoint/2010/main" val="3606725957"/>
+        <p14:creationId xmlns:p14="http://schemas.microsoft.com/office/powerpoint/2010/main" val="1712894505"/>
       </p:ext>
     </p:extLst>
   </p:cSld>
@@ -3816,6 +4069,229 @@
           <a:p>
             <a:r>
               <a:rPr lang="en-US" dirty="0" err="1" smtClean="0"/>
+              <a:t>Phân</a:t>
+            </a:r>
+            <a:r>
+              <a:rPr lang="en-US" dirty="0" smtClean="0"/>
+              <a:t> </a:t>
+            </a:r>
+            <a:r>
+              <a:rPr lang="en-US" dirty="0" err="1" smtClean="0"/>
+              <a:t>loại</a:t>
+            </a:r>
+            <a:endParaRPr lang="en-GB" dirty="0"/>
+          </a:p>
+        </p:txBody>
+      </p:sp>
+      <p:sp>
+        <p:nvSpPr>
+          <p:cNvPr id="3" name="Content Placeholder 2"/>
+          <p:cNvSpPr>
+            <a:spLocks noGrp="1"/>
+          </p:cNvSpPr>
+          <p:nvPr>
+            <p:ph idx="1"/>
+          </p:nvPr>
+        </p:nvSpPr>
+        <p:spPr/>
+        <p:txBody>
+          <a:bodyPr/>
+          <a:lstStyle/>
+          <a:p>
+            <a:r>
+              <a:rPr lang="en-US" dirty="0" err="1" smtClean="0"/>
+              <a:t>spot_type</a:t>
+            </a:r>
+            <a:r>
+              <a:rPr lang="en-US" dirty="0" smtClean="0"/>
+              <a:t>(…)</a:t>
+            </a:r>
+            <a:endParaRPr lang="en-US" dirty="0"/>
+          </a:p>
+          <a:p>
+            <a:r>
+              <a:rPr lang="en-US" dirty="0" err="1" smtClean="0"/>
+              <a:t>vehicle_type</a:t>
+            </a:r>
+            <a:r>
+              <a:rPr lang="en-US" dirty="0" smtClean="0"/>
+              <a:t>(…)</a:t>
+            </a:r>
+          </a:p>
+          <a:p>
+            <a:r>
+              <a:rPr lang="en-US" dirty="0" err="1" smtClean="0"/>
+              <a:t>Customer_type</a:t>
+            </a:r>
+            <a:r>
+              <a:rPr lang="en-US" dirty="0" smtClean="0"/>
+              <a:t>(…)</a:t>
+            </a:r>
+            <a:endParaRPr lang="en-GB" dirty="0"/>
+          </a:p>
+        </p:txBody>
+      </p:sp>
+    </p:spTree>
+    <p:extLst>
+      <p:ext uri="{BB962C8B-B14F-4D97-AF65-F5344CB8AC3E}">
+        <p14:creationId xmlns:p14="http://schemas.microsoft.com/office/powerpoint/2010/main" val="1107836323"/>
+      </p:ext>
+    </p:extLst>
+  </p:cSld>
+  <p:clrMapOvr>
+    <a:masterClrMapping/>
+  </p:clrMapOvr>
+</p:sld>
+</file>
+
+<file path=ppt/slides/slide13.xml><?xml version="1.0" encoding="utf-8"?>
+<p:sld xmlns:a="http://schemas.openxmlformats.org/drawingml/2006/main" xmlns:r="http://schemas.openxmlformats.org/officeDocument/2006/relationships" xmlns:p="http://schemas.openxmlformats.org/presentationml/2006/main">
+  <p:cSld>
+    <p:spTree>
+      <p:nvGrpSpPr>
+        <p:cNvPr id="1" name=""/>
+        <p:cNvGrpSpPr/>
+        <p:nvPr/>
+      </p:nvGrpSpPr>
+      <p:grpSpPr>
+        <a:xfrm>
+          <a:off x="0" y="0"/>
+          <a:ext cx="0" cy="0"/>
+          <a:chOff x="0" y="0"/>
+          <a:chExt cx="0" cy="0"/>
+        </a:xfrm>
+      </p:grpSpPr>
+      <p:sp>
+        <p:nvSpPr>
+          <p:cNvPr id="2" name="Title 1"/>
+          <p:cNvSpPr>
+            <a:spLocks noGrp="1"/>
+          </p:cNvSpPr>
+          <p:nvPr>
+            <p:ph type="title"/>
+          </p:nvPr>
+        </p:nvSpPr>
+        <p:spPr/>
+        <p:txBody>
+          <a:bodyPr/>
+          <a:lstStyle/>
+          <a:p>
+            <a:r>
+              <a:rPr lang="en-US" dirty="0" err="1" smtClean="0"/>
+              <a:t>Các</a:t>
+            </a:r>
+            <a:r>
+              <a:rPr lang="en-US" dirty="0" smtClean="0"/>
+              <a:t> </a:t>
+            </a:r>
+            <a:r>
+              <a:rPr lang="en-US" dirty="0" err="1" smtClean="0"/>
+              <a:t>ràng</a:t>
+            </a:r>
+            <a:r>
+              <a:rPr lang="en-US" dirty="0" smtClean="0"/>
+              <a:t> </a:t>
+            </a:r>
+            <a:r>
+              <a:rPr lang="en-US" dirty="0" err="1" smtClean="0"/>
+              <a:t>buộc</a:t>
+            </a:r>
+            <a:endParaRPr lang="en-GB" dirty="0"/>
+          </a:p>
+        </p:txBody>
+      </p:sp>
+      <p:sp>
+        <p:nvSpPr>
+          <p:cNvPr id="3" name="Content Placeholder 2"/>
+          <p:cNvSpPr>
+            <a:spLocks noGrp="1"/>
+          </p:cNvSpPr>
+          <p:nvPr>
+            <p:ph idx="1"/>
+          </p:nvPr>
+        </p:nvSpPr>
+        <p:spPr/>
+        <p:txBody>
+          <a:bodyPr/>
+          <a:lstStyle/>
+          <a:p>
+            <a:r>
+              <a:rPr lang="en-US" dirty="0" smtClean="0"/>
+              <a:t>UNIQUE: </a:t>
+            </a:r>
+            <a:r>
+              <a:rPr lang="en-US" dirty="0" err="1" smtClean="0"/>
+              <a:t>mssv</a:t>
+            </a:r>
+            <a:endParaRPr lang="en-US" dirty="0"/>
+          </a:p>
+          <a:p>
+            <a:r>
+              <a:rPr lang="en-US" dirty="0" smtClean="0"/>
+              <a:t>NOT NULL</a:t>
+            </a:r>
+          </a:p>
+          <a:p>
+            <a:r>
+              <a:rPr lang="en-US" dirty="0" smtClean="0"/>
+              <a:t>CHECK length(password)</a:t>
+            </a:r>
+          </a:p>
+          <a:p>
+            <a:r>
+              <a:rPr lang="en-US" dirty="0" smtClean="0"/>
+              <a:t>Trigger</a:t>
+            </a:r>
+          </a:p>
+        </p:txBody>
+      </p:sp>
+    </p:spTree>
+    <p:extLst>
+      <p:ext uri="{BB962C8B-B14F-4D97-AF65-F5344CB8AC3E}">
+        <p14:creationId xmlns:p14="http://schemas.microsoft.com/office/powerpoint/2010/main" val="3606725957"/>
+      </p:ext>
+    </p:extLst>
+  </p:cSld>
+  <p:clrMapOvr>
+    <a:masterClrMapping/>
+  </p:clrMapOvr>
+</p:sld>
+</file>
+
+<file path=ppt/slides/slide14.xml><?xml version="1.0" encoding="utf-8"?>
+<p:sld xmlns:a="http://schemas.openxmlformats.org/drawingml/2006/main" xmlns:r="http://schemas.openxmlformats.org/officeDocument/2006/relationships" xmlns:p="http://schemas.openxmlformats.org/presentationml/2006/main">
+  <p:cSld>
+    <p:spTree>
+      <p:nvGrpSpPr>
+        <p:cNvPr id="1" name=""/>
+        <p:cNvGrpSpPr/>
+        <p:nvPr/>
+      </p:nvGrpSpPr>
+      <p:grpSpPr>
+        <a:xfrm>
+          <a:off x="0" y="0"/>
+          <a:ext cx="0" cy="0"/>
+          <a:chOff x="0" y="0"/>
+          <a:chExt cx="0" cy="0"/>
+        </a:xfrm>
+      </p:grpSpPr>
+      <p:sp>
+        <p:nvSpPr>
+          <p:cNvPr id="2" name="Title 1"/>
+          <p:cNvSpPr>
+            <a:spLocks noGrp="1"/>
+          </p:cNvSpPr>
+          <p:nvPr>
+            <p:ph type="title"/>
+          </p:nvPr>
+        </p:nvSpPr>
+        <p:spPr/>
+        <p:txBody>
+          <a:bodyPr/>
+          <a:lstStyle/>
+          <a:p>
+            <a:r>
+              <a:rPr lang="en-US" dirty="0" err="1" smtClean="0"/>
               <a:t>Giao</a:t>
             </a:r>
             <a:r>
@@ -3938,6 +4414,623 @@
     <p:extLst>
       <p:ext uri="{BB962C8B-B14F-4D97-AF65-F5344CB8AC3E}">
         <p14:creationId xmlns:p14="http://schemas.microsoft.com/office/powerpoint/2010/main" val="3785814340"/>
+      </p:ext>
+    </p:extLst>
+  </p:cSld>
+  <p:clrMapOvr>
+    <a:masterClrMapping/>
+  </p:clrMapOvr>
+</p:sld>
+</file>
+
+<file path=ppt/slides/slide15.xml><?xml version="1.0" encoding="utf-8"?>
+<p:sld xmlns:a="http://schemas.openxmlformats.org/drawingml/2006/main" xmlns:r="http://schemas.openxmlformats.org/officeDocument/2006/relationships" xmlns:p="http://schemas.openxmlformats.org/presentationml/2006/main">
+  <p:cSld>
+    <p:spTree>
+      <p:nvGrpSpPr>
+        <p:cNvPr id="1" name=""/>
+        <p:cNvGrpSpPr/>
+        <p:nvPr/>
+      </p:nvGrpSpPr>
+      <p:grpSpPr>
+        <a:xfrm>
+          <a:off x="0" y="0"/>
+          <a:ext cx="0" cy="0"/>
+          <a:chOff x="0" y="0"/>
+          <a:chExt cx="0" cy="0"/>
+        </a:xfrm>
+      </p:grpSpPr>
+      <p:sp>
+        <p:nvSpPr>
+          <p:cNvPr id="2" name="Title 1"/>
+          <p:cNvSpPr>
+            <a:spLocks noGrp="1"/>
+          </p:cNvSpPr>
+          <p:nvPr>
+            <p:ph type="title"/>
+          </p:nvPr>
+        </p:nvSpPr>
+        <p:spPr/>
+        <p:txBody>
+          <a:bodyPr/>
+          <a:lstStyle/>
+          <a:p>
+            <a:r>
+              <a:rPr lang="en-US" dirty="0" err="1" smtClean="0"/>
+              <a:t>Một</a:t>
+            </a:r>
+            <a:r>
+              <a:rPr lang="en-US" dirty="0" smtClean="0"/>
+              <a:t> </a:t>
+            </a:r>
+            <a:r>
+              <a:rPr lang="en-US" dirty="0" err="1" smtClean="0"/>
+              <a:t>số</a:t>
+            </a:r>
+            <a:r>
+              <a:rPr lang="en-US" dirty="0" smtClean="0"/>
+              <a:t> </a:t>
+            </a:r>
+            <a:r>
+              <a:rPr lang="en-US" dirty="0" err="1" smtClean="0"/>
+              <a:t>truy</a:t>
+            </a:r>
+            <a:r>
+              <a:rPr lang="en-US" dirty="0" smtClean="0"/>
+              <a:t> </a:t>
+            </a:r>
+            <a:r>
+              <a:rPr lang="en-US" dirty="0" err="1" smtClean="0"/>
+              <a:t>vấn</a:t>
+            </a:r>
+            <a:r>
+              <a:rPr lang="en-US" dirty="0" smtClean="0"/>
+              <a:t> </a:t>
+            </a:r>
+            <a:r>
+              <a:rPr lang="en-US" dirty="0" err="1" smtClean="0"/>
+              <a:t>với</a:t>
+            </a:r>
+            <a:r>
+              <a:rPr lang="en-US" dirty="0" smtClean="0"/>
+              <a:t> database</a:t>
+            </a:r>
+            <a:endParaRPr lang="en-GB" dirty="0"/>
+          </a:p>
+        </p:txBody>
+      </p:sp>
+      <p:sp>
+        <p:nvSpPr>
+          <p:cNvPr id="3" name="Content Placeholder 2"/>
+          <p:cNvSpPr>
+            <a:spLocks noGrp="1"/>
+          </p:cNvSpPr>
+          <p:nvPr>
+            <p:ph idx="1"/>
+          </p:nvPr>
+        </p:nvSpPr>
+        <p:spPr/>
+        <p:txBody>
+          <a:bodyPr/>
+          <a:lstStyle/>
+          <a:p>
+            <a:r>
+              <a:rPr lang="en-US" dirty="0" err="1" smtClean="0"/>
+              <a:t>Mạnh</a:t>
+            </a:r>
+            <a:r>
+              <a:rPr lang="en-US" dirty="0" smtClean="0"/>
+              <a:t>:</a:t>
+            </a:r>
+          </a:p>
+        </p:txBody>
+      </p:sp>
+    </p:spTree>
+    <p:extLst>
+      <p:ext uri="{BB962C8B-B14F-4D97-AF65-F5344CB8AC3E}">
+        <p14:creationId xmlns:p14="http://schemas.microsoft.com/office/powerpoint/2010/main" val="451106295"/>
+      </p:ext>
+    </p:extLst>
+  </p:cSld>
+  <p:clrMapOvr>
+    <a:masterClrMapping/>
+  </p:clrMapOvr>
+</p:sld>
+</file>
+
+<file path=ppt/slides/slide16.xml><?xml version="1.0" encoding="utf-8"?>
+<p:sld xmlns:a="http://schemas.openxmlformats.org/drawingml/2006/main" xmlns:r="http://schemas.openxmlformats.org/officeDocument/2006/relationships" xmlns:p="http://schemas.openxmlformats.org/presentationml/2006/main">
+  <p:cSld>
+    <p:spTree>
+      <p:nvGrpSpPr>
+        <p:cNvPr id="1" name=""/>
+        <p:cNvGrpSpPr/>
+        <p:nvPr/>
+      </p:nvGrpSpPr>
+      <p:grpSpPr>
+        <a:xfrm>
+          <a:off x="0" y="0"/>
+          <a:ext cx="0" cy="0"/>
+          <a:chOff x="0" y="0"/>
+          <a:chExt cx="0" cy="0"/>
+        </a:xfrm>
+      </p:grpSpPr>
+      <p:sp>
+        <p:nvSpPr>
+          <p:cNvPr id="2" name="Title 1"/>
+          <p:cNvSpPr>
+            <a:spLocks noGrp="1"/>
+          </p:cNvSpPr>
+          <p:nvPr>
+            <p:ph type="title"/>
+          </p:nvPr>
+        </p:nvSpPr>
+        <p:spPr/>
+        <p:txBody>
+          <a:bodyPr/>
+          <a:lstStyle/>
+          <a:p>
+            <a:endParaRPr lang="en-GB"/>
+          </a:p>
+        </p:txBody>
+      </p:sp>
+      <p:sp>
+        <p:nvSpPr>
+          <p:cNvPr id="3" name="Content Placeholder 2"/>
+          <p:cNvSpPr>
+            <a:spLocks noGrp="1"/>
+          </p:cNvSpPr>
+          <p:nvPr>
+            <p:ph idx="1"/>
+          </p:nvPr>
+        </p:nvSpPr>
+        <p:spPr/>
+        <p:txBody>
+          <a:bodyPr>
+            <a:normAutofit/>
+          </a:bodyPr>
+          <a:lstStyle/>
+          <a:p>
+            <a:endParaRPr lang="en-GB" dirty="0"/>
+          </a:p>
+        </p:txBody>
+      </p:sp>
+    </p:spTree>
+    <p:extLst>
+      <p:ext uri="{BB962C8B-B14F-4D97-AF65-F5344CB8AC3E}">
+        <p14:creationId xmlns:p14="http://schemas.microsoft.com/office/powerpoint/2010/main" val="3271018178"/>
+      </p:ext>
+    </p:extLst>
+  </p:cSld>
+  <p:clrMapOvr>
+    <a:masterClrMapping/>
+  </p:clrMapOvr>
+</p:sld>
+</file>
+
+<file path=ppt/slides/slide17.xml><?xml version="1.0" encoding="utf-8"?>
+<p:sld xmlns:a="http://schemas.openxmlformats.org/drawingml/2006/main" xmlns:r="http://schemas.openxmlformats.org/officeDocument/2006/relationships" xmlns:p="http://schemas.openxmlformats.org/presentationml/2006/main">
+  <p:cSld>
+    <p:spTree>
+      <p:nvGrpSpPr>
+        <p:cNvPr id="1" name=""/>
+        <p:cNvGrpSpPr/>
+        <p:nvPr/>
+      </p:nvGrpSpPr>
+      <p:grpSpPr>
+        <a:xfrm>
+          <a:off x="0" y="0"/>
+          <a:ext cx="0" cy="0"/>
+          <a:chOff x="0" y="0"/>
+          <a:chExt cx="0" cy="0"/>
+        </a:xfrm>
+      </p:grpSpPr>
+      <p:sp>
+        <p:nvSpPr>
+          <p:cNvPr id="2" name="Title 1"/>
+          <p:cNvSpPr>
+            <a:spLocks noGrp="1"/>
+          </p:cNvSpPr>
+          <p:nvPr>
+            <p:ph type="title"/>
+          </p:nvPr>
+        </p:nvSpPr>
+        <p:spPr/>
+        <p:txBody>
+          <a:bodyPr/>
+          <a:lstStyle/>
+          <a:p>
+            <a:r>
+              <a:rPr lang="en-US" dirty="0" err="1" smtClean="0"/>
+              <a:t>Đánh</a:t>
+            </a:r>
+            <a:r>
+              <a:rPr lang="en-US" dirty="0" smtClean="0"/>
+              <a:t> </a:t>
+            </a:r>
+            <a:r>
+              <a:rPr lang="en-US" dirty="0" err="1" smtClean="0"/>
+              <a:t>giá</a:t>
+            </a:r>
+            <a:r>
+              <a:rPr lang="en-US" dirty="0" smtClean="0"/>
+              <a:t> – </a:t>
+            </a:r>
+            <a:r>
+              <a:rPr lang="en-US" dirty="0" err="1" smtClean="0"/>
+              <a:t>Hướng</a:t>
+            </a:r>
+            <a:r>
+              <a:rPr lang="en-US" dirty="0" smtClean="0"/>
+              <a:t> </a:t>
+            </a:r>
+            <a:r>
+              <a:rPr lang="en-US" dirty="0" err="1" smtClean="0"/>
+              <a:t>phát</a:t>
+            </a:r>
+            <a:r>
+              <a:rPr lang="en-US" dirty="0" smtClean="0"/>
+              <a:t> </a:t>
+            </a:r>
+            <a:r>
+              <a:rPr lang="en-US" dirty="0" err="1" smtClean="0"/>
+              <a:t>triền</a:t>
+            </a:r>
+            <a:endParaRPr lang="en-GB" dirty="0"/>
+          </a:p>
+        </p:txBody>
+      </p:sp>
+      <p:sp>
+        <p:nvSpPr>
+          <p:cNvPr id="3" name="Content Placeholder 2"/>
+          <p:cNvSpPr>
+            <a:spLocks noGrp="1"/>
+          </p:cNvSpPr>
+          <p:nvPr>
+            <p:ph idx="1"/>
+          </p:nvPr>
+        </p:nvSpPr>
+        <p:spPr/>
+        <p:txBody>
+          <a:bodyPr/>
+          <a:lstStyle/>
+          <a:p>
+            <a:endParaRPr lang="en-GB"/>
+          </a:p>
+        </p:txBody>
+      </p:sp>
+    </p:spTree>
+    <p:extLst>
+      <p:ext uri="{BB962C8B-B14F-4D97-AF65-F5344CB8AC3E}">
+        <p14:creationId xmlns:p14="http://schemas.microsoft.com/office/powerpoint/2010/main" val="2367748060"/>
+      </p:ext>
+    </p:extLst>
+  </p:cSld>
+  <p:clrMapOvr>
+    <a:masterClrMapping/>
+  </p:clrMapOvr>
+</p:sld>
+</file>
+
+<file path=ppt/slides/slide18.xml><?xml version="1.0" encoding="utf-8"?>
+<p:sld xmlns:a="http://schemas.openxmlformats.org/drawingml/2006/main" xmlns:r="http://schemas.openxmlformats.org/officeDocument/2006/relationships" xmlns:p="http://schemas.openxmlformats.org/presentationml/2006/main">
+  <p:cSld>
+    <p:spTree>
+      <p:nvGrpSpPr>
+        <p:cNvPr id="1" name=""/>
+        <p:cNvGrpSpPr/>
+        <p:nvPr/>
+      </p:nvGrpSpPr>
+      <p:grpSpPr>
+        <a:xfrm>
+          <a:off x="0" y="0"/>
+          <a:ext cx="0" cy="0"/>
+          <a:chOff x="0" y="0"/>
+          <a:chExt cx="0" cy="0"/>
+        </a:xfrm>
+      </p:grpSpPr>
+      <p:sp>
+        <p:nvSpPr>
+          <p:cNvPr id="2" name="Title 1"/>
+          <p:cNvSpPr>
+            <a:spLocks noGrp="1"/>
+          </p:cNvSpPr>
+          <p:nvPr>
+            <p:ph type="title"/>
+          </p:nvPr>
+        </p:nvSpPr>
+        <p:spPr/>
+        <p:txBody>
+          <a:bodyPr/>
+          <a:lstStyle/>
+          <a:p>
+            <a:r>
+              <a:rPr lang="en-US" dirty="0" err="1" smtClean="0"/>
+              <a:t>Sản</a:t>
+            </a:r>
+            <a:r>
+              <a:rPr lang="en-US" dirty="0" smtClean="0"/>
+              <a:t> </a:t>
+            </a:r>
+            <a:r>
+              <a:rPr lang="en-US" dirty="0" err="1" smtClean="0"/>
+              <a:t>phẩm</a:t>
+            </a:r>
+            <a:endParaRPr lang="en-GB" dirty="0"/>
+          </a:p>
+        </p:txBody>
+      </p:sp>
+      <p:sp>
+        <p:nvSpPr>
+          <p:cNvPr id="3" name="Content Placeholder 2"/>
+          <p:cNvSpPr>
+            <a:spLocks noGrp="1"/>
+          </p:cNvSpPr>
+          <p:nvPr>
+            <p:ph idx="1"/>
+          </p:nvPr>
+        </p:nvSpPr>
+        <p:spPr/>
+        <p:txBody>
+          <a:bodyPr/>
+          <a:lstStyle/>
+          <a:p>
+            <a:r>
+              <a:rPr lang="en-US" dirty="0" err="1" smtClean="0"/>
+              <a:t>Github</a:t>
+            </a:r>
+            <a:endParaRPr lang="en-US" dirty="0" smtClean="0"/>
+          </a:p>
+          <a:p>
+            <a:pPr lvl="1"/>
+            <a:r>
+              <a:rPr lang="en-GB" dirty="0" smtClean="0">
+                <a:hlinkClick r:id="rId2"/>
+              </a:rPr>
+              <a:t>https://github.com/manhnd52/hustparkinglot</a:t>
+            </a:r>
+            <a:endParaRPr lang="en-GB" dirty="0" smtClean="0"/>
+          </a:p>
+          <a:p>
+            <a:r>
+              <a:rPr lang="en-US" dirty="0" err="1" smtClean="0"/>
+              <a:t>Trải</a:t>
+            </a:r>
+            <a:r>
+              <a:rPr lang="en-US" dirty="0" smtClean="0"/>
+              <a:t> </a:t>
+            </a:r>
+            <a:r>
+              <a:rPr lang="en-US" dirty="0" err="1" smtClean="0"/>
+              <a:t>nghiệm</a:t>
+            </a:r>
+            <a:endParaRPr lang="en-US" dirty="0" smtClean="0"/>
+          </a:p>
+          <a:p>
+            <a:pPr marL="0" indent="0">
+              <a:buNone/>
+            </a:pPr>
+            <a:endParaRPr lang="en-GB" dirty="0"/>
+          </a:p>
+        </p:txBody>
+      </p:sp>
+    </p:spTree>
+    <p:extLst>
+      <p:ext uri="{BB962C8B-B14F-4D97-AF65-F5344CB8AC3E}">
+        <p14:creationId xmlns:p14="http://schemas.microsoft.com/office/powerpoint/2010/main" val="1216778749"/>
+      </p:ext>
+    </p:extLst>
+  </p:cSld>
+  <p:clrMapOvr>
+    <a:masterClrMapping/>
+  </p:clrMapOvr>
+</p:sld>
+</file>
+
+<file path=ppt/slides/slide19.xml><?xml version="1.0" encoding="utf-8"?>
+<p:sld xmlns:a="http://schemas.openxmlformats.org/drawingml/2006/main" xmlns:r="http://schemas.openxmlformats.org/officeDocument/2006/relationships" xmlns:p="http://schemas.openxmlformats.org/presentationml/2006/main">
+  <p:cSld>
+    <p:spTree>
+      <p:nvGrpSpPr>
+        <p:cNvPr id="1" name=""/>
+        <p:cNvGrpSpPr/>
+        <p:nvPr/>
+      </p:nvGrpSpPr>
+      <p:grpSpPr>
+        <a:xfrm>
+          <a:off x="0" y="0"/>
+          <a:ext cx="0" cy="0"/>
+          <a:chOff x="0" y="0"/>
+          <a:chExt cx="0" cy="0"/>
+        </a:xfrm>
+      </p:grpSpPr>
+      <p:sp>
+        <p:nvSpPr>
+          <p:cNvPr id="2" name="Title 1"/>
+          <p:cNvSpPr>
+            <a:spLocks noGrp="1"/>
+          </p:cNvSpPr>
+          <p:nvPr>
+            <p:ph type="title"/>
+          </p:nvPr>
+        </p:nvSpPr>
+        <p:spPr/>
+        <p:txBody>
+          <a:bodyPr/>
+          <a:lstStyle/>
+          <a:p>
+            <a:r>
+              <a:rPr lang="en-US" dirty="0" err="1" smtClean="0"/>
+              <a:t>Tài</a:t>
+            </a:r>
+            <a:r>
+              <a:rPr lang="en-US" dirty="0" smtClean="0"/>
+              <a:t> </a:t>
+            </a:r>
+            <a:r>
+              <a:rPr lang="en-US" dirty="0" err="1" smtClean="0"/>
+              <a:t>liệu</a:t>
+            </a:r>
+            <a:r>
+              <a:rPr lang="en-US" dirty="0" smtClean="0"/>
+              <a:t> </a:t>
+            </a:r>
+            <a:r>
+              <a:rPr lang="en-US" dirty="0" err="1" smtClean="0"/>
+              <a:t>tham</a:t>
+            </a:r>
+            <a:r>
+              <a:rPr lang="en-US" dirty="0" smtClean="0"/>
+              <a:t> </a:t>
+            </a:r>
+            <a:r>
+              <a:rPr lang="en-US" dirty="0" err="1" smtClean="0"/>
+              <a:t>khảo</a:t>
+            </a:r>
+            <a:endParaRPr lang="en-GB" dirty="0"/>
+          </a:p>
+        </p:txBody>
+      </p:sp>
+      <p:sp>
+        <p:nvSpPr>
+          <p:cNvPr id="3" name="Content Placeholder 2"/>
+          <p:cNvSpPr>
+            <a:spLocks noGrp="1"/>
+          </p:cNvSpPr>
+          <p:nvPr>
+            <p:ph idx="1"/>
+          </p:nvPr>
+        </p:nvSpPr>
+        <p:spPr/>
+        <p:txBody>
+          <a:bodyPr/>
+          <a:lstStyle/>
+          <a:p>
+            <a:r>
+              <a:rPr lang="en-US" dirty="0" err="1" smtClean="0"/>
+              <a:t>PostgresTutorial</a:t>
+            </a:r>
+            <a:endParaRPr lang="en-US" dirty="0" smtClean="0"/>
+          </a:p>
+          <a:p>
+            <a:r>
+              <a:rPr lang="en-US" dirty="0" smtClean="0"/>
+              <a:t>Slide </a:t>
+            </a:r>
+            <a:r>
+              <a:rPr lang="en-US" dirty="0" err="1" smtClean="0"/>
+              <a:t>môn</a:t>
+            </a:r>
+            <a:r>
+              <a:rPr lang="en-US" dirty="0" smtClean="0"/>
+              <a:t> </a:t>
+            </a:r>
+            <a:r>
+              <a:rPr lang="en-US" dirty="0" err="1" smtClean="0"/>
+              <a:t>Thực</a:t>
+            </a:r>
+            <a:r>
+              <a:rPr lang="en-US" dirty="0" smtClean="0"/>
+              <a:t> </a:t>
+            </a:r>
+            <a:r>
+              <a:rPr lang="en-US" dirty="0" err="1" smtClean="0"/>
+              <a:t>hành</a:t>
+            </a:r>
+            <a:r>
+              <a:rPr lang="en-US" dirty="0" smtClean="0"/>
+              <a:t> </a:t>
+            </a:r>
+            <a:r>
+              <a:rPr lang="en-US" dirty="0" err="1" smtClean="0"/>
+              <a:t>Cơ</a:t>
+            </a:r>
+            <a:r>
+              <a:rPr lang="en-US" dirty="0" smtClean="0"/>
+              <a:t> </a:t>
+            </a:r>
+            <a:r>
+              <a:rPr lang="en-US" dirty="0" err="1" smtClean="0"/>
+              <a:t>Sở</a:t>
+            </a:r>
+            <a:r>
+              <a:rPr lang="en-US" dirty="0" smtClean="0"/>
+              <a:t> </a:t>
+            </a:r>
+            <a:r>
+              <a:rPr lang="en-US" dirty="0" err="1" smtClean="0"/>
+              <a:t>dữ</a:t>
+            </a:r>
+            <a:r>
+              <a:rPr lang="en-US" dirty="0" smtClean="0"/>
+              <a:t> </a:t>
+            </a:r>
+            <a:r>
+              <a:rPr lang="en-US" dirty="0" err="1" smtClean="0"/>
+              <a:t>liệu</a:t>
+            </a:r>
+            <a:endParaRPr lang="en-US" dirty="0" smtClean="0"/>
+          </a:p>
+          <a:p>
+            <a:r>
+              <a:rPr lang="en-US" dirty="0" err="1" smtClean="0"/>
+              <a:t>ChatGPT</a:t>
+            </a:r>
+            <a:endParaRPr lang="en-US" dirty="0" smtClean="0"/>
+          </a:p>
+          <a:p>
+            <a:r>
+              <a:rPr lang="en-US" dirty="0" err="1" smtClean="0"/>
+              <a:t>Và</a:t>
+            </a:r>
+            <a:r>
+              <a:rPr lang="en-US" dirty="0" smtClean="0"/>
+              <a:t> </a:t>
+            </a:r>
+            <a:r>
+              <a:rPr lang="en-US" dirty="0" err="1" smtClean="0"/>
+              <a:t>một</a:t>
+            </a:r>
+            <a:r>
+              <a:rPr lang="en-US" dirty="0" smtClean="0"/>
+              <a:t> </a:t>
+            </a:r>
+            <a:r>
+              <a:rPr lang="en-US" dirty="0" err="1" smtClean="0"/>
+              <a:t>số</a:t>
+            </a:r>
+            <a:r>
+              <a:rPr lang="en-US" dirty="0" smtClean="0"/>
+              <a:t> </a:t>
+            </a:r>
+            <a:r>
+              <a:rPr lang="en-US" dirty="0" err="1" smtClean="0"/>
+              <a:t>nguồn</a:t>
+            </a:r>
+            <a:r>
+              <a:rPr lang="en-US" dirty="0" smtClean="0"/>
+              <a:t> </a:t>
+            </a:r>
+            <a:r>
+              <a:rPr lang="en-US" dirty="0" err="1" smtClean="0"/>
+              <a:t>thông</a:t>
+            </a:r>
+            <a:r>
+              <a:rPr lang="en-US" dirty="0" smtClean="0"/>
+              <a:t> tin </a:t>
+            </a:r>
+            <a:r>
+              <a:rPr lang="en-US" dirty="0" err="1" smtClean="0"/>
+              <a:t>khác</a:t>
+            </a:r>
+            <a:endParaRPr lang="en-GB" dirty="0"/>
+          </a:p>
+        </p:txBody>
+      </p:sp>
+    </p:spTree>
+    <p:extLst>
+      <p:ext uri="{BB962C8B-B14F-4D97-AF65-F5344CB8AC3E}">
+        <p14:creationId xmlns:p14="http://schemas.microsoft.com/office/powerpoint/2010/main" val="1100078109"/>
       </p:ext>
     </p:extLst>
   </p:cSld>
@@ -3974,7 +5067,12 @@
             <p:ph type="title"/>
           </p:nvPr>
         </p:nvSpPr>
-        <p:spPr/>
+        <p:spPr>
+          <a:xfrm>
+            <a:off x="457200" y="1447800"/>
+            <a:ext cx="8229600" cy="1143000"/>
+          </a:xfrm>
+        </p:spPr>
         <p:txBody>
           <a:bodyPr/>
           <a:lstStyle/>
@@ -4005,7 +5103,12 @@
             <p:ph idx="1"/>
           </p:nvPr>
         </p:nvSpPr>
-        <p:spPr/>
+        <p:spPr>
+          <a:xfrm>
+            <a:off x="1828800" y="2743200"/>
+            <a:ext cx="7086600" cy="3429000"/>
+          </a:xfrm>
+        </p:spPr>
         <p:txBody>
           <a:bodyPr/>
           <a:lstStyle/>
@@ -4030,7 +5133,10 @@
               <a:rPr lang="en-US" dirty="0" err="1" smtClean="0"/>
               <a:t>Mạnh</a:t>
             </a:r>
-            <a:endParaRPr lang="en-US" dirty="0" smtClean="0"/>
+            <a:r>
+              <a:rPr lang="en-US" dirty="0" smtClean="0"/>
+              <a:t> - 20225880</a:t>
+            </a:r>
           </a:p>
           <a:p>
             <a:r>
@@ -4063,7 +5169,7 @@
             </a:r>
             <a:r>
               <a:rPr lang="en-US" dirty="0" smtClean="0"/>
-              <a:t> </a:t>
+              <a:t>  - 20225636</a:t>
             </a:r>
           </a:p>
           <a:p>
@@ -4109,6 +5215,134 @@
 </p:sld>
 </file>
 
+<file path=ppt/slides/slide20.xml><?xml version="1.0" encoding="utf-8"?>
+<p:sld xmlns:a="http://schemas.openxmlformats.org/drawingml/2006/main" xmlns:r="http://schemas.openxmlformats.org/officeDocument/2006/relationships" xmlns:p="http://schemas.openxmlformats.org/presentationml/2006/main">
+  <p:cSld>
+    <p:spTree>
+      <p:nvGrpSpPr>
+        <p:cNvPr id="1" name=""/>
+        <p:cNvGrpSpPr/>
+        <p:nvPr/>
+      </p:nvGrpSpPr>
+      <p:grpSpPr>
+        <a:xfrm>
+          <a:off x="0" y="0"/>
+          <a:ext cx="0" cy="0"/>
+          <a:chOff x="0" y="0"/>
+          <a:chExt cx="0" cy="0"/>
+        </a:xfrm>
+      </p:grpSpPr>
+      <p:sp>
+        <p:nvSpPr>
+          <p:cNvPr id="2" name="Title 1"/>
+          <p:cNvSpPr>
+            <a:spLocks noGrp="1"/>
+          </p:cNvSpPr>
+          <p:nvPr>
+            <p:ph type="title"/>
+          </p:nvPr>
+        </p:nvSpPr>
+        <p:spPr>
+          <a:xfrm>
+            <a:off x="533400" y="2590800"/>
+            <a:ext cx="8229600" cy="1143000"/>
+          </a:xfrm>
+        </p:spPr>
+        <p:txBody>
+          <a:bodyPr>
+            <a:normAutofit fontScale="90000"/>
+          </a:bodyPr>
+          <a:lstStyle/>
+          <a:p>
+            <a:r>
+              <a:rPr lang="en-US" dirty="0" err="1" smtClean="0"/>
+              <a:t>Cảm</a:t>
+            </a:r>
+            <a:r>
+              <a:rPr lang="en-US" dirty="0" smtClean="0"/>
+              <a:t> </a:t>
+            </a:r>
+            <a:r>
+              <a:rPr lang="en-US" dirty="0" err="1" smtClean="0"/>
+              <a:t>ơn</a:t>
+            </a:r>
+            <a:r>
+              <a:rPr lang="en-US" dirty="0" smtClean="0"/>
+              <a:t> </a:t>
+            </a:r>
+            <a:r>
+              <a:rPr lang="en-US" dirty="0" err="1" smtClean="0"/>
+              <a:t>thầy</a:t>
+            </a:r>
+            <a:r>
+              <a:rPr lang="en-US" dirty="0" smtClean="0"/>
+              <a:t> </a:t>
+            </a:r>
+            <a:r>
+              <a:rPr lang="en-US" dirty="0" err="1" smtClean="0"/>
+              <a:t>và</a:t>
+            </a:r>
+            <a:r>
+              <a:rPr lang="en-US" dirty="0" smtClean="0"/>
+              <a:t> </a:t>
+            </a:r>
+            <a:r>
+              <a:rPr lang="en-US" dirty="0" err="1" smtClean="0"/>
+              <a:t>các</a:t>
+            </a:r>
+            <a:r>
+              <a:rPr lang="en-US" dirty="0" smtClean="0"/>
+              <a:t> </a:t>
+            </a:r>
+            <a:r>
+              <a:rPr lang="en-US" dirty="0" err="1" smtClean="0"/>
+              <a:t>bạn</a:t>
+            </a:r>
+            <a:r>
+              <a:rPr lang="en-US" dirty="0" smtClean="0"/>
+              <a:t> </a:t>
+            </a:r>
+            <a:r>
+              <a:rPr lang="en-US" dirty="0" err="1" smtClean="0"/>
+              <a:t>đã</a:t>
+            </a:r>
+            <a:r>
+              <a:rPr lang="en-US" dirty="0" smtClean="0"/>
+              <a:t> </a:t>
+            </a:r>
+            <a:r>
+              <a:rPr lang="en-US" dirty="0" err="1" smtClean="0"/>
+              <a:t>lắng</a:t>
+            </a:r>
+            <a:r>
+              <a:rPr lang="en-US" dirty="0" smtClean="0"/>
+              <a:t> </a:t>
+            </a:r>
+            <a:r>
+              <a:rPr lang="en-US" dirty="0" err="1" smtClean="0"/>
+              <a:t>nghe</a:t>
+            </a:r>
+            <a:r>
+              <a:rPr lang="en-US" dirty="0" smtClean="0"/>
+              <a:t> !</a:t>
+            </a:r>
+            <a:endParaRPr lang="en-GB" dirty="0"/>
+          </a:p>
+        </p:txBody>
+      </p:sp>
+    </p:spTree>
+    <p:extLst>
+      <p:ext uri="{BB962C8B-B14F-4D97-AF65-F5344CB8AC3E}">
+        <p14:creationId xmlns:p14="http://schemas.microsoft.com/office/powerpoint/2010/main" val="1603937752"/>
+      </p:ext>
+    </p:extLst>
+  </p:cSld>
+  <p:clrMapOvr>
+    <a:masterClrMapping/>
+  </p:clrMapOvr>
+</p:sld>
+</file>
+
 <file path=ppt/slides/slide3.xml><?xml version="1.0" encoding="utf-8"?>
 <p:sld xmlns:a="http://schemas.openxmlformats.org/drawingml/2006/main" xmlns:r="http://schemas.openxmlformats.org/officeDocument/2006/relationships" xmlns:p="http://schemas.openxmlformats.org/presentationml/2006/main">
   <p:cSld>
@@ -4244,7 +5478,6 @@
               <a:rPr lang="en-US" dirty="0" smtClean="0"/>
               <a:t> CSDL</a:t>
             </a:r>
-            <a:endParaRPr lang="en-US" dirty="0" smtClean="0"/>
           </a:p>
           <a:p>
             <a:r>
@@ -5011,6 +6244,445 @@
           <a:p>
             <a:r>
               <a:rPr lang="en-US" dirty="0" err="1" smtClean="0"/>
+              <a:t>Các</a:t>
+            </a:r>
+            <a:r>
+              <a:rPr lang="en-US" dirty="0" smtClean="0"/>
+              <a:t> </a:t>
+            </a:r>
+            <a:r>
+              <a:rPr lang="en-US" dirty="0" err="1" smtClean="0"/>
+              <a:t>bước</a:t>
+            </a:r>
+            <a:r>
+              <a:rPr lang="en-US" dirty="0" smtClean="0"/>
+              <a:t> </a:t>
+            </a:r>
+            <a:r>
+              <a:rPr lang="en-US" dirty="0" err="1" smtClean="0"/>
+              <a:t>triển</a:t>
+            </a:r>
+            <a:r>
+              <a:rPr lang="en-US" dirty="0" smtClean="0"/>
+              <a:t> </a:t>
+            </a:r>
+            <a:r>
+              <a:rPr lang="en-US" dirty="0" err="1" smtClean="0"/>
+              <a:t>khai</a:t>
+            </a:r>
+            <a:endParaRPr lang="en-GB" dirty="0"/>
+          </a:p>
+        </p:txBody>
+      </p:sp>
+      <p:sp>
+        <p:nvSpPr>
+          <p:cNvPr id="3" name="Content Placeholder 2"/>
+          <p:cNvSpPr>
+            <a:spLocks noGrp="1"/>
+          </p:cNvSpPr>
+          <p:nvPr>
+            <p:ph idx="1"/>
+          </p:nvPr>
+        </p:nvSpPr>
+        <p:spPr/>
+        <p:txBody>
+          <a:bodyPr>
+            <a:normAutofit/>
+          </a:bodyPr>
+          <a:lstStyle/>
+          <a:p>
+            <a:r>
+              <a:rPr lang="en-GB" dirty="0" err="1" smtClean="0"/>
+              <a:t>Phân</a:t>
+            </a:r>
+            <a:r>
+              <a:rPr lang="en-GB" dirty="0" smtClean="0"/>
+              <a:t> </a:t>
+            </a:r>
+            <a:r>
+              <a:rPr lang="en-GB" dirty="0" err="1" smtClean="0"/>
+              <a:t>tích</a:t>
+            </a:r>
+            <a:r>
+              <a:rPr lang="en-GB" dirty="0" smtClean="0"/>
+              <a:t> </a:t>
+            </a:r>
+            <a:r>
+              <a:rPr lang="en-GB" dirty="0" err="1" smtClean="0"/>
+              <a:t>nghiệp</a:t>
+            </a:r>
+            <a:r>
+              <a:rPr lang="en-GB" dirty="0" smtClean="0"/>
+              <a:t> </a:t>
+            </a:r>
+            <a:r>
+              <a:rPr lang="en-GB" dirty="0" err="1" smtClean="0"/>
+              <a:t>vụ</a:t>
+            </a:r>
+            <a:endParaRPr lang="en-US" dirty="0" smtClean="0"/>
+          </a:p>
+          <a:p>
+            <a:r>
+              <a:rPr lang="en-US" dirty="0" err="1" smtClean="0"/>
+              <a:t>Thiết</a:t>
+            </a:r>
+            <a:r>
+              <a:rPr lang="en-US" dirty="0" smtClean="0"/>
+              <a:t> </a:t>
+            </a:r>
+            <a:r>
+              <a:rPr lang="en-US" dirty="0" err="1" smtClean="0"/>
+              <a:t>kế</a:t>
+            </a:r>
+            <a:r>
+              <a:rPr lang="en-US" dirty="0" smtClean="0"/>
+              <a:t> </a:t>
+            </a:r>
+            <a:r>
+              <a:rPr lang="en-US" dirty="0" err="1" smtClean="0"/>
+              <a:t>cơ</a:t>
+            </a:r>
+            <a:r>
+              <a:rPr lang="en-US" dirty="0" smtClean="0"/>
+              <a:t> </a:t>
+            </a:r>
+            <a:r>
+              <a:rPr lang="en-US" dirty="0" err="1" smtClean="0"/>
+              <a:t>sở</a:t>
+            </a:r>
+            <a:r>
+              <a:rPr lang="en-US" dirty="0" smtClean="0"/>
+              <a:t> </a:t>
+            </a:r>
+            <a:r>
+              <a:rPr lang="en-US" dirty="0" err="1" smtClean="0"/>
+              <a:t>dữ</a:t>
+            </a:r>
+            <a:r>
+              <a:rPr lang="en-US" dirty="0" smtClean="0"/>
+              <a:t> </a:t>
+            </a:r>
+            <a:r>
+              <a:rPr lang="en-US" dirty="0" err="1" smtClean="0"/>
+              <a:t>liệu</a:t>
+            </a:r>
+            <a:endParaRPr lang="en-US" dirty="0" smtClean="0"/>
+          </a:p>
+          <a:p>
+            <a:r>
+              <a:rPr lang="en-US" dirty="0" err="1" smtClean="0"/>
+              <a:t>Cài</a:t>
+            </a:r>
+            <a:r>
+              <a:rPr lang="en-US" dirty="0" smtClean="0"/>
+              <a:t> </a:t>
+            </a:r>
+            <a:r>
+              <a:rPr lang="en-US" dirty="0" err="1" smtClean="0"/>
+              <a:t>đặt</a:t>
+            </a:r>
+            <a:r>
+              <a:rPr lang="en-US" dirty="0" smtClean="0"/>
+              <a:t> database </a:t>
+            </a:r>
+            <a:r>
+              <a:rPr lang="en-US" dirty="0" err="1" smtClean="0"/>
+              <a:t>trên</a:t>
+            </a:r>
+            <a:r>
+              <a:rPr lang="en-US" dirty="0" smtClean="0"/>
+              <a:t> </a:t>
+            </a:r>
+            <a:r>
+              <a:rPr lang="en-US" dirty="0" err="1" smtClean="0"/>
+              <a:t>Porstgres</a:t>
+            </a:r>
+            <a:r>
+              <a:rPr lang="en-US" dirty="0" smtClean="0"/>
+              <a:t> Database Server</a:t>
+            </a:r>
+          </a:p>
+          <a:p>
+            <a:r>
+              <a:rPr lang="en-US" dirty="0" err="1" smtClean="0"/>
+              <a:t>Phát</a:t>
+            </a:r>
+            <a:r>
+              <a:rPr lang="en-US" dirty="0" smtClean="0"/>
+              <a:t> </a:t>
+            </a:r>
+            <a:r>
+              <a:rPr lang="en-US" dirty="0" err="1" smtClean="0"/>
+              <a:t>triển</a:t>
+            </a:r>
+            <a:r>
+              <a:rPr lang="en-US" dirty="0" smtClean="0"/>
+              <a:t> </a:t>
+            </a:r>
+            <a:r>
+              <a:rPr lang="en-US" dirty="0" err="1" smtClean="0"/>
+              <a:t>ứng</a:t>
+            </a:r>
+            <a:r>
+              <a:rPr lang="en-US" dirty="0" smtClean="0"/>
+              <a:t> </a:t>
+            </a:r>
+            <a:r>
+              <a:rPr lang="en-US" dirty="0" err="1" smtClean="0"/>
+              <a:t>dụng</a:t>
+            </a:r>
+            <a:r>
+              <a:rPr lang="en-US" dirty="0" smtClean="0"/>
+              <a:t> </a:t>
+            </a:r>
+            <a:r>
+              <a:rPr lang="en-US" dirty="0" err="1" smtClean="0"/>
+              <a:t>dòng</a:t>
+            </a:r>
+            <a:r>
+              <a:rPr lang="en-US" dirty="0" smtClean="0"/>
+              <a:t> </a:t>
+            </a:r>
+            <a:r>
+              <a:rPr lang="en-US" dirty="0" err="1" smtClean="0"/>
+              <a:t>lệnh</a:t>
+            </a:r>
+            <a:r>
+              <a:rPr lang="en-US" dirty="0" smtClean="0"/>
+              <a:t> </a:t>
+            </a:r>
+            <a:r>
+              <a:rPr lang="en-US" dirty="0" err="1" smtClean="0"/>
+              <a:t>bằng</a:t>
+            </a:r>
+            <a:r>
+              <a:rPr lang="en-US" dirty="0" smtClean="0"/>
+              <a:t> Python</a:t>
+            </a:r>
+          </a:p>
+          <a:p>
+            <a:r>
+              <a:rPr lang="en-US" dirty="0" err="1" smtClean="0"/>
+              <a:t>Kiểm</a:t>
+            </a:r>
+            <a:r>
+              <a:rPr lang="en-US" dirty="0" smtClean="0"/>
+              <a:t> </a:t>
+            </a:r>
+            <a:r>
+              <a:rPr lang="en-US" dirty="0" err="1" smtClean="0"/>
+              <a:t>thử</a:t>
+            </a:r>
+            <a:r>
+              <a:rPr lang="en-US" dirty="0" smtClean="0"/>
+              <a:t> </a:t>
+            </a:r>
+            <a:r>
+              <a:rPr lang="en-US" dirty="0" err="1" smtClean="0"/>
+              <a:t>và</a:t>
+            </a:r>
+            <a:r>
+              <a:rPr lang="en-US" dirty="0" smtClean="0"/>
+              <a:t> </a:t>
+            </a:r>
+            <a:r>
+              <a:rPr lang="en-US" dirty="0" err="1" smtClean="0"/>
+              <a:t>triển</a:t>
+            </a:r>
+            <a:r>
+              <a:rPr lang="en-US" dirty="0" smtClean="0"/>
+              <a:t> </a:t>
+            </a:r>
+            <a:r>
+              <a:rPr lang="en-US" dirty="0" err="1" smtClean="0"/>
+              <a:t>khai</a:t>
+            </a:r>
+            <a:endParaRPr lang="en-US" dirty="0" smtClean="0"/>
+          </a:p>
+          <a:p>
+            <a:r>
+              <a:rPr lang="en-US" dirty="0" err="1" smtClean="0"/>
+              <a:t>Viết</a:t>
+            </a:r>
+            <a:r>
+              <a:rPr lang="en-US" dirty="0" smtClean="0"/>
+              <a:t> </a:t>
+            </a:r>
+            <a:r>
+              <a:rPr lang="en-US" dirty="0" err="1" smtClean="0"/>
+              <a:t>tài</a:t>
+            </a:r>
+            <a:r>
+              <a:rPr lang="en-US" dirty="0" smtClean="0"/>
+              <a:t> </a:t>
+            </a:r>
+            <a:r>
+              <a:rPr lang="en-US" dirty="0" err="1" smtClean="0"/>
+              <a:t>liệu</a:t>
+            </a:r>
+            <a:r>
+              <a:rPr lang="en-US" dirty="0" smtClean="0"/>
+              <a:t> </a:t>
+            </a:r>
+            <a:r>
+              <a:rPr lang="en-US" dirty="0" err="1" smtClean="0"/>
+              <a:t>hướng</a:t>
+            </a:r>
+            <a:r>
+              <a:rPr lang="en-US" dirty="0" smtClean="0"/>
+              <a:t> </a:t>
+            </a:r>
+            <a:r>
+              <a:rPr lang="en-US" dirty="0" err="1" smtClean="0"/>
+              <a:t>dẫn</a:t>
+            </a:r>
+            <a:endParaRPr lang="en-US" dirty="0"/>
+          </a:p>
+        </p:txBody>
+      </p:sp>
+    </p:spTree>
+    <p:extLst>
+      <p:ext uri="{BB962C8B-B14F-4D97-AF65-F5344CB8AC3E}">
+        <p14:creationId xmlns:p14="http://schemas.microsoft.com/office/powerpoint/2010/main" val="1763516233"/>
+      </p:ext>
+    </p:extLst>
+  </p:cSld>
+  <p:clrMapOvr>
+    <a:masterClrMapping/>
+  </p:clrMapOvr>
+</p:sld>
+</file>
+
+<file path=ppt/slides/slide6.xml><?xml version="1.0" encoding="utf-8"?>
+<p:sld xmlns:a="http://schemas.openxmlformats.org/drawingml/2006/main" xmlns:r="http://schemas.openxmlformats.org/officeDocument/2006/relationships" xmlns:p="http://schemas.openxmlformats.org/presentationml/2006/main">
+  <p:cSld>
+    <p:spTree>
+      <p:nvGrpSpPr>
+        <p:cNvPr id="1" name=""/>
+        <p:cNvGrpSpPr/>
+        <p:nvPr/>
+      </p:nvGrpSpPr>
+      <p:grpSpPr>
+        <a:xfrm>
+          <a:off x="0" y="0"/>
+          <a:ext cx="0" cy="0"/>
+          <a:chOff x="0" y="0"/>
+          <a:chExt cx="0" cy="0"/>
+        </a:xfrm>
+      </p:grpSpPr>
+      <p:sp>
+        <p:nvSpPr>
+          <p:cNvPr id="2" name="Title 1"/>
+          <p:cNvSpPr>
+            <a:spLocks noGrp="1"/>
+          </p:cNvSpPr>
+          <p:nvPr>
+            <p:ph type="title"/>
+          </p:nvPr>
+        </p:nvSpPr>
+        <p:spPr/>
+        <p:txBody>
+          <a:bodyPr/>
+          <a:lstStyle/>
+          <a:p>
+            <a:r>
+              <a:rPr lang="en-US" dirty="0" err="1" smtClean="0"/>
+              <a:t>Phân</a:t>
+            </a:r>
+            <a:r>
+              <a:rPr lang="en-US" dirty="0" smtClean="0"/>
+              <a:t> </a:t>
+            </a:r>
+            <a:r>
+              <a:rPr lang="en-US" dirty="0" err="1" smtClean="0"/>
+              <a:t>tích</a:t>
+            </a:r>
+            <a:r>
+              <a:rPr lang="en-US" dirty="0" smtClean="0"/>
+              <a:t> </a:t>
+            </a:r>
+            <a:r>
+              <a:rPr lang="en-US" dirty="0" err="1" smtClean="0"/>
+              <a:t>nghiệp</a:t>
+            </a:r>
+            <a:r>
+              <a:rPr lang="en-US" dirty="0" smtClean="0"/>
+              <a:t> </a:t>
+            </a:r>
+            <a:r>
+              <a:rPr lang="en-US" dirty="0" err="1" smtClean="0"/>
+              <a:t>vụ</a:t>
+            </a:r>
+            <a:endParaRPr lang="en-GB" dirty="0"/>
+          </a:p>
+        </p:txBody>
+      </p:sp>
+      <p:sp>
+        <p:nvSpPr>
+          <p:cNvPr id="3" name="Content Placeholder 2"/>
+          <p:cNvSpPr>
+            <a:spLocks noGrp="1"/>
+          </p:cNvSpPr>
+          <p:nvPr>
+            <p:ph idx="1"/>
+          </p:nvPr>
+        </p:nvSpPr>
+        <p:spPr/>
+        <p:txBody>
+          <a:bodyPr/>
+          <a:lstStyle/>
+          <a:p>
+            <a:endParaRPr lang="en-GB" dirty="0"/>
+          </a:p>
+        </p:txBody>
+      </p:sp>
+    </p:spTree>
+    <p:extLst>
+      <p:ext uri="{BB962C8B-B14F-4D97-AF65-F5344CB8AC3E}">
+        <p14:creationId xmlns:p14="http://schemas.microsoft.com/office/powerpoint/2010/main" val="463811782"/>
+      </p:ext>
+    </p:extLst>
+  </p:cSld>
+  <p:clrMapOvr>
+    <a:masterClrMapping/>
+  </p:clrMapOvr>
+</p:sld>
+</file>
+
+<file path=ppt/slides/slide7.xml><?xml version="1.0" encoding="utf-8"?>
+<p:sld xmlns:a="http://schemas.openxmlformats.org/drawingml/2006/main" xmlns:r="http://schemas.openxmlformats.org/officeDocument/2006/relationships" xmlns:p="http://schemas.openxmlformats.org/presentationml/2006/main">
+  <p:cSld>
+    <p:spTree>
+      <p:nvGrpSpPr>
+        <p:cNvPr id="1" name=""/>
+        <p:cNvGrpSpPr/>
+        <p:nvPr/>
+      </p:nvGrpSpPr>
+      <p:grpSpPr>
+        <a:xfrm>
+          <a:off x="0" y="0"/>
+          <a:ext cx="0" cy="0"/>
+          <a:chOff x="0" y="0"/>
+          <a:chExt cx="0" cy="0"/>
+        </a:xfrm>
+      </p:grpSpPr>
+      <p:sp>
+        <p:nvSpPr>
+          <p:cNvPr id="2" name="Title 1"/>
+          <p:cNvSpPr>
+            <a:spLocks noGrp="1"/>
+          </p:cNvSpPr>
+          <p:nvPr>
+            <p:ph type="title"/>
+          </p:nvPr>
+        </p:nvSpPr>
+        <p:spPr/>
+        <p:txBody>
+          <a:bodyPr/>
+          <a:lstStyle/>
+          <a:p>
+            <a:r>
+              <a:rPr lang="en-US" dirty="0" err="1" smtClean="0"/>
               <a:t>Thiết</a:t>
             </a:r>
             <a:r>
@@ -5162,7 +6834,7 @@
 </p:sld>
 </file>
 
-<file path=ppt/slides/slide6.xml><?xml version="1.0" encoding="utf-8"?>
+<file path=ppt/slides/slide8.xml><?xml version="1.0" encoding="utf-8"?>
 <p:sld xmlns:a="http://schemas.openxmlformats.org/drawingml/2006/main" xmlns:r="http://schemas.openxmlformats.org/officeDocument/2006/relationships" xmlns:p="http://schemas.openxmlformats.org/presentationml/2006/main">
   <p:cSld>
     <p:spTree>
@@ -5379,395 +7051,6 @@
 </p:sld>
 </file>
 
-<file path=ppt/slides/slide7.xml><?xml version="1.0" encoding="utf-8"?>
-<p:sld xmlns:a="http://schemas.openxmlformats.org/drawingml/2006/main" xmlns:r="http://schemas.openxmlformats.org/officeDocument/2006/relationships" xmlns:p="http://schemas.openxmlformats.org/presentationml/2006/main">
-  <p:cSld>
-    <p:spTree>
-      <p:nvGrpSpPr>
-        <p:cNvPr id="1" name=""/>
-        <p:cNvGrpSpPr/>
-        <p:nvPr/>
-      </p:nvGrpSpPr>
-      <p:grpSpPr>
-        <a:xfrm>
-          <a:off x="0" y="0"/>
-          <a:ext cx="0" cy="0"/>
-          <a:chOff x="0" y="0"/>
-          <a:chExt cx="0" cy="0"/>
-        </a:xfrm>
-      </p:grpSpPr>
-      <p:sp>
-        <p:nvSpPr>
-          <p:cNvPr id="2" name="Title 1"/>
-          <p:cNvSpPr>
-            <a:spLocks noGrp="1"/>
-          </p:cNvSpPr>
-          <p:nvPr>
-            <p:ph type="title"/>
-          </p:nvPr>
-        </p:nvSpPr>
-        <p:spPr/>
-        <p:txBody>
-          <a:bodyPr/>
-          <a:lstStyle/>
-          <a:p>
-            <a:r>
-              <a:rPr lang="en-US" dirty="0" err="1" smtClean="0"/>
-              <a:t>Quản</a:t>
-            </a:r>
-            <a:r>
-              <a:rPr lang="en-US" dirty="0" smtClean="0"/>
-              <a:t> </a:t>
-            </a:r>
-            <a:r>
-              <a:rPr lang="en-US" dirty="0" err="1" smtClean="0"/>
-              <a:t>lý</a:t>
-            </a:r>
-            <a:r>
-              <a:rPr lang="en-US" dirty="0" smtClean="0"/>
-              <a:t> </a:t>
-            </a:r>
-            <a:r>
-              <a:rPr lang="en-US" dirty="0" err="1" smtClean="0"/>
-              <a:t>khách</a:t>
-            </a:r>
-            <a:r>
-              <a:rPr lang="en-US" dirty="0" smtClean="0"/>
-              <a:t> </a:t>
-            </a:r>
-            <a:r>
-              <a:rPr lang="en-US" dirty="0" err="1" smtClean="0"/>
-              <a:t>hàng</a:t>
-            </a:r>
-            <a:endParaRPr lang="en-GB" dirty="0"/>
-          </a:p>
-        </p:txBody>
-      </p:sp>
-      <p:sp>
-        <p:nvSpPr>
-          <p:cNvPr id="3" name="Content Placeholder 2"/>
-          <p:cNvSpPr>
-            <a:spLocks noGrp="1"/>
-          </p:cNvSpPr>
-          <p:nvPr>
-            <p:ph idx="1"/>
-          </p:nvPr>
-        </p:nvSpPr>
-        <p:spPr/>
-        <p:txBody>
-          <a:bodyPr/>
-          <a:lstStyle/>
-          <a:p>
-            <a:r>
-              <a:rPr lang="en-US" dirty="0" smtClean="0"/>
-              <a:t>Student(</a:t>
-            </a:r>
-            <a:r>
-              <a:rPr lang="en-US" dirty="0" err="1" smtClean="0"/>
-              <a:t>customerid</a:t>
-            </a:r>
-            <a:r>
-              <a:rPr lang="en-US" dirty="0" smtClean="0"/>
-              <a:t>, </a:t>
-            </a:r>
-            <a:r>
-              <a:rPr lang="en-US" dirty="0" err="1" smtClean="0"/>
-              <a:t>fullname</a:t>
-            </a:r>
-            <a:r>
-              <a:rPr lang="en-US" dirty="0" smtClean="0"/>
-              <a:t>, </a:t>
-            </a:r>
-            <a:r>
-              <a:rPr lang="en-US" dirty="0" err="1" smtClean="0"/>
-              <a:t>mssv</a:t>
-            </a:r>
-            <a:r>
-              <a:rPr lang="en-US" dirty="0" smtClean="0"/>
-              <a:t>, balance, password)</a:t>
-            </a:r>
-          </a:p>
-          <a:p>
-            <a:r>
-              <a:rPr lang="en-US" dirty="0" smtClean="0"/>
-              <a:t>Visitor(</a:t>
-            </a:r>
-            <a:r>
-              <a:rPr lang="en-US" dirty="0" err="1" smtClean="0"/>
-              <a:t>customerid</a:t>
-            </a:r>
-            <a:r>
-              <a:rPr lang="en-US" dirty="0" smtClean="0"/>
-              <a:t>, ticket)</a:t>
-            </a:r>
-          </a:p>
-          <a:p>
-            <a:r>
-              <a:rPr lang="en-US" dirty="0" smtClean="0"/>
-              <a:t>Customer(</a:t>
-            </a:r>
-            <a:r>
-              <a:rPr lang="en-US" dirty="0" err="1" smtClean="0"/>
-              <a:t>customerid</a:t>
-            </a:r>
-            <a:r>
-              <a:rPr lang="en-US" dirty="0" smtClean="0"/>
-              <a:t>, </a:t>
-            </a:r>
-            <a:r>
-              <a:rPr lang="en-US" dirty="0" err="1" smtClean="0"/>
-              <a:t>customertype</a:t>
-            </a:r>
-            <a:r>
-              <a:rPr lang="en-US" dirty="0" smtClean="0"/>
-              <a:t>)</a:t>
-            </a:r>
-          </a:p>
-          <a:p>
-            <a:r>
-              <a:rPr lang="en-US" dirty="0" smtClean="0"/>
-              <a:t>Vehicle(</a:t>
-            </a:r>
-            <a:r>
-              <a:rPr lang="en-US" dirty="0" err="1" smtClean="0"/>
-              <a:t>vehicleid</a:t>
-            </a:r>
-            <a:r>
-              <a:rPr lang="en-US" dirty="0" smtClean="0"/>
-              <a:t>, </a:t>
-            </a:r>
-            <a:r>
-              <a:rPr lang="en-US" dirty="0" err="1" smtClean="0"/>
-              <a:t>vehicletypeid</a:t>
-            </a:r>
-            <a:r>
-              <a:rPr lang="en-US" dirty="0" smtClean="0"/>
-              <a:t>, </a:t>
-            </a:r>
-            <a:r>
-              <a:rPr lang="en-US" dirty="0" err="1" smtClean="0"/>
-              <a:t>lisence_plate</a:t>
-            </a:r>
-            <a:r>
-              <a:rPr lang="en-US" dirty="0" smtClean="0"/>
-              <a:t>, color, </a:t>
-            </a:r>
-            <a:r>
-              <a:rPr lang="en-US" dirty="0" err="1" smtClean="0"/>
-              <a:t>customerid</a:t>
-            </a:r>
-            <a:r>
-              <a:rPr lang="en-US" dirty="0" smtClean="0"/>
-              <a:t>)</a:t>
-            </a:r>
-          </a:p>
-          <a:p>
-            <a:endParaRPr lang="en-GB" dirty="0"/>
-          </a:p>
-        </p:txBody>
-      </p:sp>
-    </p:spTree>
-    <p:extLst>
-      <p:ext uri="{BB962C8B-B14F-4D97-AF65-F5344CB8AC3E}">
-        <p14:creationId xmlns:p14="http://schemas.microsoft.com/office/powerpoint/2010/main" val="2951914285"/>
-      </p:ext>
-    </p:extLst>
-  </p:cSld>
-  <p:clrMapOvr>
-    <a:masterClrMapping/>
-  </p:clrMapOvr>
-</p:sld>
-</file>
-
-<file path=ppt/slides/slide8.xml><?xml version="1.0" encoding="utf-8"?>
-<p:sld xmlns:a="http://schemas.openxmlformats.org/drawingml/2006/main" xmlns:r="http://schemas.openxmlformats.org/officeDocument/2006/relationships" xmlns:p="http://schemas.openxmlformats.org/presentationml/2006/main">
-  <p:cSld>
-    <p:spTree>
-      <p:nvGrpSpPr>
-        <p:cNvPr id="1" name=""/>
-        <p:cNvGrpSpPr/>
-        <p:nvPr/>
-      </p:nvGrpSpPr>
-      <p:grpSpPr>
-        <a:xfrm>
-          <a:off x="0" y="0"/>
-          <a:ext cx="0" cy="0"/>
-          <a:chOff x="0" y="0"/>
-          <a:chExt cx="0" cy="0"/>
-        </a:xfrm>
-      </p:grpSpPr>
-      <p:sp>
-        <p:nvSpPr>
-          <p:cNvPr id="2" name="Title 1"/>
-          <p:cNvSpPr>
-            <a:spLocks noGrp="1"/>
-          </p:cNvSpPr>
-          <p:nvPr>
-            <p:ph type="title"/>
-          </p:nvPr>
-        </p:nvSpPr>
-        <p:spPr/>
-        <p:txBody>
-          <a:bodyPr/>
-          <a:lstStyle/>
-          <a:p>
-            <a:r>
-              <a:rPr lang="en-US" dirty="0" err="1" smtClean="0"/>
-              <a:t>Quản</a:t>
-            </a:r>
-            <a:r>
-              <a:rPr lang="en-US" dirty="0" smtClean="0"/>
-              <a:t> </a:t>
-            </a:r>
-            <a:r>
-              <a:rPr lang="en-US" dirty="0" err="1" smtClean="0"/>
-              <a:t>lý</a:t>
-            </a:r>
-            <a:r>
-              <a:rPr lang="en-US" dirty="0" smtClean="0"/>
-              <a:t> </a:t>
-            </a:r>
-            <a:r>
-              <a:rPr lang="en-US" dirty="0" err="1" smtClean="0"/>
-              <a:t>bãi</a:t>
-            </a:r>
-            <a:r>
-              <a:rPr lang="en-US" dirty="0" smtClean="0"/>
-              <a:t> </a:t>
-            </a:r>
-            <a:r>
-              <a:rPr lang="en-US" dirty="0" err="1" smtClean="0"/>
-              <a:t>đỗ</a:t>
-            </a:r>
-            <a:r>
-              <a:rPr lang="en-US" dirty="0" smtClean="0"/>
-              <a:t> </a:t>
-            </a:r>
-            <a:r>
-              <a:rPr lang="en-US" dirty="0" err="1" smtClean="0"/>
-              <a:t>xe</a:t>
-            </a:r>
-            <a:endParaRPr lang="en-GB" dirty="0"/>
-          </a:p>
-        </p:txBody>
-      </p:sp>
-      <p:sp>
-        <p:nvSpPr>
-          <p:cNvPr id="3" name="Content Placeholder 2"/>
-          <p:cNvSpPr>
-            <a:spLocks noGrp="1"/>
-          </p:cNvSpPr>
-          <p:nvPr>
-            <p:ph idx="1"/>
-          </p:nvPr>
-        </p:nvSpPr>
-        <p:spPr/>
-        <p:txBody>
-          <a:bodyPr/>
-          <a:lstStyle/>
-          <a:p>
-            <a:r>
-              <a:rPr lang="en-US" dirty="0" err="1" smtClean="0"/>
-              <a:t>Parking_Lot</a:t>
-            </a:r>
-            <a:r>
-              <a:rPr lang="en-US" dirty="0" smtClean="0"/>
-              <a:t>(</a:t>
-            </a:r>
-            <a:r>
-              <a:rPr lang="en-US" dirty="0" err="1" smtClean="0"/>
-              <a:t>parkingLotID</a:t>
-            </a:r>
-            <a:r>
-              <a:rPr lang="en-US" dirty="0" smtClean="0"/>
-              <a:t>, name, capacity)</a:t>
-            </a:r>
-          </a:p>
-          <a:p>
-            <a:r>
-              <a:rPr lang="en-US" dirty="0" err="1" smtClean="0"/>
-              <a:t>Parking_Spot</a:t>
-            </a:r>
-            <a:r>
-              <a:rPr lang="en-US" dirty="0" smtClean="0"/>
-              <a:t>(</a:t>
-            </a:r>
-            <a:r>
-              <a:rPr lang="en-US" dirty="0" err="1" smtClean="0"/>
-              <a:t>parkingSpotID</a:t>
-            </a:r>
-            <a:r>
-              <a:rPr lang="en-US" dirty="0" smtClean="0"/>
-              <a:t>, </a:t>
-            </a:r>
-            <a:r>
-              <a:rPr lang="en-US" dirty="0" err="1" smtClean="0"/>
-              <a:t>spotTypeID</a:t>
-            </a:r>
-            <a:r>
-              <a:rPr lang="en-US" dirty="0" smtClean="0"/>
-              <a:t>, </a:t>
-            </a:r>
-            <a:r>
-              <a:rPr lang="en-US" dirty="0" err="1" smtClean="0"/>
-              <a:t>parkingLotID</a:t>
-            </a:r>
-            <a:r>
-              <a:rPr lang="en-US" dirty="0" smtClean="0"/>
-              <a:t>, occupied)</a:t>
-            </a:r>
-          </a:p>
-          <a:p>
-            <a:r>
-              <a:rPr lang="en-US" dirty="0" smtClean="0"/>
-              <a:t>Staff(</a:t>
-            </a:r>
-            <a:r>
-              <a:rPr lang="en-US" dirty="0" err="1" smtClean="0"/>
-              <a:t>staffID</a:t>
-            </a:r>
-            <a:r>
-              <a:rPr lang="en-US" dirty="0" smtClean="0"/>
-              <a:t>, </a:t>
-            </a:r>
-            <a:r>
-              <a:rPr lang="en-US" dirty="0" err="1" smtClean="0"/>
-              <a:t>fullname</a:t>
-            </a:r>
-            <a:r>
-              <a:rPr lang="en-US" dirty="0" smtClean="0"/>
-              <a:t>, </a:t>
-            </a:r>
-            <a:r>
-              <a:rPr lang="en-US" dirty="0" err="1" smtClean="0"/>
-              <a:t>parkingLotID</a:t>
-            </a:r>
-            <a:r>
-              <a:rPr lang="en-US" dirty="0" smtClean="0"/>
-              <a:t>, password)</a:t>
-            </a:r>
-          </a:p>
-          <a:p>
-            <a:pPr marL="0" indent="0">
-              <a:buNone/>
-            </a:pPr>
-            <a:endParaRPr lang="en-GB" dirty="0"/>
-          </a:p>
-        </p:txBody>
-      </p:sp>
-    </p:spTree>
-    <p:extLst>
-      <p:ext uri="{BB962C8B-B14F-4D97-AF65-F5344CB8AC3E}">
-        <p14:creationId xmlns:p14="http://schemas.microsoft.com/office/powerpoint/2010/main" val="1246534415"/>
-      </p:ext>
-    </p:extLst>
-  </p:cSld>
-  <p:clrMapOvr>
-    <a:masterClrMapping/>
-  </p:clrMapOvr>
-</p:sld>
-</file>
-
 <file path=ppt/slides/slide9.xml><?xml version="1.0" encoding="utf-8"?>
 <p:sld xmlns:a="http://schemas.openxmlformats.org/drawingml/2006/main" xmlns:r="http://schemas.openxmlformats.org/officeDocument/2006/relationships" xmlns:p="http://schemas.openxmlformats.org/presentationml/2006/main">
   <p:cSld>
@@ -5802,23 +7085,31 @@
           <a:p>
             <a:r>
               <a:rPr lang="en-US" dirty="0" err="1" smtClean="0"/>
-              <a:t>Các</a:t>
-            </a:r>
-            <a:r>
-              <a:rPr lang="en-US" dirty="0" smtClean="0"/>
-              <a:t> </a:t>
-            </a:r>
-            <a:r>
-              <a:rPr lang="en-US" dirty="0" err="1" smtClean="0"/>
-              <a:t>thao</a:t>
-            </a:r>
-            <a:r>
-              <a:rPr lang="en-US" dirty="0" smtClean="0"/>
-              <a:t> </a:t>
-            </a:r>
-            <a:r>
-              <a:rPr lang="en-US" dirty="0" err="1" smtClean="0"/>
-              <a:t>tác</a:t>
+              <a:t>Quản</a:t>
+            </a:r>
+            <a:r>
+              <a:rPr lang="en-US" dirty="0" smtClean="0"/>
+              <a:t> </a:t>
+            </a:r>
+            <a:r>
+              <a:rPr lang="en-US" dirty="0" err="1" smtClean="0"/>
+              <a:t>lý</a:t>
+            </a:r>
+            <a:r>
+              <a:rPr lang="en-US" dirty="0" smtClean="0"/>
+              <a:t> </a:t>
+            </a:r>
+            <a:r>
+              <a:rPr lang="en-US" dirty="0" err="1" smtClean="0"/>
+              <a:t>khách</a:t>
+            </a:r>
+            <a:r>
+              <a:rPr lang="en-US" dirty="0" smtClean="0"/>
+              <a:t> </a:t>
+            </a:r>
+            <a:r>
+              <a:rPr lang="en-US" dirty="0" err="1" smtClean="0"/>
+              <a:t>hàng</a:t>
             </a:r>
             <a:endParaRPr lang="en-GB" dirty="0"/>
           </a:p>
@@ -5836,22 +7127,16 @@
         </p:nvSpPr>
         <p:spPr/>
         <p:txBody>
-          <a:bodyPr>
-            <a:normAutofit/>
-          </a:bodyPr>
-          <a:lstStyle/>
-          <a:p>
-            <a:r>
-              <a:rPr lang="en-US" dirty="0" err="1" smtClean="0"/>
-              <a:t>Gửi</a:t>
-            </a:r>
-            <a:r>
-              <a:rPr lang="en-US" dirty="0" smtClean="0"/>
-              <a:t> </a:t>
-            </a:r>
-            <a:r>
-              <a:rPr lang="en-US" dirty="0" err="1" smtClean="0"/>
-              <a:t>xe</a:t>
+          <a:bodyPr/>
+          <a:lstStyle/>
+          <a:p>
+            <a:r>
+              <a:rPr lang="en-US" dirty="0" smtClean="0"/>
+              <a:t>Student(</a:t>
+            </a:r>
+            <a:r>
+              <a:rPr lang="en-US" dirty="0" err="1" smtClean="0"/>
+              <a:t>customerid</a:t>
             </a:r>
             <a:r>
               <a:rPr lang="en-US" dirty="0" smtClean="0"/>
@@ -5859,15 +7144,7 @@
             </a:r>
             <a:r>
               <a:rPr lang="en-US" dirty="0" err="1" smtClean="0"/>
-              <a:t>thanh</a:t>
-            </a:r>
-            <a:r>
-              <a:rPr lang="en-US" dirty="0" smtClean="0"/>
-              <a:t> </a:t>
-            </a:r>
-            <a:r>
-              <a:rPr lang="en-US" dirty="0" err="1" smtClean="0"/>
-              <a:t>toán</a:t>
+              <a:t>fullname</a:t>
             </a:r>
             <a:r>
               <a:rPr lang="en-US" dirty="0" smtClean="0"/>
@@ -5875,27 +7152,35 @@
             </a:r>
             <a:r>
               <a:rPr lang="en-US" dirty="0" err="1" smtClean="0"/>
-              <a:t>nạp</a:t>
-            </a:r>
-            <a:r>
-              <a:rPr lang="en-US" dirty="0" smtClean="0"/>
-              <a:t> </a:t>
-            </a:r>
-            <a:r>
-              <a:rPr lang="en-US" dirty="0" err="1" smtClean="0"/>
-              <a:t>tiền</a:t>
-            </a:r>
-            <a:endParaRPr lang="en-US" dirty="0" smtClean="0"/>
-          </a:p>
-          <a:p>
-            <a:pPr lvl="1"/>
-            <a:r>
-              <a:rPr lang="en-US" dirty="0" smtClean="0"/>
-              <a:t>Park(</a:t>
-            </a:r>
-            <a:r>
-              <a:rPr lang="en-US" dirty="0" err="1" smtClean="0"/>
-              <a:t>ParkId</a:t>
+              <a:t>mssv</a:t>
+            </a:r>
+            <a:r>
+              <a:rPr lang="en-US" dirty="0" smtClean="0"/>
+              <a:t>, balance, password)</a:t>
+            </a:r>
+          </a:p>
+          <a:p>
+            <a:r>
+              <a:rPr lang="en-US" dirty="0" smtClean="0"/>
+              <a:t>Visitor(</a:t>
+            </a:r>
+            <a:r>
+              <a:rPr lang="en-US" dirty="0" err="1" smtClean="0"/>
+              <a:t>customerid</a:t>
+            </a:r>
+            <a:r>
+              <a:rPr lang="en-US" dirty="0" smtClean="0"/>
+              <a:t>, ticket)</a:t>
+            </a:r>
+          </a:p>
+          <a:p>
+            <a:r>
+              <a:rPr lang="en-US" dirty="0" smtClean="0"/>
+              <a:t>Customer(</a:t>
+            </a:r>
+            <a:r>
+              <a:rPr lang="en-US" dirty="0" err="1" smtClean="0"/>
+              <a:t>customerid</a:t>
             </a:r>
             <a:r>
               <a:rPr lang="en-US" dirty="0" smtClean="0"/>
@@ -5903,7 +7188,21 @@
             </a:r>
             <a:r>
               <a:rPr lang="en-US" dirty="0" err="1" smtClean="0"/>
-              <a:t>VehicleId</a:t>
+              <a:t>customertype</a:t>
+            </a:r>
+            <a:r>
+              <a:rPr lang="en-US" dirty="0" smtClean="0"/>
+              <a:t>)</a:t>
+            </a:r>
+          </a:p>
+          <a:p>
+            <a:r>
+              <a:rPr lang="en-US" dirty="0" smtClean="0"/>
+              <a:t>Vehicle(</a:t>
+            </a:r>
+            <a:r>
+              <a:rPr lang="en-US" dirty="0" err="1" smtClean="0"/>
+              <a:t>vehicleid</a:t>
             </a:r>
             <a:r>
               <a:rPr lang="en-US" dirty="0" smtClean="0"/>
@@ -5911,7 +7210,7 @@
             </a:r>
             <a:r>
               <a:rPr lang="en-US" dirty="0" err="1" smtClean="0"/>
-              <a:t>ParkingSpotId</a:t>
+              <a:t>vehicletypeid</a:t>
             </a:r>
             <a:r>
               <a:rPr lang="en-US" dirty="0" smtClean="0"/>
@@ -5919,19 +7218,15 @@
             </a:r>
             <a:r>
               <a:rPr lang="en-US" dirty="0" err="1" smtClean="0"/>
-              <a:t>Entry_Time</a:t>
-            </a:r>
-            <a:r>
-              <a:rPr lang="en-US" dirty="0" smtClean="0"/>
-              <a:t>,</a:t>
-            </a:r>
-            <a:r>
-              <a:rPr lang="en-GB" dirty="0" smtClean="0"/>
-              <a:t> </a:t>
-            </a:r>
-            <a:r>
-              <a:rPr lang="en-US" dirty="0" err="1" smtClean="0"/>
-              <a:t>Exit_Time</a:t>
+              <a:t>lisence_plate</a:t>
+            </a:r>
+            <a:r>
+              <a:rPr lang="en-US" dirty="0" smtClean="0"/>
+              <a:t>, color, </a:t>
+            </a:r>
+            <a:r>
+              <a:rPr lang="en-US" dirty="0" err="1" smtClean="0"/>
+              <a:t>customerid</a:t>
             </a:r>
             <a:r>
               <a:rPr lang="en-US" dirty="0" smtClean="0"/>
@@ -5939,105 +7234,14 @@
             </a:r>
           </a:p>
           <a:p>
-            <a:pPr lvl="1"/>
-            <a:r>
-              <a:rPr lang="en-US" dirty="0" smtClean="0"/>
-              <a:t>Transaction(</a:t>
-            </a:r>
-            <a:r>
-              <a:rPr lang="en-US" dirty="0" err="1" smtClean="0"/>
-              <a:t>TransactionID</a:t>
-            </a:r>
-            <a:r>
-              <a:rPr lang="en-US" dirty="0" smtClean="0"/>
-              <a:t>, amount, time, </a:t>
-            </a:r>
-            <a:r>
-              <a:rPr lang="en-US" dirty="0" err="1" smtClean="0"/>
-              <a:t>transaction_type</a:t>
-            </a:r>
-            <a:r>
-              <a:rPr lang="en-US" dirty="0" smtClean="0"/>
-              <a:t>, </a:t>
-            </a:r>
-            <a:r>
-              <a:rPr lang="en-US" dirty="0" err="1" smtClean="0"/>
-              <a:t>customerID</a:t>
-            </a:r>
-            <a:r>
-              <a:rPr lang="en-US" dirty="0"/>
-              <a:t>)</a:t>
-            </a:r>
-            <a:endParaRPr lang="en-US" dirty="0" smtClean="0"/>
-          </a:p>
-          <a:p>
-            <a:r>
-              <a:rPr lang="en-US" dirty="0" err="1" smtClean="0"/>
-              <a:t>Xin</a:t>
-            </a:r>
-            <a:r>
-              <a:rPr lang="en-US" dirty="0" smtClean="0"/>
-              <a:t> </a:t>
-            </a:r>
-            <a:r>
-              <a:rPr lang="en-US" dirty="0" err="1" smtClean="0"/>
-              <a:t>việc</a:t>
-            </a:r>
-            <a:r>
-              <a:rPr lang="en-US" dirty="0" smtClean="0"/>
-              <a:t> </a:t>
-            </a:r>
-            <a:r>
-              <a:rPr lang="en-US" dirty="0" err="1" smtClean="0"/>
-              <a:t>làm</a:t>
-            </a:r>
-            <a:r>
-              <a:rPr lang="en-US" dirty="0" smtClean="0"/>
-              <a:t> ở </a:t>
-            </a:r>
-            <a:r>
-              <a:rPr lang="en-US" dirty="0" err="1" smtClean="0"/>
-              <a:t>bãi</a:t>
-            </a:r>
-            <a:r>
-              <a:rPr lang="en-US" dirty="0" smtClean="0"/>
-              <a:t> </a:t>
-            </a:r>
-            <a:r>
-              <a:rPr lang="en-US" dirty="0" err="1" smtClean="0"/>
-              <a:t>đỗ</a:t>
-            </a:r>
-            <a:endParaRPr lang="en-US" dirty="0" smtClean="0"/>
-          </a:p>
-          <a:p>
-            <a:pPr lvl="1"/>
-            <a:r>
-              <a:rPr lang="en-US" dirty="0" smtClean="0"/>
-              <a:t>Application(id, </a:t>
-            </a:r>
-            <a:r>
-              <a:rPr lang="en-US" dirty="0" err="1" smtClean="0"/>
-              <a:t>fullname</a:t>
-            </a:r>
-            <a:r>
-              <a:rPr lang="en-US" dirty="0" smtClean="0"/>
-              <a:t>, </a:t>
-            </a:r>
-            <a:r>
-              <a:rPr lang="en-US" dirty="0" err="1" smtClean="0"/>
-              <a:t>datebirth</a:t>
-            </a:r>
-            <a:r>
-              <a:rPr lang="en-US" dirty="0" smtClean="0"/>
-              <a:t>, email)</a:t>
-            </a:r>
+            <a:endParaRPr lang="en-GB" dirty="0"/>
           </a:p>
         </p:txBody>
       </p:sp>
     </p:spTree>
     <p:extLst>
       <p:ext uri="{BB962C8B-B14F-4D97-AF65-F5344CB8AC3E}">
-        <p14:creationId xmlns:p14="http://schemas.microsoft.com/office/powerpoint/2010/main" val="1712894505"/>
+        <p14:creationId xmlns:p14="http://schemas.microsoft.com/office/powerpoint/2010/main" val="2951914285"/>
       </p:ext>
     </p:extLst>
   </p:cSld>

--- a/readme/slide.pptx
+++ b/readme/slide.pptx
@@ -9,22 +9,32 @@
     <p:sldId id="257" r:id="rId3"/>
     <p:sldId id="258" r:id="rId4"/>
     <p:sldId id="259" r:id="rId5"/>
-    <p:sldId id="268" r:id="rId6"/>
-    <p:sldId id="275" r:id="rId7"/>
-    <p:sldId id="260" r:id="rId8"/>
-    <p:sldId id="261" r:id="rId9"/>
-    <p:sldId id="262" r:id="rId10"/>
-    <p:sldId id="263" r:id="rId11"/>
-    <p:sldId id="264" r:id="rId12"/>
-    <p:sldId id="265" r:id="rId13"/>
-    <p:sldId id="266" r:id="rId14"/>
-    <p:sldId id="267" r:id="rId15"/>
-    <p:sldId id="276" r:id="rId16"/>
-    <p:sldId id="277" r:id="rId17"/>
-    <p:sldId id="272" r:id="rId18"/>
-    <p:sldId id="270" r:id="rId19"/>
-    <p:sldId id="274" r:id="rId20"/>
-    <p:sldId id="271" r:id="rId21"/>
+    <p:sldId id="272" r:id="rId6"/>
+    <p:sldId id="273" r:id="rId7"/>
+    <p:sldId id="276" r:id="rId8"/>
+    <p:sldId id="274" r:id="rId9"/>
+    <p:sldId id="275" r:id="rId10"/>
+    <p:sldId id="277" r:id="rId11"/>
+    <p:sldId id="279" r:id="rId12"/>
+    <p:sldId id="280" r:id="rId13"/>
+    <p:sldId id="286" r:id="rId14"/>
+    <p:sldId id="260" r:id="rId15"/>
+    <p:sldId id="268" r:id="rId16"/>
+    <p:sldId id="281" r:id="rId17"/>
+    <p:sldId id="282" r:id="rId18"/>
+    <p:sldId id="283" r:id="rId19"/>
+    <p:sldId id="284" r:id="rId20"/>
+    <p:sldId id="285" r:id="rId21"/>
+    <p:sldId id="261" r:id="rId22"/>
+    <p:sldId id="262" r:id="rId23"/>
+    <p:sldId id="263" r:id="rId24"/>
+    <p:sldId id="264" r:id="rId25"/>
+    <p:sldId id="265" r:id="rId26"/>
+    <p:sldId id="266" r:id="rId27"/>
+    <p:sldId id="269" r:id="rId28"/>
+    <p:sldId id="270" r:id="rId29"/>
+    <p:sldId id="271" r:id="rId30"/>
+    <p:sldId id="267" r:id="rId31"/>
   </p:sldIdLst>
   <p:sldSz cx="9144000" cy="6858000" type="screen4x3"/>
   <p:notesSz cx="6858000" cy="9144000"/>
@@ -123,6 +133,64 @@
       </a:defRPr>
     </a:lvl9pPr>
   </p:defaultTextStyle>
+  <p:extLst>
+    <p:ext uri="{521415D9-36F7-43E2-AB2F-B90AF26B5E84}">
+      <p14:sectionLst xmlns:p14="http://schemas.microsoft.com/office/powerpoint/2010/main">
+        <p14:section name="Default Section" id="{528AF8A0-689B-4F4D-921E-73BBA6C12156}">
+          <p14:sldIdLst>
+            <p14:sldId id="256"/>
+            <p14:sldId id="257"/>
+            <p14:sldId id="258"/>
+            <p14:sldId id="259"/>
+          </p14:sldIdLst>
+        </p14:section>
+        <p14:section name="Untitled Section" id="{5ED046C7-638D-4420-8CBE-66D0E6024391}">
+          <p14:sldIdLst>
+            <p14:sldId id="272"/>
+            <p14:sldId id="273"/>
+            <p14:sldId id="276"/>
+            <p14:sldId id="274"/>
+            <p14:sldId id="275"/>
+            <p14:sldId id="277"/>
+            <p14:sldId id="279"/>
+            <p14:sldId id="280"/>
+            <p14:sldId id="286"/>
+            <p14:sldId id="260"/>
+            <p14:sldId id="268"/>
+            <p14:sldId id="281"/>
+            <p14:sldId id="282"/>
+            <p14:sldId id="283"/>
+            <p14:sldId id="284"/>
+            <p14:sldId id="285"/>
+            <p14:sldId id="261"/>
+            <p14:sldId id="262"/>
+            <p14:sldId id="263"/>
+            <p14:sldId id="264"/>
+            <p14:sldId id="265"/>
+            <p14:sldId id="266"/>
+            <p14:sldId id="269"/>
+            <p14:sldId id="270"/>
+            <p14:sldId id="271"/>
+            <p14:sldId id="267"/>
+          </p14:sldIdLst>
+        </p14:section>
+      </p14:sectionLst>
+    </p:ext>
+    <p:ext uri="{EFAFB233-063F-42B5-8137-9DF3F51BA10A}">
+      <p15:sldGuideLst xmlns:p15="http://schemas.microsoft.com/office/powerpoint/2012/main" xmlns="">
+        <p15:guide id="1" orient="horz" pos="2160">
+          <p15:clr>
+            <a:srgbClr val="A4A3A4"/>
+          </p15:clr>
+        </p15:guide>
+        <p15:guide id="2" pos="2880">
+          <p15:clr>
+            <a:srgbClr val="A4A3A4"/>
+          </p15:clr>
+        </p15:guide>
+      </p15:sldGuideLst>
+    </p:ext>
+  </p:extLst>
 </p:presentation>
 </file>
 
@@ -307,7 +375,7 @@
           <a:p>
             <a:fld id="{A86886E7-A28E-4712-85AA-30A0EBC2E48A}" type="datetimeFigureOut">
               <a:rPr lang="en-GB" smtClean="0"/>
-              <a:t>05/06/2024</a:t>
+              <a:t>10/06/2024</a:t>
             </a:fld>
             <a:endParaRPr lang="en-GB"/>
           </a:p>
@@ -477,7 +545,7 @@
           <a:p>
             <a:fld id="{A86886E7-A28E-4712-85AA-30A0EBC2E48A}" type="datetimeFigureOut">
               <a:rPr lang="en-GB" smtClean="0"/>
-              <a:t>05/06/2024</a:t>
+              <a:t>10/06/2024</a:t>
             </a:fld>
             <a:endParaRPr lang="en-GB"/>
           </a:p>
@@ -657,7 +725,7 @@
           <a:p>
             <a:fld id="{A86886E7-A28E-4712-85AA-30A0EBC2E48A}" type="datetimeFigureOut">
               <a:rPr lang="en-GB" smtClean="0"/>
-              <a:t>05/06/2024</a:t>
+              <a:t>10/06/2024</a:t>
             </a:fld>
             <a:endParaRPr lang="en-GB"/>
           </a:p>
@@ -827,7 +895,7 @@
           <a:p>
             <a:fld id="{A86886E7-A28E-4712-85AA-30A0EBC2E48A}" type="datetimeFigureOut">
               <a:rPr lang="en-GB" smtClean="0"/>
-              <a:t>05/06/2024</a:t>
+              <a:t>10/06/2024</a:t>
             </a:fld>
             <a:endParaRPr lang="en-GB"/>
           </a:p>
@@ -1073,7 +1141,7 @@
           <a:p>
             <a:fld id="{A86886E7-A28E-4712-85AA-30A0EBC2E48A}" type="datetimeFigureOut">
               <a:rPr lang="en-GB" smtClean="0"/>
-              <a:t>05/06/2024</a:t>
+              <a:t>10/06/2024</a:t>
             </a:fld>
             <a:endParaRPr lang="en-GB"/>
           </a:p>
@@ -1361,7 +1429,7 @@
           <a:p>
             <a:fld id="{A86886E7-A28E-4712-85AA-30A0EBC2E48A}" type="datetimeFigureOut">
               <a:rPr lang="en-GB" smtClean="0"/>
-              <a:t>05/06/2024</a:t>
+              <a:t>10/06/2024</a:t>
             </a:fld>
             <a:endParaRPr lang="en-GB"/>
           </a:p>
@@ -1783,7 +1851,7 @@
           <a:p>
             <a:fld id="{A86886E7-A28E-4712-85AA-30A0EBC2E48A}" type="datetimeFigureOut">
               <a:rPr lang="en-GB" smtClean="0"/>
-              <a:t>05/06/2024</a:t>
+              <a:t>10/06/2024</a:t>
             </a:fld>
             <a:endParaRPr lang="en-GB"/>
           </a:p>
@@ -1901,7 +1969,7 @@
           <a:p>
             <a:fld id="{A86886E7-A28E-4712-85AA-30A0EBC2E48A}" type="datetimeFigureOut">
               <a:rPr lang="en-GB" smtClean="0"/>
-              <a:t>05/06/2024</a:t>
+              <a:t>10/06/2024</a:t>
             </a:fld>
             <a:endParaRPr lang="en-GB"/>
           </a:p>
@@ -1996,7 +2064,7 @@
           <a:p>
             <a:fld id="{A86886E7-A28E-4712-85AA-30A0EBC2E48A}" type="datetimeFigureOut">
               <a:rPr lang="en-GB" smtClean="0"/>
-              <a:t>05/06/2024</a:t>
+              <a:t>10/06/2024</a:t>
             </a:fld>
             <a:endParaRPr lang="en-GB"/>
           </a:p>
@@ -2273,7 +2341,7 @@
           <a:p>
             <a:fld id="{A86886E7-A28E-4712-85AA-30A0EBC2E48A}" type="datetimeFigureOut">
               <a:rPr lang="en-GB" smtClean="0"/>
-              <a:t>05/06/2024</a:t>
+              <a:t>10/06/2024</a:t>
             </a:fld>
             <a:endParaRPr lang="en-GB"/>
           </a:p>
@@ -2526,7 +2594,7 @@
           <a:p>
             <a:fld id="{A86886E7-A28E-4712-85AA-30A0EBC2E48A}" type="datetimeFigureOut">
               <a:rPr lang="en-GB" smtClean="0"/>
-              <a:t>05/06/2024</a:t>
+              <a:t>10/06/2024</a:t>
             </a:fld>
             <a:endParaRPr lang="en-GB"/>
           </a:p>
@@ -2739,7 +2807,7 @@
           <a:p>
             <a:fld id="{A86886E7-A28E-4712-85AA-30A0EBC2E48A}" type="datetimeFigureOut">
               <a:rPr lang="en-GB" smtClean="0"/>
-              <a:t>05/06/2024</a:t>
+              <a:t>10/06/2024</a:t>
             </a:fld>
             <a:endParaRPr lang="en-GB"/>
           </a:p>
@@ -3131,7 +3199,7 @@
           <a:p>
             <a:r>
               <a:rPr lang="en-US" dirty="0" smtClean="0"/>
-              <a:t>HỆ THỐNG QUẢN LÝ BÃI ĐỖ XE</a:t>
+              <a:t>DATABASE QUẢN LÝ BÃI ĐỖ XE</a:t>
             </a:r>
             <a:endParaRPr lang="en-GB" dirty="0"/>
           </a:p>
@@ -3596,6 +3664,51 @@
         </p:nvSpPr>
         <p:spPr/>
         <p:txBody>
+          <a:bodyPr>
+            <a:normAutofit/>
+          </a:bodyPr>
+          <a:lstStyle/>
+          <a:p>
+            <a:r>
+              <a:rPr lang="en-US" dirty="0" err="1" smtClean="0"/>
+              <a:t>Yêu</a:t>
+            </a:r>
+            <a:r>
+              <a:rPr lang="en-US" dirty="0" smtClean="0"/>
+              <a:t> </a:t>
+            </a:r>
+            <a:r>
+              <a:rPr lang="en-US" dirty="0" err="1" smtClean="0"/>
+              <a:t>cầu</a:t>
+            </a:r>
+            <a:r>
+              <a:rPr lang="en-US" dirty="0" smtClean="0"/>
+              <a:t> </a:t>
+            </a:r>
+            <a:r>
+              <a:rPr lang="en-US" dirty="0" err="1" smtClean="0"/>
+              <a:t>về</a:t>
+            </a:r>
+            <a:r>
+              <a:rPr lang="en-US" dirty="0" smtClean="0"/>
+              <a:t> CSDL</a:t>
+            </a:r>
+            <a:endParaRPr lang="en-GB" dirty="0"/>
+          </a:p>
+        </p:txBody>
+      </p:sp>
+      <p:sp>
+        <p:nvSpPr>
+          <p:cNvPr id="3" name="Content Placeholder 2"/>
+          <p:cNvSpPr>
+            <a:spLocks noGrp="1"/>
+          </p:cNvSpPr>
+          <p:nvPr>
+            <p:ph idx="1"/>
+          </p:nvPr>
+        </p:nvSpPr>
+        <p:spPr/>
+        <p:txBody>
           <a:bodyPr/>
           <a:lstStyle/>
           <a:p>
@@ -3617,6 +3730,156 @@
             </a:r>
             <a:r>
               <a:rPr lang="en-US" dirty="0" err="1" smtClean="0"/>
+              <a:t>thông</a:t>
+            </a:r>
+            <a:r>
+              <a:rPr lang="en-US" dirty="0" smtClean="0"/>
+              <a:t> tin </a:t>
+            </a:r>
+            <a:r>
+              <a:rPr lang="en-US" dirty="0" err="1" smtClean="0"/>
+              <a:t>sinh</a:t>
+            </a:r>
+            <a:r>
+              <a:rPr lang="en-US" dirty="0" smtClean="0"/>
+              <a:t> </a:t>
+            </a:r>
+            <a:r>
+              <a:rPr lang="en-US" dirty="0" err="1" smtClean="0"/>
+              <a:t>viên</a:t>
+            </a:r>
+            <a:r>
+              <a:rPr lang="en-US" dirty="0" smtClean="0"/>
+              <a:t>, </a:t>
+            </a:r>
+            <a:r>
+              <a:rPr lang="en-US" dirty="0" err="1" smtClean="0"/>
+              <a:t>nhân</a:t>
+            </a:r>
+            <a:r>
+              <a:rPr lang="en-US" dirty="0" smtClean="0"/>
+              <a:t> </a:t>
+            </a:r>
+            <a:r>
+              <a:rPr lang="en-US" dirty="0" err="1" smtClean="0"/>
+              <a:t>viên</a:t>
+            </a:r>
+            <a:endParaRPr lang="en-US" dirty="0" smtClean="0"/>
+          </a:p>
+          <a:p>
+            <a:r>
+              <a:rPr lang="en-US" dirty="0" err="1" smtClean="0"/>
+              <a:t>Quản</a:t>
+            </a:r>
+            <a:r>
+              <a:rPr lang="en-US" dirty="0" smtClean="0"/>
+              <a:t> </a:t>
+            </a:r>
+            <a:r>
+              <a:rPr lang="en-US" dirty="0" err="1" smtClean="0"/>
+              <a:t>lý</a:t>
+            </a:r>
+            <a:r>
+              <a:rPr lang="en-US" dirty="0" smtClean="0"/>
+              <a:t> </a:t>
+            </a:r>
+            <a:r>
+              <a:rPr lang="en-US" dirty="0" err="1" smtClean="0"/>
+              <a:t>xe</a:t>
+            </a:r>
+            <a:r>
+              <a:rPr lang="en-US" dirty="0" smtClean="0"/>
+              <a:t> </a:t>
+            </a:r>
+            <a:r>
+              <a:rPr lang="en-US" dirty="0" err="1"/>
+              <a:t>vào</a:t>
+            </a:r>
+            <a:r>
+              <a:rPr lang="en-US" dirty="0"/>
+              <a:t> </a:t>
+            </a:r>
+            <a:r>
+              <a:rPr lang="en-US" dirty="0" err="1" smtClean="0"/>
+              <a:t>ra</a:t>
+            </a:r>
+            <a:r>
+              <a:rPr lang="en-US" dirty="0" smtClean="0"/>
+              <a:t> </a:t>
+            </a:r>
+            <a:r>
+              <a:rPr lang="en-US" dirty="0" err="1" smtClean="0"/>
+              <a:t>vào</a:t>
+            </a:r>
+            <a:r>
+              <a:rPr lang="en-US" dirty="0" smtClean="0"/>
+              <a:t>, </a:t>
+            </a:r>
+            <a:r>
+              <a:rPr lang="en-US" dirty="0" err="1" smtClean="0"/>
+              <a:t>thanh</a:t>
+            </a:r>
+            <a:r>
+              <a:rPr lang="en-US" dirty="0" smtClean="0"/>
+              <a:t> </a:t>
+            </a:r>
+            <a:r>
+              <a:rPr lang="en-US" dirty="0" err="1" smtClean="0"/>
+              <a:t>toán</a:t>
+            </a:r>
+            <a:endParaRPr lang="en-US" dirty="0" smtClean="0"/>
+          </a:p>
+          <a:p>
+            <a:r>
+              <a:rPr lang="en-US" dirty="0" err="1" smtClean="0"/>
+              <a:t>Quản</a:t>
+            </a:r>
+            <a:r>
+              <a:rPr lang="en-US" dirty="0" smtClean="0"/>
+              <a:t> </a:t>
+            </a:r>
+            <a:r>
+              <a:rPr lang="en-US" dirty="0" err="1" smtClean="0"/>
+              <a:t>lý</a:t>
+            </a:r>
+            <a:r>
+              <a:rPr lang="en-US" dirty="0" smtClean="0"/>
+              <a:t> </a:t>
+            </a:r>
+            <a:r>
+              <a:rPr lang="en-US" dirty="0" err="1" smtClean="0"/>
+              <a:t>cơ</a:t>
+            </a:r>
+            <a:r>
+              <a:rPr lang="en-US" dirty="0" smtClean="0"/>
+              <a:t> </a:t>
+            </a:r>
+            <a:r>
+              <a:rPr lang="en-US" dirty="0" err="1" smtClean="0"/>
+              <a:t>sở</a:t>
+            </a:r>
+            <a:r>
+              <a:rPr lang="en-US" dirty="0" smtClean="0"/>
+              <a:t> </a:t>
+            </a:r>
+            <a:r>
+              <a:rPr lang="en-US" dirty="0" err="1" smtClean="0"/>
+              <a:t>hạ</a:t>
+            </a:r>
+            <a:r>
+              <a:rPr lang="en-US" dirty="0" smtClean="0"/>
+              <a:t> </a:t>
+            </a:r>
+            <a:r>
+              <a:rPr lang="en-US" dirty="0" err="1" smtClean="0"/>
+              <a:t>tầng</a:t>
+            </a:r>
+            <a:r>
+              <a:rPr lang="en-US" dirty="0" smtClean="0"/>
+              <a:t> (</a:t>
+            </a:r>
+            <a:r>
+              <a:rPr lang="en-US" dirty="0" err="1" smtClean="0"/>
               <a:t>bãi</a:t>
             </a:r>
             <a:r>
@@ -3629,130 +3892,45 @@
             </a:r>
             <a:r>
               <a:rPr lang="en-US" dirty="0" smtClean="0"/>
-              <a:t> </a:t>
-            </a:r>
-            <a:r>
-              <a:rPr lang="en-US" dirty="0" err="1" smtClean="0"/>
-              <a:t>xe</a:t>
-            </a:r>
-            <a:endParaRPr lang="en-GB" dirty="0"/>
-          </a:p>
-        </p:txBody>
-      </p:sp>
-      <p:sp>
-        <p:nvSpPr>
-          <p:cNvPr id="3" name="Content Placeholder 2"/>
-          <p:cNvSpPr>
-            <a:spLocks noGrp="1"/>
-          </p:cNvSpPr>
-          <p:nvPr>
-            <p:ph idx="1"/>
-          </p:nvPr>
-        </p:nvSpPr>
-        <p:spPr/>
-        <p:txBody>
-          <a:bodyPr/>
-          <a:lstStyle/>
-          <a:p>
-            <a:r>
-              <a:rPr lang="en-US" dirty="0" err="1" smtClean="0"/>
-              <a:t>Parking_Lot</a:t>
-            </a:r>
-            <a:r>
-              <a:rPr lang="en-US" dirty="0" smtClean="0"/>
-              <a:t>(</a:t>
-            </a:r>
-            <a:r>
-              <a:rPr lang="en-US" dirty="0" err="1" smtClean="0"/>
-              <a:t>parkingLotID</a:t>
-            </a:r>
-            <a:r>
-              <a:rPr lang="en-US" dirty="0" smtClean="0"/>
-              <a:t>, name, capacity)</a:t>
-            </a:r>
-          </a:p>
-          <a:p>
-            <a:r>
-              <a:rPr lang="en-US" dirty="0" err="1" smtClean="0"/>
-              <a:t>Parking_Spot</a:t>
-            </a:r>
-            <a:r>
-              <a:rPr lang="en-US" dirty="0" smtClean="0"/>
-              <a:t>(</a:t>
-            </a:r>
-            <a:r>
-              <a:rPr lang="en-US" dirty="0" err="1" smtClean="0"/>
-              <a:t>parkingSpotID</a:t>
-            </a:r>
-            <a:r>
-              <a:rPr lang="en-US" dirty="0" smtClean="0"/>
               <a:t>, </a:t>
             </a:r>
             <a:r>
               <a:rPr lang="en-US" dirty="0" err="1" smtClean="0"/>
-              <a:t>spotTypeID</a:t>
-            </a:r>
-            <a:r>
-              <a:rPr lang="en-US" dirty="0" smtClean="0"/>
-              <a:t>, </a:t>
-            </a:r>
-            <a:r>
-              <a:rPr lang="en-US" dirty="0" err="1" smtClean="0"/>
-              <a:t>parkingLotID</a:t>
-            </a:r>
-            <a:r>
-              <a:rPr lang="en-US" dirty="0" smtClean="0"/>
-              <a:t>, occupied)</a:t>
-            </a:r>
-          </a:p>
-          <a:p>
-            <a:r>
-              <a:rPr lang="en-US" dirty="0" smtClean="0"/>
-              <a:t>Staff(</a:t>
-            </a:r>
-            <a:r>
-              <a:rPr lang="en-US" dirty="0" err="1" smtClean="0"/>
-              <a:t>staffID</a:t>
-            </a:r>
-            <a:r>
-              <a:rPr lang="en-US" dirty="0" smtClean="0"/>
-              <a:t>, </a:t>
-            </a:r>
-            <a:r>
-              <a:rPr lang="en-US" dirty="0" err="1" smtClean="0"/>
-              <a:t>fullname</a:t>
-            </a:r>
-            <a:r>
-              <a:rPr lang="en-US" dirty="0" smtClean="0"/>
-              <a:t>, </a:t>
-            </a:r>
-            <a:r>
-              <a:rPr lang="en-US" dirty="0" err="1" smtClean="0"/>
-              <a:t>parkingLotID</a:t>
-            </a:r>
-            <a:r>
-              <a:rPr lang="en-US" dirty="0" smtClean="0"/>
-              <a:t>, password)</a:t>
-            </a:r>
-          </a:p>
-          <a:p>
-            <a:pPr marL="0" indent="0">
-              <a:buNone/>
-            </a:pPr>
-            <a:endParaRPr lang="en-GB" dirty="0"/>
+              <a:t>chỗ</a:t>
+            </a:r>
+            <a:r>
+              <a:rPr lang="en-US" dirty="0" smtClean="0"/>
+              <a:t> </a:t>
+            </a:r>
+            <a:r>
+              <a:rPr lang="en-US" dirty="0" err="1" smtClean="0"/>
+              <a:t>đỗ</a:t>
+            </a:r>
+            <a:r>
+              <a:rPr lang="en-US" dirty="0" smtClean="0"/>
+              <a:t>,…)</a:t>
+            </a:r>
+            <a:endParaRPr lang="en-US" dirty="0"/>
           </a:p>
         </p:txBody>
       </p:sp>
     </p:spTree>
     <p:extLst>
       <p:ext uri="{BB962C8B-B14F-4D97-AF65-F5344CB8AC3E}">
-        <p14:creationId xmlns:p14="http://schemas.microsoft.com/office/powerpoint/2010/main" val="1246534415"/>
+        <p14:creationId xmlns:p14="http://schemas.microsoft.com/office/powerpoint/2010/main" val="1913818860"/>
       </p:ext>
     </p:extLst>
   </p:cSld>
   <p:clrMapOvr>
     <a:masterClrMapping/>
   </p:clrMapOvr>
+  <p:timing>
+    <p:tnLst>
+      <p:par>
+        <p:cTn id="1" dur="indefinite" restart="never" nodeType="tmRoot"/>
+      </p:par>
+    </p:tnLst>
+  </p:timing>
 </p:sld>
 </file>
 
@@ -3788,27 +3966,7 @@
           <a:bodyPr/>
           <a:lstStyle/>
           <a:p>
-            <a:r>
-              <a:rPr lang="en-US" dirty="0" err="1" smtClean="0"/>
-              <a:t>Các</a:t>
-            </a:r>
-            <a:r>
-              <a:rPr lang="en-US" dirty="0" smtClean="0"/>
-              <a:t> </a:t>
-            </a:r>
-            <a:r>
-              <a:rPr lang="en-US" dirty="0" err="1" smtClean="0"/>
-              <a:t>thao</a:t>
-            </a:r>
-            <a:r>
-              <a:rPr lang="en-US" dirty="0" smtClean="0"/>
-              <a:t> </a:t>
-            </a:r>
-            <a:r>
-              <a:rPr lang="en-US" dirty="0" err="1" smtClean="0"/>
-              <a:t>tác</a:t>
-            </a:r>
-            <a:endParaRPr lang="en-GB" dirty="0"/>
+            <a:endParaRPr lang="en-GB"/>
           </a:p>
         </p:txBody>
       </p:sp>
@@ -3824,214 +3982,158 @@
         </p:nvSpPr>
         <p:spPr/>
         <p:txBody>
-          <a:bodyPr>
-            <a:normAutofit/>
-          </a:bodyPr>
+          <a:bodyPr/>
           <a:lstStyle/>
           <a:p>
-            <a:r>
-              <a:rPr lang="en-US" dirty="0" err="1" smtClean="0"/>
-              <a:t>Gửi</a:t>
-            </a:r>
-            <a:r>
-              <a:rPr lang="en-US" dirty="0" smtClean="0"/>
-              <a:t> </a:t>
-            </a:r>
-            <a:r>
-              <a:rPr lang="en-US" dirty="0" err="1" smtClean="0"/>
-              <a:t>xe</a:t>
-            </a:r>
-            <a:r>
-              <a:rPr lang="en-US" dirty="0" smtClean="0"/>
-              <a:t>, </a:t>
-            </a:r>
-            <a:r>
-              <a:rPr lang="en-US" dirty="0" err="1" smtClean="0"/>
-              <a:t>thanh</a:t>
-            </a:r>
-            <a:r>
-              <a:rPr lang="en-US" dirty="0" smtClean="0"/>
-              <a:t> </a:t>
-            </a:r>
-            <a:r>
-              <a:rPr lang="en-US" dirty="0" err="1" smtClean="0"/>
-              <a:t>toán</a:t>
-            </a:r>
-            <a:r>
-              <a:rPr lang="en-US" dirty="0" smtClean="0"/>
-              <a:t>, </a:t>
-            </a:r>
-            <a:r>
-              <a:rPr lang="en-US" dirty="0" err="1" smtClean="0"/>
-              <a:t>nạp</a:t>
-            </a:r>
-            <a:r>
-              <a:rPr lang="en-US" dirty="0" smtClean="0"/>
-              <a:t> </a:t>
-            </a:r>
-            <a:r>
-              <a:rPr lang="en-US" dirty="0" err="1" smtClean="0"/>
-              <a:t>tiền</a:t>
-            </a:r>
-            <a:endParaRPr lang="en-US" dirty="0" smtClean="0"/>
-          </a:p>
-          <a:p>
-            <a:pPr lvl="1"/>
-            <a:r>
-              <a:rPr lang="en-US" dirty="0" smtClean="0"/>
-              <a:t>Park(</a:t>
-            </a:r>
-            <a:r>
-              <a:rPr lang="en-US" dirty="0" err="1" smtClean="0"/>
-              <a:t>ParkId</a:t>
-            </a:r>
-            <a:r>
-              <a:rPr lang="en-US" dirty="0" smtClean="0"/>
-              <a:t>, </a:t>
-            </a:r>
-            <a:r>
-              <a:rPr lang="en-US" dirty="0" err="1" smtClean="0"/>
-              <a:t>VehicleId</a:t>
-            </a:r>
-            <a:r>
-              <a:rPr lang="en-US" dirty="0" smtClean="0"/>
-              <a:t>, </a:t>
-            </a:r>
-            <a:r>
-              <a:rPr lang="en-US" dirty="0" err="1" smtClean="0"/>
-              <a:t>ParkingSpotId</a:t>
-            </a:r>
-            <a:r>
-              <a:rPr lang="en-US" dirty="0" smtClean="0"/>
-              <a:t>, </a:t>
-            </a:r>
-            <a:r>
-              <a:rPr lang="en-US" dirty="0" err="1" smtClean="0"/>
-              <a:t>Entry_Time</a:t>
-            </a:r>
-            <a:r>
-              <a:rPr lang="en-US" dirty="0" smtClean="0"/>
-              <a:t>,</a:t>
-            </a:r>
-            <a:r>
-              <a:rPr lang="en-GB" dirty="0" smtClean="0"/>
-              <a:t> </a:t>
-            </a:r>
-            <a:r>
-              <a:rPr lang="en-US" dirty="0" err="1" smtClean="0"/>
-              <a:t>Exit_Time</a:t>
-            </a:r>
-            <a:r>
-              <a:rPr lang="en-US" dirty="0" smtClean="0"/>
-              <a:t>)</a:t>
-            </a:r>
-          </a:p>
-          <a:p>
-            <a:pPr lvl="1"/>
-            <a:r>
-              <a:rPr lang="en-US" dirty="0" smtClean="0"/>
-              <a:t>Transaction(</a:t>
-            </a:r>
-            <a:r>
-              <a:rPr lang="en-US" dirty="0" err="1" smtClean="0"/>
-              <a:t>TransactionID</a:t>
-            </a:r>
-            <a:r>
-              <a:rPr lang="en-US" dirty="0" smtClean="0"/>
-              <a:t>, amount, time, </a:t>
-            </a:r>
-            <a:r>
-              <a:rPr lang="en-US" dirty="0" err="1" smtClean="0"/>
-              <a:t>transaction_type</a:t>
-            </a:r>
-            <a:r>
-              <a:rPr lang="en-US" dirty="0" smtClean="0"/>
-              <a:t>, </a:t>
-            </a:r>
-            <a:r>
-              <a:rPr lang="en-US" dirty="0" err="1" smtClean="0"/>
-              <a:t>customerID</a:t>
-            </a:r>
-            <a:r>
-              <a:rPr lang="en-US" dirty="0"/>
-              <a:t>)</a:t>
-            </a:r>
-            <a:endParaRPr lang="en-US" dirty="0" smtClean="0"/>
-          </a:p>
-          <a:p>
-            <a:r>
-              <a:rPr lang="en-US" dirty="0" err="1" smtClean="0"/>
-              <a:t>Xin</a:t>
-            </a:r>
-            <a:r>
-              <a:rPr lang="en-US" dirty="0" smtClean="0"/>
-              <a:t> </a:t>
-            </a:r>
-            <a:r>
-              <a:rPr lang="en-US" dirty="0" err="1" smtClean="0"/>
-              <a:t>việc</a:t>
-            </a:r>
-            <a:r>
-              <a:rPr lang="en-US" dirty="0" smtClean="0"/>
-              <a:t> </a:t>
-            </a:r>
-            <a:r>
-              <a:rPr lang="en-US" dirty="0" err="1" smtClean="0"/>
-              <a:t>làm</a:t>
-            </a:r>
-            <a:r>
-              <a:rPr lang="en-US" dirty="0" smtClean="0"/>
-              <a:t> ở </a:t>
-            </a:r>
-            <a:r>
-              <a:rPr lang="en-US" dirty="0" err="1" smtClean="0"/>
-              <a:t>bãi</a:t>
-            </a:r>
-            <a:r>
-              <a:rPr lang="en-US" dirty="0" smtClean="0"/>
-              <a:t> </a:t>
-            </a:r>
-            <a:r>
-              <a:rPr lang="en-US" dirty="0" err="1" smtClean="0"/>
-              <a:t>đỗ</a:t>
-            </a:r>
-            <a:endParaRPr lang="en-US" dirty="0" smtClean="0"/>
-          </a:p>
-          <a:p>
-            <a:pPr lvl="1"/>
-            <a:r>
-              <a:rPr lang="en-US" dirty="0" smtClean="0"/>
-              <a:t>Application(id, </a:t>
-            </a:r>
-            <a:r>
-              <a:rPr lang="en-US" dirty="0" err="1" smtClean="0"/>
-              <a:t>fullname</a:t>
-            </a:r>
-            <a:r>
-              <a:rPr lang="en-US" dirty="0" smtClean="0"/>
-              <a:t>, </a:t>
-            </a:r>
-            <a:r>
-              <a:rPr lang="en-US" dirty="0" err="1" smtClean="0"/>
-              <a:t>datebirth</a:t>
-            </a:r>
-            <a:r>
-              <a:rPr lang="en-US" dirty="0" smtClean="0"/>
-              <a:t>, email)</a:t>
-            </a:r>
-          </a:p>
-        </p:txBody>
-      </p:sp>
+            <a:endParaRPr lang="en-GB"/>
+          </a:p>
+        </p:txBody>
+      </p:sp>
+      <p:pic>
+        <p:nvPicPr>
+          <p:cNvPr id="2050" name="Picture 2"/>
+          <p:cNvPicPr>
+            <a:picLocks noChangeAspect="1" noChangeArrowheads="1"/>
+          </p:cNvPicPr>
+          <p:nvPr/>
+        </p:nvPicPr>
+        <p:blipFill>
+          <a:blip r:embed="rId2">
+            <a:extLst>
+              <a:ext uri="{28A0092B-C50C-407E-A947-70E740481C1C}">
+                <a14:useLocalDpi xmlns:a14="http://schemas.microsoft.com/office/drawing/2010/main" val="0"/>
+              </a:ext>
+            </a:extLst>
+          </a:blip>
+          <a:srcRect/>
+          <a:stretch>
+            <a:fillRect/>
+          </a:stretch>
+        </p:blipFill>
+        <p:spPr bwMode="auto">
+          <a:xfrm>
+            <a:off x="457200" y="1371600"/>
+            <a:ext cx="8316592" cy="4648200"/>
+          </a:xfrm>
+          <a:prstGeom prst="rect">
+            <a:avLst/>
+          </a:prstGeom>
+          <a:noFill/>
+          <a:ln>
+            <a:noFill/>
+          </a:ln>
+          <a:effectLst/>
+          <a:extLst>
+            <a:ext uri="{909E8E84-426E-40DD-AFC4-6F175D3DCCD1}">
+              <a14:hiddenFill xmlns:a14="http://schemas.microsoft.com/office/drawing/2010/main">
+                <a:solidFill>
+                  <a:schemeClr val="accent1"/>
+                </a:solidFill>
+              </a14:hiddenFill>
+            </a:ext>
+            <a:ext uri="{91240B29-F687-4F45-9708-019B960494DF}">
+              <a14:hiddenLine xmlns:a14="http://schemas.microsoft.com/office/drawing/2010/main" w="9525">
+                <a:solidFill>
+                  <a:schemeClr val="tx1"/>
+                </a:solidFill>
+                <a:miter lim="800000"/>
+                <a:headEnd/>
+                <a:tailEnd/>
+              </a14:hiddenLine>
+            </a:ext>
+            <a:ext uri="{AF507438-7753-43E0-B8FC-AC1667EBCBE1}">
+              <a14:hiddenEffects xmlns:a14="http://schemas.microsoft.com/office/drawing/2010/main">
+                <a:effectLst>
+                  <a:outerShdw dist="35921" dir="2700000" algn="ctr" rotWithShape="0">
+                    <a:schemeClr val="bg2"/>
+                  </a:outerShdw>
+                </a:effectLst>
+              </a14:hiddenEffects>
+            </a:ext>
+          </a:extLst>
+        </p:spPr>
+      </p:pic>
+      <p:pic>
+        <p:nvPicPr>
+          <p:cNvPr id="2051" name="Picture 3"/>
+          <p:cNvPicPr>
+            <a:picLocks noChangeAspect="1" noChangeArrowheads="1"/>
+          </p:cNvPicPr>
+          <p:nvPr/>
+        </p:nvPicPr>
+        <p:blipFill>
+          <a:blip r:embed="rId3">
+            <a:extLst>
+              <a:ext uri="{28A0092B-C50C-407E-A947-70E740481C1C}">
+                <a14:useLocalDpi xmlns:a14="http://schemas.microsoft.com/office/drawing/2010/main" val="0"/>
+              </a:ext>
+            </a:extLst>
+          </a:blip>
+          <a:srcRect/>
+          <a:stretch>
+            <a:fillRect/>
+          </a:stretch>
+        </p:blipFill>
+        <p:spPr bwMode="auto">
+          <a:xfrm>
+            <a:off x="-34259" y="152400"/>
+            <a:ext cx="9296400" cy="6477000"/>
+          </a:xfrm>
+          <a:prstGeom prst="rect">
+            <a:avLst/>
+          </a:prstGeom>
+          <a:noFill/>
+          <a:ln>
+            <a:noFill/>
+          </a:ln>
+          <a:effectLst/>
+          <a:extLst>
+            <a:ext uri="{909E8E84-426E-40DD-AFC4-6F175D3DCCD1}">
+              <a14:hiddenFill xmlns:a14="http://schemas.microsoft.com/office/drawing/2010/main">
+                <a:solidFill>
+                  <a:schemeClr val="accent1"/>
+                </a:solidFill>
+              </a14:hiddenFill>
+            </a:ext>
+            <a:ext uri="{91240B29-F687-4F45-9708-019B960494DF}">
+              <a14:hiddenLine xmlns:a14="http://schemas.microsoft.com/office/drawing/2010/main" w="9525">
+                <a:solidFill>
+                  <a:schemeClr val="tx1"/>
+                </a:solidFill>
+                <a:miter lim="800000"/>
+                <a:headEnd/>
+                <a:tailEnd/>
+              </a14:hiddenLine>
+            </a:ext>
+            <a:ext uri="{AF507438-7753-43E0-B8FC-AC1667EBCBE1}">
+              <a14:hiddenEffects xmlns:a14="http://schemas.microsoft.com/office/drawing/2010/main">
+                <a:effectLst>
+                  <a:outerShdw dist="35921" dir="2700000" algn="ctr" rotWithShape="0">
+                    <a:schemeClr val="bg2"/>
+                  </a:outerShdw>
+                </a:effectLst>
+              </a14:hiddenEffects>
+            </a:ext>
+          </a:extLst>
+        </p:spPr>
+      </p:pic>
     </p:spTree>
     <p:extLst>
       <p:ext uri="{BB962C8B-B14F-4D97-AF65-F5344CB8AC3E}">
-        <p14:creationId xmlns:p14="http://schemas.microsoft.com/office/powerpoint/2010/main" val="1712894505"/>
+        <p14:creationId xmlns:p14="http://schemas.microsoft.com/office/powerpoint/2010/main" val="586231791"/>
       </p:ext>
     </p:extLst>
   </p:cSld>
   <p:clrMapOvr>
     <a:masterClrMapping/>
   </p:clrMapOvr>
+  <p:timing>
+    <p:tnLst>
+      <p:par>
+        <p:cTn id="1" dur="indefinite" restart="never" nodeType="tmRoot"/>
+      </p:par>
+    </p:tnLst>
+  </p:timing>
 </p:sld>
 </file>
 
@@ -4052,95 +4154,64 @@
           <a:chExt cx="0" cy="0"/>
         </a:xfrm>
       </p:grpSpPr>
-      <p:sp>
-        <p:nvSpPr>
-          <p:cNvPr id="2" name="Title 1"/>
-          <p:cNvSpPr>
-            <a:spLocks noGrp="1"/>
-          </p:cNvSpPr>
-          <p:nvPr>
-            <p:ph type="title"/>
-          </p:nvPr>
-        </p:nvSpPr>
-        <p:spPr/>
-        <p:txBody>
-          <a:bodyPr/>
-          <a:lstStyle/>
-          <a:p>
-            <a:r>
-              <a:rPr lang="en-US" dirty="0" err="1" smtClean="0"/>
-              <a:t>Phân</a:t>
-            </a:r>
-            <a:r>
-              <a:rPr lang="en-US" dirty="0" smtClean="0"/>
-              <a:t> </a:t>
-            </a:r>
-            <a:r>
-              <a:rPr lang="en-US" dirty="0" err="1" smtClean="0"/>
-              <a:t>loại</a:t>
-            </a:r>
-            <a:endParaRPr lang="en-GB" dirty="0"/>
-          </a:p>
-        </p:txBody>
-      </p:sp>
-      <p:sp>
-        <p:nvSpPr>
-          <p:cNvPr id="3" name="Content Placeholder 2"/>
-          <p:cNvSpPr>
-            <a:spLocks noGrp="1"/>
-          </p:cNvSpPr>
-          <p:nvPr>
-            <p:ph idx="1"/>
-          </p:nvPr>
-        </p:nvSpPr>
-        <p:spPr/>
-        <p:txBody>
-          <a:bodyPr/>
-          <a:lstStyle/>
-          <a:p>
-            <a:r>
-              <a:rPr lang="en-US" dirty="0" err="1" smtClean="0"/>
-              <a:t>spot_type</a:t>
-            </a:r>
-            <a:r>
-              <a:rPr lang="en-US" dirty="0" smtClean="0"/>
-              <a:t>(…)</a:t>
-            </a:r>
-            <a:endParaRPr lang="en-US" dirty="0"/>
-          </a:p>
-          <a:p>
-            <a:r>
-              <a:rPr lang="en-US" dirty="0" err="1" smtClean="0"/>
-              <a:t>vehicle_type</a:t>
-            </a:r>
-            <a:r>
-              <a:rPr lang="en-US" dirty="0" smtClean="0"/>
-              <a:t>(…)</a:t>
-            </a:r>
-          </a:p>
-          <a:p>
-            <a:r>
-              <a:rPr lang="en-US" dirty="0" err="1" smtClean="0"/>
-              <a:t>Customer_type</a:t>
-            </a:r>
-            <a:r>
-              <a:rPr lang="en-US" dirty="0" smtClean="0"/>
-              <a:t>(…)</a:t>
-            </a:r>
-            <a:endParaRPr lang="en-GB" dirty="0"/>
-          </a:p>
-        </p:txBody>
-      </p:sp>
+      <p:pic>
+        <p:nvPicPr>
+          <p:cNvPr id="3076" name="Picture 4" descr="https://documents.lucid.app/documents/c4fdb766-1919-4496-9359-825234b14683/pages/0_0?a=3703&amp;x=131&amp;y=1040&amp;w=1047&amp;h=758&amp;store=1&amp;accept=image%2F*&amp;auth=LCA%20e5b7970904f485d6b6f0de8d4a797acecaba159a178a0991d512273e7d209bf0-ts%3D1717951682"/>
+          <p:cNvPicPr>
+            <a:picLocks noChangeAspect="1" noChangeArrowheads="1"/>
+          </p:cNvPicPr>
+          <p:nvPr/>
+        </p:nvPicPr>
+        <p:blipFill>
+          <a:blip r:embed="rId2">
+            <a:extLst>
+              <a:ext uri="{28A0092B-C50C-407E-A947-70E740481C1C}">
+                <a14:useLocalDpi xmlns:a14="http://schemas.microsoft.com/office/drawing/2010/main" val="0"/>
+              </a:ext>
+            </a:extLst>
+          </a:blip>
+          <a:srcRect/>
+          <a:stretch>
+            <a:fillRect/>
+          </a:stretch>
+        </p:blipFill>
+        <p:spPr bwMode="auto">
+          <a:xfrm>
+            <a:off x="685800" y="762000"/>
+            <a:ext cx="7477125" cy="5410200"/>
+          </a:xfrm>
+          <a:prstGeom prst="rect">
+            <a:avLst/>
+          </a:prstGeom>
+          <a:noFill/>
+          <a:extLst>
+            <a:ext uri="{909E8E84-426E-40DD-AFC4-6F175D3DCCD1}">
+              <a14:hiddenFill xmlns:a14="http://schemas.microsoft.com/office/drawing/2010/main">
+                <a:solidFill>
+                  <a:srgbClr val="FFFFFF"/>
+                </a:solidFill>
+              </a14:hiddenFill>
+            </a:ext>
+          </a:extLst>
+        </p:spPr>
+      </p:pic>
     </p:spTree>
     <p:extLst>
       <p:ext uri="{BB962C8B-B14F-4D97-AF65-F5344CB8AC3E}">
-        <p14:creationId xmlns:p14="http://schemas.microsoft.com/office/powerpoint/2010/main" val="1107836323"/>
+        <p14:creationId xmlns:p14="http://schemas.microsoft.com/office/powerpoint/2010/main" val="4017399402"/>
       </p:ext>
     </p:extLst>
   </p:cSld>
   <p:clrMapOvr>
     <a:masterClrMapping/>
   </p:clrMapOvr>
+  <p:timing>
+    <p:tnLst>
+      <p:par>
+        <p:cTn id="1" dur="indefinite" restart="never" nodeType="tmRoot"/>
+      </p:par>
+    </p:tnLst>
+  </p:timing>
 </p:sld>
 </file>
 
@@ -4176,27 +4247,7 @@
           <a:bodyPr/>
           <a:lstStyle/>
           <a:p>
-            <a:r>
-              <a:rPr lang="en-US" dirty="0" err="1" smtClean="0"/>
-              <a:t>Các</a:t>
-            </a:r>
-            <a:r>
-              <a:rPr lang="en-US" dirty="0" smtClean="0"/>
-              <a:t> </a:t>
-            </a:r>
-            <a:r>
-              <a:rPr lang="en-US" dirty="0" err="1" smtClean="0"/>
-              <a:t>ràng</a:t>
-            </a:r>
-            <a:r>
-              <a:rPr lang="en-US" dirty="0" smtClean="0"/>
-              <a:t> </a:t>
-            </a:r>
-            <a:r>
-              <a:rPr lang="en-US" dirty="0" err="1" smtClean="0"/>
-              <a:t>buộc</a:t>
-            </a:r>
-            <a:endParaRPr lang="en-GB" dirty="0"/>
+            <a:endParaRPr lang="en-GB"/>
           </a:p>
         </p:txBody>
       </p:sp>
@@ -4215,40 +4266,55 @@
           <a:bodyPr/>
           <a:lstStyle/>
           <a:p>
-            <a:r>
-              <a:rPr lang="en-US" dirty="0" smtClean="0"/>
-              <a:t>UNIQUE: </a:t>
-            </a:r>
-            <a:r>
-              <a:rPr lang="en-US" dirty="0" err="1" smtClean="0"/>
-              <a:t>mssv</a:t>
-            </a:r>
-            <a:endParaRPr lang="en-US" dirty="0"/>
-          </a:p>
-          <a:p>
-            <a:r>
-              <a:rPr lang="en-US" dirty="0" smtClean="0"/>
-              <a:t>NOT NULL</a:t>
-            </a:r>
-          </a:p>
-          <a:p>
-            <a:r>
-              <a:rPr lang="en-US" dirty="0" smtClean="0"/>
-              <a:t>CHECK length(password)</a:t>
-            </a:r>
-          </a:p>
-          <a:p>
-            <a:r>
-              <a:rPr lang="en-US" dirty="0" smtClean="0"/>
-              <a:t>Trigger</a:t>
-            </a:r>
-          </a:p>
-        </p:txBody>
-      </p:sp>
+            <a:endParaRPr lang="en-GB"/>
+          </a:p>
+        </p:txBody>
+      </p:sp>
+      <p:pic>
+        <p:nvPicPr>
+          <p:cNvPr id="1026" name="Picture 2" descr="https://documents.lucid.app/documents/f0bb969f-841d-4afe-9068-ca303cce86fe/pages/0_0?a=571&amp;x=226&amp;y=148&amp;w=1168&amp;h=684&amp;store=1&amp;accept=image%2F*&amp;auth=LCA%207291c6f2b2bcdbf08cf33e8b02b68aaa2d8eb01b643b94c31d21e8aaa94ddcbc-ts%3D1718007288"/>
+          <p:cNvPicPr>
+            <a:picLocks noChangeAspect="1" noChangeArrowheads="1"/>
+          </p:cNvPicPr>
+          <p:nvPr/>
+        </p:nvPicPr>
+        <p:blipFill>
+          <a:blip r:embed="rId2">
+            <a:extLst>
+              <a:ext uri="{28A0092B-C50C-407E-A947-70E740481C1C}">
+                <a14:useLocalDpi xmlns:a14="http://schemas.microsoft.com/office/drawing/2010/main" val="0"/>
+              </a:ext>
+            </a:extLst>
+          </a:blip>
+          <a:srcRect/>
+          <a:stretch>
+            <a:fillRect/>
+          </a:stretch>
+        </p:blipFill>
+        <p:spPr bwMode="auto">
+          <a:xfrm>
+            <a:off x="381000" y="990600"/>
+            <a:ext cx="8343900" cy="4886326"/>
+          </a:xfrm>
+          <a:prstGeom prst="rect">
+            <a:avLst/>
+          </a:prstGeom>
+          <a:noFill/>
+          <a:extLst>
+            <a:ext uri="{909E8E84-426E-40DD-AFC4-6F175D3DCCD1}">
+              <a14:hiddenFill xmlns:a14="http://schemas.microsoft.com/office/drawing/2010/main">
+                <a:solidFill>
+                  <a:srgbClr val="FFFFFF"/>
+                </a:solidFill>
+              </a14:hiddenFill>
+            </a:ext>
+          </a:extLst>
+        </p:spPr>
+      </p:pic>
     </p:spTree>
     <p:extLst>
       <p:ext uri="{BB962C8B-B14F-4D97-AF65-F5344CB8AC3E}">
-        <p14:creationId xmlns:p14="http://schemas.microsoft.com/office/powerpoint/2010/main" val="3606725957"/>
+        <p14:creationId xmlns:p14="http://schemas.microsoft.com/office/powerpoint/2010/main" val="315059858"/>
       </p:ext>
     </p:extLst>
   </p:cSld>
@@ -4292,15 +4358,47 @@
           <a:p>
             <a:r>
               <a:rPr lang="en-US" dirty="0" err="1" smtClean="0"/>
-              <a:t>Giao</a:t>
-            </a:r>
-            <a:r>
-              <a:rPr lang="en-US" dirty="0" smtClean="0"/>
-              <a:t> </a:t>
-            </a:r>
-            <a:r>
-              <a:rPr lang="en-US" dirty="0" err="1" smtClean="0"/>
-              <a:t>diện</a:t>
+              <a:t>Thiết</a:t>
+            </a:r>
+            <a:r>
+              <a:rPr lang="en-US" dirty="0" smtClean="0"/>
+              <a:t> </a:t>
+            </a:r>
+            <a:r>
+              <a:rPr lang="en-US" dirty="0" err="1" smtClean="0"/>
+              <a:t>kế</a:t>
+            </a:r>
+            <a:r>
+              <a:rPr lang="en-US" dirty="0" smtClean="0"/>
+              <a:t> </a:t>
+            </a:r>
+            <a:r>
+              <a:rPr lang="en-US" dirty="0" err="1" smtClean="0"/>
+              <a:t>cơ</a:t>
+            </a:r>
+            <a:r>
+              <a:rPr lang="en-US" dirty="0" smtClean="0"/>
+              <a:t> </a:t>
+            </a:r>
+            <a:r>
+              <a:rPr lang="en-US" dirty="0" err="1" smtClean="0"/>
+              <a:t>sở</a:t>
+            </a:r>
+            <a:r>
+              <a:rPr lang="en-US" dirty="0" smtClean="0"/>
+              <a:t> </a:t>
+            </a:r>
+            <a:r>
+              <a:rPr lang="en-US" dirty="0" err="1" smtClean="0"/>
+              <a:t>dữ</a:t>
+            </a:r>
+            <a:r>
+              <a:rPr lang="en-US" dirty="0" smtClean="0"/>
+              <a:t> </a:t>
+            </a:r>
+            <a:r>
+              <a:rPr lang="en-US" dirty="0" err="1" smtClean="0"/>
+              <a:t>liệu</a:t>
             </a:r>
             <a:endParaRPr lang="en-GB" dirty="0"/>
           </a:p>
@@ -4322,104 +4420,88 @@
           <a:lstStyle/>
           <a:p>
             <a:r>
-              <a:rPr lang="en-US" dirty="0" smtClean="0"/>
-              <a:t>Command-line interface</a:t>
-            </a:r>
-          </a:p>
-          <a:p>
-            <a:pPr lvl="1"/>
-            <a:r>
-              <a:rPr lang="en-US" dirty="0" err="1" smtClean="0"/>
-              <a:t>Ngôn</a:t>
-            </a:r>
-            <a:r>
-              <a:rPr lang="en-US" dirty="0" smtClean="0"/>
-              <a:t> </a:t>
-            </a:r>
-            <a:r>
-              <a:rPr lang="en-US" dirty="0" err="1" smtClean="0"/>
-              <a:t>ngữ</a:t>
-            </a:r>
-            <a:r>
-              <a:rPr lang="en-US" dirty="0" smtClean="0"/>
-              <a:t> python </a:t>
-            </a:r>
-          </a:p>
-          <a:p>
-            <a:pPr lvl="1"/>
-            <a:r>
-              <a:rPr lang="en-US" dirty="0" err="1" smtClean="0"/>
-              <a:t>Thư</a:t>
-            </a:r>
-            <a:r>
-              <a:rPr lang="en-US" dirty="0" smtClean="0"/>
-              <a:t> </a:t>
-            </a:r>
-            <a:r>
-              <a:rPr lang="en-US" dirty="0" err="1" smtClean="0"/>
-              <a:t>viện</a:t>
-            </a:r>
-            <a:r>
-              <a:rPr lang="en-US" dirty="0" smtClean="0"/>
-              <a:t> psycorg2</a:t>
-            </a:r>
-          </a:p>
-          <a:p>
-            <a:pPr lvl="1"/>
-            <a:r>
-              <a:rPr lang="en-US" dirty="0" err="1" smtClean="0"/>
-              <a:t>Các</a:t>
-            </a:r>
-            <a:r>
-              <a:rPr lang="en-US" dirty="0" smtClean="0"/>
-              <a:t> </a:t>
-            </a:r>
-            <a:r>
-              <a:rPr lang="en-US" dirty="0" err="1" smtClean="0"/>
-              <a:t>thư</a:t>
-            </a:r>
-            <a:r>
-              <a:rPr lang="en-US" dirty="0" smtClean="0"/>
-              <a:t> </a:t>
-            </a:r>
-            <a:r>
-              <a:rPr lang="en-US" dirty="0" err="1" smtClean="0"/>
-              <a:t>viện</a:t>
-            </a:r>
-            <a:r>
-              <a:rPr lang="en-US" dirty="0" smtClean="0"/>
-              <a:t> </a:t>
-            </a:r>
-            <a:r>
-              <a:rPr lang="en-US" smtClean="0"/>
-              <a:t>hỗs </a:t>
-            </a:r>
-            <a:r>
-              <a:rPr lang="en-US" dirty="0" err="1" smtClean="0"/>
-              <a:t>trợ</a:t>
-            </a:r>
-            <a:r>
-              <a:rPr lang="en-US" dirty="0" smtClean="0"/>
-              <a:t> </a:t>
-            </a:r>
-            <a:r>
-              <a:rPr lang="en-US" dirty="0" err="1" smtClean="0"/>
-              <a:t>khác</a:t>
-            </a:r>
-            <a:endParaRPr lang="en-GB" dirty="0"/>
+              <a:rPr lang="en-US" dirty="0" err="1" smtClean="0"/>
+              <a:t>Sơ</a:t>
+            </a:r>
+            <a:r>
+              <a:rPr lang="en-US" dirty="0" smtClean="0"/>
+              <a:t> </a:t>
+            </a:r>
+            <a:r>
+              <a:rPr lang="en-US" dirty="0" err="1" smtClean="0"/>
+              <a:t>đồ</a:t>
+            </a:r>
+            <a:r>
+              <a:rPr lang="en-US" dirty="0" smtClean="0"/>
+              <a:t> </a:t>
+            </a:r>
+            <a:r>
+              <a:rPr lang="en-US" dirty="0" err="1" smtClean="0"/>
+              <a:t>thực</a:t>
+            </a:r>
+            <a:r>
+              <a:rPr lang="en-US" dirty="0" smtClean="0"/>
+              <a:t> </a:t>
+            </a:r>
+            <a:r>
+              <a:rPr lang="en-US" dirty="0" err="1" smtClean="0"/>
+              <a:t>thể</a:t>
+            </a:r>
+            <a:r>
+              <a:rPr lang="en-US" dirty="0" smtClean="0"/>
+              <a:t> </a:t>
+            </a:r>
+            <a:r>
+              <a:rPr lang="en-US" dirty="0" err="1" smtClean="0"/>
+              <a:t>liên</a:t>
+            </a:r>
+            <a:r>
+              <a:rPr lang="en-US" dirty="0" smtClean="0"/>
+              <a:t> </a:t>
+            </a:r>
+            <a:r>
+              <a:rPr lang="en-US" dirty="0" err="1" smtClean="0"/>
+              <a:t>kết</a:t>
+            </a:r>
+            <a:r>
+              <a:rPr lang="en-US" dirty="0" smtClean="0"/>
+              <a:t>: </a:t>
+            </a:r>
+          </a:p>
+          <a:p>
+            <a:pPr marL="457200" lvl="1" indent="0">
+              <a:buNone/>
+            </a:pPr>
+            <a:endParaRPr lang="en-US" dirty="0"/>
+          </a:p>
+          <a:p>
+            <a:pPr marL="0" indent="0">
+              <a:buNone/>
+            </a:pPr>
+            <a:endParaRPr lang="en-US" dirty="0" smtClean="0"/>
+          </a:p>
+          <a:p>
+            <a:endParaRPr lang="en-US" dirty="0" smtClean="0"/>
           </a:p>
         </p:txBody>
       </p:sp>
     </p:spTree>
     <p:extLst>
       <p:ext uri="{BB962C8B-B14F-4D97-AF65-F5344CB8AC3E}">
-        <p14:creationId xmlns:p14="http://schemas.microsoft.com/office/powerpoint/2010/main" val="3785814340"/>
+        <p14:creationId xmlns:p14="http://schemas.microsoft.com/office/powerpoint/2010/main" val="4066694760"/>
       </p:ext>
     </p:extLst>
   </p:cSld>
   <p:clrMapOvr>
     <a:masterClrMapping/>
   </p:clrMapOvr>
+  <p:timing>
+    <p:tnLst>
+      <p:par>
+        <p:cTn id="1" dur="indefinite" restart="never" nodeType="tmRoot"/>
+      </p:par>
+    </p:tnLst>
+  </p:timing>
 </p:sld>
 </file>
 
@@ -4440,9 +4522,272 @@
           <a:chExt cx="0" cy="0"/>
         </a:xfrm>
       </p:grpSpPr>
-      <p:sp>
-        <p:nvSpPr>
-          <p:cNvPr id="2" name="Title 1"/>
+      <p:pic>
+        <p:nvPicPr>
+          <p:cNvPr id="8" name="Content Placeholder 7"/>
+          <p:cNvPicPr>
+            <a:picLocks noGrp="1" noChangeAspect="1"/>
+          </p:cNvPicPr>
+          <p:nvPr>
+            <p:ph idx="1"/>
+          </p:nvPr>
+        </p:nvPicPr>
+        <p:blipFill>
+          <a:blip r:embed="rId2">
+            <a:extLst>
+              <a:ext uri="{28A0092B-C50C-407E-A947-70E740481C1C}">
+                <a14:useLocalDpi xmlns:a14="http://schemas.microsoft.com/office/drawing/2010/main" val="0"/>
+              </a:ext>
+            </a:extLst>
+          </a:blip>
+          <a:stretch>
+            <a:fillRect/>
+          </a:stretch>
+        </p:blipFill>
+        <p:spPr>
+          <a:xfrm>
+            <a:off x="69240" y="457200"/>
+            <a:ext cx="9080755" cy="5287963"/>
+          </a:xfrm>
+        </p:spPr>
+      </p:pic>
+      <p:sp>
+        <p:nvSpPr>
+          <p:cNvPr id="2" name="Oval 1"/>
+          <p:cNvSpPr/>
+          <p:nvPr/>
+        </p:nvSpPr>
+        <p:spPr>
+          <a:xfrm>
+            <a:off x="4609618" y="1095735"/>
+            <a:ext cx="838200" cy="609600"/>
+          </a:xfrm>
+          <a:prstGeom prst="ellipse">
+            <a:avLst/>
+          </a:prstGeom>
+          <a:noFill/>
+        </p:spPr>
+        <p:style>
+          <a:lnRef idx="2">
+            <a:schemeClr val="accent2"/>
+          </a:lnRef>
+          <a:fillRef idx="1">
+            <a:schemeClr val="lt1"/>
+          </a:fillRef>
+          <a:effectRef idx="0">
+            <a:schemeClr val="accent2"/>
+          </a:effectRef>
+          <a:fontRef idx="minor">
+            <a:schemeClr val="dk1"/>
+          </a:fontRef>
+        </p:style>
+        <p:txBody>
+          <a:bodyPr rtlCol="0" anchor="ctr"/>
+          <a:lstStyle/>
+          <a:p>
+            <a:pPr algn="ctr"/>
+            <a:endParaRPr lang="en-GB"/>
+          </a:p>
+        </p:txBody>
+      </p:sp>
+      <p:sp>
+        <p:nvSpPr>
+          <p:cNvPr id="5" name="Oval 4"/>
+          <p:cNvSpPr/>
+          <p:nvPr/>
+        </p:nvSpPr>
+        <p:spPr>
+          <a:xfrm>
+            <a:off x="7429500" y="3429000"/>
+            <a:ext cx="838200" cy="609600"/>
+          </a:xfrm>
+          <a:prstGeom prst="ellipse">
+            <a:avLst/>
+          </a:prstGeom>
+          <a:noFill/>
+        </p:spPr>
+        <p:style>
+          <a:lnRef idx="2">
+            <a:schemeClr val="accent2"/>
+          </a:lnRef>
+          <a:fillRef idx="1">
+            <a:schemeClr val="lt1"/>
+          </a:fillRef>
+          <a:effectRef idx="0">
+            <a:schemeClr val="accent2"/>
+          </a:effectRef>
+          <a:fontRef idx="minor">
+            <a:schemeClr val="dk1"/>
+          </a:fontRef>
+        </p:style>
+        <p:txBody>
+          <a:bodyPr rtlCol="0" anchor="ctr"/>
+          <a:lstStyle/>
+          <a:p>
+            <a:pPr algn="ctr"/>
+            <a:endParaRPr lang="en-GB"/>
+          </a:p>
+        </p:txBody>
+      </p:sp>
+      <p:sp>
+        <p:nvSpPr>
+          <p:cNvPr id="6" name="Oval 5"/>
+          <p:cNvSpPr/>
+          <p:nvPr/>
+        </p:nvSpPr>
+        <p:spPr>
+          <a:xfrm>
+            <a:off x="914400" y="2362200"/>
+            <a:ext cx="838200" cy="609600"/>
+          </a:xfrm>
+          <a:prstGeom prst="ellipse">
+            <a:avLst/>
+          </a:prstGeom>
+          <a:noFill/>
+        </p:spPr>
+        <p:style>
+          <a:lnRef idx="2">
+            <a:schemeClr val="accent2"/>
+          </a:lnRef>
+          <a:fillRef idx="1">
+            <a:schemeClr val="lt1"/>
+          </a:fillRef>
+          <a:effectRef idx="0">
+            <a:schemeClr val="accent2"/>
+          </a:effectRef>
+          <a:fontRef idx="minor">
+            <a:schemeClr val="dk1"/>
+          </a:fontRef>
+        </p:style>
+        <p:txBody>
+          <a:bodyPr rtlCol="0" anchor="ctr"/>
+          <a:lstStyle/>
+          <a:p>
+            <a:pPr algn="ctr"/>
+            <a:endParaRPr lang="en-GB"/>
+          </a:p>
+        </p:txBody>
+      </p:sp>
+      <p:sp>
+        <p:nvSpPr>
+          <p:cNvPr id="7" name="Oval 6"/>
+          <p:cNvSpPr/>
+          <p:nvPr/>
+        </p:nvSpPr>
+        <p:spPr>
+          <a:xfrm>
+            <a:off x="3200400" y="3276600"/>
+            <a:ext cx="838200" cy="609600"/>
+          </a:xfrm>
+          <a:prstGeom prst="ellipse">
+            <a:avLst/>
+          </a:prstGeom>
+          <a:noFill/>
+        </p:spPr>
+        <p:style>
+          <a:lnRef idx="2">
+            <a:schemeClr val="accent2"/>
+          </a:lnRef>
+          <a:fillRef idx="1">
+            <a:schemeClr val="lt1"/>
+          </a:fillRef>
+          <a:effectRef idx="0">
+            <a:schemeClr val="accent2"/>
+          </a:effectRef>
+          <a:fontRef idx="minor">
+            <a:schemeClr val="dk1"/>
+          </a:fontRef>
+        </p:style>
+        <p:txBody>
+          <a:bodyPr rtlCol="0" anchor="ctr"/>
+          <a:lstStyle/>
+          <a:p>
+            <a:pPr algn="ctr"/>
+            <a:endParaRPr lang="en-GB"/>
+          </a:p>
+        </p:txBody>
+      </p:sp>
+      <p:sp>
+        <p:nvSpPr>
+          <p:cNvPr id="9" name="Oval 8"/>
+          <p:cNvSpPr/>
+          <p:nvPr/>
+        </p:nvSpPr>
+        <p:spPr>
+          <a:xfrm>
+            <a:off x="2667000" y="1095735"/>
+            <a:ext cx="838200" cy="609600"/>
+          </a:xfrm>
+          <a:prstGeom prst="ellipse">
+            <a:avLst/>
+          </a:prstGeom>
+          <a:noFill/>
+        </p:spPr>
+        <p:style>
+          <a:lnRef idx="2">
+            <a:schemeClr val="accent2"/>
+          </a:lnRef>
+          <a:fillRef idx="1">
+            <a:schemeClr val="lt1"/>
+          </a:fillRef>
+          <a:effectRef idx="0">
+            <a:schemeClr val="accent2"/>
+          </a:effectRef>
+          <a:fontRef idx="minor">
+            <a:schemeClr val="dk1"/>
+          </a:fontRef>
+        </p:style>
+        <p:txBody>
+          <a:bodyPr rtlCol="0" anchor="ctr"/>
+          <a:lstStyle/>
+          <a:p>
+            <a:pPr algn="ctr"/>
+            <a:endParaRPr lang="en-GB"/>
+          </a:p>
+        </p:txBody>
+      </p:sp>
+      <p:sp>
+        <p:nvSpPr>
+          <p:cNvPr id="10" name="Oval 9"/>
+          <p:cNvSpPr/>
+          <p:nvPr/>
+        </p:nvSpPr>
+        <p:spPr>
+          <a:xfrm>
+            <a:off x="7429500" y="2209800"/>
+            <a:ext cx="838200" cy="609600"/>
+          </a:xfrm>
+          <a:prstGeom prst="ellipse">
+            <a:avLst/>
+          </a:prstGeom>
+          <a:noFill/>
+        </p:spPr>
+        <p:style>
+          <a:lnRef idx="2">
+            <a:schemeClr val="accent2"/>
+          </a:lnRef>
+          <a:fillRef idx="1">
+            <a:schemeClr val="lt1"/>
+          </a:fillRef>
+          <a:effectRef idx="0">
+            <a:schemeClr val="accent2"/>
+          </a:effectRef>
+          <a:fontRef idx="minor">
+            <a:schemeClr val="dk1"/>
+          </a:fontRef>
+        </p:style>
+        <p:txBody>
+          <a:bodyPr rtlCol="0" anchor="ctr"/>
+          <a:lstStyle/>
+          <a:p>
+            <a:pPr algn="ctr"/>
+            <a:endParaRPr lang="en-GB"/>
+          </a:p>
+        </p:txBody>
+      </p:sp>
+      <p:sp>
+        <p:nvSpPr>
+          <p:cNvPr id="11" name="Title 1"/>
           <p:cNvSpPr>
             <a:spLocks noGrp="1"/>
           </p:cNvSpPr>
@@ -4450,91 +4795,312 @@
             <p:ph type="title"/>
           </p:nvPr>
         </p:nvSpPr>
-        <p:spPr/>
+        <p:spPr>
+          <a:xfrm>
+            <a:off x="304800" y="5562600"/>
+            <a:ext cx="8229600" cy="1143000"/>
+          </a:xfrm>
+        </p:spPr>
         <p:txBody>
           <a:bodyPr/>
           <a:lstStyle/>
           <a:p>
             <a:r>
               <a:rPr lang="en-US" dirty="0" err="1" smtClean="0"/>
-              <a:t>Một</a:t>
-            </a:r>
-            <a:r>
-              <a:rPr lang="en-US" dirty="0" smtClean="0"/>
-              <a:t> </a:t>
-            </a:r>
-            <a:r>
-              <a:rPr lang="en-US" dirty="0" err="1" smtClean="0"/>
-              <a:t>số</a:t>
-            </a:r>
-            <a:r>
-              <a:rPr lang="en-US" dirty="0" smtClean="0"/>
-              <a:t> </a:t>
-            </a:r>
-            <a:r>
-              <a:rPr lang="en-US" dirty="0" err="1" smtClean="0"/>
-              <a:t>truy</a:t>
-            </a:r>
-            <a:r>
-              <a:rPr lang="en-US" dirty="0" smtClean="0"/>
-              <a:t> </a:t>
-            </a:r>
-            <a:r>
-              <a:rPr lang="en-US" dirty="0" err="1" smtClean="0"/>
-              <a:t>vấn</a:t>
-            </a:r>
-            <a:r>
-              <a:rPr lang="en-US" dirty="0" smtClean="0"/>
-              <a:t> </a:t>
-            </a:r>
-            <a:r>
-              <a:rPr lang="en-US" dirty="0" err="1" smtClean="0"/>
-              <a:t>với</a:t>
-            </a:r>
-            <a:r>
-              <a:rPr lang="en-US" dirty="0" smtClean="0"/>
-              <a:t> database</a:t>
+              <a:t>Các</a:t>
+            </a:r>
+            <a:r>
+              <a:rPr lang="en-US" dirty="0" smtClean="0"/>
+              <a:t> </a:t>
+            </a:r>
+            <a:r>
+              <a:rPr lang="en-US" dirty="0" err="1" smtClean="0"/>
+              <a:t>thực</a:t>
+            </a:r>
+            <a:r>
+              <a:rPr lang="en-US" dirty="0" smtClean="0"/>
+              <a:t> </a:t>
+            </a:r>
+            <a:r>
+              <a:rPr lang="en-US" dirty="0" err="1" smtClean="0"/>
+              <a:t>thể</a:t>
+            </a:r>
+            <a:r>
+              <a:rPr lang="en-US" dirty="0" smtClean="0"/>
+              <a:t> </a:t>
+            </a:r>
+            <a:r>
+              <a:rPr lang="en-US" dirty="0" err="1" smtClean="0"/>
+              <a:t>chính</a:t>
             </a:r>
             <a:endParaRPr lang="en-GB" dirty="0"/>
-          </a:p>
-        </p:txBody>
-      </p:sp>
-      <p:sp>
-        <p:nvSpPr>
-          <p:cNvPr id="3" name="Content Placeholder 2"/>
-          <p:cNvSpPr>
-            <a:spLocks noGrp="1"/>
-          </p:cNvSpPr>
-          <p:nvPr>
-            <p:ph idx="1"/>
-          </p:nvPr>
-        </p:nvSpPr>
-        <p:spPr/>
-        <p:txBody>
-          <a:bodyPr/>
-          <a:lstStyle/>
-          <a:p>
-            <a:r>
-              <a:rPr lang="en-US" dirty="0" err="1" smtClean="0"/>
-              <a:t>Mạnh</a:t>
-            </a:r>
-            <a:r>
-              <a:rPr lang="en-US" dirty="0" smtClean="0"/>
-              <a:t>:</a:t>
-            </a:r>
           </a:p>
         </p:txBody>
       </p:sp>
     </p:spTree>
     <p:extLst>
       <p:ext uri="{BB962C8B-B14F-4D97-AF65-F5344CB8AC3E}">
-        <p14:creationId xmlns:p14="http://schemas.microsoft.com/office/powerpoint/2010/main" val="451106295"/>
+        <p14:creationId xmlns:p14="http://schemas.microsoft.com/office/powerpoint/2010/main" val="1854170865"/>
       </p:ext>
     </p:extLst>
   </p:cSld>
   <p:clrMapOvr>
     <a:masterClrMapping/>
   </p:clrMapOvr>
+  <p:timing>
+    <p:tnLst>
+      <p:par>
+        <p:cTn id="1" dur="indefinite" restart="never" nodeType="tmRoot">
+          <p:childTnLst>
+            <p:seq concurrent="1" nextAc="seek">
+              <p:cTn id="2" dur="indefinite" nodeType="mainSeq">
+                <p:childTnLst>
+                  <p:par>
+                    <p:cTn id="3" fill="hold">
+                      <p:stCondLst>
+                        <p:cond delay="indefinite"/>
+                      </p:stCondLst>
+                      <p:childTnLst>
+                        <p:par>
+                          <p:cTn id="4" fill="hold">
+                            <p:stCondLst>
+                              <p:cond delay="0"/>
+                            </p:stCondLst>
+                            <p:childTnLst>
+                              <p:par>
+                                <p:cTn id="5" presetID="6" presetClass="emph" presetSubtype="0" fill="hold" nodeType="clickEffect">
+                                  <p:stCondLst>
+                                    <p:cond delay="0"/>
+                                  </p:stCondLst>
+                                  <p:childTnLst>
+                                    <p:animScale>
+                                      <p:cBhvr>
+                                        <p:cTn id="6" dur="2000" fill="hold"/>
+                                        <p:tgtEl>
+                                          <p:spTgt spid="8"/>
+                                        </p:tgtEl>
+                                      </p:cBhvr>
+                                      <p:by x="400000" y="400000"/>
+                                    </p:animScale>
+                                  </p:childTnLst>
+                                </p:cTn>
+                              </p:par>
+                            </p:childTnLst>
+                          </p:cTn>
+                        </p:par>
+                      </p:childTnLst>
+                    </p:cTn>
+                  </p:par>
+                  <p:par>
+                    <p:cTn id="7" fill="hold">
+                      <p:stCondLst>
+                        <p:cond delay="indefinite"/>
+                      </p:stCondLst>
+                      <p:childTnLst>
+                        <p:par>
+                          <p:cTn id="8" fill="hold">
+                            <p:stCondLst>
+                              <p:cond delay="0"/>
+                            </p:stCondLst>
+                            <p:childTnLst>
+                              <p:par>
+                                <p:cTn id="9" presetID="1" presetClass="entr" presetSubtype="0" fill="hold" grpId="0" nodeType="clickEffect">
+                                  <p:stCondLst>
+                                    <p:cond delay="0"/>
+                                  </p:stCondLst>
+                                  <p:childTnLst>
+                                    <p:set>
+                                      <p:cBhvr>
+                                        <p:cTn id="10" dur="1" fill="hold">
+                                          <p:stCondLst>
+                                            <p:cond delay="0"/>
+                                          </p:stCondLst>
+                                        </p:cTn>
+                                        <p:tgtEl>
+                                          <p:spTgt spid="9"/>
+                                        </p:tgtEl>
+                                        <p:attrNameLst>
+                                          <p:attrName>style.visibility</p:attrName>
+                                        </p:attrNameLst>
+                                      </p:cBhvr>
+                                      <p:to>
+                                        <p:strVal val="visible"/>
+                                      </p:to>
+                                    </p:set>
+                                  </p:childTnLst>
+                                </p:cTn>
+                              </p:par>
+                              <p:par>
+                                <p:cTn id="11" presetID="1" presetClass="entr" presetSubtype="0" fill="hold" grpId="0" nodeType="withEffect">
+                                  <p:stCondLst>
+                                    <p:cond delay="0"/>
+                                  </p:stCondLst>
+                                  <p:childTnLst>
+                                    <p:set>
+                                      <p:cBhvr>
+                                        <p:cTn id="12" dur="1" fill="hold">
+                                          <p:stCondLst>
+                                            <p:cond delay="0"/>
+                                          </p:stCondLst>
+                                        </p:cTn>
+                                        <p:tgtEl>
+                                          <p:spTgt spid="6"/>
+                                        </p:tgtEl>
+                                        <p:attrNameLst>
+                                          <p:attrName>style.visibility</p:attrName>
+                                        </p:attrNameLst>
+                                      </p:cBhvr>
+                                      <p:to>
+                                        <p:strVal val="visible"/>
+                                      </p:to>
+                                    </p:set>
+                                  </p:childTnLst>
+                                </p:cTn>
+                              </p:par>
+                              <p:par>
+                                <p:cTn id="13" presetID="1" presetClass="entr" presetSubtype="0" fill="hold" grpId="0" nodeType="withEffect">
+                                  <p:stCondLst>
+                                    <p:cond delay="0"/>
+                                  </p:stCondLst>
+                                  <p:childTnLst>
+                                    <p:set>
+                                      <p:cBhvr>
+                                        <p:cTn id="14" dur="1" fill="hold">
+                                          <p:stCondLst>
+                                            <p:cond delay="0"/>
+                                          </p:stCondLst>
+                                        </p:cTn>
+                                        <p:tgtEl>
+                                          <p:spTgt spid="7"/>
+                                        </p:tgtEl>
+                                        <p:attrNameLst>
+                                          <p:attrName>style.visibility</p:attrName>
+                                        </p:attrNameLst>
+                                      </p:cBhvr>
+                                      <p:to>
+                                        <p:strVal val="visible"/>
+                                      </p:to>
+                                    </p:set>
+                                  </p:childTnLst>
+                                </p:cTn>
+                              </p:par>
+                              <p:par>
+                                <p:cTn id="15" presetID="1" presetClass="entr" presetSubtype="0" fill="hold" grpId="0" nodeType="withEffect">
+                                  <p:stCondLst>
+                                    <p:cond delay="0"/>
+                                  </p:stCondLst>
+                                  <p:childTnLst>
+                                    <p:set>
+                                      <p:cBhvr>
+                                        <p:cTn id="16" dur="1" fill="hold">
+                                          <p:stCondLst>
+                                            <p:cond delay="0"/>
+                                          </p:stCondLst>
+                                        </p:cTn>
+                                        <p:tgtEl>
+                                          <p:spTgt spid="2"/>
+                                        </p:tgtEl>
+                                        <p:attrNameLst>
+                                          <p:attrName>style.visibility</p:attrName>
+                                        </p:attrNameLst>
+                                      </p:cBhvr>
+                                      <p:to>
+                                        <p:strVal val="visible"/>
+                                      </p:to>
+                                    </p:set>
+                                  </p:childTnLst>
+                                </p:cTn>
+                              </p:par>
+                              <p:par>
+                                <p:cTn id="17" presetID="1" presetClass="entr" presetSubtype="0" fill="hold" grpId="0" nodeType="withEffect">
+                                  <p:stCondLst>
+                                    <p:cond delay="0"/>
+                                  </p:stCondLst>
+                                  <p:childTnLst>
+                                    <p:set>
+                                      <p:cBhvr>
+                                        <p:cTn id="18" dur="1" fill="hold">
+                                          <p:stCondLst>
+                                            <p:cond delay="0"/>
+                                          </p:stCondLst>
+                                        </p:cTn>
+                                        <p:tgtEl>
+                                          <p:spTgt spid="10"/>
+                                        </p:tgtEl>
+                                        <p:attrNameLst>
+                                          <p:attrName>style.visibility</p:attrName>
+                                        </p:attrNameLst>
+                                      </p:cBhvr>
+                                      <p:to>
+                                        <p:strVal val="visible"/>
+                                      </p:to>
+                                    </p:set>
+                                  </p:childTnLst>
+                                </p:cTn>
+                              </p:par>
+                              <p:par>
+                                <p:cTn id="19" presetID="1" presetClass="entr" presetSubtype="0" fill="hold" grpId="0" nodeType="withEffect">
+                                  <p:stCondLst>
+                                    <p:cond delay="0"/>
+                                  </p:stCondLst>
+                                  <p:childTnLst>
+                                    <p:set>
+                                      <p:cBhvr>
+                                        <p:cTn id="20" dur="1" fill="hold">
+                                          <p:stCondLst>
+                                            <p:cond delay="0"/>
+                                          </p:stCondLst>
+                                        </p:cTn>
+                                        <p:tgtEl>
+                                          <p:spTgt spid="5"/>
+                                        </p:tgtEl>
+                                        <p:attrNameLst>
+                                          <p:attrName>style.visibility</p:attrName>
+                                        </p:attrNameLst>
+                                      </p:cBhvr>
+                                      <p:to>
+                                        <p:strVal val="visible"/>
+                                      </p:to>
+                                    </p:set>
+                                  </p:childTnLst>
+                                </p:cTn>
+                              </p:par>
+                            </p:childTnLst>
+                          </p:cTn>
+                        </p:par>
+                      </p:childTnLst>
+                    </p:cTn>
+                  </p:par>
+                </p:childTnLst>
+              </p:cTn>
+              <p:prevCondLst>
+                <p:cond evt="onPrev" delay="0">
+                  <p:tgtEl>
+                    <p:sldTgt/>
+                  </p:tgtEl>
+                </p:cond>
+              </p:prevCondLst>
+              <p:nextCondLst>
+                <p:cond evt="onNext" delay="0">
+                  <p:tgtEl>
+                    <p:sldTgt/>
+                  </p:tgtEl>
+                </p:cond>
+              </p:nextCondLst>
+            </p:seq>
+          </p:childTnLst>
+        </p:cTn>
+      </p:par>
+    </p:tnLst>
+    <p:bldLst>
+      <p:bldP spid="2" grpId="0" animBg="1"/>
+      <p:bldP spid="5" grpId="0" animBg="1"/>
+      <p:bldP spid="6" grpId="0" animBg="1"/>
+      <p:bldP spid="7" grpId="0" animBg="1"/>
+      <p:bldP spid="9" grpId="0" animBg="1"/>
+      <p:bldP spid="10" grpId="0" animBg="1"/>
+    </p:bldLst>
+  </p:timing>
 </p:sld>
 </file>
 
@@ -4570,41 +5136,110 @@
           <a:bodyPr/>
           <a:lstStyle/>
           <a:p>
+            <a:endParaRPr lang="en-GB" dirty="0"/>
+          </a:p>
+        </p:txBody>
+      </p:sp>
+      <p:sp>
+        <p:nvSpPr>
+          <p:cNvPr id="3" name="Content Placeholder 2"/>
+          <p:cNvSpPr>
+            <a:spLocks noGrp="1"/>
+          </p:cNvSpPr>
+          <p:nvPr>
+            <p:ph idx="1"/>
+          </p:nvPr>
+        </p:nvSpPr>
+        <p:spPr/>
+        <p:txBody>
+          <a:bodyPr/>
+          <a:lstStyle/>
+          <a:p>
             <a:endParaRPr lang="en-GB"/>
           </a:p>
         </p:txBody>
       </p:sp>
-      <p:sp>
-        <p:nvSpPr>
-          <p:cNvPr id="3" name="Content Placeholder 2"/>
-          <p:cNvSpPr>
-            <a:spLocks noGrp="1"/>
-          </p:cNvSpPr>
-          <p:nvPr>
-            <p:ph idx="1"/>
-          </p:nvPr>
-        </p:nvSpPr>
-        <p:spPr/>
-        <p:txBody>
-          <a:bodyPr>
-            <a:normAutofit/>
-          </a:bodyPr>
-          <a:lstStyle/>
-          <a:p>
-            <a:endParaRPr lang="en-GB" dirty="0"/>
-          </a:p>
-        </p:txBody>
-      </p:sp>
+      <p:pic>
+        <p:nvPicPr>
+          <p:cNvPr id="4099" name="Picture 3"/>
+          <p:cNvPicPr>
+            <a:picLocks noChangeAspect="1" noChangeArrowheads="1"/>
+          </p:cNvPicPr>
+          <p:nvPr/>
+        </p:nvPicPr>
+        <p:blipFill>
+          <a:blip r:embed="rId2">
+            <a:extLst>
+              <a:ext uri="{28A0092B-C50C-407E-A947-70E740481C1C}">
+                <a14:useLocalDpi xmlns:a14="http://schemas.microsoft.com/office/drawing/2010/main" val="0"/>
+              </a:ext>
+            </a:extLst>
+          </a:blip>
+          <a:srcRect/>
+          <a:stretch>
+            <a:fillRect/>
+          </a:stretch>
+        </p:blipFill>
+        <p:spPr bwMode="auto">
+          <a:xfrm>
+            <a:off x="642938" y="1228725"/>
+            <a:ext cx="7856537" cy="4405313"/>
+          </a:xfrm>
+          <a:prstGeom prst="rect">
+            <a:avLst/>
+          </a:prstGeom>
+          <a:noFill/>
+          <a:ln>
+            <a:noFill/>
+          </a:ln>
+          <a:effectLst/>
+          <a:extLst>
+            <a:ext uri="{909E8E84-426E-40DD-AFC4-6F175D3DCCD1}">
+              <a14:hiddenFill xmlns:a14="http://schemas.microsoft.com/office/drawing/2010/main">
+                <a:solidFill>
+                  <a:schemeClr val="accent1"/>
+                </a:solidFill>
+              </a14:hiddenFill>
+            </a:ext>
+            <a:ext uri="{91240B29-F687-4F45-9708-019B960494DF}">
+              <a14:hiddenLine xmlns:a14="http://schemas.microsoft.com/office/drawing/2010/main" w="9525">
+                <a:solidFill>
+                  <a:schemeClr val="tx1"/>
+                </a:solidFill>
+                <a:miter lim="800000"/>
+                <a:headEnd/>
+                <a:tailEnd/>
+              </a14:hiddenLine>
+            </a:ext>
+            <a:ext uri="{AF507438-7753-43E0-B8FC-AC1667EBCBE1}">
+              <a14:hiddenEffects xmlns:a14="http://schemas.microsoft.com/office/drawing/2010/main">
+                <a:effectLst>
+                  <a:outerShdw dist="35921" dir="2700000" algn="ctr" rotWithShape="0">
+                    <a:schemeClr val="bg2"/>
+                  </a:outerShdw>
+                </a:effectLst>
+              </a14:hiddenEffects>
+            </a:ext>
+          </a:extLst>
+        </p:spPr>
+      </p:pic>
     </p:spTree>
     <p:extLst>
       <p:ext uri="{BB962C8B-B14F-4D97-AF65-F5344CB8AC3E}">
-        <p14:creationId xmlns:p14="http://schemas.microsoft.com/office/powerpoint/2010/main" val="3271018178"/>
+        <p14:creationId xmlns:p14="http://schemas.microsoft.com/office/powerpoint/2010/main" val="4248025180"/>
       </p:ext>
     </p:extLst>
   </p:cSld>
   <p:clrMapOvr>
     <a:masterClrMapping/>
   </p:clrMapOvr>
+  <p:timing>
+    <p:tnLst>
+      <p:par>
+        <p:cTn id="1" dur="indefinite" restart="never" nodeType="tmRoot"/>
+      </p:par>
+    </p:tnLst>
+  </p:timing>
 </p:sld>
 </file>
 
@@ -4627,12 +5262,12 @@
       </p:grpSpPr>
       <p:sp>
         <p:nvSpPr>
-          <p:cNvPr id="2" name="Title 1"/>
-          <p:cNvSpPr>
-            <a:spLocks noGrp="1"/>
-          </p:cNvSpPr>
-          <p:nvPr>
-            <p:ph type="title"/>
+          <p:cNvPr id="3" name="Content Placeholder 2"/>
+          <p:cNvSpPr>
+            <a:spLocks noGrp="1"/>
+          </p:cNvSpPr>
+          <p:nvPr>
+            <p:ph idx="1"/>
           </p:nvPr>
         </p:nvSpPr>
         <p:spPr/>
@@ -4640,75 +5275,91 @@
           <a:bodyPr/>
           <a:lstStyle/>
           <a:p>
-            <a:r>
-              <a:rPr lang="en-US" dirty="0" err="1" smtClean="0"/>
-              <a:t>Đánh</a:t>
-            </a:r>
-            <a:r>
-              <a:rPr lang="en-US" dirty="0" smtClean="0"/>
-              <a:t> </a:t>
-            </a:r>
-            <a:r>
-              <a:rPr lang="en-US" dirty="0" err="1" smtClean="0"/>
-              <a:t>giá</a:t>
-            </a:r>
-            <a:r>
-              <a:rPr lang="en-US" dirty="0" smtClean="0"/>
-              <a:t> – </a:t>
-            </a:r>
-            <a:r>
-              <a:rPr lang="en-US" dirty="0" err="1" smtClean="0"/>
-              <a:t>Hướng</a:t>
-            </a:r>
-            <a:r>
-              <a:rPr lang="en-US" dirty="0" smtClean="0"/>
-              <a:t> </a:t>
-            </a:r>
-            <a:r>
-              <a:rPr lang="en-US" dirty="0" err="1" smtClean="0"/>
-              <a:t>phát</a:t>
-            </a:r>
-            <a:r>
-              <a:rPr lang="en-US" dirty="0" smtClean="0"/>
-              <a:t> </a:t>
-            </a:r>
-            <a:r>
-              <a:rPr lang="en-US" dirty="0" err="1" smtClean="0"/>
-              <a:t>triền</a:t>
-            </a:r>
-            <a:endParaRPr lang="en-GB" dirty="0"/>
-          </a:p>
-        </p:txBody>
-      </p:sp>
-      <p:sp>
-        <p:nvSpPr>
-          <p:cNvPr id="3" name="Content Placeholder 2"/>
-          <p:cNvSpPr>
-            <a:spLocks noGrp="1"/>
-          </p:cNvSpPr>
-          <p:nvPr>
-            <p:ph idx="1"/>
-          </p:nvPr>
-        </p:nvSpPr>
-        <p:spPr/>
-        <p:txBody>
-          <a:bodyPr/>
-          <a:lstStyle/>
-          <a:p>
             <a:endParaRPr lang="en-GB"/>
           </a:p>
         </p:txBody>
       </p:sp>
+      <p:pic>
+        <p:nvPicPr>
+          <p:cNvPr id="5122" name="Picture 2"/>
+          <p:cNvPicPr>
+            <a:picLocks noChangeAspect="1" noChangeArrowheads="1"/>
+          </p:cNvPicPr>
+          <p:nvPr/>
+        </p:nvPicPr>
+        <p:blipFill>
+          <a:blip r:embed="rId2">
+            <a:extLst>
+              <a:ext uri="{28A0092B-C50C-407E-A947-70E740481C1C}">
+                <a14:useLocalDpi xmlns:a14="http://schemas.microsoft.com/office/drawing/2010/main" val="0"/>
+              </a:ext>
+            </a:extLst>
+          </a:blip>
+          <a:srcRect/>
+          <a:stretch>
+            <a:fillRect/>
+          </a:stretch>
+        </p:blipFill>
+        <p:spPr bwMode="auto">
+          <a:xfrm>
+            <a:off x="792163" y="1187450"/>
+            <a:ext cx="7559675" cy="4487863"/>
+          </a:xfrm>
+          <a:prstGeom prst="rect">
+            <a:avLst/>
+          </a:prstGeom>
+          <a:noFill/>
+          <a:ln>
+            <a:noFill/>
+          </a:ln>
+          <a:effectLst/>
+          <a:extLst>
+            <a:ext uri="{909E8E84-426E-40DD-AFC4-6F175D3DCCD1}">
+              <a14:hiddenFill xmlns:a14="http://schemas.microsoft.com/office/drawing/2010/main">
+                <a:solidFill>
+                  <a:schemeClr val="accent1"/>
+                </a:solidFill>
+              </a14:hiddenFill>
+            </a:ext>
+            <a:ext uri="{91240B29-F687-4F45-9708-019B960494DF}">
+              <a14:hiddenLine xmlns:a14="http://schemas.microsoft.com/office/drawing/2010/main" w="9525">
+                <a:solidFill>
+                  <a:schemeClr val="tx1"/>
+                </a:solidFill>
+                <a:miter lim="800000"/>
+                <a:headEnd/>
+                <a:tailEnd/>
+              </a14:hiddenLine>
+            </a:ext>
+            <a:ext uri="{AF507438-7753-43E0-B8FC-AC1667EBCBE1}">
+              <a14:hiddenEffects xmlns:a14="http://schemas.microsoft.com/office/drawing/2010/main">
+                <a:effectLst>
+                  <a:outerShdw dist="35921" dir="2700000" algn="ctr" rotWithShape="0">
+                    <a:schemeClr val="bg2"/>
+                  </a:outerShdw>
+                </a:effectLst>
+              </a14:hiddenEffects>
+            </a:ext>
+          </a:extLst>
+        </p:spPr>
+      </p:pic>
     </p:spTree>
     <p:extLst>
       <p:ext uri="{BB962C8B-B14F-4D97-AF65-F5344CB8AC3E}">
-        <p14:creationId xmlns:p14="http://schemas.microsoft.com/office/powerpoint/2010/main" val="2367748060"/>
+        <p14:creationId xmlns:p14="http://schemas.microsoft.com/office/powerpoint/2010/main" val="3193511353"/>
       </p:ext>
     </p:extLst>
   </p:cSld>
   <p:clrMapOvr>
     <a:masterClrMapping/>
   </p:clrMapOvr>
+  <p:timing>
+    <p:tnLst>
+      <p:par>
+        <p:cTn id="1" dur="indefinite" restart="never" nodeType="tmRoot"/>
+      </p:par>
+    </p:tnLst>
+  </p:timing>
 </p:sld>
 </file>
 
@@ -4729,9 +5380,99 @@
           <a:chExt cx="0" cy="0"/>
         </a:xfrm>
       </p:grpSpPr>
-      <p:sp>
-        <p:nvSpPr>
-          <p:cNvPr id="2" name="Title 1"/>
+      <p:pic>
+        <p:nvPicPr>
+          <p:cNvPr id="8194" name="Picture 2"/>
+          <p:cNvPicPr>
+            <a:picLocks noChangeAspect="1" noChangeArrowheads="1"/>
+          </p:cNvPicPr>
+          <p:nvPr/>
+        </p:nvPicPr>
+        <p:blipFill>
+          <a:blip r:embed="rId2">
+            <a:extLst>
+              <a:ext uri="{28A0092B-C50C-407E-A947-70E740481C1C}">
+                <a14:useLocalDpi xmlns:a14="http://schemas.microsoft.com/office/drawing/2010/main" val="0"/>
+              </a:ext>
+            </a:extLst>
+          </a:blip>
+          <a:srcRect/>
+          <a:stretch>
+            <a:fillRect/>
+          </a:stretch>
+        </p:blipFill>
+        <p:spPr bwMode="auto">
+          <a:xfrm>
+            <a:off x="1600200" y="1905000"/>
+            <a:ext cx="5875337" cy="2568575"/>
+          </a:xfrm>
+          <a:prstGeom prst="rect">
+            <a:avLst/>
+          </a:prstGeom>
+          <a:noFill/>
+          <a:ln>
+            <a:noFill/>
+          </a:ln>
+          <a:effectLst/>
+          <a:extLst>
+            <a:ext uri="{909E8E84-426E-40DD-AFC4-6F175D3DCCD1}">
+              <a14:hiddenFill xmlns:a14="http://schemas.microsoft.com/office/drawing/2010/main">
+                <a:solidFill>
+                  <a:schemeClr val="accent1"/>
+                </a:solidFill>
+              </a14:hiddenFill>
+            </a:ext>
+            <a:ext uri="{91240B29-F687-4F45-9708-019B960494DF}">
+              <a14:hiddenLine xmlns:a14="http://schemas.microsoft.com/office/drawing/2010/main" w="9525">
+                <a:solidFill>
+                  <a:schemeClr val="tx1"/>
+                </a:solidFill>
+                <a:miter lim="800000"/>
+                <a:headEnd/>
+                <a:tailEnd/>
+              </a14:hiddenLine>
+            </a:ext>
+            <a:ext uri="{AF507438-7753-43E0-B8FC-AC1667EBCBE1}">
+              <a14:hiddenEffects xmlns:a14="http://schemas.microsoft.com/office/drawing/2010/main">
+                <a:effectLst>
+                  <a:outerShdw dist="35921" dir="2700000" algn="ctr" rotWithShape="0">
+                    <a:schemeClr val="bg2"/>
+                  </a:outerShdw>
+                </a:effectLst>
+              </a14:hiddenEffects>
+            </a:ext>
+          </a:extLst>
+        </p:spPr>
+      </p:pic>
+      <p:sp>
+        <p:nvSpPr>
+          <p:cNvPr id="4" name="TextBox 3"/>
+          <p:cNvSpPr txBox="1"/>
+          <p:nvPr/>
+        </p:nvSpPr>
+        <p:spPr>
+          <a:xfrm>
+            <a:off x="3124200" y="990600"/>
+            <a:ext cx="184731" cy="369332"/>
+          </a:xfrm>
+          <a:prstGeom prst="rect">
+            <a:avLst/>
+          </a:prstGeom>
+          <a:noFill/>
+        </p:spPr>
+        <p:txBody>
+          <a:bodyPr wrap="none" rtlCol="0">
+            <a:spAutoFit/>
+          </a:bodyPr>
+          <a:lstStyle/>
+          <a:p>
+            <a:endParaRPr lang="en-GB" dirty="0"/>
+          </a:p>
+        </p:txBody>
+      </p:sp>
+      <p:sp>
+        <p:nvSpPr>
+          <p:cNvPr id="6" name="Title 1"/>
           <p:cNvSpPr>
             <a:spLocks noGrp="1"/>
           </p:cNvSpPr>
@@ -4739,77 +5480,20 @@
             <p:ph type="title"/>
           </p:nvPr>
         </p:nvSpPr>
-        <p:spPr/>
+        <p:spPr>
+          <a:xfrm>
+            <a:off x="457200" y="274638"/>
+            <a:ext cx="8229600" cy="1143000"/>
+          </a:xfrm>
+        </p:spPr>
         <p:txBody>
           <a:bodyPr/>
           <a:lstStyle/>
           <a:p>
             <a:r>
-              <a:rPr lang="en-US" dirty="0" err="1" smtClean="0"/>
-              <a:t>Sản</a:t>
-            </a:r>
-            <a:r>
-              <a:rPr lang="en-US" dirty="0" smtClean="0"/>
-              <a:t> </a:t>
-            </a:r>
-            <a:r>
-              <a:rPr lang="en-US" dirty="0" err="1" smtClean="0"/>
-              <a:t>phẩm</a:t>
-            </a:r>
-            <a:endParaRPr lang="en-GB" dirty="0"/>
-          </a:p>
-        </p:txBody>
-      </p:sp>
-      <p:sp>
-        <p:nvSpPr>
-          <p:cNvPr id="3" name="Content Placeholder 2"/>
-          <p:cNvSpPr>
-            <a:spLocks noGrp="1"/>
-          </p:cNvSpPr>
-          <p:nvPr>
-            <p:ph idx="1"/>
-          </p:nvPr>
-        </p:nvSpPr>
-        <p:spPr/>
-        <p:txBody>
-          <a:bodyPr/>
-          <a:lstStyle/>
-          <a:p>
-            <a:r>
-              <a:rPr lang="en-US" dirty="0" err="1" smtClean="0"/>
-              <a:t>Github</a:t>
-            </a:r>
-            <a:endParaRPr lang="en-US" dirty="0" smtClean="0"/>
-          </a:p>
-          <a:p>
-            <a:pPr lvl="1"/>
-            <a:r>
-              <a:rPr lang="en-GB" dirty="0" smtClean="0">
-                <a:hlinkClick r:id="rId2"/>
-              </a:rPr>
-              <a:t>https://github.com/manhnd52/hustparkinglot</a:t>
-            </a:r>
-            <a:endParaRPr lang="en-GB" dirty="0" smtClean="0"/>
-          </a:p>
-          <a:p>
-            <a:r>
-              <a:rPr lang="en-US" dirty="0" err="1" smtClean="0"/>
-              <a:t>Trải</a:t>
-            </a:r>
-            <a:r>
-              <a:rPr lang="en-US" dirty="0" smtClean="0"/>
-              <a:t> </a:t>
-            </a:r>
-            <a:r>
-              <a:rPr lang="en-US" dirty="0" err="1" smtClean="0"/>
-              <a:t>nghiệm</a:t>
-            </a:r>
-            <a:endParaRPr lang="en-US" dirty="0" smtClean="0"/>
-          </a:p>
-          <a:p>
-            <a:pPr marL="0" indent="0">
-              <a:buNone/>
-            </a:pPr>
+              <a:rPr lang="en-US" dirty="0" smtClean="0"/>
+              <a:t>Park</a:t>
+            </a:r>
             <a:endParaRPr lang="en-GB" dirty="0"/>
           </a:p>
         </p:txBody>
@@ -4817,13 +5501,20 @@
     </p:spTree>
     <p:extLst>
       <p:ext uri="{BB962C8B-B14F-4D97-AF65-F5344CB8AC3E}">
-        <p14:creationId xmlns:p14="http://schemas.microsoft.com/office/powerpoint/2010/main" val="1216778749"/>
+        <p14:creationId xmlns:p14="http://schemas.microsoft.com/office/powerpoint/2010/main" val="1249231021"/>
       </p:ext>
     </p:extLst>
   </p:cSld>
   <p:clrMapOvr>
     <a:masterClrMapping/>
   </p:clrMapOvr>
+  <p:timing>
+    <p:tnLst>
+      <p:par>
+        <p:cTn id="1" dur="indefinite" restart="never" nodeType="tmRoot"/>
+      </p:par>
+    </p:tnLst>
+  </p:timing>
 </p:sld>
 </file>
 
@@ -4844,9 +5535,73 @@
           <a:chExt cx="0" cy="0"/>
         </a:xfrm>
       </p:grpSpPr>
-      <p:sp>
-        <p:nvSpPr>
-          <p:cNvPr id="2" name="Title 1"/>
+      <p:pic>
+        <p:nvPicPr>
+          <p:cNvPr id="9218" name="Picture 2"/>
+          <p:cNvPicPr>
+            <a:picLocks noChangeAspect="1" noChangeArrowheads="1"/>
+          </p:cNvPicPr>
+          <p:nvPr/>
+        </p:nvPicPr>
+        <p:blipFill>
+          <a:blip r:embed="rId2">
+            <a:extLst>
+              <a:ext uri="{28A0092B-C50C-407E-A947-70E740481C1C}">
+                <a14:useLocalDpi xmlns:a14="http://schemas.microsoft.com/office/drawing/2010/main" val="0"/>
+              </a:ext>
+            </a:extLst>
+          </a:blip>
+          <a:srcRect/>
+          <a:stretch>
+            <a:fillRect/>
+          </a:stretch>
+        </p:blipFill>
+        <p:spPr bwMode="auto">
+          <a:xfrm>
+            <a:off x="2895600" y="1981200"/>
+            <a:ext cx="3513137" cy="3611562"/>
+          </a:xfrm>
+          <a:prstGeom prst="rect">
+            <a:avLst/>
+          </a:prstGeom>
+          <a:noFill/>
+          <a:ln>
+            <a:noFill/>
+          </a:ln>
+          <a:effectLst/>
+          <a:extLst>
+            <a:ext uri="{909E8E84-426E-40DD-AFC4-6F175D3DCCD1}">
+              <a14:hiddenFill xmlns:a14="http://schemas.microsoft.com/office/drawing/2010/main">
+                <a:solidFill>
+                  <a:schemeClr val="accent1"/>
+                </a:solidFill>
+              </a14:hiddenFill>
+            </a:ext>
+            <a:ext uri="{91240B29-F687-4F45-9708-019B960494DF}">
+              <a14:hiddenLine xmlns:a14="http://schemas.microsoft.com/office/drawing/2010/main" w="9525">
+                <a:solidFill>
+                  <a:schemeClr val="tx1"/>
+                </a:solidFill>
+                <a:miter lim="800000"/>
+                <a:headEnd/>
+                <a:tailEnd/>
+              </a14:hiddenLine>
+            </a:ext>
+            <a:ext uri="{AF507438-7753-43E0-B8FC-AC1667EBCBE1}">
+              <a14:hiddenEffects xmlns:a14="http://schemas.microsoft.com/office/drawing/2010/main">
+                <a:effectLst>
+                  <a:outerShdw dist="35921" dir="2700000" algn="ctr" rotWithShape="0">
+                    <a:schemeClr val="bg2"/>
+                  </a:outerShdw>
+                </a:effectLst>
+              </a14:hiddenEffects>
+            </a:ext>
+          </a:extLst>
+        </p:spPr>
+      </p:pic>
+      <p:sp>
+        <p:nvSpPr>
+          <p:cNvPr id="5" name="Title 1"/>
           <p:cNvSpPr>
             <a:spLocks noGrp="1"/>
           </p:cNvSpPr>
@@ -4854,174 +5609,19 @@
             <p:ph type="title"/>
           </p:nvPr>
         </p:nvSpPr>
-        <p:spPr/>
+        <p:spPr>
+          <a:xfrm>
+            <a:off x="457200" y="274638"/>
+            <a:ext cx="8229600" cy="1143000"/>
+          </a:xfrm>
+        </p:spPr>
         <p:txBody>
           <a:bodyPr/>
           <a:lstStyle/>
           <a:p>
             <a:r>
-              <a:rPr lang="en-US" dirty="0" err="1" smtClean="0"/>
-              <a:t>Tài</a:t>
-            </a:r>
-            <a:r>
-              <a:rPr lang="en-US" dirty="0" smtClean="0"/>
-              <a:t> </a:t>
-            </a:r>
-            <a:r>
-              <a:rPr lang="en-US" dirty="0" err="1" smtClean="0"/>
-              <a:t>liệu</a:t>
-            </a:r>
-            <a:r>
-              <a:rPr lang="en-US" dirty="0" smtClean="0"/>
-              <a:t> </a:t>
-            </a:r>
-            <a:r>
-              <a:rPr lang="en-US" dirty="0" err="1" smtClean="0"/>
-              <a:t>tham</a:t>
-            </a:r>
-            <a:r>
-              <a:rPr lang="en-US" dirty="0" smtClean="0"/>
-              <a:t> </a:t>
-            </a:r>
-            <a:r>
-              <a:rPr lang="en-US" dirty="0" err="1" smtClean="0"/>
-              <a:t>khảo</a:t>
-            </a:r>
-            <a:endParaRPr lang="en-GB" dirty="0"/>
-          </a:p>
-        </p:txBody>
-      </p:sp>
-      <p:sp>
-        <p:nvSpPr>
-          <p:cNvPr id="3" name="Content Placeholder 2"/>
-          <p:cNvSpPr>
-            <a:spLocks noGrp="1"/>
-          </p:cNvSpPr>
-          <p:nvPr>
-            <p:ph idx="1"/>
-          </p:nvPr>
-        </p:nvSpPr>
-        <p:spPr/>
-        <p:txBody>
-          <a:bodyPr/>
-          <a:lstStyle/>
-          <a:p>
-            <a:r>
-              <a:rPr lang="en-US" dirty="0" err="1" smtClean="0"/>
-              <a:t>PostgresTutorial</a:t>
-            </a:r>
-            <a:endParaRPr lang="en-US" dirty="0" smtClean="0"/>
-          </a:p>
-          <a:p>
-            <a:r>
-              <a:rPr lang="en-US" dirty="0" smtClean="0"/>
-              <a:t>Slide </a:t>
-            </a:r>
-            <a:r>
-              <a:rPr lang="en-US" dirty="0" err="1" smtClean="0"/>
-              <a:t>môn</a:t>
-            </a:r>
-            <a:r>
-              <a:rPr lang="en-US" dirty="0" smtClean="0"/>
-              <a:t> </a:t>
-            </a:r>
-            <a:r>
-              <a:rPr lang="en-US" dirty="0" err="1" smtClean="0"/>
-              <a:t>Thực</a:t>
-            </a:r>
-            <a:r>
-              <a:rPr lang="en-US" dirty="0" smtClean="0"/>
-              <a:t> </a:t>
-            </a:r>
-            <a:r>
-              <a:rPr lang="en-US" dirty="0" err="1" smtClean="0"/>
-              <a:t>hành</a:t>
-            </a:r>
-            <a:r>
-              <a:rPr lang="en-US" dirty="0" smtClean="0"/>
-              <a:t> </a:t>
-            </a:r>
-            <a:r>
-              <a:rPr lang="en-US" dirty="0" err="1" smtClean="0"/>
-              <a:t>Cơ</a:t>
-            </a:r>
-            <a:r>
-              <a:rPr lang="en-US" dirty="0" smtClean="0"/>
-              <a:t> </a:t>
-            </a:r>
-            <a:r>
-              <a:rPr lang="en-US" dirty="0" err="1" smtClean="0"/>
-              <a:t>Sở</a:t>
-            </a:r>
-            <a:r>
-              <a:rPr lang="en-US" dirty="0" smtClean="0"/>
-              <a:t> </a:t>
-            </a:r>
-            <a:r>
-              <a:rPr lang="en-US" dirty="0" err="1" smtClean="0"/>
-              <a:t>dữ</a:t>
-            </a:r>
-            <a:r>
-              <a:rPr lang="en-US" dirty="0" smtClean="0"/>
-              <a:t> </a:t>
-            </a:r>
-            <a:r>
-              <a:rPr lang="en-US" dirty="0" err="1" smtClean="0"/>
-              <a:t>liệu</a:t>
-            </a:r>
-            <a:endParaRPr lang="en-US" dirty="0" smtClean="0"/>
-          </a:p>
-          <a:p>
-            <a:r>
-              <a:rPr lang="en-US" dirty="0" err="1" smtClean="0"/>
-              <a:t>ChatGPT</a:t>
-            </a:r>
-            <a:endParaRPr lang="en-US" dirty="0" smtClean="0"/>
-          </a:p>
-          <a:p>
-            <a:r>
-              <a:rPr lang="en-US" dirty="0" err="1" smtClean="0"/>
-              <a:t>Và</a:t>
-            </a:r>
-            <a:r>
-              <a:rPr lang="en-US" dirty="0" smtClean="0"/>
-              <a:t> </a:t>
-            </a:r>
-            <a:r>
-              <a:rPr lang="en-US" dirty="0" err="1" smtClean="0"/>
-              <a:t>một</a:t>
-            </a:r>
-            <a:r>
-              <a:rPr lang="en-US" dirty="0" smtClean="0"/>
-              <a:t> </a:t>
-            </a:r>
-            <a:r>
-              <a:rPr lang="en-US" dirty="0" err="1" smtClean="0"/>
-              <a:t>số</a:t>
-            </a:r>
-            <a:r>
-              <a:rPr lang="en-US" dirty="0" smtClean="0"/>
-              <a:t> </a:t>
-            </a:r>
-            <a:r>
-              <a:rPr lang="en-US" dirty="0" err="1" smtClean="0"/>
-              <a:t>nguồn</a:t>
-            </a:r>
-            <a:r>
-              <a:rPr lang="en-US" dirty="0" smtClean="0"/>
-              <a:t> </a:t>
-            </a:r>
-            <a:r>
-              <a:rPr lang="en-US" dirty="0" err="1" smtClean="0"/>
-              <a:t>thông</a:t>
-            </a:r>
-            <a:r>
-              <a:rPr lang="en-US" dirty="0" smtClean="0"/>
-              <a:t> tin </a:t>
-            </a:r>
-            <a:r>
-              <a:rPr lang="en-US" dirty="0" err="1" smtClean="0"/>
-              <a:t>khác</a:t>
+              <a:rPr lang="en-US" dirty="0" smtClean="0"/>
+              <a:t>Transaction</a:t>
             </a:r>
             <a:endParaRPr lang="en-GB" dirty="0"/>
           </a:p>
@@ -5030,13 +5630,20 @@
     </p:spTree>
     <p:extLst>
       <p:ext uri="{BB962C8B-B14F-4D97-AF65-F5344CB8AC3E}">
-        <p14:creationId xmlns:p14="http://schemas.microsoft.com/office/powerpoint/2010/main" val="1100078109"/>
+        <p14:creationId xmlns:p14="http://schemas.microsoft.com/office/powerpoint/2010/main" val="472459407"/>
       </p:ext>
     </p:extLst>
   </p:cSld>
   <p:clrMapOvr>
     <a:masterClrMapping/>
   </p:clrMapOvr>
+  <p:timing>
+    <p:tnLst>
+      <p:par>
+        <p:cTn id="1" dur="indefinite" restart="never" nodeType="tmRoot"/>
+      </p:par>
+    </p:tnLst>
+  </p:timing>
 </p:sld>
 </file>
 
@@ -5067,12 +5674,7 @@
             <p:ph type="title"/>
           </p:nvPr>
         </p:nvSpPr>
-        <p:spPr>
-          <a:xfrm>
-            <a:off x="457200" y="1447800"/>
-            <a:ext cx="8229600" cy="1143000"/>
-          </a:xfrm>
-        </p:spPr>
+        <p:spPr/>
         <p:txBody>
           <a:bodyPr/>
           <a:lstStyle/>
@@ -5103,12 +5705,7 @@
             <p:ph idx="1"/>
           </p:nvPr>
         </p:nvSpPr>
-        <p:spPr>
-          <a:xfrm>
-            <a:off x="1828800" y="2743200"/>
-            <a:ext cx="7086600" cy="3429000"/>
-          </a:xfrm>
-        </p:spPr>
+        <p:spPr/>
         <p:txBody>
           <a:bodyPr/>
           <a:lstStyle/>
@@ -5133,10 +5730,7 @@
               <a:rPr lang="en-US" dirty="0" err="1" smtClean="0"/>
               <a:t>Mạnh</a:t>
             </a:r>
-            <a:r>
-              <a:rPr lang="en-US" dirty="0" smtClean="0"/>
-              <a:t> - 20225880</a:t>
-            </a:r>
+            <a:endParaRPr lang="en-US" dirty="0" smtClean="0"/>
           </a:p>
           <a:p>
             <a:r>
@@ -5169,7 +5763,7 @@
             </a:r>
             <a:r>
               <a:rPr lang="en-US" dirty="0" smtClean="0"/>
-              <a:t>  - 20225636</a:t>
+              <a:t> </a:t>
             </a:r>
           </a:p>
           <a:p>
@@ -5242,98 +5836,1771 @@
             <p:ph type="title"/>
           </p:nvPr>
         </p:nvSpPr>
-        <p:spPr>
+        <p:spPr/>
+        <p:txBody>
+          <a:bodyPr/>
+          <a:lstStyle/>
+          <a:p>
+            <a:r>
+              <a:rPr lang="en-US" dirty="0" smtClean="0"/>
+              <a:t>Application</a:t>
+            </a:r>
+            <a:endParaRPr lang="en-GB" dirty="0"/>
+          </a:p>
+        </p:txBody>
+      </p:sp>
+      <p:pic>
+        <p:nvPicPr>
+          <p:cNvPr id="10242" name="Picture 2"/>
+          <p:cNvPicPr>
+            <a:picLocks noGrp="1" noChangeAspect="1" noChangeArrowheads="1"/>
+          </p:cNvPicPr>
+          <p:nvPr>
+            <p:ph idx="1"/>
+          </p:nvPr>
+        </p:nvPicPr>
+        <p:blipFill>
+          <a:blip r:embed="rId2">
+            <a:extLst>
+              <a:ext uri="{28A0092B-C50C-407E-A947-70E740481C1C}">
+                <a14:useLocalDpi xmlns:a14="http://schemas.microsoft.com/office/drawing/2010/main" val="0"/>
+              </a:ext>
+            </a:extLst>
+          </a:blip>
+          <a:srcRect/>
+          <a:stretch>
+            <a:fillRect/>
+          </a:stretch>
+        </p:blipFill>
+        <p:spPr bwMode="auto">
           <a:xfrm>
-            <a:off x="533400" y="2590800"/>
-            <a:ext cx="8229600" cy="1143000"/>
+            <a:off x="3048000" y="2514600"/>
+            <a:ext cx="2819645" cy="1874683"/>
           </a:xfrm>
+          <a:prstGeom prst="rect">
+            <a:avLst/>
+          </a:prstGeom>
+          <a:noFill/>
+          <a:ln>
+            <a:noFill/>
+          </a:ln>
+          <a:effectLst/>
+          <a:extLst>
+            <a:ext uri="{909E8E84-426E-40DD-AFC4-6F175D3DCCD1}">
+              <a14:hiddenFill xmlns:a14="http://schemas.microsoft.com/office/drawing/2010/main">
+                <a:solidFill>
+                  <a:schemeClr val="accent1"/>
+                </a:solidFill>
+              </a14:hiddenFill>
+            </a:ext>
+            <a:ext uri="{91240B29-F687-4F45-9708-019B960494DF}">
+              <a14:hiddenLine xmlns:a14="http://schemas.microsoft.com/office/drawing/2010/main" w="9525">
+                <a:solidFill>
+                  <a:schemeClr val="tx1"/>
+                </a:solidFill>
+                <a:miter lim="800000"/>
+                <a:headEnd/>
+                <a:tailEnd/>
+              </a14:hiddenLine>
+            </a:ext>
+            <a:ext uri="{AF507438-7753-43E0-B8FC-AC1667EBCBE1}">
+              <a14:hiddenEffects xmlns:a14="http://schemas.microsoft.com/office/drawing/2010/main">
+                <a:effectLst>
+                  <a:outerShdw dist="35921" dir="2700000" algn="ctr" rotWithShape="0">
+                    <a:schemeClr val="bg2"/>
+                  </a:outerShdw>
+                </a:effectLst>
+              </a14:hiddenEffects>
+            </a:ext>
+          </a:extLst>
         </p:spPr>
-        <p:txBody>
-          <a:bodyPr>
-            <a:normAutofit fontScale="90000"/>
-          </a:bodyPr>
-          <a:lstStyle/>
-          <a:p>
-            <a:r>
-              <a:rPr lang="en-US" dirty="0" err="1" smtClean="0"/>
-              <a:t>Cảm</a:t>
-            </a:r>
-            <a:r>
-              <a:rPr lang="en-US" dirty="0" smtClean="0"/>
-              <a:t> </a:t>
-            </a:r>
-            <a:r>
-              <a:rPr lang="en-US" dirty="0" err="1" smtClean="0"/>
-              <a:t>ơn</a:t>
-            </a:r>
-            <a:r>
-              <a:rPr lang="en-US" dirty="0" smtClean="0"/>
-              <a:t> </a:t>
-            </a:r>
-            <a:r>
-              <a:rPr lang="en-US" dirty="0" err="1" smtClean="0"/>
-              <a:t>thầy</a:t>
-            </a:r>
-            <a:r>
-              <a:rPr lang="en-US" dirty="0" smtClean="0"/>
-              <a:t> </a:t>
-            </a:r>
-            <a:r>
-              <a:rPr lang="en-US" dirty="0" err="1" smtClean="0"/>
-              <a:t>và</a:t>
-            </a:r>
-            <a:r>
-              <a:rPr lang="en-US" dirty="0" smtClean="0"/>
-              <a:t> </a:t>
-            </a:r>
-            <a:r>
-              <a:rPr lang="en-US" dirty="0" err="1" smtClean="0"/>
-              <a:t>các</a:t>
-            </a:r>
-            <a:r>
-              <a:rPr lang="en-US" dirty="0" smtClean="0"/>
-              <a:t> </a:t>
-            </a:r>
-            <a:r>
-              <a:rPr lang="en-US" dirty="0" err="1" smtClean="0"/>
-              <a:t>bạn</a:t>
-            </a:r>
-            <a:r>
-              <a:rPr lang="en-US" dirty="0" smtClean="0"/>
-              <a:t> </a:t>
-            </a:r>
-            <a:r>
-              <a:rPr lang="en-US" dirty="0" err="1" smtClean="0"/>
-              <a:t>đã</a:t>
-            </a:r>
-            <a:r>
-              <a:rPr lang="en-US" dirty="0" smtClean="0"/>
-              <a:t> </a:t>
-            </a:r>
-            <a:r>
-              <a:rPr lang="en-US" dirty="0" err="1" smtClean="0"/>
-              <a:t>lắng</a:t>
-            </a:r>
-            <a:r>
-              <a:rPr lang="en-US" dirty="0" smtClean="0"/>
-              <a:t> </a:t>
-            </a:r>
-            <a:r>
-              <a:rPr lang="en-US" dirty="0" err="1" smtClean="0"/>
-              <a:t>nghe</a:t>
-            </a:r>
-            <a:r>
-              <a:rPr lang="en-US" dirty="0" smtClean="0"/>
-              <a:t> !</a:t>
-            </a:r>
-            <a:endParaRPr lang="en-GB" dirty="0"/>
-          </a:p>
-        </p:txBody>
-      </p:sp>
+      </p:pic>
     </p:spTree>
     <p:extLst>
       <p:ext uri="{BB962C8B-B14F-4D97-AF65-F5344CB8AC3E}">
-        <p14:creationId xmlns:p14="http://schemas.microsoft.com/office/powerpoint/2010/main" val="1603937752"/>
+        <p14:creationId xmlns:p14="http://schemas.microsoft.com/office/powerpoint/2010/main" val="1377380831"/>
+      </p:ext>
+    </p:extLst>
+  </p:cSld>
+  <p:clrMapOvr>
+    <a:masterClrMapping/>
+  </p:clrMapOvr>
+  <p:timing>
+    <p:tnLst>
+      <p:par>
+        <p:cTn id="1" dur="indefinite" restart="never" nodeType="tmRoot"/>
+      </p:par>
+    </p:tnLst>
+  </p:timing>
+</p:sld>
+</file>
+
+<file path=ppt/slides/slide21.xml><?xml version="1.0" encoding="utf-8"?>
+<p:sld xmlns:a="http://schemas.openxmlformats.org/drawingml/2006/main" xmlns:r="http://schemas.openxmlformats.org/officeDocument/2006/relationships" xmlns:p="http://schemas.openxmlformats.org/presentationml/2006/main" show="0">
+  <p:cSld>
+    <p:spTree>
+      <p:nvGrpSpPr>
+        <p:cNvPr id="1" name=""/>
+        <p:cNvGrpSpPr/>
+        <p:nvPr/>
+      </p:nvGrpSpPr>
+      <p:grpSpPr>
+        <a:xfrm>
+          <a:off x="0" y="0"/>
+          <a:ext cx="0" cy="0"/>
+          <a:chOff x="0" y="0"/>
+          <a:chExt cx="0" cy="0"/>
+        </a:xfrm>
+      </p:grpSpPr>
+      <p:sp>
+        <p:nvSpPr>
+          <p:cNvPr id="2" name="Title 1"/>
+          <p:cNvSpPr>
+            <a:spLocks noGrp="1"/>
+          </p:cNvSpPr>
+          <p:nvPr>
+            <p:ph type="title"/>
+          </p:nvPr>
+        </p:nvSpPr>
+        <p:spPr/>
+        <p:txBody>
+          <a:bodyPr/>
+          <a:lstStyle/>
+          <a:p>
+            <a:r>
+              <a:rPr lang="en-US" dirty="0" err="1" smtClean="0"/>
+              <a:t>Các</a:t>
+            </a:r>
+            <a:r>
+              <a:rPr lang="en-US" dirty="0" smtClean="0"/>
+              <a:t> </a:t>
+            </a:r>
+            <a:r>
+              <a:rPr lang="en-US" dirty="0" err="1" smtClean="0"/>
+              <a:t>thực</a:t>
+            </a:r>
+            <a:r>
+              <a:rPr lang="en-US" dirty="0" smtClean="0"/>
+              <a:t> </a:t>
+            </a:r>
+            <a:r>
+              <a:rPr lang="en-US" dirty="0" err="1" smtClean="0"/>
+              <a:t>thể</a:t>
+            </a:r>
+            <a:r>
+              <a:rPr lang="en-US" dirty="0" smtClean="0"/>
+              <a:t> </a:t>
+            </a:r>
+            <a:r>
+              <a:rPr lang="en-US" dirty="0" err="1" smtClean="0"/>
+              <a:t>chính</a:t>
+            </a:r>
+            <a:endParaRPr lang="en-GB" dirty="0"/>
+          </a:p>
+        </p:txBody>
+      </p:sp>
+      <p:sp>
+        <p:nvSpPr>
+          <p:cNvPr id="3" name="Content Placeholder 2"/>
+          <p:cNvSpPr>
+            <a:spLocks noGrp="1"/>
+          </p:cNvSpPr>
+          <p:nvPr>
+            <p:ph idx="1"/>
+          </p:nvPr>
+        </p:nvSpPr>
+        <p:spPr/>
+        <p:txBody>
+          <a:bodyPr/>
+          <a:lstStyle/>
+          <a:p>
+            <a:r>
+              <a:rPr lang="en-US" dirty="0" err="1" smtClean="0"/>
+              <a:t>Sinh</a:t>
+            </a:r>
+            <a:r>
+              <a:rPr lang="en-US" dirty="0" smtClean="0"/>
+              <a:t> </a:t>
+            </a:r>
+            <a:r>
+              <a:rPr lang="en-US" dirty="0" err="1" smtClean="0"/>
+              <a:t>viên</a:t>
+            </a:r>
+            <a:r>
+              <a:rPr lang="en-US" dirty="0" smtClean="0"/>
+              <a:t>(student)</a:t>
+            </a:r>
+          </a:p>
+          <a:p>
+            <a:r>
+              <a:rPr lang="en-US" dirty="0" err="1" smtClean="0"/>
+              <a:t>Khách</a:t>
+            </a:r>
+            <a:r>
+              <a:rPr lang="en-US" dirty="0" smtClean="0"/>
+              <a:t> </a:t>
+            </a:r>
+            <a:r>
+              <a:rPr lang="en-US" dirty="0" err="1" smtClean="0"/>
+              <a:t>vãng</a:t>
+            </a:r>
+            <a:r>
+              <a:rPr lang="en-US" dirty="0" smtClean="0"/>
+              <a:t> </a:t>
+            </a:r>
+            <a:r>
+              <a:rPr lang="en-US" dirty="0" err="1" smtClean="0"/>
+              <a:t>lai</a:t>
+            </a:r>
+            <a:r>
+              <a:rPr lang="en-US" dirty="0" smtClean="0"/>
+              <a:t>(visitor) </a:t>
+            </a:r>
+          </a:p>
+          <a:p>
+            <a:r>
+              <a:rPr lang="en-US" dirty="0" err="1" smtClean="0"/>
+              <a:t>Xe</a:t>
+            </a:r>
+            <a:r>
+              <a:rPr lang="en-US" dirty="0" smtClean="0"/>
+              <a:t>(vehicle)</a:t>
+            </a:r>
+          </a:p>
+          <a:p>
+            <a:r>
+              <a:rPr lang="en-US" dirty="0" err="1" smtClean="0"/>
+              <a:t>Bãi</a:t>
+            </a:r>
+            <a:r>
+              <a:rPr lang="en-US" dirty="0" smtClean="0"/>
+              <a:t> </a:t>
+            </a:r>
+            <a:r>
+              <a:rPr lang="en-US" dirty="0" err="1" smtClean="0"/>
+              <a:t>đỗ</a:t>
+            </a:r>
+            <a:r>
+              <a:rPr lang="en-US" dirty="0" smtClean="0"/>
+              <a:t> </a:t>
+            </a:r>
+            <a:r>
+              <a:rPr lang="en-US" dirty="0" err="1" smtClean="0"/>
+              <a:t>xe</a:t>
+            </a:r>
+            <a:r>
+              <a:rPr lang="en-US" dirty="0" smtClean="0"/>
+              <a:t>(</a:t>
+            </a:r>
+            <a:r>
+              <a:rPr lang="en-US" dirty="0" err="1" smtClean="0"/>
+              <a:t>parking_lot</a:t>
+            </a:r>
+            <a:r>
+              <a:rPr lang="en-US" dirty="0" smtClean="0"/>
+              <a:t>)</a:t>
+            </a:r>
+          </a:p>
+          <a:p>
+            <a:r>
+              <a:rPr lang="en-US" dirty="0" err="1" smtClean="0"/>
+              <a:t>Vị</a:t>
+            </a:r>
+            <a:r>
+              <a:rPr lang="en-US" dirty="0" smtClean="0"/>
+              <a:t> </a:t>
+            </a:r>
+            <a:r>
+              <a:rPr lang="en-US" dirty="0" err="1" smtClean="0"/>
+              <a:t>trí</a:t>
+            </a:r>
+            <a:r>
+              <a:rPr lang="en-US" dirty="0" smtClean="0"/>
+              <a:t> </a:t>
+            </a:r>
+            <a:r>
+              <a:rPr lang="en-US" dirty="0" err="1" smtClean="0"/>
+              <a:t>đỗ</a:t>
+            </a:r>
+            <a:r>
+              <a:rPr lang="en-US" dirty="0" smtClean="0"/>
+              <a:t> </a:t>
+            </a:r>
+            <a:r>
+              <a:rPr lang="en-US" dirty="0" err="1" smtClean="0"/>
+              <a:t>xe</a:t>
+            </a:r>
+            <a:r>
+              <a:rPr lang="en-US" dirty="0" smtClean="0"/>
+              <a:t>(</a:t>
+            </a:r>
+            <a:r>
+              <a:rPr lang="en-US" dirty="0" err="1" smtClean="0"/>
+              <a:t>parking_spot</a:t>
+            </a:r>
+            <a:r>
+              <a:rPr lang="en-US" dirty="0" smtClean="0"/>
+              <a:t>)</a:t>
+            </a:r>
+          </a:p>
+          <a:p>
+            <a:r>
+              <a:rPr lang="en-US" dirty="0" err="1" smtClean="0"/>
+              <a:t>Nhân</a:t>
+            </a:r>
+            <a:r>
+              <a:rPr lang="en-US" dirty="0" smtClean="0"/>
+              <a:t> </a:t>
+            </a:r>
+            <a:r>
+              <a:rPr lang="en-US" dirty="0" err="1" smtClean="0"/>
+              <a:t>viên</a:t>
+            </a:r>
+            <a:r>
+              <a:rPr lang="en-US" dirty="0" smtClean="0"/>
+              <a:t>(staff)</a:t>
+            </a:r>
+          </a:p>
+          <a:p>
+            <a:endParaRPr lang="en-US" dirty="0" smtClean="0"/>
+          </a:p>
+        </p:txBody>
+      </p:sp>
+    </p:spTree>
+    <p:extLst>
+      <p:ext uri="{BB962C8B-B14F-4D97-AF65-F5344CB8AC3E}">
+        <p14:creationId xmlns:p14="http://schemas.microsoft.com/office/powerpoint/2010/main" val="2486172056"/>
+      </p:ext>
+    </p:extLst>
+  </p:cSld>
+  <p:clrMapOvr>
+    <a:masterClrMapping/>
+  </p:clrMapOvr>
+  <mc:AlternateContent xmlns:mc="http://schemas.openxmlformats.org/markup-compatibility/2006">
+    <mc:Choice xmlns:p14="http://schemas.microsoft.com/office/powerpoint/2010/main" Requires="p14">
+      <p:transition spd="slow" p14:dur="2000"/>
+    </mc:Choice>
+    <mc:Fallback>
+      <p:transition spd="slow"/>
+    </mc:Fallback>
+  </mc:AlternateContent>
+  <p:timing>
+    <p:tnLst>
+      <p:par>
+        <p:cTn id="1" dur="indefinite" restart="never" nodeType="tmRoot"/>
+      </p:par>
+    </p:tnLst>
+  </p:timing>
+</p:sld>
+</file>
+
+<file path=ppt/slides/slide22.xml><?xml version="1.0" encoding="utf-8"?>
+<p:sld xmlns:a="http://schemas.openxmlformats.org/drawingml/2006/main" xmlns:r="http://schemas.openxmlformats.org/officeDocument/2006/relationships" xmlns:p="http://schemas.openxmlformats.org/presentationml/2006/main" show="0">
+  <p:cSld>
+    <p:spTree>
+      <p:nvGrpSpPr>
+        <p:cNvPr id="1" name=""/>
+        <p:cNvGrpSpPr/>
+        <p:nvPr/>
+      </p:nvGrpSpPr>
+      <p:grpSpPr>
+        <a:xfrm>
+          <a:off x="0" y="0"/>
+          <a:ext cx="0" cy="0"/>
+          <a:chOff x="0" y="0"/>
+          <a:chExt cx="0" cy="0"/>
+        </a:xfrm>
+      </p:grpSpPr>
+      <p:sp>
+        <p:nvSpPr>
+          <p:cNvPr id="2" name="Title 1"/>
+          <p:cNvSpPr>
+            <a:spLocks noGrp="1"/>
+          </p:cNvSpPr>
+          <p:nvPr>
+            <p:ph type="title"/>
+          </p:nvPr>
+        </p:nvSpPr>
+        <p:spPr/>
+        <p:txBody>
+          <a:bodyPr/>
+          <a:lstStyle/>
+          <a:p>
+            <a:r>
+              <a:rPr lang="en-US" dirty="0" err="1" smtClean="0"/>
+              <a:t>Quản</a:t>
+            </a:r>
+            <a:r>
+              <a:rPr lang="en-US" dirty="0" smtClean="0"/>
+              <a:t> </a:t>
+            </a:r>
+            <a:r>
+              <a:rPr lang="en-US" dirty="0" err="1" smtClean="0"/>
+              <a:t>lý</a:t>
+            </a:r>
+            <a:r>
+              <a:rPr lang="en-US" dirty="0" smtClean="0"/>
+              <a:t> </a:t>
+            </a:r>
+            <a:r>
+              <a:rPr lang="en-US" dirty="0" err="1" smtClean="0"/>
+              <a:t>khách</a:t>
+            </a:r>
+            <a:r>
+              <a:rPr lang="en-US" dirty="0" smtClean="0"/>
+              <a:t> </a:t>
+            </a:r>
+            <a:r>
+              <a:rPr lang="en-US" dirty="0" err="1" smtClean="0"/>
+              <a:t>hàng</a:t>
+            </a:r>
+            <a:endParaRPr lang="en-GB" dirty="0"/>
+          </a:p>
+        </p:txBody>
+      </p:sp>
+      <p:sp>
+        <p:nvSpPr>
+          <p:cNvPr id="3" name="Content Placeholder 2"/>
+          <p:cNvSpPr>
+            <a:spLocks noGrp="1"/>
+          </p:cNvSpPr>
+          <p:nvPr>
+            <p:ph idx="1"/>
+          </p:nvPr>
+        </p:nvSpPr>
+        <p:spPr/>
+        <p:txBody>
+          <a:bodyPr/>
+          <a:lstStyle/>
+          <a:p>
+            <a:r>
+              <a:rPr lang="en-US" dirty="0"/>
+              <a:t>Student(</a:t>
+            </a:r>
+            <a:r>
+              <a:rPr lang="en-US" u="sng" dirty="0" err="1"/>
+              <a:t>mssv</a:t>
+            </a:r>
+            <a:r>
+              <a:rPr lang="en-US" dirty="0"/>
+              <a:t>, </a:t>
+            </a:r>
+            <a:r>
+              <a:rPr lang="en-US" dirty="0" err="1" smtClean="0"/>
+              <a:t>customerID</a:t>
+            </a:r>
+            <a:r>
+              <a:rPr lang="en-US" dirty="0" smtClean="0"/>
+              <a:t>, </a:t>
+            </a:r>
+            <a:r>
+              <a:rPr lang="en-US" dirty="0" err="1" smtClean="0"/>
+              <a:t>fullname</a:t>
+            </a:r>
+            <a:r>
+              <a:rPr lang="en-US" dirty="0" smtClean="0"/>
+              <a:t>, balance, password)</a:t>
+            </a:r>
+          </a:p>
+          <a:p>
+            <a:r>
+              <a:rPr lang="en-US" dirty="0" smtClean="0"/>
+              <a:t>Visitor(</a:t>
+            </a:r>
+            <a:r>
+              <a:rPr lang="en-US" u="sng" dirty="0" smtClean="0"/>
+              <a:t>ticket</a:t>
+            </a:r>
+            <a:r>
+              <a:rPr lang="en-US" dirty="0" smtClean="0"/>
+              <a:t>, </a:t>
+            </a:r>
+            <a:r>
+              <a:rPr lang="en-US" dirty="0" err="1" smtClean="0"/>
+              <a:t>customerID</a:t>
+            </a:r>
+            <a:r>
+              <a:rPr lang="en-US" dirty="0" smtClean="0"/>
+              <a:t>)</a:t>
+            </a:r>
+          </a:p>
+          <a:p>
+            <a:r>
+              <a:rPr lang="en-US" dirty="0" smtClean="0"/>
+              <a:t>Customer(</a:t>
+            </a:r>
+            <a:r>
+              <a:rPr lang="en-US" u="sng" dirty="0" err="1" smtClean="0"/>
+              <a:t>customerID</a:t>
+            </a:r>
+            <a:r>
+              <a:rPr lang="en-US" dirty="0" smtClean="0"/>
+              <a:t>, </a:t>
+            </a:r>
+            <a:r>
+              <a:rPr lang="en-US" dirty="0" err="1" smtClean="0"/>
+              <a:t>customertype</a:t>
+            </a:r>
+            <a:r>
+              <a:rPr lang="en-US" dirty="0" smtClean="0"/>
+              <a:t>)</a:t>
+            </a:r>
+          </a:p>
+          <a:p>
+            <a:r>
+              <a:rPr lang="en-US" dirty="0" smtClean="0"/>
+              <a:t>Vehicle(</a:t>
+            </a:r>
+            <a:r>
+              <a:rPr lang="en-US" u="sng" dirty="0" err="1" smtClean="0"/>
+              <a:t>vehicleID</a:t>
+            </a:r>
+            <a:r>
+              <a:rPr lang="en-US" dirty="0" smtClean="0"/>
+              <a:t>, </a:t>
+            </a:r>
+            <a:r>
+              <a:rPr lang="en-US" dirty="0" err="1" smtClean="0"/>
+              <a:t>vehicletypeID</a:t>
+            </a:r>
+            <a:r>
+              <a:rPr lang="en-US" dirty="0" smtClean="0"/>
+              <a:t>, </a:t>
+            </a:r>
+            <a:r>
+              <a:rPr lang="en-US" dirty="0" err="1" smtClean="0"/>
+              <a:t>lisence_plate</a:t>
+            </a:r>
+            <a:r>
+              <a:rPr lang="en-US" dirty="0" smtClean="0"/>
+              <a:t>, color, </a:t>
+            </a:r>
+            <a:r>
+              <a:rPr lang="en-US" dirty="0" err="1" smtClean="0"/>
+              <a:t>customerid</a:t>
+            </a:r>
+            <a:r>
+              <a:rPr lang="en-US" dirty="0" smtClean="0"/>
+              <a:t>)</a:t>
+            </a:r>
+          </a:p>
+          <a:p>
+            <a:endParaRPr lang="en-GB" dirty="0"/>
+          </a:p>
+        </p:txBody>
+      </p:sp>
+    </p:spTree>
+    <p:extLst>
+      <p:ext uri="{BB962C8B-B14F-4D97-AF65-F5344CB8AC3E}">
+        <p14:creationId xmlns:p14="http://schemas.microsoft.com/office/powerpoint/2010/main" val="2951914285"/>
+      </p:ext>
+    </p:extLst>
+  </p:cSld>
+  <p:clrMapOvr>
+    <a:masterClrMapping/>
+  </p:clrMapOvr>
+  <mc:AlternateContent xmlns:mc="http://schemas.openxmlformats.org/markup-compatibility/2006">
+    <mc:Choice xmlns:p14="http://schemas.microsoft.com/office/powerpoint/2010/main" Requires="p14">
+      <p:transition spd="slow" p14:dur="2000"/>
+    </mc:Choice>
+    <mc:Fallback>
+      <p:transition spd="slow"/>
+    </mc:Fallback>
+  </mc:AlternateContent>
+  <p:timing>
+    <p:tnLst>
+      <p:par>
+        <p:cTn id="1" dur="indefinite" restart="never" nodeType="tmRoot"/>
+      </p:par>
+    </p:tnLst>
+  </p:timing>
+</p:sld>
+</file>
+
+<file path=ppt/slides/slide23.xml><?xml version="1.0" encoding="utf-8"?>
+<p:sld xmlns:a="http://schemas.openxmlformats.org/drawingml/2006/main" xmlns:r="http://schemas.openxmlformats.org/officeDocument/2006/relationships" xmlns:p="http://schemas.openxmlformats.org/presentationml/2006/main" show="0">
+  <p:cSld>
+    <p:spTree>
+      <p:nvGrpSpPr>
+        <p:cNvPr id="1" name=""/>
+        <p:cNvGrpSpPr/>
+        <p:nvPr/>
+      </p:nvGrpSpPr>
+      <p:grpSpPr>
+        <a:xfrm>
+          <a:off x="0" y="0"/>
+          <a:ext cx="0" cy="0"/>
+          <a:chOff x="0" y="0"/>
+          <a:chExt cx="0" cy="0"/>
+        </a:xfrm>
+      </p:grpSpPr>
+      <p:sp>
+        <p:nvSpPr>
+          <p:cNvPr id="2" name="Title 1"/>
+          <p:cNvSpPr>
+            <a:spLocks noGrp="1"/>
+          </p:cNvSpPr>
+          <p:nvPr>
+            <p:ph type="title"/>
+          </p:nvPr>
+        </p:nvSpPr>
+        <p:spPr/>
+        <p:txBody>
+          <a:bodyPr/>
+          <a:lstStyle/>
+          <a:p>
+            <a:r>
+              <a:rPr lang="en-US" dirty="0" err="1" smtClean="0"/>
+              <a:t>Quản</a:t>
+            </a:r>
+            <a:r>
+              <a:rPr lang="en-US" dirty="0" smtClean="0"/>
+              <a:t> </a:t>
+            </a:r>
+            <a:r>
+              <a:rPr lang="en-US" dirty="0" err="1" smtClean="0"/>
+              <a:t>lý</a:t>
+            </a:r>
+            <a:r>
+              <a:rPr lang="en-US" dirty="0" smtClean="0"/>
+              <a:t> </a:t>
+            </a:r>
+            <a:r>
+              <a:rPr lang="en-US" dirty="0" err="1" smtClean="0"/>
+              <a:t>bãi</a:t>
+            </a:r>
+            <a:r>
+              <a:rPr lang="en-US" dirty="0" smtClean="0"/>
+              <a:t> </a:t>
+            </a:r>
+            <a:r>
+              <a:rPr lang="en-US" dirty="0" err="1" smtClean="0"/>
+              <a:t>đỗ</a:t>
+            </a:r>
+            <a:r>
+              <a:rPr lang="en-US" dirty="0" smtClean="0"/>
+              <a:t> </a:t>
+            </a:r>
+            <a:r>
+              <a:rPr lang="en-US" dirty="0" err="1" smtClean="0"/>
+              <a:t>xe</a:t>
+            </a:r>
+            <a:endParaRPr lang="en-GB" dirty="0"/>
+          </a:p>
+        </p:txBody>
+      </p:sp>
+      <p:sp>
+        <p:nvSpPr>
+          <p:cNvPr id="3" name="Content Placeholder 2"/>
+          <p:cNvSpPr>
+            <a:spLocks noGrp="1"/>
+          </p:cNvSpPr>
+          <p:nvPr>
+            <p:ph idx="1"/>
+          </p:nvPr>
+        </p:nvSpPr>
+        <p:spPr/>
+        <p:txBody>
+          <a:bodyPr/>
+          <a:lstStyle/>
+          <a:p>
+            <a:r>
+              <a:rPr lang="en-US" dirty="0" err="1" smtClean="0"/>
+              <a:t>Parking_Lot</a:t>
+            </a:r>
+            <a:r>
+              <a:rPr lang="en-US" dirty="0" smtClean="0"/>
+              <a:t>(</a:t>
+            </a:r>
+            <a:r>
+              <a:rPr lang="en-US" u="sng" dirty="0" err="1" smtClean="0"/>
+              <a:t>parkingLotID</a:t>
+            </a:r>
+            <a:r>
+              <a:rPr lang="en-US" dirty="0" smtClean="0"/>
+              <a:t>, name, capacity)</a:t>
+            </a:r>
+          </a:p>
+          <a:p>
+            <a:r>
+              <a:rPr lang="en-US" dirty="0" err="1" smtClean="0"/>
+              <a:t>Parking_Spot</a:t>
+            </a:r>
+            <a:r>
+              <a:rPr lang="en-US" dirty="0" smtClean="0"/>
+              <a:t>(</a:t>
+            </a:r>
+            <a:r>
+              <a:rPr lang="en-US" u="sng" dirty="0" err="1" smtClean="0"/>
+              <a:t>parkingSpotID</a:t>
+            </a:r>
+            <a:r>
+              <a:rPr lang="en-US" dirty="0" smtClean="0"/>
+              <a:t>, </a:t>
+            </a:r>
+            <a:r>
+              <a:rPr lang="en-US" dirty="0" err="1" smtClean="0"/>
+              <a:t>spotTypeID</a:t>
+            </a:r>
+            <a:r>
+              <a:rPr lang="en-US" dirty="0" smtClean="0"/>
+              <a:t>, </a:t>
+            </a:r>
+            <a:r>
+              <a:rPr lang="en-US" dirty="0" err="1" smtClean="0"/>
+              <a:t>parkingLotID</a:t>
+            </a:r>
+            <a:r>
+              <a:rPr lang="en-US" dirty="0" smtClean="0"/>
+              <a:t>, occupied)</a:t>
+            </a:r>
+          </a:p>
+          <a:p>
+            <a:r>
+              <a:rPr lang="en-US" dirty="0" smtClean="0"/>
+              <a:t>Staff(</a:t>
+            </a:r>
+            <a:r>
+              <a:rPr lang="en-US" u="sng" dirty="0" err="1" smtClean="0"/>
+              <a:t>staffID</a:t>
+            </a:r>
+            <a:r>
+              <a:rPr lang="en-US" dirty="0" smtClean="0"/>
+              <a:t>, </a:t>
+            </a:r>
+            <a:r>
+              <a:rPr lang="en-US" dirty="0" err="1" smtClean="0"/>
+              <a:t>fullname</a:t>
+            </a:r>
+            <a:r>
+              <a:rPr lang="en-US" dirty="0" smtClean="0"/>
+              <a:t>, </a:t>
+            </a:r>
+            <a:r>
+              <a:rPr lang="en-US" dirty="0" err="1" smtClean="0"/>
+              <a:t>parkingLotID</a:t>
+            </a:r>
+            <a:r>
+              <a:rPr lang="en-US" dirty="0" smtClean="0"/>
+              <a:t>, password)</a:t>
+            </a:r>
+          </a:p>
+          <a:p>
+            <a:pPr marL="0" indent="0">
+              <a:buNone/>
+            </a:pPr>
+            <a:endParaRPr lang="en-GB" dirty="0"/>
+          </a:p>
+        </p:txBody>
+      </p:sp>
+    </p:spTree>
+    <p:extLst>
+      <p:ext uri="{BB962C8B-B14F-4D97-AF65-F5344CB8AC3E}">
+        <p14:creationId xmlns:p14="http://schemas.microsoft.com/office/powerpoint/2010/main" val="1246534415"/>
+      </p:ext>
+    </p:extLst>
+  </p:cSld>
+  <p:clrMapOvr>
+    <a:masterClrMapping/>
+  </p:clrMapOvr>
+  <mc:AlternateContent xmlns:mc="http://schemas.openxmlformats.org/markup-compatibility/2006">
+    <mc:Choice xmlns:p14="http://schemas.microsoft.com/office/powerpoint/2010/main" Requires="p14">
+      <p:transition spd="slow" p14:dur="2000"/>
+    </mc:Choice>
+    <mc:Fallback>
+      <p:transition spd="slow"/>
+    </mc:Fallback>
+  </mc:AlternateContent>
+  <p:timing>
+    <p:tnLst>
+      <p:par>
+        <p:cTn id="1" dur="indefinite" restart="never" nodeType="tmRoot"/>
+      </p:par>
+    </p:tnLst>
+  </p:timing>
+</p:sld>
+</file>
+
+<file path=ppt/slides/slide24.xml><?xml version="1.0" encoding="utf-8"?>
+<p:sld xmlns:a="http://schemas.openxmlformats.org/drawingml/2006/main" xmlns:r="http://schemas.openxmlformats.org/officeDocument/2006/relationships" xmlns:p="http://schemas.openxmlformats.org/presentationml/2006/main" show="0">
+  <p:cSld>
+    <p:spTree>
+      <p:nvGrpSpPr>
+        <p:cNvPr id="1" name=""/>
+        <p:cNvGrpSpPr/>
+        <p:nvPr/>
+      </p:nvGrpSpPr>
+      <p:grpSpPr>
+        <a:xfrm>
+          <a:off x="0" y="0"/>
+          <a:ext cx="0" cy="0"/>
+          <a:chOff x="0" y="0"/>
+          <a:chExt cx="0" cy="0"/>
+        </a:xfrm>
+      </p:grpSpPr>
+      <p:sp>
+        <p:nvSpPr>
+          <p:cNvPr id="2" name="Title 1"/>
+          <p:cNvSpPr>
+            <a:spLocks noGrp="1"/>
+          </p:cNvSpPr>
+          <p:nvPr>
+            <p:ph type="title"/>
+          </p:nvPr>
+        </p:nvSpPr>
+        <p:spPr/>
+        <p:txBody>
+          <a:bodyPr/>
+          <a:lstStyle/>
+          <a:p>
+            <a:r>
+              <a:rPr lang="en-US" dirty="0" err="1" smtClean="0"/>
+              <a:t>Các</a:t>
+            </a:r>
+            <a:r>
+              <a:rPr lang="en-US" dirty="0" smtClean="0"/>
+              <a:t> </a:t>
+            </a:r>
+            <a:r>
+              <a:rPr lang="en-US" dirty="0" err="1" smtClean="0"/>
+              <a:t>thao</a:t>
+            </a:r>
+            <a:r>
+              <a:rPr lang="en-US" dirty="0" smtClean="0"/>
+              <a:t> </a:t>
+            </a:r>
+            <a:r>
+              <a:rPr lang="en-US" dirty="0" err="1" smtClean="0"/>
+              <a:t>tác</a:t>
+            </a:r>
+            <a:endParaRPr lang="en-GB" dirty="0"/>
+          </a:p>
+        </p:txBody>
+      </p:sp>
+      <p:sp>
+        <p:nvSpPr>
+          <p:cNvPr id="3" name="Content Placeholder 2"/>
+          <p:cNvSpPr>
+            <a:spLocks noGrp="1"/>
+          </p:cNvSpPr>
+          <p:nvPr>
+            <p:ph idx="1"/>
+          </p:nvPr>
+        </p:nvSpPr>
+        <p:spPr/>
+        <p:txBody>
+          <a:bodyPr>
+            <a:normAutofit/>
+          </a:bodyPr>
+          <a:lstStyle/>
+          <a:p>
+            <a:r>
+              <a:rPr lang="en-US" dirty="0" err="1" smtClean="0"/>
+              <a:t>Gửi</a:t>
+            </a:r>
+            <a:r>
+              <a:rPr lang="en-US" dirty="0" smtClean="0"/>
+              <a:t> </a:t>
+            </a:r>
+            <a:r>
+              <a:rPr lang="en-US" dirty="0" err="1" smtClean="0"/>
+              <a:t>xe</a:t>
+            </a:r>
+            <a:r>
+              <a:rPr lang="en-US" dirty="0" smtClean="0"/>
+              <a:t>, </a:t>
+            </a:r>
+            <a:r>
+              <a:rPr lang="en-US" dirty="0" err="1" smtClean="0"/>
+              <a:t>thanh</a:t>
+            </a:r>
+            <a:r>
+              <a:rPr lang="en-US" dirty="0" smtClean="0"/>
+              <a:t> </a:t>
+            </a:r>
+            <a:r>
+              <a:rPr lang="en-US" dirty="0" err="1" smtClean="0"/>
+              <a:t>toán</a:t>
+            </a:r>
+            <a:r>
+              <a:rPr lang="en-US" dirty="0" smtClean="0"/>
+              <a:t>, </a:t>
+            </a:r>
+            <a:r>
+              <a:rPr lang="en-US" dirty="0" err="1" smtClean="0"/>
+              <a:t>nạp</a:t>
+            </a:r>
+            <a:r>
+              <a:rPr lang="en-US" dirty="0" smtClean="0"/>
+              <a:t> </a:t>
+            </a:r>
+            <a:r>
+              <a:rPr lang="en-US" dirty="0" err="1" smtClean="0"/>
+              <a:t>tiền</a:t>
+            </a:r>
+            <a:endParaRPr lang="en-US" dirty="0" smtClean="0"/>
+          </a:p>
+          <a:p>
+            <a:pPr lvl="1"/>
+            <a:r>
+              <a:rPr lang="en-US" dirty="0" smtClean="0"/>
+              <a:t>Park(</a:t>
+            </a:r>
+            <a:r>
+              <a:rPr lang="en-US" u="sng" dirty="0" err="1" smtClean="0"/>
+              <a:t>ParkID</a:t>
+            </a:r>
+            <a:r>
+              <a:rPr lang="en-US" dirty="0" smtClean="0"/>
+              <a:t>, </a:t>
+            </a:r>
+            <a:r>
+              <a:rPr lang="en-US" dirty="0" err="1" smtClean="0"/>
+              <a:t>VehicleID</a:t>
+            </a:r>
+            <a:r>
+              <a:rPr lang="en-US" dirty="0" smtClean="0"/>
+              <a:t>, </a:t>
+            </a:r>
+            <a:r>
+              <a:rPr lang="en-US" dirty="0" err="1" smtClean="0"/>
+              <a:t>ParkingSpotID</a:t>
+            </a:r>
+            <a:r>
+              <a:rPr lang="en-US" dirty="0" smtClean="0"/>
+              <a:t>, </a:t>
+            </a:r>
+            <a:r>
+              <a:rPr lang="en-US" dirty="0" err="1" smtClean="0"/>
+              <a:t>Entry_Time</a:t>
+            </a:r>
+            <a:r>
+              <a:rPr lang="en-US" dirty="0" smtClean="0"/>
+              <a:t>,</a:t>
+            </a:r>
+            <a:r>
+              <a:rPr lang="en-GB" dirty="0" smtClean="0"/>
+              <a:t> </a:t>
+            </a:r>
+            <a:r>
+              <a:rPr lang="en-US" dirty="0" err="1" smtClean="0"/>
+              <a:t>Exit_Time</a:t>
+            </a:r>
+            <a:r>
+              <a:rPr lang="en-US" dirty="0" smtClean="0"/>
+              <a:t>)</a:t>
+            </a:r>
+          </a:p>
+          <a:p>
+            <a:pPr lvl="1"/>
+            <a:r>
+              <a:rPr lang="en-US" dirty="0" smtClean="0"/>
+              <a:t>Transaction(</a:t>
+            </a:r>
+            <a:r>
+              <a:rPr lang="en-US" u="sng" dirty="0" err="1" smtClean="0"/>
+              <a:t>TransactionID</a:t>
+            </a:r>
+            <a:r>
+              <a:rPr lang="en-US" dirty="0" smtClean="0"/>
+              <a:t>, amount, time, </a:t>
+            </a:r>
+            <a:r>
+              <a:rPr lang="en-US" dirty="0" err="1" smtClean="0"/>
+              <a:t>transaction_type</a:t>
+            </a:r>
+            <a:r>
+              <a:rPr lang="en-US" dirty="0" smtClean="0"/>
+              <a:t>, </a:t>
+            </a:r>
+            <a:r>
+              <a:rPr lang="en-US" dirty="0" err="1" smtClean="0"/>
+              <a:t>customerID</a:t>
+            </a:r>
+            <a:r>
+              <a:rPr lang="en-US" dirty="0"/>
+              <a:t>)</a:t>
+            </a:r>
+            <a:endParaRPr lang="en-US" dirty="0" smtClean="0"/>
+          </a:p>
+          <a:p>
+            <a:r>
+              <a:rPr lang="en-US" dirty="0" smtClean="0"/>
+              <a:t>Xin </a:t>
+            </a:r>
+            <a:r>
+              <a:rPr lang="en-US" dirty="0" err="1" smtClean="0"/>
+              <a:t>việc</a:t>
+            </a:r>
+            <a:endParaRPr lang="en-US" dirty="0" smtClean="0"/>
+          </a:p>
+          <a:p>
+            <a:pPr lvl="1"/>
+            <a:r>
+              <a:rPr lang="en-US" dirty="0" smtClean="0"/>
+              <a:t>Application(</a:t>
+            </a:r>
+            <a:r>
+              <a:rPr lang="en-US" u="sng" dirty="0" smtClean="0"/>
+              <a:t>ID</a:t>
+            </a:r>
+            <a:r>
+              <a:rPr lang="en-US" dirty="0" smtClean="0"/>
+              <a:t>, </a:t>
+            </a:r>
+            <a:r>
+              <a:rPr lang="en-US" dirty="0" err="1" smtClean="0"/>
+              <a:t>fullname</a:t>
+            </a:r>
+            <a:r>
+              <a:rPr lang="en-US" dirty="0" smtClean="0"/>
+              <a:t>, </a:t>
+            </a:r>
+            <a:r>
+              <a:rPr lang="en-US" dirty="0" err="1" smtClean="0"/>
+              <a:t>datebirth</a:t>
+            </a:r>
+            <a:r>
+              <a:rPr lang="en-US" dirty="0" smtClean="0"/>
+              <a:t>, email)</a:t>
+            </a:r>
+          </a:p>
+        </p:txBody>
+      </p:sp>
+    </p:spTree>
+    <p:extLst>
+      <p:ext uri="{BB962C8B-B14F-4D97-AF65-F5344CB8AC3E}">
+        <p14:creationId xmlns:p14="http://schemas.microsoft.com/office/powerpoint/2010/main" val="1712894505"/>
+      </p:ext>
+    </p:extLst>
+  </p:cSld>
+  <p:clrMapOvr>
+    <a:masterClrMapping/>
+  </p:clrMapOvr>
+  <mc:AlternateContent xmlns:mc="http://schemas.openxmlformats.org/markup-compatibility/2006">
+    <mc:Choice xmlns:p14="http://schemas.microsoft.com/office/powerpoint/2010/main" Requires="p14">
+      <p:transition spd="slow" p14:dur="2000"/>
+    </mc:Choice>
+    <mc:Fallback>
+      <p:transition spd="slow"/>
+    </mc:Fallback>
+  </mc:AlternateContent>
+  <p:timing>
+    <p:tnLst>
+      <p:par>
+        <p:cTn id="1" dur="indefinite" restart="never" nodeType="tmRoot"/>
+      </p:par>
+    </p:tnLst>
+  </p:timing>
+</p:sld>
+</file>
+
+<file path=ppt/slides/slide25.xml><?xml version="1.0" encoding="utf-8"?>
+<p:sld xmlns:a="http://schemas.openxmlformats.org/drawingml/2006/main" xmlns:r="http://schemas.openxmlformats.org/officeDocument/2006/relationships" xmlns:p="http://schemas.openxmlformats.org/presentationml/2006/main">
+  <p:cSld>
+    <p:spTree>
+      <p:nvGrpSpPr>
+        <p:cNvPr id="1" name=""/>
+        <p:cNvGrpSpPr/>
+        <p:nvPr/>
+      </p:nvGrpSpPr>
+      <p:grpSpPr>
+        <a:xfrm>
+          <a:off x="0" y="0"/>
+          <a:ext cx="0" cy="0"/>
+          <a:chOff x="0" y="0"/>
+          <a:chExt cx="0" cy="0"/>
+        </a:xfrm>
+      </p:grpSpPr>
+      <p:sp>
+        <p:nvSpPr>
+          <p:cNvPr id="2" name="Title 1"/>
+          <p:cNvSpPr>
+            <a:spLocks noGrp="1"/>
+          </p:cNvSpPr>
+          <p:nvPr>
+            <p:ph type="title"/>
+          </p:nvPr>
+        </p:nvSpPr>
+        <p:spPr/>
+        <p:txBody>
+          <a:bodyPr/>
+          <a:lstStyle/>
+          <a:p>
+            <a:r>
+              <a:rPr lang="en-US" dirty="0" err="1" smtClean="0"/>
+              <a:t>Phân</a:t>
+            </a:r>
+            <a:r>
+              <a:rPr lang="en-US" dirty="0" smtClean="0"/>
+              <a:t> </a:t>
+            </a:r>
+            <a:r>
+              <a:rPr lang="en-US" dirty="0" err="1" smtClean="0"/>
+              <a:t>loại</a:t>
+            </a:r>
+            <a:endParaRPr lang="en-GB" dirty="0"/>
+          </a:p>
+        </p:txBody>
+      </p:sp>
+      <p:sp>
+        <p:nvSpPr>
+          <p:cNvPr id="3" name="Content Placeholder 2"/>
+          <p:cNvSpPr>
+            <a:spLocks noGrp="1"/>
+          </p:cNvSpPr>
+          <p:nvPr>
+            <p:ph idx="1"/>
+          </p:nvPr>
+        </p:nvSpPr>
+        <p:spPr/>
+        <p:txBody>
+          <a:bodyPr/>
+          <a:lstStyle/>
+          <a:p>
+            <a:r>
+              <a:rPr lang="en-US" dirty="0" err="1" smtClean="0"/>
+              <a:t>spot_type</a:t>
+            </a:r>
+            <a:r>
+              <a:rPr lang="en-US" dirty="0" smtClean="0"/>
+              <a:t>(…)</a:t>
+            </a:r>
+            <a:endParaRPr lang="en-US" dirty="0"/>
+          </a:p>
+          <a:p>
+            <a:r>
+              <a:rPr lang="en-US" dirty="0" err="1" smtClean="0"/>
+              <a:t>vehicle_type</a:t>
+            </a:r>
+            <a:r>
+              <a:rPr lang="en-US" dirty="0" smtClean="0"/>
+              <a:t>(…)</a:t>
+            </a:r>
+          </a:p>
+          <a:p>
+            <a:r>
+              <a:rPr lang="en-US" dirty="0" err="1" smtClean="0"/>
+              <a:t>Customer_type</a:t>
+            </a:r>
+            <a:endParaRPr lang="en-GB" dirty="0"/>
+          </a:p>
+        </p:txBody>
+      </p:sp>
+    </p:spTree>
+    <p:extLst>
+      <p:ext uri="{BB962C8B-B14F-4D97-AF65-F5344CB8AC3E}">
+        <p14:creationId xmlns:p14="http://schemas.microsoft.com/office/powerpoint/2010/main" val="1107836323"/>
+      </p:ext>
+    </p:extLst>
+  </p:cSld>
+  <p:clrMapOvr>
+    <a:masterClrMapping/>
+  </p:clrMapOvr>
+  <p:timing>
+    <p:tnLst>
+      <p:par>
+        <p:cTn id="1" dur="indefinite" restart="never" nodeType="tmRoot"/>
+      </p:par>
+    </p:tnLst>
+  </p:timing>
+</p:sld>
+</file>
+
+<file path=ppt/slides/slide26.xml><?xml version="1.0" encoding="utf-8"?>
+<p:sld xmlns:a="http://schemas.openxmlformats.org/drawingml/2006/main" xmlns:r="http://schemas.openxmlformats.org/officeDocument/2006/relationships" xmlns:p="http://schemas.openxmlformats.org/presentationml/2006/main">
+  <p:cSld>
+    <p:spTree>
+      <p:nvGrpSpPr>
+        <p:cNvPr id="1" name=""/>
+        <p:cNvGrpSpPr/>
+        <p:nvPr/>
+      </p:nvGrpSpPr>
+      <p:grpSpPr>
+        <a:xfrm>
+          <a:off x="0" y="0"/>
+          <a:ext cx="0" cy="0"/>
+          <a:chOff x="0" y="0"/>
+          <a:chExt cx="0" cy="0"/>
+        </a:xfrm>
+      </p:grpSpPr>
+      <p:sp>
+        <p:nvSpPr>
+          <p:cNvPr id="2" name="Title 1"/>
+          <p:cNvSpPr>
+            <a:spLocks noGrp="1"/>
+          </p:cNvSpPr>
+          <p:nvPr>
+            <p:ph type="title"/>
+          </p:nvPr>
+        </p:nvSpPr>
+        <p:spPr/>
+        <p:txBody>
+          <a:bodyPr/>
+          <a:lstStyle/>
+          <a:p>
+            <a:r>
+              <a:rPr lang="en-US" dirty="0" err="1" smtClean="0"/>
+              <a:t>Các</a:t>
+            </a:r>
+            <a:r>
+              <a:rPr lang="en-US" dirty="0" smtClean="0"/>
+              <a:t> </a:t>
+            </a:r>
+            <a:r>
+              <a:rPr lang="en-US" dirty="0" err="1" smtClean="0"/>
+              <a:t>ràng</a:t>
+            </a:r>
+            <a:r>
+              <a:rPr lang="en-US" dirty="0" smtClean="0"/>
+              <a:t> </a:t>
+            </a:r>
+            <a:r>
+              <a:rPr lang="en-US" dirty="0" err="1" smtClean="0"/>
+              <a:t>buộc</a:t>
+            </a:r>
+            <a:endParaRPr lang="en-GB" dirty="0"/>
+          </a:p>
+        </p:txBody>
+      </p:sp>
+      <p:sp>
+        <p:nvSpPr>
+          <p:cNvPr id="3" name="Content Placeholder 2"/>
+          <p:cNvSpPr>
+            <a:spLocks noGrp="1"/>
+          </p:cNvSpPr>
+          <p:nvPr>
+            <p:ph idx="1"/>
+          </p:nvPr>
+        </p:nvSpPr>
+        <p:spPr/>
+        <p:txBody>
+          <a:bodyPr/>
+          <a:lstStyle/>
+          <a:p>
+            <a:r>
+              <a:rPr lang="en-US" dirty="0" smtClean="0"/>
+              <a:t>UNIQUE: </a:t>
+            </a:r>
+            <a:r>
+              <a:rPr lang="en-US" dirty="0" err="1" smtClean="0"/>
+              <a:t>student.customerid</a:t>
+            </a:r>
+            <a:r>
+              <a:rPr lang="en-US" dirty="0" smtClean="0"/>
+              <a:t>, </a:t>
+            </a:r>
+            <a:r>
+              <a:rPr lang="en-US" dirty="0" err="1" smtClean="0"/>
+              <a:t>visitor.customerid</a:t>
+            </a:r>
+            <a:endParaRPr lang="en-US" dirty="0" smtClean="0"/>
+          </a:p>
+          <a:p>
+            <a:r>
+              <a:rPr lang="en-US" dirty="0" smtClean="0"/>
+              <a:t>NOT NULL</a:t>
+            </a:r>
+          </a:p>
+          <a:p>
+            <a:r>
+              <a:rPr lang="en-US" dirty="0" smtClean="0"/>
+              <a:t>CHECK length(password)</a:t>
+            </a:r>
+          </a:p>
+          <a:p>
+            <a:r>
+              <a:rPr lang="en-US" dirty="0" smtClean="0"/>
+              <a:t>Trigger</a:t>
+            </a:r>
+          </a:p>
+        </p:txBody>
+      </p:sp>
+    </p:spTree>
+    <p:extLst>
+      <p:ext uri="{BB962C8B-B14F-4D97-AF65-F5344CB8AC3E}">
+        <p14:creationId xmlns:p14="http://schemas.microsoft.com/office/powerpoint/2010/main" val="3606725957"/>
+      </p:ext>
+    </p:extLst>
+  </p:cSld>
+  <p:clrMapOvr>
+    <a:masterClrMapping/>
+  </p:clrMapOvr>
+  <p:timing>
+    <p:tnLst>
+      <p:par>
+        <p:cTn id="1" dur="indefinite" restart="never" nodeType="tmRoot"/>
+      </p:par>
+    </p:tnLst>
+  </p:timing>
+</p:sld>
+</file>
+
+<file path=ppt/slides/slide27.xml><?xml version="1.0" encoding="utf-8"?>
+<p:sld xmlns:a="http://schemas.openxmlformats.org/drawingml/2006/main" xmlns:r="http://schemas.openxmlformats.org/officeDocument/2006/relationships" xmlns:p="http://schemas.openxmlformats.org/presentationml/2006/main">
+  <p:cSld>
+    <p:spTree>
+      <p:nvGrpSpPr>
+        <p:cNvPr id="1" name=""/>
+        <p:cNvGrpSpPr/>
+        <p:nvPr/>
+      </p:nvGrpSpPr>
+      <p:grpSpPr>
+        <a:xfrm>
+          <a:off x="0" y="0"/>
+          <a:ext cx="0" cy="0"/>
+          <a:chOff x="0" y="0"/>
+          <a:chExt cx="0" cy="0"/>
+        </a:xfrm>
+      </p:grpSpPr>
+      <p:sp>
+        <p:nvSpPr>
+          <p:cNvPr id="2" name="Title 1"/>
+          <p:cNvSpPr>
+            <a:spLocks noGrp="1"/>
+          </p:cNvSpPr>
+          <p:nvPr>
+            <p:ph type="title"/>
+          </p:nvPr>
+        </p:nvSpPr>
+        <p:spPr/>
+        <p:txBody>
+          <a:bodyPr/>
+          <a:lstStyle/>
+          <a:p>
+            <a:r>
+              <a:rPr lang="en-US" dirty="0" err="1" smtClean="0"/>
+              <a:t>Các</a:t>
+            </a:r>
+            <a:r>
+              <a:rPr lang="en-US" dirty="0" smtClean="0"/>
+              <a:t> </a:t>
+            </a:r>
+            <a:r>
+              <a:rPr lang="en-US" dirty="0" err="1" smtClean="0"/>
+              <a:t>truy</a:t>
+            </a:r>
+            <a:r>
+              <a:rPr lang="en-US" dirty="0" smtClean="0"/>
+              <a:t> </a:t>
+            </a:r>
+            <a:r>
+              <a:rPr lang="en-US" dirty="0" err="1" smtClean="0"/>
+              <a:t>vấn</a:t>
+            </a:r>
+            <a:endParaRPr lang="en-US" dirty="0"/>
+          </a:p>
+        </p:txBody>
+      </p:sp>
+      <p:sp>
+        <p:nvSpPr>
+          <p:cNvPr id="3" name="Content Placeholder 2"/>
+          <p:cNvSpPr>
+            <a:spLocks noGrp="1"/>
+          </p:cNvSpPr>
+          <p:nvPr>
+            <p:ph idx="1"/>
+          </p:nvPr>
+        </p:nvSpPr>
+        <p:spPr/>
+        <p:txBody>
+          <a:bodyPr/>
+          <a:lstStyle/>
+          <a:p>
+            <a:r>
+              <a:rPr lang="en-US" dirty="0" smtClean="0"/>
+              <a:t>In </a:t>
+            </a:r>
+            <a:r>
+              <a:rPr lang="en-US" dirty="0" err="1" smtClean="0"/>
+              <a:t>ra</a:t>
+            </a:r>
+            <a:r>
+              <a:rPr lang="en-US" dirty="0" smtClean="0"/>
+              <a:t> </a:t>
+            </a:r>
+            <a:r>
+              <a:rPr lang="en-US" dirty="0" err="1" smtClean="0"/>
+              <a:t>giao</a:t>
+            </a:r>
+            <a:r>
+              <a:rPr lang="en-US" dirty="0" smtClean="0"/>
+              <a:t> </a:t>
+            </a:r>
+            <a:r>
+              <a:rPr lang="en-US" dirty="0" err="1" smtClean="0"/>
+              <a:t>dịch</a:t>
+            </a:r>
+            <a:r>
+              <a:rPr lang="en-US" dirty="0" smtClean="0"/>
+              <a:t> </a:t>
+            </a:r>
+            <a:r>
+              <a:rPr lang="en-US" dirty="0" err="1" smtClean="0"/>
+              <a:t>của</a:t>
+            </a:r>
+            <a:r>
+              <a:rPr lang="en-US" dirty="0" smtClean="0"/>
+              <a:t> </a:t>
+            </a:r>
+            <a:r>
+              <a:rPr lang="en-US" dirty="0" err="1" smtClean="0"/>
+              <a:t>sinh</a:t>
+            </a:r>
+            <a:r>
+              <a:rPr lang="en-US" dirty="0" smtClean="0"/>
+              <a:t> </a:t>
+            </a:r>
+            <a:r>
+              <a:rPr lang="en-US" dirty="0" err="1" smtClean="0"/>
+              <a:t>viên</a:t>
+            </a:r>
+            <a:r>
+              <a:rPr lang="en-US" dirty="0" smtClean="0"/>
+              <a:t> </a:t>
+            </a:r>
+            <a:r>
+              <a:rPr lang="en-US" dirty="0" err="1" smtClean="0"/>
+              <a:t>có</a:t>
+            </a:r>
+            <a:r>
+              <a:rPr lang="en-US" dirty="0" smtClean="0"/>
+              <a:t> </a:t>
+            </a:r>
+            <a:r>
+              <a:rPr lang="en-US" dirty="0" err="1" smtClean="0"/>
+              <a:t>tên</a:t>
+            </a:r>
+            <a:r>
+              <a:rPr lang="en-US" dirty="0" smtClean="0"/>
+              <a:t> </a:t>
+            </a:r>
+            <a:r>
+              <a:rPr lang="en-US" dirty="0" err="1" smtClean="0"/>
+              <a:t>là</a:t>
+            </a:r>
+            <a:r>
+              <a:rPr lang="en-US" dirty="0" smtClean="0"/>
+              <a:t> </a:t>
+            </a:r>
+            <a:r>
+              <a:rPr lang="en-US" dirty="0" err="1" smtClean="0"/>
+              <a:t>Nguyễn</a:t>
+            </a:r>
+            <a:r>
+              <a:rPr lang="en-US" dirty="0" smtClean="0"/>
+              <a:t> </a:t>
+            </a:r>
+            <a:r>
+              <a:rPr lang="en-US" dirty="0" err="1" smtClean="0"/>
+              <a:t>Đức</a:t>
+            </a:r>
+            <a:r>
+              <a:rPr lang="en-US" dirty="0" smtClean="0"/>
+              <a:t> </a:t>
+            </a:r>
+            <a:r>
+              <a:rPr lang="en-US" dirty="0" err="1" smtClean="0"/>
+              <a:t>Mạnh</a:t>
+            </a:r>
+            <a:r>
+              <a:rPr lang="en-US" dirty="0" smtClean="0"/>
+              <a:t>.</a:t>
+            </a:r>
+          </a:p>
+          <a:p>
+            <a:r>
+              <a:rPr lang="en-US" dirty="0"/>
+              <a:t>In </a:t>
+            </a:r>
+            <a:r>
+              <a:rPr lang="en-US" dirty="0" err="1"/>
+              <a:t>ra</a:t>
+            </a:r>
+            <a:r>
+              <a:rPr lang="en-US" dirty="0"/>
+              <a:t> </a:t>
+            </a:r>
+            <a:r>
+              <a:rPr lang="en-US" dirty="0" err="1"/>
+              <a:t>tất</a:t>
+            </a:r>
+            <a:r>
+              <a:rPr lang="en-US" dirty="0"/>
+              <a:t> </a:t>
+            </a:r>
+            <a:r>
+              <a:rPr lang="en-US" dirty="0" err="1"/>
+              <a:t>cả</a:t>
+            </a:r>
+            <a:r>
+              <a:rPr lang="en-US" dirty="0"/>
+              <a:t> </a:t>
+            </a:r>
+            <a:r>
+              <a:rPr lang="en-US" dirty="0" err="1"/>
+              <a:t>lần</a:t>
+            </a:r>
+            <a:r>
+              <a:rPr lang="en-US" dirty="0"/>
+              <a:t> </a:t>
+            </a:r>
+            <a:r>
+              <a:rPr lang="en-US" dirty="0" err="1"/>
+              <a:t>đỗ</a:t>
+            </a:r>
+            <a:r>
+              <a:rPr lang="en-US" dirty="0"/>
+              <a:t> </a:t>
+            </a:r>
+            <a:r>
+              <a:rPr lang="en-US" dirty="0" err="1"/>
+              <a:t>xe</a:t>
+            </a:r>
+            <a:r>
+              <a:rPr lang="en-US" dirty="0"/>
+              <a:t> </a:t>
+            </a:r>
+            <a:r>
+              <a:rPr lang="en-US" dirty="0" err="1"/>
+              <a:t>của</a:t>
+            </a:r>
+            <a:r>
+              <a:rPr lang="en-US" dirty="0"/>
+              <a:t> </a:t>
+            </a:r>
+            <a:r>
+              <a:rPr lang="en-US" dirty="0" err="1"/>
+              <a:t>sinh</a:t>
+            </a:r>
+            <a:r>
+              <a:rPr lang="en-US" dirty="0"/>
+              <a:t> </a:t>
+            </a:r>
+            <a:r>
+              <a:rPr lang="en-US" dirty="0" err="1"/>
+              <a:t>viên</a:t>
+            </a:r>
+            <a:r>
+              <a:rPr lang="en-US" dirty="0"/>
+              <a:t> </a:t>
+            </a:r>
+            <a:r>
+              <a:rPr lang="en-US" dirty="0" err="1"/>
+              <a:t>có</a:t>
+            </a:r>
+            <a:r>
+              <a:rPr lang="en-US" dirty="0"/>
+              <a:t> </a:t>
+            </a:r>
+            <a:r>
+              <a:rPr lang="en-US" dirty="0" err="1" smtClean="0"/>
+              <a:t>tên</a:t>
+            </a:r>
+            <a:r>
+              <a:rPr lang="en-US" dirty="0" smtClean="0"/>
+              <a:t> </a:t>
+            </a:r>
+            <a:r>
+              <a:rPr lang="en-US" dirty="0" err="1" smtClean="0"/>
+              <a:t>là</a:t>
+            </a:r>
+            <a:r>
+              <a:rPr lang="en-US" dirty="0" smtClean="0"/>
+              <a:t> </a:t>
+            </a:r>
+            <a:r>
+              <a:rPr lang="en-US" dirty="0" err="1" smtClean="0"/>
+              <a:t>Nguyễn</a:t>
+            </a:r>
+            <a:r>
+              <a:rPr lang="en-US" dirty="0" smtClean="0"/>
+              <a:t> </a:t>
+            </a:r>
+            <a:r>
+              <a:rPr lang="en-US" dirty="0" err="1" smtClean="0"/>
+              <a:t>Đức</a:t>
+            </a:r>
+            <a:r>
+              <a:rPr lang="en-US" dirty="0" smtClean="0"/>
+              <a:t> </a:t>
+            </a:r>
+            <a:r>
+              <a:rPr lang="en-US" dirty="0" err="1" smtClean="0"/>
+              <a:t>Mạnh</a:t>
+            </a:r>
+            <a:r>
+              <a:rPr lang="en-US" dirty="0" smtClean="0"/>
+              <a:t>.</a:t>
+            </a:r>
+          </a:p>
+          <a:p>
+            <a:endParaRPr lang="en-US" dirty="0"/>
+          </a:p>
+        </p:txBody>
+      </p:sp>
+    </p:spTree>
+    <p:extLst>
+      <p:ext uri="{BB962C8B-B14F-4D97-AF65-F5344CB8AC3E}">
+        <p14:creationId xmlns:p14="http://schemas.microsoft.com/office/powerpoint/2010/main" val="3752954763"/>
+      </p:ext>
+    </p:extLst>
+  </p:cSld>
+  <p:clrMapOvr>
+    <a:masterClrMapping/>
+  </p:clrMapOvr>
+  <p:timing>
+    <p:tnLst>
+      <p:par>
+        <p:cTn id="1" dur="indefinite" restart="never" nodeType="tmRoot"/>
+      </p:par>
+    </p:tnLst>
+  </p:timing>
+</p:sld>
+</file>
+
+<file path=ppt/slides/slide28.xml><?xml version="1.0" encoding="utf-8"?>
+<p:sld xmlns:a="http://schemas.openxmlformats.org/drawingml/2006/main" xmlns:r="http://schemas.openxmlformats.org/officeDocument/2006/relationships" xmlns:p="http://schemas.openxmlformats.org/presentationml/2006/main">
+  <p:cSld>
+    <p:spTree>
+      <p:nvGrpSpPr>
+        <p:cNvPr id="1" name=""/>
+        <p:cNvGrpSpPr/>
+        <p:nvPr/>
+      </p:nvGrpSpPr>
+      <p:grpSpPr>
+        <a:xfrm>
+          <a:off x="0" y="0"/>
+          <a:ext cx="0" cy="0"/>
+          <a:chOff x="0" y="0"/>
+          <a:chExt cx="0" cy="0"/>
+        </a:xfrm>
+      </p:grpSpPr>
+      <p:sp>
+        <p:nvSpPr>
+          <p:cNvPr id="2" name="Title 1"/>
+          <p:cNvSpPr>
+            <a:spLocks noGrp="1"/>
+          </p:cNvSpPr>
+          <p:nvPr>
+            <p:ph type="title"/>
+          </p:nvPr>
+        </p:nvSpPr>
+        <p:spPr/>
+        <p:txBody>
+          <a:bodyPr/>
+          <a:lstStyle/>
+          <a:p>
+            <a:r>
+              <a:rPr lang="en-US" dirty="0" smtClean="0"/>
+              <a:t>Function</a:t>
+            </a:r>
+            <a:endParaRPr lang="en-US" dirty="0"/>
+          </a:p>
+        </p:txBody>
+      </p:sp>
+      <p:sp>
+        <p:nvSpPr>
+          <p:cNvPr id="3" name="Content Placeholder 2"/>
+          <p:cNvSpPr>
+            <a:spLocks noGrp="1"/>
+          </p:cNvSpPr>
+          <p:nvPr>
+            <p:ph idx="1"/>
+          </p:nvPr>
+        </p:nvSpPr>
+        <p:spPr/>
+        <p:txBody>
+          <a:bodyPr/>
+          <a:lstStyle/>
+          <a:p>
+            <a:endParaRPr lang="en-US"/>
+          </a:p>
+        </p:txBody>
+      </p:sp>
+    </p:spTree>
+    <p:extLst>
+      <p:ext uri="{BB962C8B-B14F-4D97-AF65-F5344CB8AC3E}">
+        <p14:creationId xmlns:p14="http://schemas.microsoft.com/office/powerpoint/2010/main" val="13791632"/>
+      </p:ext>
+    </p:extLst>
+  </p:cSld>
+  <p:clrMapOvr>
+    <a:masterClrMapping/>
+  </p:clrMapOvr>
+  <p:timing>
+    <p:tnLst>
+      <p:par>
+        <p:cTn id="1" dur="indefinite" restart="never" nodeType="tmRoot"/>
+      </p:par>
+    </p:tnLst>
+  </p:timing>
+</p:sld>
+</file>
+
+<file path=ppt/slides/slide29.xml><?xml version="1.0" encoding="utf-8"?>
+<p:sld xmlns:a="http://schemas.openxmlformats.org/drawingml/2006/main" xmlns:r="http://schemas.openxmlformats.org/officeDocument/2006/relationships" xmlns:p="http://schemas.openxmlformats.org/presentationml/2006/main">
+  <p:cSld>
+    <p:spTree>
+      <p:nvGrpSpPr>
+        <p:cNvPr id="1" name=""/>
+        <p:cNvGrpSpPr/>
+        <p:nvPr/>
+      </p:nvGrpSpPr>
+      <p:grpSpPr>
+        <a:xfrm>
+          <a:off x="0" y="0"/>
+          <a:ext cx="0" cy="0"/>
+          <a:chOff x="0" y="0"/>
+          <a:chExt cx="0" cy="0"/>
+        </a:xfrm>
+      </p:grpSpPr>
+      <p:sp>
+        <p:nvSpPr>
+          <p:cNvPr id="2" name="Title 1"/>
+          <p:cNvSpPr>
+            <a:spLocks noGrp="1"/>
+          </p:cNvSpPr>
+          <p:nvPr>
+            <p:ph type="title"/>
+          </p:nvPr>
+        </p:nvSpPr>
+        <p:spPr/>
+        <p:txBody>
+          <a:bodyPr/>
+          <a:lstStyle/>
+          <a:p>
+            <a:r>
+              <a:rPr lang="en-US" dirty="0" smtClean="0"/>
+              <a:t>Trigger</a:t>
+            </a:r>
+            <a:endParaRPr lang="en-US" dirty="0"/>
+          </a:p>
+        </p:txBody>
+      </p:sp>
+      <p:sp>
+        <p:nvSpPr>
+          <p:cNvPr id="3" name="Content Placeholder 2"/>
+          <p:cNvSpPr>
+            <a:spLocks noGrp="1"/>
+          </p:cNvSpPr>
+          <p:nvPr>
+            <p:ph idx="1"/>
+          </p:nvPr>
+        </p:nvSpPr>
+        <p:spPr/>
+        <p:txBody>
+          <a:bodyPr/>
+          <a:lstStyle/>
+          <a:p>
+            <a:endParaRPr lang="en-US"/>
+          </a:p>
+        </p:txBody>
+      </p:sp>
+    </p:spTree>
+    <p:extLst>
+      <p:ext uri="{BB962C8B-B14F-4D97-AF65-F5344CB8AC3E}">
+        <p14:creationId xmlns:p14="http://schemas.microsoft.com/office/powerpoint/2010/main" val="2191653763"/>
       </p:ext>
     </p:extLst>
   </p:cSld>
@@ -5464,7 +7731,7 @@
             </a:r>
             <a:r>
               <a:rPr lang="en-US" dirty="0" err="1" smtClean="0"/>
-              <a:t>thực</a:t>
+              <a:t>Thực</a:t>
             </a:r>
             <a:r>
               <a:rPr lang="en-US" dirty="0" smtClean="0"/>
@@ -5478,6 +7745,7 @@
               <a:rPr lang="en-US" dirty="0" smtClean="0"/>
               <a:t> CSDL</a:t>
             </a:r>
+            <a:endParaRPr lang="en-US" dirty="0" smtClean="0"/>
           </a:p>
           <a:p>
             <a:r>
@@ -5708,6 +7976,175 @@
       </p:par>
     </p:tnLst>
   </p:timing>
+</p:sld>
+</file>
+
+<file path=ppt/slides/slide30.xml><?xml version="1.0" encoding="utf-8"?>
+<p:sld xmlns:a="http://schemas.openxmlformats.org/drawingml/2006/main" xmlns:r="http://schemas.openxmlformats.org/officeDocument/2006/relationships" xmlns:p="http://schemas.openxmlformats.org/presentationml/2006/main">
+  <p:cSld>
+    <p:spTree>
+      <p:nvGrpSpPr>
+        <p:cNvPr id="1" name=""/>
+        <p:cNvGrpSpPr/>
+        <p:nvPr/>
+      </p:nvGrpSpPr>
+      <p:grpSpPr>
+        <a:xfrm>
+          <a:off x="0" y="0"/>
+          <a:ext cx="0" cy="0"/>
+          <a:chOff x="0" y="0"/>
+          <a:chExt cx="0" cy="0"/>
+        </a:xfrm>
+      </p:grpSpPr>
+      <p:sp>
+        <p:nvSpPr>
+          <p:cNvPr id="2" name="Title 1"/>
+          <p:cNvSpPr>
+            <a:spLocks noGrp="1"/>
+          </p:cNvSpPr>
+          <p:nvPr>
+            <p:ph type="title"/>
+          </p:nvPr>
+        </p:nvSpPr>
+        <p:spPr/>
+        <p:txBody>
+          <a:bodyPr/>
+          <a:lstStyle/>
+          <a:p>
+            <a:r>
+              <a:rPr lang="en-US" dirty="0" err="1" smtClean="0"/>
+              <a:t>Giao</a:t>
+            </a:r>
+            <a:r>
+              <a:rPr lang="en-US" dirty="0" smtClean="0"/>
+              <a:t> </a:t>
+            </a:r>
+            <a:r>
+              <a:rPr lang="en-US" dirty="0" err="1" smtClean="0"/>
+              <a:t>diện</a:t>
+            </a:r>
+            <a:endParaRPr lang="en-GB" dirty="0"/>
+          </a:p>
+        </p:txBody>
+      </p:sp>
+      <p:sp>
+        <p:nvSpPr>
+          <p:cNvPr id="3" name="Content Placeholder 2"/>
+          <p:cNvSpPr>
+            <a:spLocks noGrp="1"/>
+          </p:cNvSpPr>
+          <p:nvPr>
+            <p:ph idx="1"/>
+          </p:nvPr>
+        </p:nvSpPr>
+        <p:spPr/>
+        <p:txBody>
+          <a:bodyPr/>
+          <a:lstStyle/>
+          <a:p>
+            <a:r>
+              <a:rPr lang="en-US" dirty="0" smtClean="0"/>
+              <a:t>Command-line interface</a:t>
+            </a:r>
+          </a:p>
+          <a:p>
+            <a:pPr lvl="1"/>
+            <a:r>
+              <a:rPr lang="en-US" dirty="0" err="1" smtClean="0"/>
+              <a:t>Ngôn</a:t>
+            </a:r>
+            <a:r>
+              <a:rPr lang="en-US" dirty="0" smtClean="0"/>
+              <a:t> </a:t>
+            </a:r>
+            <a:r>
+              <a:rPr lang="en-US" dirty="0" err="1" smtClean="0"/>
+              <a:t>ngữ</a:t>
+            </a:r>
+            <a:r>
+              <a:rPr lang="en-US" dirty="0" smtClean="0"/>
+              <a:t> python </a:t>
+            </a:r>
+          </a:p>
+          <a:p>
+            <a:pPr lvl="1"/>
+            <a:r>
+              <a:rPr lang="en-US" dirty="0" err="1" smtClean="0"/>
+              <a:t>Thư</a:t>
+            </a:r>
+            <a:r>
+              <a:rPr lang="en-US" dirty="0" smtClean="0"/>
+              <a:t> </a:t>
+            </a:r>
+            <a:r>
+              <a:rPr lang="en-US" dirty="0" err="1" smtClean="0"/>
+              <a:t>viện</a:t>
+            </a:r>
+            <a:r>
+              <a:rPr lang="en-US" dirty="0" smtClean="0"/>
+              <a:t> psycorg2</a:t>
+            </a:r>
+          </a:p>
+          <a:p>
+            <a:pPr lvl="1"/>
+            <a:r>
+              <a:rPr lang="en-US" dirty="0" err="1" smtClean="0"/>
+              <a:t>Các</a:t>
+            </a:r>
+            <a:r>
+              <a:rPr lang="en-US" dirty="0" smtClean="0"/>
+              <a:t> </a:t>
+            </a:r>
+            <a:r>
+              <a:rPr lang="en-US" dirty="0" err="1" smtClean="0"/>
+              <a:t>thư</a:t>
+            </a:r>
+            <a:r>
+              <a:rPr lang="en-US" dirty="0" smtClean="0"/>
+              <a:t> </a:t>
+            </a:r>
+            <a:r>
+              <a:rPr lang="en-US" dirty="0" err="1" smtClean="0"/>
+              <a:t>viện</a:t>
+            </a:r>
+            <a:r>
+              <a:rPr lang="en-US" dirty="0" smtClean="0"/>
+              <a:t> </a:t>
+            </a:r>
+            <a:r>
+              <a:rPr lang="en-US" dirty="0" err="1" smtClean="0"/>
+              <a:t>hỗ</a:t>
+            </a:r>
+            <a:r>
+              <a:rPr lang="en-US" dirty="0" smtClean="0"/>
+              <a:t> </a:t>
+            </a:r>
+            <a:r>
+              <a:rPr lang="en-US" dirty="0" err="1" smtClean="0"/>
+              <a:t>trợ</a:t>
+            </a:r>
+            <a:r>
+              <a:rPr lang="en-US" dirty="0" smtClean="0"/>
+              <a:t> </a:t>
+            </a:r>
+            <a:r>
+              <a:rPr lang="en-US" dirty="0" err="1" smtClean="0"/>
+              <a:t>khác</a:t>
+            </a:r>
+            <a:endParaRPr lang="en-GB" dirty="0"/>
+          </a:p>
+        </p:txBody>
+      </p:sp>
+    </p:spTree>
+    <p:extLst>
+      <p:ext uri="{BB962C8B-B14F-4D97-AF65-F5344CB8AC3E}">
+        <p14:creationId xmlns:p14="http://schemas.microsoft.com/office/powerpoint/2010/main" val="3785814340"/>
+      </p:ext>
+    </p:extLst>
+  </p:cSld>
+  <p:clrMapOvr>
+    <a:masterClrMapping/>
+  </p:clrMapOvr>
 </p:sld>
 </file>
 
@@ -6244,31 +8681,31 @@
           <a:p>
             <a:r>
               <a:rPr lang="en-US" dirty="0" err="1" smtClean="0"/>
-              <a:t>Các</a:t>
-            </a:r>
-            <a:r>
-              <a:rPr lang="en-US" dirty="0" smtClean="0"/>
-              <a:t> </a:t>
-            </a:r>
-            <a:r>
-              <a:rPr lang="en-US" dirty="0" err="1" smtClean="0"/>
-              <a:t>bước</a:t>
-            </a:r>
-            <a:r>
-              <a:rPr lang="en-US" dirty="0" smtClean="0"/>
-              <a:t> </a:t>
-            </a:r>
-            <a:r>
-              <a:rPr lang="en-US" dirty="0" err="1" smtClean="0"/>
-              <a:t>triển</a:t>
-            </a:r>
-            <a:r>
-              <a:rPr lang="en-US" dirty="0" smtClean="0"/>
-              <a:t> </a:t>
-            </a:r>
-            <a:r>
-              <a:rPr lang="en-US" dirty="0" err="1" smtClean="0"/>
-              <a:t>khai</a:t>
+              <a:t>Yêu</a:t>
+            </a:r>
+            <a:r>
+              <a:rPr lang="en-US" dirty="0" smtClean="0"/>
+              <a:t> </a:t>
+            </a:r>
+            <a:r>
+              <a:rPr lang="en-US" dirty="0" err="1" smtClean="0"/>
+              <a:t>cầu</a:t>
+            </a:r>
+            <a:r>
+              <a:rPr lang="en-US" dirty="0" smtClean="0"/>
+              <a:t> </a:t>
+            </a:r>
+            <a:r>
+              <a:rPr lang="en-US" dirty="0" err="1" smtClean="0"/>
+              <a:t>chức</a:t>
+            </a:r>
+            <a:r>
+              <a:rPr lang="en-US" dirty="0" smtClean="0"/>
+              <a:t> </a:t>
+            </a:r>
+            <a:r>
+              <a:rPr lang="en-US" dirty="0" err="1" smtClean="0"/>
+              <a:t>năng</a:t>
             </a:r>
             <a:endParaRPr lang="en-GB" dirty="0"/>
           </a:p>
@@ -6286,270 +8723,160 @@
         </p:nvSpPr>
         <p:spPr/>
         <p:txBody>
-          <a:bodyPr>
-            <a:normAutofit/>
-          </a:bodyPr>
+          <a:bodyPr/>
           <a:lstStyle/>
           <a:p>
             <a:r>
-              <a:rPr lang="en-GB" dirty="0" err="1" smtClean="0"/>
-              <a:t>Phân</a:t>
-            </a:r>
-            <a:r>
-              <a:rPr lang="en-GB" dirty="0" smtClean="0"/>
-              <a:t> </a:t>
-            </a:r>
-            <a:r>
-              <a:rPr lang="en-GB" dirty="0" err="1" smtClean="0"/>
-              <a:t>tích</a:t>
-            </a:r>
-            <a:r>
-              <a:rPr lang="en-GB" dirty="0" smtClean="0"/>
-              <a:t> </a:t>
-            </a:r>
-            <a:r>
-              <a:rPr lang="en-GB" dirty="0" err="1" smtClean="0"/>
-              <a:t>nghiệp</a:t>
-            </a:r>
-            <a:r>
-              <a:rPr lang="en-GB" dirty="0" smtClean="0"/>
-              <a:t> </a:t>
-            </a:r>
-            <a:r>
-              <a:rPr lang="en-GB" dirty="0" err="1" smtClean="0"/>
-              <a:t>vụ</a:t>
+              <a:rPr lang="en-US" dirty="0" err="1" smtClean="0"/>
+              <a:t>Hướng</a:t>
+            </a:r>
+            <a:r>
+              <a:rPr lang="en-US" dirty="0" smtClean="0"/>
+              <a:t> </a:t>
+            </a:r>
+            <a:r>
+              <a:rPr lang="en-US" dirty="0" err="1" smtClean="0"/>
+              <a:t>đến</a:t>
+            </a:r>
+            <a:r>
+              <a:rPr lang="en-US" dirty="0" smtClean="0"/>
+              <a:t> 3 </a:t>
+            </a:r>
+            <a:r>
+              <a:rPr lang="en-US" dirty="0" err="1" smtClean="0"/>
+              <a:t>đối</a:t>
+            </a:r>
+            <a:r>
+              <a:rPr lang="en-US" dirty="0" smtClean="0"/>
+              <a:t> </a:t>
+            </a:r>
+            <a:r>
+              <a:rPr lang="en-US" dirty="0" err="1" smtClean="0"/>
+              <a:t>tượng</a:t>
+            </a:r>
+            <a:r>
+              <a:rPr lang="en-US" dirty="0" smtClean="0"/>
+              <a:t> </a:t>
+            </a:r>
+            <a:r>
+              <a:rPr lang="en-US" dirty="0" err="1" smtClean="0"/>
+              <a:t>sử</a:t>
+            </a:r>
+            <a:r>
+              <a:rPr lang="en-US" dirty="0" smtClean="0"/>
+              <a:t> </a:t>
+            </a:r>
+            <a:r>
+              <a:rPr lang="en-US" dirty="0" err="1" smtClean="0"/>
+              <a:t>dụng</a:t>
+            </a:r>
+            <a:r>
+              <a:rPr lang="en-US" dirty="0" smtClean="0"/>
+              <a:t>:</a:t>
+            </a:r>
+          </a:p>
+          <a:p>
+            <a:pPr lvl="1"/>
+            <a:r>
+              <a:rPr lang="en-US" dirty="0" err="1" smtClean="0"/>
+              <a:t>Khách</a:t>
+            </a:r>
+            <a:r>
+              <a:rPr lang="en-US" dirty="0" smtClean="0"/>
+              <a:t> </a:t>
+            </a:r>
+            <a:r>
+              <a:rPr lang="en-US" dirty="0" err="1" smtClean="0"/>
+              <a:t>hàng</a:t>
             </a:r>
             <a:endParaRPr lang="en-US" dirty="0" smtClean="0"/>
           </a:p>
           <a:p>
-            <a:r>
-              <a:rPr lang="en-US" dirty="0" err="1" smtClean="0"/>
-              <a:t>Thiết</a:t>
-            </a:r>
-            <a:r>
-              <a:rPr lang="en-US" dirty="0" smtClean="0"/>
-              <a:t> </a:t>
-            </a:r>
-            <a:r>
-              <a:rPr lang="en-US" dirty="0" err="1" smtClean="0"/>
-              <a:t>kế</a:t>
-            </a:r>
-            <a:r>
-              <a:rPr lang="en-US" dirty="0" smtClean="0"/>
-              <a:t> </a:t>
-            </a:r>
-            <a:r>
-              <a:rPr lang="en-US" dirty="0" err="1" smtClean="0"/>
-              <a:t>cơ</a:t>
-            </a:r>
-            <a:r>
-              <a:rPr lang="en-US" dirty="0" smtClean="0"/>
-              <a:t> </a:t>
-            </a:r>
-            <a:r>
-              <a:rPr lang="en-US" dirty="0" err="1" smtClean="0"/>
-              <a:t>sở</a:t>
-            </a:r>
-            <a:r>
-              <a:rPr lang="en-US" dirty="0" smtClean="0"/>
-              <a:t> </a:t>
-            </a:r>
-            <a:r>
-              <a:rPr lang="en-US" dirty="0" err="1" smtClean="0"/>
-              <a:t>dữ</a:t>
-            </a:r>
-            <a:r>
-              <a:rPr lang="en-US" dirty="0" smtClean="0"/>
-              <a:t> </a:t>
-            </a:r>
-            <a:r>
-              <a:rPr lang="en-US" dirty="0" err="1" smtClean="0"/>
-              <a:t>liệu</a:t>
+            <a:pPr lvl="2"/>
+            <a:r>
+              <a:rPr lang="en-US" dirty="0" err="1" smtClean="0"/>
+              <a:t>Sinh</a:t>
+            </a:r>
+            <a:r>
+              <a:rPr lang="en-US" dirty="0" smtClean="0"/>
+              <a:t> </a:t>
+            </a:r>
+            <a:r>
+              <a:rPr lang="en-US" dirty="0" err="1" smtClean="0"/>
+              <a:t>viên</a:t>
             </a:r>
             <a:endParaRPr lang="en-US" dirty="0" smtClean="0"/>
           </a:p>
           <a:p>
-            <a:r>
-              <a:rPr lang="en-US" dirty="0" err="1" smtClean="0"/>
-              <a:t>Cài</a:t>
-            </a:r>
-            <a:r>
-              <a:rPr lang="en-US" dirty="0" smtClean="0"/>
-              <a:t> </a:t>
-            </a:r>
-            <a:r>
-              <a:rPr lang="en-US" dirty="0" err="1" smtClean="0"/>
-              <a:t>đặt</a:t>
-            </a:r>
-            <a:r>
-              <a:rPr lang="en-US" dirty="0" smtClean="0"/>
-              <a:t> database </a:t>
-            </a:r>
-            <a:r>
-              <a:rPr lang="en-US" dirty="0" err="1" smtClean="0"/>
-              <a:t>trên</a:t>
-            </a:r>
-            <a:r>
-              <a:rPr lang="en-US" dirty="0" smtClean="0"/>
-              <a:t> </a:t>
-            </a:r>
-            <a:r>
-              <a:rPr lang="en-US" dirty="0" err="1" smtClean="0"/>
-              <a:t>Porstgres</a:t>
-            </a:r>
-            <a:r>
-              <a:rPr lang="en-US" dirty="0" smtClean="0"/>
-              <a:t> Database Server</a:t>
-            </a:r>
-          </a:p>
-          <a:p>
-            <a:r>
-              <a:rPr lang="en-US" dirty="0" err="1" smtClean="0"/>
-              <a:t>Phát</a:t>
-            </a:r>
-            <a:r>
-              <a:rPr lang="en-US" dirty="0" smtClean="0"/>
-              <a:t> </a:t>
-            </a:r>
-            <a:r>
-              <a:rPr lang="en-US" dirty="0" err="1" smtClean="0"/>
-              <a:t>triển</a:t>
-            </a:r>
-            <a:r>
-              <a:rPr lang="en-US" dirty="0" smtClean="0"/>
-              <a:t> </a:t>
-            </a:r>
-            <a:r>
-              <a:rPr lang="en-US" dirty="0" err="1" smtClean="0"/>
-              <a:t>ứng</a:t>
-            </a:r>
-            <a:r>
-              <a:rPr lang="en-US" dirty="0" smtClean="0"/>
-              <a:t> </a:t>
-            </a:r>
-            <a:r>
-              <a:rPr lang="en-US" dirty="0" err="1" smtClean="0"/>
-              <a:t>dụng</a:t>
-            </a:r>
-            <a:r>
-              <a:rPr lang="en-US" dirty="0" smtClean="0"/>
-              <a:t> </a:t>
-            </a:r>
-            <a:r>
-              <a:rPr lang="en-US" dirty="0" err="1" smtClean="0"/>
-              <a:t>dòng</a:t>
-            </a:r>
-            <a:r>
-              <a:rPr lang="en-US" dirty="0" smtClean="0"/>
-              <a:t> </a:t>
-            </a:r>
-            <a:r>
-              <a:rPr lang="en-US" dirty="0" err="1" smtClean="0"/>
-              <a:t>lệnh</a:t>
-            </a:r>
-            <a:r>
-              <a:rPr lang="en-US" dirty="0" smtClean="0"/>
-              <a:t> </a:t>
-            </a:r>
-            <a:r>
-              <a:rPr lang="en-US" dirty="0" err="1" smtClean="0"/>
-              <a:t>bằng</a:t>
-            </a:r>
-            <a:r>
-              <a:rPr lang="en-US" dirty="0" smtClean="0"/>
-              <a:t> Python</a:t>
-            </a:r>
-          </a:p>
-          <a:p>
-            <a:r>
-              <a:rPr lang="en-US" dirty="0" err="1" smtClean="0"/>
-              <a:t>Kiểm</a:t>
-            </a:r>
-            <a:r>
-              <a:rPr lang="en-US" dirty="0" smtClean="0"/>
-              <a:t> </a:t>
-            </a:r>
-            <a:r>
-              <a:rPr lang="en-US" dirty="0" err="1" smtClean="0"/>
-              <a:t>thử</a:t>
-            </a:r>
-            <a:r>
-              <a:rPr lang="en-US" dirty="0" smtClean="0"/>
-              <a:t> </a:t>
-            </a:r>
-            <a:r>
-              <a:rPr lang="en-US" dirty="0" err="1" smtClean="0"/>
-              <a:t>và</a:t>
-            </a:r>
-            <a:r>
-              <a:rPr lang="en-US" dirty="0" smtClean="0"/>
-              <a:t> </a:t>
-            </a:r>
-            <a:r>
-              <a:rPr lang="en-US" dirty="0" err="1" smtClean="0"/>
-              <a:t>triển</a:t>
-            </a:r>
-            <a:r>
-              <a:rPr lang="en-US" dirty="0" smtClean="0"/>
-              <a:t> </a:t>
-            </a:r>
-            <a:r>
-              <a:rPr lang="en-US" dirty="0" err="1" smtClean="0"/>
-              <a:t>khai</a:t>
+            <a:pPr lvl="2"/>
+            <a:r>
+              <a:rPr lang="en-US" dirty="0" err="1" smtClean="0"/>
+              <a:t>Khách</a:t>
+            </a:r>
+            <a:r>
+              <a:rPr lang="en-US" dirty="0" smtClean="0"/>
+              <a:t> </a:t>
+            </a:r>
+            <a:r>
+              <a:rPr lang="en-US" dirty="0" err="1" smtClean="0"/>
+              <a:t>vãng</a:t>
+            </a:r>
+            <a:r>
+              <a:rPr lang="en-US" dirty="0" smtClean="0"/>
+              <a:t> </a:t>
+            </a:r>
+            <a:r>
+              <a:rPr lang="en-US" dirty="0" err="1" smtClean="0"/>
+              <a:t>lai</a:t>
             </a:r>
             <a:endParaRPr lang="en-US" dirty="0" smtClean="0"/>
           </a:p>
           <a:p>
-            <a:r>
-              <a:rPr lang="en-US" dirty="0" err="1" smtClean="0"/>
-              <a:t>Viết</a:t>
-            </a:r>
-            <a:r>
-              <a:rPr lang="en-US" dirty="0" smtClean="0"/>
-              <a:t> </a:t>
-            </a:r>
-            <a:r>
-              <a:rPr lang="en-US" dirty="0" err="1" smtClean="0"/>
-              <a:t>tài</a:t>
-            </a:r>
-            <a:r>
-              <a:rPr lang="en-US" dirty="0" smtClean="0"/>
-              <a:t> </a:t>
-            </a:r>
-            <a:r>
-              <a:rPr lang="en-US" dirty="0" err="1" smtClean="0"/>
-              <a:t>liệu</a:t>
-            </a:r>
-            <a:r>
-              <a:rPr lang="en-US" dirty="0" smtClean="0"/>
-              <a:t> </a:t>
-            </a:r>
-            <a:r>
-              <a:rPr lang="en-US" dirty="0" err="1" smtClean="0"/>
-              <a:t>hướng</a:t>
-            </a:r>
-            <a:r>
-              <a:rPr lang="en-US" dirty="0" smtClean="0"/>
-              <a:t> </a:t>
-            </a:r>
-            <a:r>
-              <a:rPr lang="en-US" dirty="0" err="1" smtClean="0"/>
-              <a:t>dẫn</a:t>
-            </a:r>
-            <a:endParaRPr lang="en-US" dirty="0"/>
+            <a:pPr lvl="1"/>
+            <a:r>
+              <a:rPr lang="en-US" dirty="0" err="1" smtClean="0"/>
+              <a:t>Nhân</a:t>
+            </a:r>
+            <a:r>
+              <a:rPr lang="en-US" dirty="0" smtClean="0"/>
+              <a:t> </a:t>
+            </a:r>
+            <a:r>
+              <a:rPr lang="en-US" dirty="0" err="1" smtClean="0"/>
+              <a:t>viên</a:t>
+            </a:r>
+            <a:r>
+              <a:rPr lang="en-US" dirty="0" smtClean="0"/>
+              <a:t> </a:t>
+            </a:r>
+          </a:p>
+          <a:p>
+            <a:pPr lvl="1"/>
+            <a:r>
+              <a:rPr lang="en-US" dirty="0" smtClean="0"/>
+              <a:t>Admin</a:t>
+            </a:r>
+            <a:endParaRPr lang="en-GB" dirty="0"/>
           </a:p>
         </p:txBody>
       </p:sp>
     </p:spTree>
     <p:extLst>
       <p:ext uri="{BB962C8B-B14F-4D97-AF65-F5344CB8AC3E}">
-        <p14:creationId xmlns:p14="http://schemas.microsoft.com/office/powerpoint/2010/main" val="1763516233"/>
+        <p14:creationId xmlns:p14="http://schemas.microsoft.com/office/powerpoint/2010/main" val="3587177509"/>
       </p:ext>
     </p:extLst>
   </p:cSld>
   <p:clrMapOvr>
     <a:masterClrMapping/>
   </p:clrMapOvr>
+  <p:timing>
+    <p:tnLst>
+      <p:par>
+        <p:cTn id="1" dur="indefinite" restart="never" nodeType="tmRoot"/>
+      </p:par>
+    </p:tnLst>
+  </p:timing>
 </p:sld>
 </file>
 
@@ -6587,31 +8914,15 @@
           <a:p>
             <a:r>
               <a:rPr lang="en-US" dirty="0" err="1" smtClean="0"/>
-              <a:t>Phân</a:t>
-            </a:r>
-            <a:r>
-              <a:rPr lang="en-US" dirty="0" smtClean="0"/>
-              <a:t> </a:t>
-            </a:r>
-            <a:r>
-              <a:rPr lang="en-US" dirty="0" err="1" smtClean="0"/>
-              <a:t>tích</a:t>
-            </a:r>
-            <a:r>
-              <a:rPr lang="en-US" dirty="0" smtClean="0"/>
-              <a:t> </a:t>
-            </a:r>
-            <a:r>
-              <a:rPr lang="en-US" dirty="0" err="1" smtClean="0"/>
-              <a:t>nghiệp</a:t>
-            </a:r>
-            <a:r>
-              <a:rPr lang="en-US" dirty="0" smtClean="0"/>
-              <a:t> </a:t>
-            </a:r>
-            <a:r>
-              <a:rPr lang="en-US" dirty="0" err="1" smtClean="0"/>
-              <a:t>vụ</a:t>
+              <a:t>Sinh</a:t>
+            </a:r>
+            <a:r>
+              <a:rPr lang="en-US" dirty="0" smtClean="0"/>
+              <a:t> </a:t>
+            </a:r>
+            <a:r>
+              <a:rPr lang="en-US" dirty="0" err="1" smtClean="0"/>
+              <a:t>viên</a:t>
             </a:r>
             <a:endParaRPr lang="en-GB" dirty="0"/>
           </a:p>
@@ -6627,25 +8938,307 @@
             <p:ph idx="1"/>
           </p:nvPr>
         </p:nvSpPr>
-        <p:spPr/>
-        <p:txBody>
-          <a:bodyPr/>
+        <p:spPr>
+          <a:xfrm>
+            <a:off x="609600" y="1676399"/>
+            <a:ext cx="8153400" cy="4191001"/>
+          </a:xfrm>
+        </p:spPr>
+        <p:txBody>
+          <a:bodyPr>
+            <a:normAutofit/>
+          </a:bodyPr>
           <a:lstStyle/>
           <a:p>
-            <a:endParaRPr lang="en-GB" dirty="0"/>
+            <a:r>
+              <a:rPr lang="en-US" dirty="0" err="1" smtClean="0"/>
+              <a:t>Đăng</a:t>
+            </a:r>
+            <a:r>
+              <a:rPr lang="en-US" dirty="0" smtClean="0"/>
+              <a:t> </a:t>
+            </a:r>
+            <a:r>
+              <a:rPr lang="en-US" dirty="0" err="1" smtClean="0"/>
+              <a:t>kí</a:t>
+            </a:r>
+            <a:r>
+              <a:rPr lang="en-US" dirty="0" smtClean="0"/>
+              <a:t> </a:t>
+            </a:r>
+            <a:r>
+              <a:rPr lang="en-US" dirty="0" err="1" smtClean="0"/>
+              <a:t>việc</a:t>
+            </a:r>
+            <a:r>
+              <a:rPr lang="en-US" dirty="0" smtClean="0"/>
+              <a:t> </a:t>
+            </a:r>
+            <a:r>
+              <a:rPr lang="en-US" dirty="0" err="1" smtClean="0"/>
+              <a:t>sử</a:t>
+            </a:r>
+            <a:r>
+              <a:rPr lang="en-US" dirty="0" smtClean="0"/>
+              <a:t> </a:t>
+            </a:r>
+            <a:r>
+              <a:rPr lang="en-US" dirty="0" err="1" smtClean="0"/>
+              <a:t>dụng</a:t>
+            </a:r>
+            <a:r>
+              <a:rPr lang="en-US" dirty="0" smtClean="0"/>
+              <a:t> </a:t>
+            </a:r>
+            <a:r>
+              <a:rPr lang="en-US" dirty="0" err="1" smtClean="0"/>
+              <a:t>xe</a:t>
+            </a:r>
+            <a:r>
+              <a:rPr lang="en-US" dirty="0" smtClean="0"/>
+              <a:t> ở </a:t>
+            </a:r>
+            <a:r>
+              <a:rPr lang="en-US" dirty="0" err="1" smtClean="0"/>
+              <a:t>bãi</a:t>
+            </a:r>
+            <a:endParaRPr lang="en-US" dirty="0" smtClean="0"/>
+          </a:p>
+          <a:p>
+            <a:r>
+              <a:rPr lang="en-US" dirty="0" err="1" smtClean="0"/>
+              <a:t>Có</a:t>
+            </a:r>
+            <a:r>
+              <a:rPr lang="en-US" dirty="0" smtClean="0"/>
+              <a:t> </a:t>
+            </a:r>
+            <a:r>
+              <a:rPr lang="en-US" dirty="0" err="1" smtClean="0"/>
+              <a:t>tài</a:t>
+            </a:r>
+            <a:r>
+              <a:rPr lang="en-US" dirty="0" smtClean="0"/>
+              <a:t> </a:t>
+            </a:r>
+            <a:r>
+              <a:rPr lang="en-US" dirty="0" err="1" smtClean="0"/>
+              <a:t>khoản</a:t>
+            </a:r>
+            <a:r>
+              <a:rPr lang="en-US" dirty="0" smtClean="0"/>
+              <a:t> </a:t>
+            </a:r>
+            <a:r>
+              <a:rPr lang="en-US" dirty="0" err="1" smtClean="0"/>
+              <a:t>để</a:t>
+            </a:r>
+            <a:r>
+              <a:rPr lang="en-US" dirty="0" smtClean="0"/>
+              <a:t> </a:t>
+            </a:r>
+            <a:r>
+              <a:rPr lang="en-US" dirty="0" err="1" smtClean="0"/>
+              <a:t>thực</a:t>
+            </a:r>
+            <a:r>
+              <a:rPr lang="en-US" dirty="0" smtClean="0"/>
+              <a:t> </a:t>
+            </a:r>
+            <a:r>
+              <a:rPr lang="en-US" dirty="0" err="1" smtClean="0"/>
+              <a:t>hiện</a:t>
+            </a:r>
+            <a:r>
+              <a:rPr lang="en-US" dirty="0" smtClean="0"/>
+              <a:t>:</a:t>
+            </a:r>
+          </a:p>
+          <a:p>
+            <a:pPr lvl="1"/>
+            <a:r>
+              <a:rPr lang="en-US" dirty="0"/>
+              <a:t>Theo </a:t>
+            </a:r>
+            <a:r>
+              <a:rPr lang="en-US" dirty="0" err="1"/>
+              <a:t>dõi</a:t>
+            </a:r>
+            <a:r>
+              <a:rPr lang="en-US" dirty="0"/>
+              <a:t> </a:t>
+            </a:r>
+            <a:r>
+              <a:rPr lang="en-US" dirty="0" err="1"/>
+              <a:t>số</a:t>
+            </a:r>
+            <a:r>
+              <a:rPr lang="en-US" dirty="0"/>
+              <a:t> </a:t>
+            </a:r>
+            <a:r>
+              <a:rPr lang="en-US" dirty="0" err="1"/>
+              <a:t>dư</a:t>
+            </a:r>
+            <a:r>
+              <a:rPr lang="en-US" dirty="0"/>
+              <a:t>, </a:t>
+            </a:r>
+            <a:r>
+              <a:rPr lang="en-US" dirty="0" err="1"/>
+              <a:t>nạp</a:t>
+            </a:r>
+            <a:r>
+              <a:rPr lang="en-US" dirty="0"/>
+              <a:t> </a:t>
+            </a:r>
+            <a:r>
+              <a:rPr lang="en-US" dirty="0" err="1"/>
+              <a:t>tiền</a:t>
+            </a:r>
+            <a:endParaRPr lang="en-US" dirty="0"/>
+          </a:p>
+          <a:p>
+            <a:pPr lvl="1"/>
+            <a:r>
+              <a:rPr lang="en-US" dirty="0" err="1"/>
+              <a:t>Vị</a:t>
+            </a:r>
+            <a:r>
+              <a:rPr lang="en-US" dirty="0"/>
+              <a:t> </a:t>
+            </a:r>
+            <a:r>
+              <a:rPr lang="en-US" dirty="0" err="1"/>
+              <a:t>trí</a:t>
+            </a:r>
+            <a:r>
+              <a:rPr lang="en-US" dirty="0"/>
+              <a:t> </a:t>
+            </a:r>
+            <a:r>
+              <a:rPr lang="en-US" dirty="0" err="1"/>
+              <a:t>để</a:t>
+            </a:r>
+            <a:r>
+              <a:rPr lang="en-US" dirty="0"/>
+              <a:t> </a:t>
+            </a:r>
+            <a:r>
+              <a:rPr lang="en-US" dirty="0" err="1"/>
+              <a:t>xe</a:t>
+            </a:r>
+            <a:endParaRPr lang="en-US" dirty="0"/>
+          </a:p>
+          <a:p>
+            <a:pPr lvl="1"/>
+            <a:r>
+              <a:rPr lang="en-US" dirty="0"/>
+              <a:t>Theo </a:t>
+            </a:r>
+            <a:r>
+              <a:rPr lang="en-US" dirty="0" err="1"/>
+              <a:t>dõi</a:t>
+            </a:r>
+            <a:r>
+              <a:rPr lang="en-US" dirty="0"/>
+              <a:t> </a:t>
+            </a:r>
+            <a:r>
+              <a:rPr lang="en-US" dirty="0" err="1"/>
+              <a:t>lịch</a:t>
+            </a:r>
+            <a:r>
+              <a:rPr lang="en-US" dirty="0"/>
+              <a:t> </a:t>
+            </a:r>
+            <a:r>
+              <a:rPr lang="en-US" dirty="0" err="1"/>
+              <a:t>sử</a:t>
+            </a:r>
+            <a:r>
+              <a:rPr lang="en-US" dirty="0"/>
+              <a:t> </a:t>
+            </a:r>
+            <a:r>
+              <a:rPr lang="en-US" dirty="0" err="1"/>
+              <a:t>giao</a:t>
+            </a:r>
+            <a:r>
+              <a:rPr lang="en-US" dirty="0"/>
+              <a:t> </a:t>
+            </a:r>
+            <a:r>
+              <a:rPr lang="en-US" dirty="0" err="1"/>
+              <a:t>dịch</a:t>
+            </a:r>
+            <a:endParaRPr lang="en-US" dirty="0"/>
+          </a:p>
+          <a:p>
+            <a:pPr lvl="1"/>
+            <a:r>
+              <a:rPr lang="en-US" dirty="0" err="1"/>
+              <a:t>Đổi</a:t>
+            </a:r>
+            <a:r>
+              <a:rPr lang="en-US" dirty="0"/>
+              <a:t> </a:t>
+            </a:r>
+            <a:r>
+              <a:rPr lang="en-US" dirty="0" err="1"/>
+              <a:t>mật</a:t>
+            </a:r>
+            <a:r>
+              <a:rPr lang="en-US" dirty="0"/>
+              <a:t> </a:t>
+            </a:r>
+            <a:r>
+              <a:rPr lang="en-US" dirty="0" err="1"/>
+              <a:t>khẩu</a:t>
+            </a:r>
+            <a:r>
+              <a:rPr lang="en-US" dirty="0"/>
+              <a:t> </a:t>
+            </a:r>
+            <a:r>
+              <a:rPr lang="en-US" dirty="0" err="1"/>
+              <a:t>đăng</a:t>
+            </a:r>
+            <a:r>
+              <a:rPr lang="en-US" dirty="0"/>
+              <a:t> </a:t>
+            </a:r>
+            <a:r>
+              <a:rPr lang="en-US" dirty="0" err="1" smtClean="0"/>
+              <a:t>nhập</a:t>
+            </a:r>
+            <a:endParaRPr lang="en-US" dirty="0"/>
+          </a:p>
+          <a:p>
+            <a:pPr marL="457200" lvl="1" indent="0">
+              <a:buNone/>
+            </a:pPr>
+            <a:endParaRPr lang="en-US" dirty="0"/>
           </a:p>
         </p:txBody>
       </p:sp>
     </p:spTree>
     <p:extLst>
       <p:ext uri="{BB962C8B-B14F-4D97-AF65-F5344CB8AC3E}">
-        <p14:creationId xmlns:p14="http://schemas.microsoft.com/office/powerpoint/2010/main" val="463811782"/>
+        <p14:creationId xmlns:p14="http://schemas.microsoft.com/office/powerpoint/2010/main" val="3163031649"/>
       </p:ext>
     </p:extLst>
   </p:cSld>
   <p:clrMapOvr>
     <a:masterClrMapping/>
   </p:clrMapOvr>
+  <p:timing>
+    <p:tnLst>
+      <p:par>
+        <p:cTn id="1" dur="indefinite" restart="never" nodeType="tmRoot"/>
+      </p:par>
+    </p:tnLst>
+  </p:timing>
 </p:sld>
 </file>
 
@@ -6683,47 +9276,23 @@
           <a:p>
             <a:r>
               <a:rPr lang="en-US" dirty="0" err="1" smtClean="0"/>
-              <a:t>Thiết</a:t>
-            </a:r>
-            <a:r>
-              <a:rPr lang="en-US" dirty="0" smtClean="0"/>
-              <a:t> </a:t>
-            </a:r>
-            <a:r>
-              <a:rPr lang="en-US" dirty="0" err="1" smtClean="0"/>
-              <a:t>kế</a:t>
-            </a:r>
-            <a:r>
-              <a:rPr lang="en-US" dirty="0" smtClean="0"/>
-              <a:t> </a:t>
-            </a:r>
-            <a:r>
-              <a:rPr lang="en-US" dirty="0" err="1" smtClean="0"/>
-              <a:t>cơ</a:t>
-            </a:r>
-            <a:r>
-              <a:rPr lang="en-US" dirty="0" smtClean="0"/>
-              <a:t> </a:t>
-            </a:r>
-            <a:r>
-              <a:rPr lang="en-US" dirty="0" err="1" smtClean="0"/>
-              <a:t>sở</a:t>
-            </a:r>
-            <a:r>
-              <a:rPr lang="en-US" dirty="0" smtClean="0"/>
-              <a:t> </a:t>
-            </a:r>
-            <a:r>
-              <a:rPr lang="en-US" dirty="0" err="1" smtClean="0"/>
-              <a:t>dữ</a:t>
-            </a:r>
-            <a:r>
-              <a:rPr lang="en-US" dirty="0" smtClean="0"/>
-              <a:t> </a:t>
-            </a:r>
-            <a:r>
-              <a:rPr lang="en-US" dirty="0" err="1" smtClean="0"/>
-              <a:t>liệu</a:t>
+              <a:t>Khách</a:t>
+            </a:r>
+            <a:r>
+              <a:rPr lang="en-US" dirty="0" smtClean="0"/>
+              <a:t> </a:t>
+            </a:r>
+            <a:r>
+              <a:rPr lang="en-US" dirty="0" err="1" smtClean="0"/>
+              <a:t>vãng</a:t>
+            </a:r>
+            <a:r>
+              <a:rPr lang="en-US" dirty="0" smtClean="0"/>
+              <a:t> </a:t>
+            </a:r>
+            <a:r>
+              <a:rPr lang="en-US" dirty="0" err="1" smtClean="0"/>
+              <a:t>lai</a:t>
             </a:r>
             <a:endParaRPr lang="en-GB" dirty="0"/>
           </a:p>
@@ -6746,91 +9315,140 @@
           <a:p>
             <a:r>
               <a:rPr lang="en-US" dirty="0" err="1" smtClean="0"/>
-              <a:t>Mô</a:t>
-            </a:r>
-            <a:r>
-              <a:rPr lang="en-US" dirty="0" smtClean="0"/>
-              <a:t> </a:t>
-            </a:r>
-            <a:r>
-              <a:rPr lang="en-US" dirty="0" err="1" smtClean="0"/>
-              <a:t>hình</a:t>
-            </a:r>
-            <a:r>
-              <a:rPr lang="en-US" dirty="0" smtClean="0"/>
-              <a:t> </a:t>
-            </a:r>
-            <a:r>
-              <a:rPr lang="en-US" dirty="0" err="1" smtClean="0"/>
-              <a:t>thực</a:t>
-            </a:r>
-            <a:r>
-              <a:rPr lang="en-US" dirty="0" smtClean="0"/>
-              <a:t> </a:t>
-            </a:r>
-            <a:r>
-              <a:rPr lang="en-US" dirty="0" err="1" smtClean="0"/>
-              <a:t>thể</a:t>
-            </a:r>
-            <a:r>
-              <a:rPr lang="en-US" dirty="0" smtClean="0"/>
-              <a:t> </a:t>
-            </a:r>
-            <a:r>
-              <a:rPr lang="en-US" dirty="0" err="1" smtClean="0"/>
-              <a:t>quan</a:t>
-            </a:r>
-            <a:r>
-              <a:rPr lang="en-US" dirty="0" smtClean="0"/>
-              <a:t> </a:t>
-            </a:r>
-            <a:r>
-              <a:rPr lang="en-US" dirty="0" err="1" smtClean="0"/>
-              <a:t>hệ</a:t>
-            </a:r>
-            <a:r>
-              <a:rPr lang="en-US" dirty="0" smtClean="0"/>
-              <a:t>: </a:t>
-            </a:r>
-          </a:p>
-          <a:p>
-            <a:pPr lvl="1"/>
-            <a:r>
-              <a:rPr lang="en-GB" dirty="0" err="1" smtClean="0">
-                <a:hlinkClick r:id="rId2" action="ppaction://hlinkfile"/>
-              </a:rPr>
-              <a:t>erd.svg</a:t>
-            </a:r>
-            <a:endParaRPr lang="en-US" dirty="0"/>
-          </a:p>
-          <a:p>
-            <a:pPr marL="0" indent="0">
-              <a:buNone/>
-            </a:pPr>
+              <a:t>Được</a:t>
+            </a:r>
+            <a:r>
+              <a:rPr lang="en-US" dirty="0" smtClean="0"/>
+              <a:t> </a:t>
+            </a:r>
+            <a:r>
+              <a:rPr lang="en-US" dirty="0" err="1" smtClean="0"/>
+              <a:t>phát</a:t>
+            </a:r>
+            <a:r>
+              <a:rPr lang="en-US" dirty="0" smtClean="0"/>
+              <a:t> </a:t>
+            </a:r>
+            <a:r>
+              <a:rPr lang="en-US" dirty="0" err="1" smtClean="0"/>
+              <a:t>vé</a:t>
+            </a:r>
+            <a:r>
+              <a:rPr lang="en-US" dirty="0"/>
+              <a:t> </a:t>
+            </a:r>
+            <a:r>
+              <a:rPr lang="en-US" dirty="0" err="1" smtClean="0"/>
+              <a:t>khi</a:t>
+            </a:r>
+            <a:r>
+              <a:rPr lang="en-US" dirty="0" smtClean="0"/>
+              <a:t> </a:t>
+            </a:r>
+            <a:r>
+              <a:rPr lang="en-US" dirty="0" err="1" smtClean="0"/>
+              <a:t>gửi</a:t>
+            </a:r>
+            <a:r>
+              <a:rPr lang="en-US" dirty="0" smtClean="0"/>
+              <a:t> </a:t>
+            </a:r>
+            <a:r>
+              <a:rPr lang="en-US" dirty="0" err="1" smtClean="0"/>
+              <a:t>xe</a:t>
+            </a:r>
             <a:endParaRPr lang="en-US" dirty="0" smtClean="0"/>
           </a:p>
           <a:p>
+            <a:r>
+              <a:rPr lang="en-US" dirty="0" err="1" smtClean="0"/>
+              <a:t>Kiểm</a:t>
+            </a:r>
+            <a:r>
+              <a:rPr lang="en-US" dirty="0" smtClean="0"/>
+              <a:t> </a:t>
+            </a:r>
+            <a:r>
+              <a:rPr lang="en-US" dirty="0" err="1" smtClean="0"/>
+              <a:t>tra</a:t>
+            </a:r>
+            <a:r>
+              <a:rPr lang="en-US" dirty="0" smtClean="0"/>
+              <a:t> </a:t>
+            </a:r>
+            <a:r>
+              <a:rPr lang="en-US" dirty="0" err="1" smtClean="0"/>
+              <a:t>vé</a:t>
+            </a:r>
+            <a:r>
+              <a:rPr lang="en-US" dirty="0" smtClean="0"/>
+              <a:t> </a:t>
+            </a:r>
+            <a:r>
+              <a:rPr lang="en-US" dirty="0" err="1" smtClean="0"/>
+              <a:t>khi</a:t>
+            </a:r>
+            <a:r>
+              <a:rPr lang="en-US" dirty="0" smtClean="0"/>
+              <a:t> </a:t>
+            </a:r>
+            <a:r>
+              <a:rPr lang="en-US" dirty="0" err="1" smtClean="0"/>
+              <a:t>ra</a:t>
+            </a:r>
+            <a:r>
+              <a:rPr lang="en-US" dirty="0" smtClean="0"/>
+              <a:t> </a:t>
+            </a:r>
+            <a:r>
+              <a:rPr lang="en-US" dirty="0" err="1" smtClean="0"/>
+              <a:t>bãi</a:t>
+            </a:r>
             <a:endParaRPr lang="en-US" dirty="0" smtClean="0"/>
+          </a:p>
+          <a:p>
+            <a:r>
+              <a:rPr lang="en-US" dirty="0" err="1" smtClean="0"/>
+              <a:t>Lưu</a:t>
+            </a:r>
+            <a:r>
+              <a:rPr lang="en-US" dirty="0" smtClean="0"/>
+              <a:t> </a:t>
+            </a:r>
+            <a:r>
+              <a:rPr lang="en-US" dirty="0" err="1" smtClean="0"/>
+              <a:t>thông</a:t>
+            </a:r>
+            <a:r>
+              <a:rPr lang="en-US" dirty="0" smtClean="0"/>
+              <a:t> tin </a:t>
+            </a:r>
+            <a:r>
+              <a:rPr lang="en-US" dirty="0" err="1" smtClean="0"/>
+              <a:t>gửi</a:t>
+            </a:r>
+            <a:r>
+              <a:rPr lang="en-US" dirty="0" smtClean="0"/>
+              <a:t> </a:t>
+            </a:r>
+            <a:r>
+              <a:rPr lang="en-US" dirty="0" err="1" smtClean="0"/>
+              <a:t>xe</a:t>
+            </a:r>
+            <a:endParaRPr lang="en-GB" dirty="0"/>
           </a:p>
         </p:txBody>
       </p:sp>
     </p:spTree>
     <p:extLst>
       <p:ext uri="{BB962C8B-B14F-4D97-AF65-F5344CB8AC3E}">
-        <p14:creationId xmlns:p14="http://schemas.microsoft.com/office/powerpoint/2010/main" val="4066694760"/>
+        <p14:creationId xmlns:p14="http://schemas.microsoft.com/office/powerpoint/2010/main" val="272403422"/>
       </p:ext>
     </p:extLst>
   </p:cSld>
   <p:clrMapOvr>
     <a:masterClrMapping/>
   </p:clrMapOvr>
-  <p:timing>
-    <p:tnLst>
-      <p:par>
-        <p:cTn id="1" dur="indefinite" restart="never" nodeType="tmRoot"/>
-      </p:par>
-    </p:tnLst>
-  </p:timing>
 </p:sld>
 </file>
 
@@ -6868,7 +9486,396 @@
           <a:p>
             <a:r>
               <a:rPr lang="en-US" dirty="0" err="1" smtClean="0"/>
-              <a:t>Các</a:t>
+              <a:t>Nhân</a:t>
+            </a:r>
+            <a:r>
+              <a:rPr lang="en-US" dirty="0" smtClean="0"/>
+              <a:t> </a:t>
+            </a:r>
+            <a:r>
+              <a:rPr lang="en-US" dirty="0" err="1" smtClean="0"/>
+              <a:t>viên</a:t>
+            </a:r>
+            <a:endParaRPr lang="en-GB" dirty="0"/>
+          </a:p>
+        </p:txBody>
+      </p:sp>
+      <p:sp>
+        <p:nvSpPr>
+          <p:cNvPr id="3" name="Content Placeholder 2"/>
+          <p:cNvSpPr>
+            <a:spLocks noGrp="1"/>
+          </p:cNvSpPr>
+          <p:nvPr>
+            <p:ph idx="1"/>
+          </p:nvPr>
+        </p:nvSpPr>
+        <p:spPr/>
+        <p:txBody>
+          <a:bodyPr>
+            <a:normAutofit fontScale="92500" lnSpcReduction="10000"/>
+          </a:bodyPr>
+          <a:lstStyle/>
+          <a:p>
+            <a:r>
+              <a:rPr lang="en-US" dirty="0" err="1" smtClean="0"/>
+              <a:t>Đăng</a:t>
+            </a:r>
+            <a:r>
+              <a:rPr lang="en-US" dirty="0" smtClean="0"/>
+              <a:t> </a:t>
+            </a:r>
+            <a:r>
+              <a:rPr lang="en-US" dirty="0" err="1" smtClean="0"/>
+              <a:t>kí</a:t>
+            </a:r>
+            <a:r>
+              <a:rPr lang="en-US" dirty="0" smtClean="0"/>
+              <a:t> </a:t>
+            </a:r>
+            <a:r>
+              <a:rPr lang="en-US" dirty="0" err="1" smtClean="0"/>
+              <a:t>làm</a:t>
+            </a:r>
+            <a:r>
+              <a:rPr lang="en-US" dirty="0" smtClean="0"/>
+              <a:t> </a:t>
+            </a:r>
+            <a:r>
+              <a:rPr lang="en-US" dirty="0" err="1" smtClean="0"/>
+              <a:t>việc</a:t>
+            </a:r>
+            <a:r>
+              <a:rPr lang="en-US" dirty="0" smtClean="0"/>
+              <a:t> </a:t>
+            </a:r>
+          </a:p>
+          <a:p>
+            <a:r>
+              <a:rPr lang="en-US" dirty="0" err="1" smtClean="0"/>
+              <a:t>Sử</a:t>
+            </a:r>
+            <a:r>
+              <a:rPr lang="en-US" dirty="0" smtClean="0"/>
+              <a:t> </a:t>
+            </a:r>
+            <a:r>
+              <a:rPr lang="en-US" dirty="0" err="1" smtClean="0"/>
+              <a:t>dụng</a:t>
+            </a:r>
+            <a:r>
+              <a:rPr lang="en-US" dirty="0" smtClean="0"/>
+              <a:t> </a:t>
+            </a:r>
+            <a:r>
+              <a:rPr lang="en-US" dirty="0" err="1" smtClean="0"/>
+              <a:t>tài</a:t>
+            </a:r>
+            <a:r>
+              <a:rPr lang="en-US" dirty="0" smtClean="0"/>
+              <a:t> </a:t>
+            </a:r>
+            <a:r>
+              <a:rPr lang="en-US" dirty="0" err="1" smtClean="0"/>
+              <a:t>khoản</a:t>
+            </a:r>
+            <a:r>
+              <a:rPr lang="en-US" dirty="0" smtClean="0"/>
+              <a:t> </a:t>
+            </a:r>
+            <a:r>
+              <a:rPr lang="en-US" dirty="0" err="1" smtClean="0"/>
+              <a:t>đăng</a:t>
+            </a:r>
+            <a:r>
+              <a:rPr lang="en-US" dirty="0" smtClean="0"/>
+              <a:t> </a:t>
+            </a:r>
+            <a:r>
+              <a:rPr lang="en-US" dirty="0" err="1" smtClean="0"/>
+              <a:t>nhập</a:t>
+            </a:r>
+            <a:r>
+              <a:rPr lang="en-US" dirty="0" smtClean="0"/>
+              <a:t> </a:t>
+            </a:r>
+            <a:r>
+              <a:rPr lang="en-US" dirty="0" err="1" smtClean="0"/>
+              <a:t>vào</a:t>
+            </a:r>
+            <a:r>
+              <a:rPr lang="en-US" dirty="0" smtClean="0"/>
+              <a:t> </a:t>
+            </a:r>
+            <a:r>
+              <a:rPr lang="en-US" dirty="0" err="1" smtClean="0"/>
+              <a:t>hệ</a:t>
+            </a:r>
+            <a:r>
+              <a:rPr lang="en-US" dirty="0" smtClean="0"/>
+              <a:t> </a:t>
+            </a:r>
+            <a:r>
+              <a:rPr lang="en-US" dirty="0" err="1" smtClean="0"/>
+              <a:t>thống</a:t>
+            </a:r>
+            <a:r>
+              <a:rPr lang="en-US" dirty="0" smtClean="0"/>
+              <a:t> </a:t>
+            </a:r>
+            <a:r>
+              <a:rPr lang="en-US" dirty="0" err="1" smtClean="0"/>
+              <a:t>để</a:t>
+            </a:r>
+            <a:r>
+              <a:rPr lang="en-US" dirty="0" smtClean="0"/>
+              <a:t> </a:t>
+            </a:r>
+            <a:r>
+              <a:rPr lang="en-US" dirty="0" err="1" smtClean="0"/>
+              <a:t>làm</a:t>
+            </a:r>
+            <a:r>
+              <a:rPr lang="en-US" dirty="0" smtClean="0"/>
+              <a:t> </a:t>
+            </a:r>
+            <a:r>
+              <a:rPr lang="en-US" dirty="0" err="1" smtClean="0"/>
+              <a:t>việc</a:t>
+            </a:r>
+            <a:endParaRPr lang="en-US" dirty="0" smtClean="0"/>
+          </a:p>
+          <a:p>
+            <a:pPr lvl="1"/>
+            <a:r>
+              <a:rPr lang="en-US" dirty="0" err="1" smtClean="0"/>
+              <a:t>Thay</a:t>
+            </a:r>
+            <a:r>
+              <a:rPr lang="en-US" dirty="0" smtClean="0"/>
+              <a:t> </a:t>
+            </a:r>
+            <a:r>
+              <a:rPr lang="en-US" dirty="0" err="1" smtClean="0"/>
+              <a:t>đổi</a:t>
+            </a:r>
+            <a:r>
+              <a:rPr lang="en-US" dirty="0" smtClean="0"/>
+              <a:t> </a:t>
+            </a:r>
+            <a:r>
+              <a:rPr lang="en-US" dirty="0" err="1" smtClean="0"/>
+              <a:t>mật</a:t>
+            </a:r>
+            <a:r>
+              <a:rPr lang="en-US" dirty="0" smtClean="0"/>
+              <a:t> </a:t>
+            </a:r>
+            <a:r>
+              <a:rPr lang="en-US" dirty="0" err="1" smtClean="0"/>
+              <a:t>khẩu</a:t>
+            </a:r>
+            <a:r>
+              <a:rPr lang="en-US" dirty="0" smtClean="0"/>
+              <a:t> </a:t>
+            </a:r>
+            <a:r>
+              <a:rPr lang="en-US" dirty="0" err="1" smtClean="0"/>
+              <a:t>đăng</a:t>
+            </a:r>
+            <a:r>
+              <a:rPr lang="en-US" dirty="0" smtClean="0"/>
+              <a:t> </a:t>
+            </a:r>
+            <a:r>
+              <a:rPr lang="en-US" dirty="0" err="1" smtClean="0"/>
+              <a:t>nhập</a:t>
+            </a:r>
+            <a:endParaRPr lang="en-US" dirty="0" smtClean="0"/>
+          </a:p>
+          <a:p>
+            <a:r>
+              <a:rPr lang="en-US" dirty="0" err="1" smtClean="0"/>
+              <a:t>Làm</a:t>
+            </a:r>
+            <a:r>
+              <a:rPr lang="en-US" dirty="0" smtClean="0"/>
+              <a:t> </a:t>
+            </a:r>
+            <a:r>
+              <a:rPr lang="en-US" dirty="0" err="1" smtClean="0"/>
+              <a:t>việc</a:t>
+            </a:r>
+            <a:r>
+              <a:rPr lang="en-US" dirty="0" smtClean="0"/>
+              <a:t>:</a:t>
+            </a:r>
+          </a:p>
+          <a:p>
+            <a:pPr lvl="1"/>
+            <a:r>
+              <a:rPr lang="en-US" dirty="0" err="1" smtClean="0"/>
+              <a:t>Nhập</a:t>
+            </a:r>
+            <a:r>
+              <a:rPr lang="en-US" dirty="0" smtClean="0"/>
+              <a:t> </a:t>
+            </a:r>
+            <a:r>
+              <a:rPr lang="en-US" dirty="0" err="1" smtClean="0"/>
+              <a:t>thông</a:t>
+            </a:r>
+            <a:r>
+              <a:rPr lang="en-US" dirty="0" smtClean="0"/>
+              <a:t> tin </a:t>
+            </a:r>
+            <a:r>
+              <a:rPr lang="en-US" dirty="0" err="1" smtClean="0"/>
+              <a:t>xe</a:t>
+            </a:r>
+            <a:r>
+              <a:rPr lang="en-US" dirty="0" smtClean="0"/>
+              <a:t> </a:t>
+            </a:r>
+            <a:r>
+              <a:rPr lang="en-US" dirty="0" err="1" smtClean="0"/>
+              <a:t>vào</a:t>
+            </a:r>
+            <a:endParaRPr lang="en-US" dirty="0" smtClean="0"/>
+          </a:p>
+          <a:p>
+            <a:pPr lvl="1"/>
+            <a:r>
+              <a:rPr lang="en-US" dirty="0" err="1" smtClean="0"/>
+              <a:t>Nhập</a:t>
+            </a:r>
+            <a:r>
+              <a:rPr lang="en-US" dirty="0" smtClean="0"/>
+              <a:t> </a:t>
+            </a:r>
+            <a:r>
+              <a:rPr lang="en-US" dirty="0" err="1" smtClean="0"/>
+              <a:t>thông</a:t>
+            </a:r>
+            <a:r>
+              <a:rPr lang="en-US" dirty="0" smtClean="0"/>
+              <a:t> tin </a:t>
+            </a:r>
+            <a:r>
+              <a:rPr lang="en-US" dirty="0" err="1" smtClean="0"/>
+              <a:t>xe</a:t>
+            </a:r>
+            <a:r>
+              <a:rPr lang="en-US" dirty="0" smtClean="0"/>
+              <a:t> </a:t>
+            </a:r>
+            <a:r>
+              <a:rPr lang="en-US" dirty="0" err="1" smtClean="0"/>
+              <a:t>ra</a:t>
+            </a:r>
+            <a:endParaRPr lang="en-US" dirty="0" smtClean="0"/>
+          </a:p>
+          <a:p>
+            <a:pPr lvl="1"/>
+            <a:r>
+              <a:rPr lang="en-US" dirty="0" err="1" smtClean="0"/>
+              <a:t>Nhận</a:t>
+            </a:r>
+            <a:r>
+              <a:rPr lang="en-US" dirty="0" smtClean="0"/>
+              <a:t> </a:t>
+            </a:r>
+            <a:r>
+              <a:rPr lang="en-US" dirty="0" err="1" smtClean="0"/>
+              <a:t>các</a:t>
+            </a:r>
+            <a:r>
+              <a:rPr lang="en-US" dirty="0" smtClean="0"/>
+              <a:t> </a:t>
+            </a:r>
+            <a:r>
+              <a:rPr lang="en-US" dirty="0" err="1" smtClean="0"/>
+              <a:t>thông</a:t>
+            </a:r>
+            <a:r>
+              <a:rPr lang="en-US" dirty="0" smtClean="0"/>
+              <a:t> tin </a:t>
+            </a:r>
+            <a:r>
+              <a:rPr lang="en-US" dirty="0" err="1" smtClean="0"/>
+              <a:t>từ</a:t>
+            </a:r>
+            <a:r>
+              <a:rPr lang="en-US" dirty="0" smtClean="0"/>
+              <a:t> </a:t>
+            </a:r>
+            <a:r>
+              <a:rPr lang="en-US" dirty="0" err="1" smtClean="0"/>
+              <a:t>hệ</a:t>
+            </a:r>
+            <a:r>
+              <a:rPr lang="en-US" dirty="0" smtClean="0"/>
+              <a:t> </a:t>
+            </a:r>
+            <a:r>
+              <a:rPr lang="en-US" dirty="0" err="1" smtClean="0"/>
+              <a:t>thống</a:t>
+            </a:r>
+            <a:r>
+              <a:rPr lang="en-US" dirty="0" smtClean="0"/>
+              <a:t> </a:t>
+            </a:r>
+            <a:r>
+              <a:rPr lang="en-US" dirty="0" err="1" smtClean="0"/>
+              <a:t>trong</a:t>
+            </a:r>
+            <a:r>
+              <a:rPr lang="en-US" dirty="0" smtClean="0"/>
+              <a:t> </a:t>
+            </a:r>
+            <a:r>
+              <a:rPr lang="en-US" dirty="0" err="1" smtClean="0"/>
+              <a:t>quá</a:t>
+            </a:r>
+            <a:r>
+              <a:rPr lang="en-US" dirty="0" smtClean="0"/>
+              <a:t> </a:t>
+            </a:r>
+            <a:r>
+              <a:rPr lang="en-US" dirty="0" err="1" smtClean="0"/>
+              <a:t>trình</a:t>
+            </a:r>
+            <a:r>
+              <a:rPr lang="en-US" dirty="0" smtClean="0"/>
+              <a:t> </a:t>
+            </a:r>
+            <a:r>
+              <a:rPr lang="en-US" dirty="0" err="1" smtClean="0"/>
+              <a:t>xe</a:t>
+            </a:r>
+            <a:r>
+              <a:rPr lang="en-US" dirty="0" smtClean="0"/>
+              <a:t> </a:t>
+            </a:r>
+            <a:r>
+              <a:rPr lang="en-US" dirty="0" err="1" smtClean="0"/>
+              <a:t>vào</a:t>
+            </a:r>
+            <a:r>
+              <a:rPr lang="en-US" dirty="0" smtClean="0"/>
+              <a:t> </a:t>
+            </a:r>
+            <a:r>
+              <a:rPr lang="en-US" dirty="0" err="1" smtClean="0"/>
+              <a:t>ra</a:t>
+            </a:r>
+            <a:r>
+              <a:rPr lang="en-US" dirty="0" smtClean="0"/>
+              <a:t> (</a:t>
+            </a:r>
+            <a:r>
+              <a:rPr lang="en-US" dirty="0" err="1" smtClean="0"/>
+              <a:t>xác</a:t>
             </a:r>
             <a:r>
               <a:rPr lang="en-US" dirty="0" smtClean="0"/>
@@ -6879,96 +9886,68 @@
               <a:t>thực</a:t>
             </a:r>
             <a:r>
-              <a:rPr lang="en-US" dirty="0" smtClean="0"/>
-              <a:t> </a:t>
-            </a:r>
-            <a:r>
-              <a:rPr lang="en-US" dirty="0" err="1" smtClean="0"/>
-              <a:t>thể</a:t>
-            </a:r>
-            <a:r>
-              <a:rPr lang="en-US" dirty="0" smtClean="0"/>
-              <a:t> </a:t>
-            </a:r>
-            <a:r>
-              <a:rPr lang="en-US" dirty="0" err="1" smtClean="0"/>
-              <a:t>chính</a:t>
-            </a:r>
-            <a:endParaRPr lang="en-GB" dirty="0"/>
-          </a:p>
-        </p:txBody>
-      </p:sp>
-      <p:sp>
-        <p:nvSpPr>
-          <p:cNvPr id="3" name="Content Placeholder 2"/>
-          <p:cNvSpPr>
-            <a:spLocks noGrp="1"/>
-          </p:cNvSpPr>
-          <p:nvPr>
-            <p:ph idx="1"/>
-          </p:nvPr>
-        </p:nvSpPr>
-        <p:spPr/>
-        <p:txBody>
-          <a:bodyPr/>
-          <a:lstStyle/>
-          <a:p>
-            <a:r>
-              <a:rPr lang="en-US" dirty="0" err="1" smtClean="0"/>
-              <a:t>Sinh</a:t>
-            </a:r>
-            <a:r>
-              <a:rPr lang="en-US" dirty="0" smtClean="0"/>
-              <a:t> </a:t>
-            </a:r>
-            <a:r>
-              <a:rPr lang="en-US" dirty="0" err="1" smtClean="0"/>
-              <a:t>viên</a:t>
-            </a:r>
-            <a:endParaRPr lang="en-US" dirty="0" smtClean="0"/>
-          </a:p>
-          <a:p>
-            <a:r>
-              <a:rPr lang="en-US" dirty="0" err="1" smtClean="0"/>
-              <a:t>Khách</a:t>
-            </a:r>
-            <a:r>
-              <a:rPr lang="en-US" dirty="0" smtClean="0"/>
-              <a:t> </a:t>
-            </a:r>
-            <a:r>
-              <a:rPr lang="en-US" dirty="0" err="1" smtClean="0"/>
-              <a:t>vãng</a:t>
-            </a:r>
-            <a:r>
-              <a:rPr lang="en-US" dirty="0" smtClean="0"/>
-              <a:t> </a:t>
-            </a:r>
-            <a:r>
-              <a:rPr lang="en-US" dirty="0" err="1" smtClean="0"/>
-              <a:t>lai</a:t>
-            </a:r>
-            <a:endParaRPr lang="en-US" dirty="0" smtClean="0"/>
-          </a:p>
-          <a:p>
-            <a:r>
-              <a:rPr lang="en-US" dirty="0" err="1" smtClean="0"/>
-              <a:t>Xe</a:t>
-            </a:r>
-            <a:endParaRPr lang="en-US" dirty="0" smtClean="0"/>
-          </a:p>
-          <a:p>
-            <a:r>
-              <a:rPr lang="en-US" dirty="0" err="1" smtClean="0"/>
-              <a:t>Bãi</a:t>
-            </a:r>
-            <a:r>
-              <a:rPr lang="en-US" dirty="0" smtClean="0"/>
-              <a:t> </a:t>
-            </a:r>
-            <a:r>
-              <a:rPr lang="en-US" dirty="0" err="1" smtClean="0"/>
-              <a:t>đỗ</a:t>
+              <a:rPr lang="en-US" dirty="0"/>
+              <a:t> </a:t>
+            </a:r>
+            <a:r>
+              <a:rPr lang="en-US" dirty="0" err="1" smtClean="0"/>
+              <a:t>thẻ</a:t>
+            </a:r>
+            <a:r>
+              <a:rPr lang="en-US" dirty="0" smtClean="0"/>
+              <a:t> </a:t>
+            </a:r>
+            <a:r>
+              <a:rPr lang="en-US" dirty="0" err="1" smtClean="0"/>
+              <a:t>sv</a:t>
+            </a:r>
+            <a:r>
+              <a:rPr lang="en-US" dirty="0" smtClean="0"/>
+              <a:t>, </a:t>
+            </a:r>
+            <a:r>
+              <a:rPr lang="en-US" dirty="0" err="1" smtClean="0"/>
+              <a:t>mã</a:t>
+            </a:r>
+            <a:r>
+              <a:rPr lang="en-US" dirty="0" smtClean="0"/>
+              <a:t> </a:t>
+            </a:r>
+            <a:r>
+              <a:rPr lang="en-US" dirty="0" err="1" smtClean="0"/>
+              <a:t>vẽ</a:t>
+            </a:r>
+            <a:r>
+              <a:rPr lang="en-US" dirty="0" smtClean="0"/>
+              <a:t>, </a:t>
+            </a:r>
+            <a:r>
+              <a:rPr lang="en-US" dirty="0" err="1" smtClean="0"/>
+              <a:t>số</a:t>
+            </a:r>
+            <a:r>
+              <a:rPr lang="en-US" dirty="0" smtClean="0"/>
+              <a:t> </a:t>
+            </a:r>
+            <a:r>
+              <a:rPr lang="en-US" dirty="0" err="1" smtClean="0"/>
+              <a:t>dư</a:t>
+            </a:r>
+            <a:r>
+              <a:rPr lang="en-US" dirty="0" smtClean="0"/>
+              <a:t>, </a:t>
+            </a:r>
+            <a:r>
+              <a:rPr lang="en-US" dirty="0" err="1" smtClean="0"/>
+              <a:t>có</a:t>
+            </a:r>
+            <a:r>
+              <a:rPr lang="en-US" dirty="0" smtClean="0"/>
+              <a:t> </a:t>
+            </a:r>
+            <a:r>
+              <a:rPr lang="en-US" dirty="0" err="1" smtClean="0"/>
+              <a:t>đúng</a:t>
             </a:r>
             <a:r>
               <a:rPr lang="en-US" dirty="0" smtClean="0"/>
@@ -6978,63 +9957,34 @@
               <a:rPr lang="en-US" dirty="0" err="1" smtClean="0"/>
               <a:t>xe</a:t>
             </a:r>
-            <a:endParaRPr lang="en-US" dirty="0" smtClean="0"/>
-          </a:p>
-          <a:p>
-            <a:r>
-              <a:rPr lang="en-US" dirty="0" err="1" smtClean="0"/>
-              <a:t>Vị</a:t>
-            </a:r>
-            <a:r>
-              <a:rPr lang="en-US" dirty="0" smtClean="0"/>
-              <a:t> </a:t>
-            </a:r>
-            <a:r>
-              <a:rPr lang="en-US" dirty="0" err="1" smtClean="0"/>
-              <a:t>trí</a:t>
-            </a:r>
-            <a:r>
-              <a:rPr lang="en-US" dirty="0" smtClean="0"/>
-              <a:t> </a:t>
-            </a:r>
-            <a:r>
-              <a:rPr lang="en-US" dirty="0" err="1" smtClean="0"/>
-              <a:t>đỗ</a:t>
-            </a:r>
-            <a:r>
-              <a:rPr lang="en-US" dirty="0" smtClean="0"/>
-              <a:t> </a:t>
-            </a:r>
-            <a:r>
-              <a:rPr lang="en-US" dirty="0" err="1" smtClean="0"/>
-              <a:t>xe</a:t>
-            </a:r>
-            <a:endParaRPr lang="en-US" dirty="0" smtClean="0"/>
-          </a:p>
-          <a:p>
-            <a:r>
-              <a:rPr lang="en-US" dirty="0" err="1" smtClean="0"/>
-              <a:t>Nhân</a:t>
-            </a:r>
-            <a:r>
-              <a:rPr lang="en-US" dirty="0" smtClean="0"/>
-              <a:t> </a:t>
-            </a:r>
-            <a:r>
-              <a:rPr lang="en-US" dirty="0" err="1" smtClean="0"/>
-              <a:t>viên</a:t>
-            </a:r>
-            <a:endParaRPr lang="en-US" dirty="0" smtClean="0"/>
-          </a:p>
-          <a:p>
-            <a:endParaRPr lang="en-US" dirty="0" smtClean="0"/>
+            <a:r>
+              <a:rPr lang="en-US" dirty="0" smtClean="0"/>
+              <a:t> </a:t>
+            </a:r>
+            <a:r>
+              <a:rPr lang="en-US" dirty="0" err="1" smtClean="0"/>
+              <a:t>được</a:t>
+            </a:r>
+            <a:r>
+              <a:rPr lang="en-US" dirty="0" smtClean="0"/>
+              <a:t> </a:t>
+            </a:r>
+            <a:r>
+              <a:rPr lang="en-US" dirty="0" err="1" smtClean="0"/>
+              <a:t>gửi</a:t>
+            </a:r>
+            <a:r>
+              <a:rPr lang="en-US" dirty="0" smtClean="0"/>
+              <a:t>?)</a:t>
+            </a:r>
+            <a:endParaRPr lang="en-GB" dirty="0" smtClean="0"/>
           </a:p>
         </p:txBody>
       </p:sp>
     </p:spTree>
     <p:extLst>
       <p:ext uri="{BB962C8B-B14F-4D97-AF65-F5344CB8AC3E}">
-        <p14:creationId xmlns:p14="http://schemas.microsoft.com/office/powerpoint/2010/main" val="2486172056"/>
+        <p14:creationId xmlns:p14="http://schemas.microsoft.com/office/powerpoint/2010/main" val="1407568427"/>
       </p:ext>
     </p:extLst>
   </p:cSld>
@@ -7084,6 +10034,31 @@
           <a:lstStyle/>
           <a:p>
             <a:r>
+              <a:rPr lang="en-US" dirty="0" smtClean="0"/>
+              <a:t>Admin</a:t>
+            </a:r>
+            <a:endParaRPr lang="en-GB" dirty="0"/>
+          </a:p>
+        </p:txBody>
+      </p:sp>
+      <p:sp>
+        <p:nvSpPr>
+          <p:cNvPr id="3" name="Content Placeholder 2"/>
+          <p:cNvSpPr>
+            <a:spLocks noGrp="1"/>
+          </p:cNvSpPr>
+          <p:nvPr>
+            <p:ph idx="1"/>
+          </p:nvPr>
+        </p:nvSpPr>
+        <p:spPr/>
+        <p:txBody>
+          <a:bodyPr>
+            <a:normAutofit lnSpcReduction="10000"/>
+          </a:bodyPr>
+          <a:lstStyle/>
+          <a:p>
+            <a:r>
               <a:rPr lang="en-US" dirty="0" err="1" smtClean="0"/>
               <a:t>Quản</a:t>
             </a:r>
@@ -7101,42 +10076,278 @@
             </a:r>
             <a:r>
               <a:rPr lang="en-US" dirty="0" err="1" smtClean="0"/>
-              <a:t>khách</a:t>
-            </a:r>
-            <a:r>
-              <a:rPr lang="en-US" dirty="0" smtClean="0"/>
-              <a:t> </a:t>
-            </a:r>
-            <a:r>
-              <a:rPr lang="en-US" dirty="0" err="1" smtClean="0"/>
-              <a:t>hàng</a:t>
-            </a:r>
-            <a:endParaRPr lang="en-GB" dirty="0"/>
-          </a:p>
-        </p:txBody>
-      </p:sp>
-      <p:sp>
-        <p:nvSpPr>
-          <p:cNvPr id="3" name="Content Placeholder 2"/>
-          <p:cNvSpPr>
-            <a:spLocks noGrp="1"/>
-          </p:cNvSpPr>
-          <p:nvPr>
-            <p:ph idx="1"/>
-          </p:nvPr>
-        </p:nvSpPr>
-        <p:spPr/>
-        <p:txBody>
-          <a:bodyPr/>
-          <a:lstStyle/>
-          <a:p>
-            <a:r>
-              <a:rPr lang="en-US" dirty="0" smtClean="0"/>
-              <a:t>Student(</a:t>
-            </a:r>
-            <a:r>
-              <a:rPr lang="en-US" dirty="0" err="1" smtClean="0"/>
-              <a:t>customerid</a:t>
+              <a:t>sinh</a:t>
+            </a:r>
+            <a:r>
+              <a:rPr lang="en-US" dirty="0" smtClean="0"/>
+              <a:t> </a:t>
+            </a:r>
+            <a:r>
+              <a:rPr lang="en-US" dirty="0" err="1" smtClean="0"/>
+              <a:t>viên</a:t>
+            </a:r>
+            <a:r>
+              <a:rPr lang="en-US" dirty="0" smtClean="0"/>
+              <a:t> (CRUD)</a:t>
+            </a:r>
+          </a:p>
+          <a:p>
+            <a:r>
+              <a:rPr lang="en-US" dirty="0" err="1" smtClean="0"/>
+              <a:t>Quản</a:t>
+            </a:r>
+            <a:r>
+              <a:rPr lang="en-US" dirty="0" smtClean="0"/>
+              <a:t> </a:t>
+            </a:r>
+            <a:r>
+              <a:rPr lang="en-US" dirty="0" err="1" smtClean="0"/>
+              <a:t>lý</a:t>
+            </a:r>
+            <a:r>
+              <a:rPr lang="en-US" dirty="0" smtClean="0"/>
+              <a:t> </a:t>
+            </a:r>
+            <a:r>
+              <a:rPr lang="en-US" dirty="0" err="1" smtClean="0"/>
+              <a:t>nhân</a:t>
+            </a:r>
+            <a:r>
+              <a:rPr lang="en-US" dirty="0" smtClean="0"/>
+              <a:t> </a:t>
+            </a:r>
+            <a:r>
+              <a:rPr lang="en-US" dirty="0" err="1" smtClean="0"/>
+              <a:t>viên</a:t>
+            </a:r>
+            <a:r>
+              <a:rPr lang="en-US" dirty="0" smtClean="0"/>
+              <a:t> (CRUD + </a:t>
+            </a:r>
+            <a:r>
+              <a:rPr lang="en-US" dirty="0" err="1" smtClean="0">
+                <a:solidFill>
+                  <a:srgbClr val="C00000"/>
+                </a:solidFill>
+              </a:rPr>
+              <a:t>duyệt</a:t>
+            </a:r>
+            <a:r>
+              <a:rPr lang="en-US" dirty="0" smtClean="0">
+                <a:solidFill>
+                  <a:srgbClr val="C00000"/>
+                </a:solidFill>
+              </a:rPr>
+              <a:t> </a:t>
+            </a:r>
+            <a:r>
+              <a:rPr lang="en-US" dirty="0" err="1" smtClean="0">
+                <a:solidFill>
+                  <a:srgbClr val="C00000"/>
+                </a:solidFill>
+              </a:rPr>
+              <a:t>đơn</a:t>
+            </a:r>
+            <a:r>
+              <a:rPr lang="en-US" dirty="0" smtClean="0"/>
+              <a:t>)</a:t>
+            </a:r>
+          </a:p>
+          <a:p>
+            <a:r>
+              <a:rPr lang="en-US" dirty="0" err="1" smtClean="0"/>
+              <a:t>Quản</a:t>
+            </a:r>
+            <a:r>
+              <a:rPr lang="en-US" dirty="0" smtClean="0"/>
+              <a:t> </a:t>
+            </a:r>
+            <a:r>
+              <a:rPr lang="en-US" dirty="0" err="1" smtClean="0"/>
+              <a:t>lý</a:t>
+            </a:r>
+            <a:r>
+              <a:rPr lang="en-US" dirty="0" smtClean="0"/>
+              <a:t> </a:t>
+            </a:r>
+            <a:r>
+              <a:rPr lang="en-US" dirty="0" err="1" smtClean="0"/>
+              <a:t>bãi</a:t>
+            </a:r>
+            <a:r>
+              <a:rPr lang="en-US" dirty="0" smtClean="0"/>
+              <a:t> </a:t>
+            </a:r>
+            <a:r>
+              <a:rPr lang="en-US" dirty="0" err="1" smtClean="0"/>
+              <a:t>đỗ</a:t>
+            </a:r>
+            <a:r>
+              <a:rPr lang="en-US" dirty="0"/>
+              <a:t> </a:t>
+            </a:r>
+            <a:r>
+              <a:rPr lang="en-US" dirty="0" err="1" smtClean="0"/>
+              <a:t>xe</a:t>
+            </a:r>
+            <a:endParaRPr lang="en-US" dirty="0" smtClean="0"/>
+          </a:p>
+          <a:p>
+            <a:pPr lvl="1"/>
+            <a:r>
+              <a:rPr lang="en-US" dirty="0" smtClean="0"/>
+              <a:t>CRUD </a:t>
+            </a:r>
+            <a:r>
+              <a:rPr lang="en-US" dirty="0" err="1" smtClean="0"/>
+              <a:t>bãi</a:t>
+            </a:r>
+            <a:r>
+              <a:rPr lang="en-US" dirty="0" smtClean="0"/>
+              <a:t> </a:t>
+            </a:r>
+            <a:r>
+              <a:rPr lang="en-US" dirty="0" err="1" smtClean="0"/>
+              <a:t>đỗ</a:t>
+            </a:r>
+            <a:r>
+              <a:rPr lang="en-US" dirty="0" smtClean="0"/>
+              <a:t> </a:t>
+            </a:r>
+            <a:r>
+              <a:rPr lang="en-US" dirty="0" err="1" smtClean="0"/>
+              <a:t>xe</a:t>
+            </a:r>
+            <a:endParaRPr lang="en-US" dirty="0" smtClean="0"/>
+          </a:p>
+          <a:p>
+            <a:pPr lvl="1"/>
+            <a:r>
+              <a:rPr lang="en-US" dirty="0" smtClean="0"/>
+              <a:t>CRUD </a:t>
+            </a:r>
+            <a:r>
+              <a:rPr lang="en-US" dirty="0" err="1" smtClean="0"/>
+              <a:t>chỗ</a:t>
+            </a:r>
+            <a:r>
+              <a:rPr lang="en-US" dirty="0" smtClean="0"/>
+              <a:t> </a:t>
+            </a:r>
+            <a:r>
+              <a:rPr lang="en-US" dirty="0" err="1" smtClean="0"/>
+              <a:t>đỗ</a:t>
+            </a:r>
+            <a:r>
+              <a:rPr lang="en-US" dirty="0" smtClean="0"/>
+              <a:t> </a:t>
+            </a:r>
+            <a:r>
+              <a:rPr lang="en-US" dirty="0" err="1" smtClean="0"/>
+              <a:t>xe</a:t>
+            </a:r>
+            <a:endParaRPr lang="en-US" dirty="0" smtClean="0"/>
+          </a:p>
+          <a:p>
+            <a:r>
+              <a:rPr lang="en-US" dirty="0" err="1" smtClean="0"/>
+              <a:t>Quản</a:t>
+            </a:r>
+            <a:r>
+              <a:rPr lang="en-US" dirty="0" smtClean="0"/>
+              <a:t> </a:t>
+            </a:r>
+            <a:r>
+              <a:rPr lang="en-US" dirty="0" err="1" smtClean="0"/>
+              <a:t>lý</a:t>
+            </a:r>
+            <a:r>
+              <a:rPr lang="en-US" dirty="0" smtClean="0"/>
+              <a:t> </a:t>
+            </a:r>
+            <a:r>
+              <a:rPr lang="en-US" dirty="0" err="1" smtClean="0"/>
+              <a:t>doanh</a:t>
+            </a:r>
+            <a:r>
+              <a:rPr lang="en-US" dirty="0" smtClean="0"/>
+              <a:t> </a:t>
+            </a:r>
+            <a:r>
+              <a:rPr lang="en-US" dirty="0" err="1" smtClean="0"/>
+              <a:t>thu</a:t>
+            </a:r>
+            <a:endParaRPr lang="en-US" dirty="0" smtClean="0"/>
+          </a:p>
+          <a:p>
+            <a:pPr lvl="1"/>
+            <a:r>
+              <a:rPr lang="en-US" dirty="0" err="1" smtClean="0"/>
+              <a:t>Truy</a:t>
+            </a:r>
+            <a:r>
+              <a:rPr lang="en-US" dirty="0" smtClean="0"/>
+              <a:t> </a:t>
+            </a:r>
+            <a:r>
+              <a:rPr lang="en-US" dirty="0" err="1" smtClean="0"/>
+              <a:t>vấn</a:t>
+            </a:r>
+            <a:r>
+              <a:rPr lang="en-US" dirty="0" smtClean="0"/>
+              <a:t> </a:t>
+            </a:r>
+            <a:r>
+              <a:rPr lang="en-US" dirty="0" err="1" smtClean="0"/>
+              <a:t>doanh</a:t>
+            </a:r>
+            <a:r>
+              <a:rPr lang="en-US" dirty="0" smtClean="0"/>
+              <a:t> </a:t>
+            </a:r>
+            <a:r>
+              <a:rPr lang="en-US" dirty="0" err="1" smtClean="0"/>
+              <a:t>thu</a:t>
+            </a:r>
+            <a:r>
+              <a:rPr lang="en-US" dirty="0" smtClean="0"/>
+              <a:t> </a:t>
+            </a:r>
+            <a:r>
+              <a:rPr lang="en-US" dirty="0" err="1" smtClean="0"/>
+              <a:t>theo</a:t>
+            </a:r>
+            <a:r>
+              <a:rPr lang="en-US" dirty="0" smtClean="0"/>
+              <a:t> (</a:t>
+            </a:r>
+            <a:r>
+              <a:rPr lang="en-US" dirty="0" err="1" smtClean="0"/>
+              <a:t>nhiều</a:t>
+            </a:r>
+            <a:r>
+              <a:rPr lang="en-US" dirty="0" smtClean="0"/>
+              <a:t>) </a:t>
+            </a:r>
+            <a:r>
+              <a:rPr lang="en-US" dirty="0" err="1" smtClean="0"/>
+              <a:t>ngày</a:t>
+            </a:r>
+            <a:r>
+              <a:rPr lang="en-US" dirty="0" smtClean="0"/>
+              <a:t>, (</a:t>
+            </a:r>
+            <a:r>
+              <a:rPr lang="en-US" dirty="0" err="1" smtClean="0"/>
+              <a:t>nhiều</a:t>
+            </a:r>
+            <a:r>
+              <a:rPr lang="en-US" dirty="0" smtClean="0"/>
+              <a:t>) </a:t>
+            </a:r>
+            <a:r>
+              <a:rPr lang="en-US" dirty="0" err="1" smtClean="0"/>
+              <a:t>tháng</a:t>
             </a:r>
             <a:r>
               <a:rPr lang="en-US" dirty="0" smtClean="0"/>
@@ -7144,94 +10355,86 @@
             </a:r>
             <a:r>
               <a:rPr lang="en-US" dirty="0" err="1" smtClean="0"/>
-              <a:t>fullname</a:t>
-            </a:r>
-            <a:r>
-              <a:rPr lang="en-US" dirty="0" smtClean="0"/>
-              <a:t>, </a:t>
-            </a:r>
-            <a:r>
-              <a:rPr lang="en-US" dirty="0" err="1" smtClean="0"/>
-              <a:t>mssv</a:t>
-            </a:r>
-            <a:r>
-              <a:rPr lang="en-US" dirty="0" smtClean="0"/>
-              <a:t>, balance, password)</a:t>
-            </a:r>
-          </a:p>
-          <a:p>
-            <a:r>
-              <a:rPr lang="en-US" dirty="0" smtClean="0"/>
-              <a:t>Visitor(</a:t>
-            </a:r>
-            <a:r>
-              <a:rPr lang="en-US" dirty="0" err="1" smtClean="0"/>
-              <a:t>customerid</a:t>
-            </a:r>
-            <a:r>
-              <a:rPr lang="en-US" dirty="0" smtClean="0"/>
-              <a:t>, ticket)</a:t>
-            </a:r>
-          </a:p>
-          <a:p>
-            <a:r>
-              <a:rPr lang="en-US" dirty="0" smtClean="0"/>
-              <a:t>Customer(</a:t>
-            </a:r>
-            <a:r>
-              <a:rPr lang="en-US" dirty="0" err="1" smtClean="0"/>
-              <a:t>customerid</a:t>
-            </a:r>
-            <a:r>
-              <a:rPr lang="en-US" dirty="0" smtClean="0"/>
-              <a:t>, </a:t>
-            </a:r>
-            <a:r>
-              <a:rPr lang="en-US" dirty="0" err="1" smtClean="0"/>
-              <a:t>customertype</a:t>
-            </a:r>
-            <a:r>
-              <a:rPr lang="en-US" dirty="0" smtClean="0"/>
-              <a:t>)</a:t>
-            </a:r>
-          </a:p>
-          <a:p>
-            <a:r>
-              <a:rPr lang="en-US" dirty="0" smtClean="0"/>
-              <a:t>Vehicle(</a:t>
-            </a:r>
-            <a:r>
-              <a:rPr lang="en-US" dirty="0" err="1" smtClean="0"/>
-              <a:t>vehicleid</a:t>
-            </a:r>
-            <a:r>
-              <a:rPr lang="en-US" dirty="0" smtClean="0"/>
-              <a:t>, </a:t>
-            </a:r>
-            <a:r>
-              <a:rPr lang="en-US" dirty="0" err="1" smtClean="0"/>
-              <a:t>vehicletypeid</a:t>
-            </a:r>
-            <a:r>
-              <a:rPr lang="en-US" dirty="0" smtClean="0"/>
-              <a:t>, </a:t>
-            </a:r>
-            <a:r>
-              <a:rPr lang="en-US" dirty="0" err="1" smtClean="0"/>
-              <a:t>lisence_plate</a:t>
-            </a:r>
-            <a:r>
-              <a:rPr lang="en-US" dirty="0" smtClean="0"/>
-              <a:t>, color, </a:t>
-            </a:r>
-            <a:r>
-              <a:rPr lang="en-US" dirty="0" err="1" smtClean="0"/>
-              <a:t>customerid</a:t>
-            </a:r>
-            <a:r>
-              <a:rPr lang="en-US" dirty="0" smtClean="0"/>
-              <a:t>)</a:t>
-            </a:r>
+              <a:t>năm</a:t>
+            </a:r>
+            <a:r>
+              <a:rPr lang="en-US" dirty="0" smtClean="0"/>
+              <a:t> </a:t>
+            </a:r>
+            <a:r>
+              <a:rPr lang="en-US" dirty="0" err="1" smtClean="0"/>
+              <a:t>này</a:t>
+            </a:r>
+            <a:endParaRPr lang="en-US" dirty="0" smtClean="0"/>
+          </a:p>
+          <a:p>
+            <a:pPr lvl="1"/>
+            <a:r>
+              <a:rPr lang="en-US" dirty="0" err="1" smtClean="0"/>
+              <a:t>Truy</a:t>
+            </a:r>
+            <a:r>
+              <a:rPr lang="en-US" dirty="0" smtClean="0"/>
+              <a:t> </a:t>
+            </a:r>
+            <a:r>
+              <a:rPr lang="en-US" dirty="0" err="1" smtClean="0"/>
+              <a:t>vấn</a:t>
+            </a:r>
+            <a:r>
+              <a:rPr lang="en-US" dirty="0" smtClean="0"/>
+              <a:t> </a:t>
+            </a:r>
+            <a:r>
+              <a:rPr lang="en-US" dirty="0" err="1" smtClean="0"/>
+              <a:t>doanh</a:t>
+            </a:r>
+            <a:r>
+              <a:rPr lang="en-US" dirty="0" smtClean="0"/>
+              <a:t> </a:t>
+            </a:r>
+            <a:r>
+              <a:rPr lang="en-US" dirty="0" err="1" smtClean="0"/>
+              <a:t>thu</a:t>
+            </a:r>
+            <a:r>
+              <a:rPr lang="en-US" dirty="0" smtClean="0"/>
+              <a:t> </a:t>
+            </a:r>
+            <a:r>
+              <a:rPr lang="en-US" dirty="0" err="1" smtClean="0"/>
+              <a:t>theo</a:t>
+            </a:r>
+            <a:r>
+              <a:rPr lang="en-US" dirty="0" smtClean="0"/>
+              <a:t> </a:t>
+            </a:r>
+            <a:r>
+              <a:rPr lang="en-US" dirty="0" err="1" smtClean="0"/>
+              <a:t>bãi</a:t>
+            </a:r>
+            <a:r>
+              <a:rPr lang="en-US" dirty="0" smtClean="0"/>
+              <a:t> </a:t>
+            </a:r>
+            <a:r>
+              <a:rPr lang="en-US" dirty="0" err="1" smtClean="0"/>
+              <a:t>đỗ</a:t>
+            </a:r>
+            <a:r>
+              <a:rPr lang="en-US" dirty="0" smtClean="0"/>
+              <a:t> </a:t>
+            </a:r>
+          </a:p>
+          <a:p>
+            <a:endParaRPr lang="en-US" dirty="0" smtClean="0"/>
+          </a:p>
+          <a:p>
+            <a:endParaRPr lang="en-US" dirty="0" smtClean="0"/>
+          </a:p>
+          <a:p>
+            <a:pPr lvl="1"/>
+            <a:endParaRPr lang="en-US" dirty="0" smtClean="0"/>
           </a:p>
           <a:p>
             <a:endParaRPr lang="en-GB" dirty="0"/>
@@ -7241,13 +10444,20 @@
     </p:spTree>
     <p:extLst>
       <p:ext uri="{BB962C8B-B14F-4D97-AF65-F5344CB8AC3E}">
-        <p14:creationId xmlns:p14="http://schemas.microsoft.com/office/powerpoint/2010/main" val="2951914285"/>
+        <p14:creationId xmlns:p14="http://schemas.microsoft.com/office/powerpoint/2010/main" val="1487794100"/>
       </p:ext>
     </p:extLst>
   </p:cSld>
   <p:clrMapOvr>
     <a:masterClrMapping/>
   </p:clrMapOvr>
+  <p:timing>
+    <p:tnLst>
+      <p:par>
+        <p:cTn id="1" dur="indefinite" restart="never" nodeType="tmRoot"/>
+      </p:par>
+    </p:tnLst>
+  </p:timing>
 </p:sld>
 </file>
 

--- a/readme/slide.pptx
+++ b/readme/slide.pptx
@@ -21,20 +21,22 @@
     <p:sldId id="260" r:id="rId15"/>
     <p:sldId id="268" r:id="rId16"/>
     <p:sldId id="281" r:id="rId17"/>
-    <p:sldId id="282" r:id="rId18"/>
-    <p:sldId id="283" r:id="rId19"/>
-    <p:sldId id="284" r:id="rId20"/>
-    <p:sldId id="285" r:id="rId21"/>
-    <p:sldId id="261" r:id="rId22"/>
-    <p:sldId id="262" r:id="rId23"/>
-    <p:sldId id="263" r:id="rId24"/>
-    <p:sldId id="264" r:id="rId25"/>
-    <p:sldId id="265" r:id="rId26"/>
-    <p:sldId id="266" r:id="rId27"/>
-    <p:sldId id="269" r:id="rId28"/>
-    <p:sldId id="270" r:id="rId29"/>
-    <p:sldId id="271" r:id="rId30"/>
-    <p:sldId id="267" r:id="rId31"/>
+    <p:sldId id="288" r:id="rId18"/>
+    <p:sldId id="289" r:id="rId19"/>
+    <p:sldId id="282" r:id="rId20"/>
+    <p:sldId id="283" r:id="rId21"/>
+    <p:sldId id="284" r:id="rId22"/>
+    <p:sldId id="285" r:id="rId23"/>
+    <p:sldId id="261" r:id="rId24"/>
+    <p:sldId id="262" r:id="rId25"/>
+    <p:sldId id="263" r:id="rId26"/>
+    <p:sldId id="264" r:id="rId27"/>
+    <p:sldId id="265" r:id="rId28"/>
+    <p:sldId id="266" r:id="rId29"/>
+    <p:sldId id="269" r:id="rId30"/>
+    <p:sldId id="270" r:id="rId31"/>
+    <p:sldId id="271" r:id="rId32"/>
+    <p:sldId id="267" r:id="rId33"/>
   </p:sldIdLst>
   <p:sldSz cx="9144000" cy="6858000" type="screen4x3"/>
   <p:notesSz cx="6858000" cy="9144000"/>
@@ -158,6 +160,8 @@
             <p14:sldId id="260"/>
             <p14:sldId id="268"/>
             <p14:sldId id="281"/>
+            <p14:sldId id="288"/>
+            <p14:sldId id="289"/>
             <p14:sldId id="282"/>
             <p14:sldId id="283"/>
             <p14:sldId id="284"/>
@@ -177,7 +181,7 @@
       </p14:sectionLst>
     </p:ext>
     <p:ext uri="{EFAFB233-063F-42B5-8137-9DF3F51BA10A}">
-      <p15:sldGuideLst xmlns:p15="http://schemas.microsoft.com/office/powerpoint/2012/main" xmlns="">
+      <p15:sldGuideLst xmlns="" xmlns:p15="http://schemas.microsoft.com/office/powerpoint/2012/main">
         <p15:guide id="1" orient="horz" pos="2160">
           <p15:clr>
             <a:srgbClr val="A4A3A4"/>
@@ -375,7 +379,7 @@
           <a:p>
             <a:fld id="{A86886E7-A28E-4712-85AA-30A0EBC2E48A}" type="datetimeFigureOut">
               <a:rPr lang="en-GB" smtClean="0"/>
-              <a:t>10/06/2024</a:t>
+              <a:t>17/06/2024</a:t>
             </a:fld>
             <a:endParaRPr lang="en-GB"/>
           </a:p>
@@ -545,7 +549,7 @@
           <a:p>
             <a:fld id="{A86886E7-A28E-4712-85AA-30A0EBC2E48A}" type="datetimeFigureOut">
               <a:rPr lang="en-GB" smtClean="0"/>
-              <a:t>10/06/2024</a:t>
+              <a:t>17/06/2024</a:t>
             </a:fld>
             <a:endParaRPr lang="en-GB"/>
           </a:p>
@@ -725,7 +729,7 @@
           <a:p>
             <a:fld id="{A86886E7-A28E-4712-85AA-30A0EBC2E48A}" type="datetimeFigureOut">
               <a:rPr lang="en-GB" smtClean="0"/>
-              <a:t>10/06/2024</a:t>
+              <a:t>17/06/2024</a:t>
             </a:fld>
             <a:endParaRPr lang="en-GB"/>
           </a:p>
@@ -895,7 +899,7 @@
           <a:p>
             <a:fld id="{A86886E7-A28E-4712-85AA-30A0EBC2E48A}" type="datetimeFigureOut">
               <a:rPr lang="en-GB" smtClean="0"/>
-              <a:t>10/06/2024</a:t>
+              <a:t>17/06/2024</a:t>
             </a:fld>
             <a:endParaRPr lang="en-GB"/>
           </a:p>
@@ -1141,7 +1145,7 @@
           <a:p>
             <a:fld id="{A86886E7-A28E-4712-85AA-30A0EBC2E48A}" type="datetimeFigureOut">
               <a:rPr lang="en-GB" smtClean="0"/>
-              <a:t>10/06/2024</a:t>
+              <a:t>17/06/2024</a:t>
             </a:fld>
             <a:endParaRPr lang="en-GB"/>
           </a:p>
@@ -1429,7 +1433,7 @@
           <a:p>
             <a:fld id="{A86886E7-A28E-4712-85AA-30A0EBC2E48A}" type="datetimeFigureOut">
               <a:rPr lang="en-GB" smtClean="0"/>
-              <a:t>10/06/2024</a:t>
+              <a:t>17/06/2024</a:t>
             </a:fld>
             <a:endParaRPr lang="en-GB"/>
           </a:p>
@@ -1851,7 +1855,7 @@
           <a:p>
             <a:fld id="{A86886E7-A28E-4712-85AA-30A0EBC2E48A}" type="datetimeFigureOut">
               <a:rPr lang="en-GB" smtClean="0"/>
-              <a:t>10/06/2024</a:t>
+              <a:t>17/06/2024</a:t>
             </a:fld>
             <a:endParaRPr lang="en-GB"/>
           </a:p>
@@ -1969,7 +1973,7 @@
           <a:p>
             <a:fld id="{A86886E7-A28E-4712-85AA-30A0EBC2E48A}" type="datetimeFigureOut">
               <a:rPr lang="en-GB" smtClean="0"/>
-              <a:t>10/06/2024</a:t>
+              <a:t>17/06/2024</a:t>
             </a:fld>
             <a:endParaRPr lang="en-GB"/>
           </a:p>
@@ -2064,7 +2068,7 @@
           <a:p>
             <a:fld id="{A86886E7-A28E-4712-85AA-30A0EBC2E48A}" type="datetimeFigureOut">
               <a:rPr lang="en-GB" smtClean="0"/>
-              <a:t>10/06/2024</a:t>
+              <a:t>17/06/2024</a:t>
             </a:fld>
             <a:endParaRPr lang="en-GB"/>
           </a:p>
@@ -2341,7 +2345,7 @@
           <a:p>
             <a:fld id="{A86886E7-A28E-4712-85AA-30A0EBC2E48A}" type="datetimeFigureOut">
               <a:rPr lang="en-GB" smtClean="0"/>
-              <a:t>10/06/2024</a:t>
+              <a:t>17/06/2024</a:t>
             </a:fld>
             <a:endParaRPr lang="en-GB"/>
           </a:p>
@@ -2594,7 +2598,7 @@
           <a:p>
             <a:fld id="{A86886E7-A28E-4712-85AA-30A0EBC2E48A}" type="datetimeFigureOut">
               <a:rPr lang="en-GB" smtClean="0"/>
-              <a:t>10/06/2024</a:t>
+              <a:t>17/06/2024</a:t>
             </a:fld>
             <a:endParaRPr lang="en-GB"/>
           </a:p>
@@ -2807,7 +2811,7 @@
           <a:p>
             <a:fld id="{A86886E7-A28E-4712-85AA-30A0EBC2E48A}" type="datetimeFigureOut">
               <a:rPr lang="en-GB" smtClean="0"/>
-              <a:t>10/06/2024</a:t>
+              <a:t>17/06/2024</a:t>
             </a:fld>
             <a:endParaRPr lang="en-GB"/>
           </a:p>
@@ -4076,7 +4080,7 @@
         </p:blipFill>
         <p:spPr bwMode="auto">
           <a:xfrm>
-            <a:off x="-34259" y="152400"/>
+            <a:off x="-34212" y="152400"/>
             <a:ext cx="9296400" cy="6477000"/>
           </a:xfrm>
           <a:prstGeom prst="rect">
@@ -4247,7 +4251,7 @@
           <a:bodyPr/>
           <a:lstStyle/>
           <a:p>
-            <a:endParaRPr lang="en-GB"/>
+            <a:endParaRPr lang="en-GB" dirty="0"/>
           </a:p>
         </p:txBody>
       </p:sp>
@@ -4311,6 +4315,47 @@
           </a:extLst>
         </p:spPr>
       </p:pic>
+      <p:pic>
+        <p:nvPicPr>
+          <p:cNvPr id="4" name="Picture 2" descr="https://documents.lucid.app/documents/f0bb969f-841d-4afe-9068-ca303cce86fe/pages/0_0?a=698&amp;x=226&amp;y=106&amp;w=1168&amp;h=735&amp;store=1&amp;accept=image%2F*&amp;auth=LCA%20bdaa32b9c41e8a369b35d2e8f2f0094fdfbd2e1b090e201e8cea76c4cc5b855b-ts%3D1718612375"/>
+          <p:cNvPicPr>
+            <a:picLocks noChangeAspect="1" noChangeArrowheads="1"/>
+          </p:cNvPicPr>
+          <p:nvPr/>
+        </p:nvPicPr>
+        <p:blipFill>
+          <a:blip r:embed="rId3">
+            <a:extLst>
+              <a:ext uri="{28A0092B-C50C-407E-A947-70E740481C1C}">
+                <a14:useLocalDpi xmlns:a14="http://schemas.microsoft.com/office/drawing/2010/main" val="0"/>
+              </a:ext>
+            </a:extLst>
+          </a:blip>
+          <a:srcRect/>
+          <a:stretch>
+            <a:fillRect/>
+          </a:stretch>
+        </p:blipFill>
+        <p:spPr bwMode="auto">
+          <a:xfrm>
+            <a:off x="381000" y="665973"/>
+            <a:ext cx="8343900" cy="5248275"/>
+          </a:xfrm>
+          <a:prstGeom prst="rect">
+            <a:avLst/>
+          </a:prstGeom>
+          <a:noFill/>
+          <a:extLst>
+            <a:ext uri="{909E8E84-426E-40DD-AFC4-6F175D3DCCD1}">
+              <a14:hiddenFill xmlns:a14="http://schemas.microsoft.com/office/drawing/2010/main">
+                <a:solidFill>
+                  <a:srgbClr val="FFFFFF"/>
+                </a:solidFill>
+              </a14:hiddenFill>
+            </a:ext>
+          </a:extLst>
+        </p:spPr>
+      </p:pic>
     </p:spTree>
     <p:extLst>
       <p:ext uri="{BB962C8B-B14F-4D97-AF65-F5344CB8AC3E}">
@@ -4321,6 +4366,13 @@
   <p:clrMapOvr>
     <a:masterClrMapping/>
   </p:clrMapOvr>
+  <p:timing>
+    <p:tnLst>
+      <p:par>
+        <p:cTn id="1" dur="indefinite" restart="never" nodeType="tmRoot"/>
+      </p:par>
+    </p:tnLst>
+  </p:timing>
 </p:sld>
 </file>
 
@@ -5136,32 +5188,41 @@
           <a:bodyPr/>
           <a:lstStyle/>
           <a:p>
+            <a:r>
+              <a:rPr lang="en-US" dirty="0" err="1"/>
+              <a:t>Quản</a:t>
+            </a:r>
+            <a:r>
+              <a:rPr lang="en-US" dirty="0"/>
+              <a:t> </a:t>
+            </a:r>
+            <a:r>
+              <a:rPr lang="en-US" dirty="0" err="1"/>
+              <a:t>lý</a:t>
+            </a:r>
+            <a:r>
+              <a:rPr lang="en-US" dirty="0"/>
+              <a:t> </a:t>
+            </a:r>
+            <a:r>
+              <a:rPr lang="en-US" dirty="0" err="1"/>
+              <a:t>khách</a:t>
+            </a:r>
+            <a:r>
+              <a:rPr lang="en-US" dirty="0"/>
+              <a:t> </a:t>
+            </a:r>
+            <a:r>
+              <a:rPr lang="en-US" dirty="0" err="1"/>
+              <a:t>hàng</a:t>
+            </a:r>
             <a:endParaRPr lang="en-GB" dirty="0"/>
-          </a:p>
-        </p:txBody>
-      </p:sp>
-      <p:sp>
-        <p:nvSpPr>
-          <p:cNvPr id="3" name="Content Placeholder 2"/>
-          <p:cNvSpPr>
-            <a:spLocks noGrp="1"/>
-          </p:cNvSpPr>
-          <p:nvPr>
-            <p:ph idx="1"/>
-          </p:nvPr>
-        </p:nvSpPr>
-        <p:spPr/>
-        <p:txBody>
-          <a:bodyPr/>
-          <a:lstStyle/>
-          <a:p>
-            <a:endParaRPr lang="en-GB"/>
           </a:p>
         </p:txBody>
       </p:sp>
       <p:pic>
         <p:nvPicPr>
-          <p:cNvPr id="4099" name="Picture 3"/>
+          <p:cNvPr id="3074" name="Picture 2"/>
           <p:cNvPicPr>
             <a:picLocks noChangeAspect="1" noChangeArrowheads="1"/>
           </p:cNvPicPr>
@@ -5182,8 +5243,8 @@
         </p:blipFill>
         <p:spPr bwMode="auto">
           <a:xfrm>
-            <a:off x="642938" y="1228725"/>
-            <a:ext cx="7856537" cy="4405313"/>
+            <a:off x="483637" y="1524000"/>
+            <a:ext cx="8139711" cy="4343400"/>
           </a:xfrm>
           <a:prstGeom prst="rect">
             <a:avLst/>
@@ -5262,12 +5323,143 @@
       </p:grpSpPr>
       <p:sp>
         <p:nvSpPr>
-          <p:cNvPr id="3" name="Content Placeholder 2"/>
-          <p:cNvSpPr>
-            <a:spLocks noGrp="1"/>
-          </p:cNvSpPr>
-          <p:nvPr>
-            <p:ph idx="1"/>
+          <p:cNvPr id="4" name="Rectangle 3"/>
+          <p:cNvSpPr/>
+          <p:nvPr/>
+        </p:nvSpPr>
+        <p:spPr>
+          <a:xfrm>
+            <a:off x="3557138" y="3244334"/>
+            <a:ext cx="2029723" cy="369332"/>
+          </a:xfrm>
+          <a:prstGeom prst="rect">
+            <a:avLst/>
+          </a:prstGeom>
+        </p:spPr>
+        <p:txBody>
+          <a:bodyPr wrap="none">
+            <a:spAutoFit/>
+          </a:bodyPr>
+          <a:lstStyle/>
+          <a:p>
+            <a:r>
+              <a:rPr lang="en-US" dirty="0" err="1"/>
+              <a:t>Quản</a:t>
+            </a:r>
+            <a:r>
+              <a:rPr lang="en-US" dirty="0"/>
+              <a:t> </a:t>
+            </a:r>
+            <a:r>
+              <a:rPr lang="en-US" dirty="0" err="1"/>
+              <a:t>lý</a:t>
+            </a:r>
+            <a:r>
+              <a:rPr lang="en-US" dirty="0"/>
+              <a:t> </a:t>
+            </a:r>
+            <a:r>
+              <a:rPr lang="en-US" dirty="0" err="1"/>
+              <a:t>khách</a:t>
+            </a:r>
+            <a:r>
+              <a:rPr lang="en-US" dirty="0"/>
+              <a:t> </a:t>
+            </a:r>
+            <a:r>
+              <a:rPr lang="en-US" dirty="0" err="1"/>
+              <a:t>hàng</a:t>
+            </a:r>
+            <a:endParaRPr lang="en-GB" dirty="0"/>
+          </a:p>
+        </p:txBody>
+      </p:sp>
+      <p:pic>
+        <p:nvPicPr>
+          <p:cNvPr id="5" name="Picture 2" descr="C:\Users\PV\OneDrive\Tài liệu\ShareX\Screenshots\2024-06\Code_ARNOJgTGRH.gif"/>
+          <p:cNvPicPr>
+            <a:picLocks noChangeAspect="1" noChangeArrowheads="1" noCrop="1"/>
+          </p:cNvPicPr>
+          <p:nvPr/>
+        </p:nvPicPr>
+        <p:blipFill>
+          <a:blip r:embed="rId2">
+            <a:extLst>
+              <a:ext uri="{28A0092B-C50C-407E-A947-70E740481C1C}">
+                <a14:useLocalDpi xmlns:a14="http://schemas.microsoft.com/office/drawing/2010/main" val="0"/>
+              </a:ext>
+            </a:extLst>
+          </a:blip>
+          <a:srcRect/>
+          <a:stretch>
+            <a:fillRect/>
+          </a:stretch>
+        </p:blipFill>
+        <p:spPr bwMode="auto">
+          <a:xfrm>
+            <a:off x="2147888" y="2247900"/>
+            <a:ext cx="4848225" cy="2362200"/>
+          </a:xfrm>
+          <a:prstGeom prst="rect">
+            <a:avLst/>
+          </a:prstGeom>
+          <a:noFill/>
+          <a:extLst>
+            <a:ext uri="{909E8E84-426E-40DD-AFC4-6F175D3DCCD1}">
+              <a14:hiddenFill xmlns:a14="http://schemas.microsoft.com/office/drawing/2010/main">
+                <a:solidFill>
+                  <a:srgbClr val="FFFFFF"/>
+                </a:solidFill>
+              </a14:hiddenFill>
+            </a:ext>
+          </a:extLst>
+        </p:spPr>
+      </p:pic>
+    </p:spTree>
+    <p:extLst>
+      <p:ext uri="{BB962C8B-B14F-4D97-AF65-F5344CB8AC3E}">
+        <p14:creationId xmlns:p14="http://schemas.microsoft.com/office/powerpoint/2010/main" val="255667261"/>
+      </p:ext>
+    </p:extLst>
+  </p:cSld>
+  <p:clrMapOvr>
+    <a:masterClrMapping/>
+  </p:clrMapOvr>
+  <p:timing>
+    <p:tnLst>
+      <p:par>
+        <p:cTn id="1" dur="indefinite" restart="never" nodeType="tmRoot"/>
+      </p:par>
+    </p:tnLst>
+  </p:timing>
+</p:sld>
+</file>
+
+<file path=ppt/slides/slide18.xml><?xml version="1.0" encoding="utf-8"?>
+<p:sld xmlns:a="http://schemas.openxmlformats.org/drawingml/2006/main" xmlns:r="http://schemas.openxmlformats.org/officeDocument/2006/relationships" xmlns:p="http://schemas.openxmlformats.org/presentationml/2006/main">
+  <p:cSld>
+    <p:spTree>
+      <p:nvGrpSpPr>
+        <p:cNvPr id="1" name=""/>
+        <p:cNvGrpSpPr/>
+        <p:nvPr/>
+      </p:nvGrpSpPr>
+      <p:grpSpPr>
+        <a:xfrm>
+          <a:off x="0" y="0"/>
+          <a:ext cx="0" cy="0"/>
+          <a:chOff x="0" y="0"/>
+          <a:chExt cx="0" cy="0"/>
+        </a:xfrm>
+      </p:grpSpPr>
+      <p:sp>
+        <p:nvSpPr>
+          <p:cNvPr id="2" name="Title 1"/>
+          <p:cNvSpPr>
+            <a:spLocks noGrp="1"/>
+          </p:cNvSpPr>
+          <p:nvPr>
+            <p:ph type="title"/>
           </p:nvPr>
         </p:nvSpPr>
         <p:spPr/>
@@ -5275,13 +5467,41 @@
           <a:bodyPr/>
           <a:lstStyle/>
           <a:p>
-            <a:endParaRPr lang="en-GB"/>
+            <a:r>
+              <a:rPr lang="en-US" dirty="0" err="1"/>
+              <a:t>Quản</a:t>
+            </a:r>
+            <a:r>
+              <a:rPr lang="en-US" dirty="0"/>
+              <a:t> </a:t>
+            </a:r>
+            <a:r>
+              <a:rPr lang="en-US" dirty="0" err="1"/>
+              <a:t>lý</a:t>
+            </a:r>
+            <a:r>
+              <a:rPr lang="en-US" dirty="0"/>
+              <a:t> </a:t>
+            </a:r>
+            <a:r>
+              <a:rPr lang="en-US" dirty="0" err="1"/>
+              <a:t>khách</a:t>
+            </a:r>
+            <a:r>
+              <a:rPr lang="en-US" dirty="0"/>
+              <a:t> </a:t>
+            </a:r>
+            <a:r>
+              <a:rPr lang="en-US" dirty="0" err="1"/>
+              <a:t>hàng</a:t>
+            </a:r>
+            <a:endParaRPr lang="en-GB" dirty="0"/>
           </a:p>
         </p:txBody>
       </p:sp>
       <p:pic>
         <p:nvPicPr>
-          <p:cNvPr id="5122" name="Picture 2"/>
+          <p:cNvPr id="3074" name="Picture 2"/>
           <p:cNvPicPr>
             <a:picLocks noChangeAspect="1" noChangeArrowheads="1"/>
           </p:cNvPicPr>
@@ -5302,8 +5522,169 @@
         </p:blipFill>
         <p:spPr bwMode="auto">
           <a:xfrm>
-            <a:off x="792163" y="1187450"/>
-            <a:ext cx="7559675" cy="4487863"/>
+            <a:off x="483637" y="1524000"/>
+            <a:ext cx="8139711" cy="4343400"/>
+          </a:xfrm>
+          <a:prstGeom prst="rect">
+            <a:avLst/>
+          </a:prstGeom>
+          <a:noFill/>
+          <a:ln>
+            <a:noFill/>
+          </a:ln>
+          <a:effectLst/>
+          <a:extLst>
+            <a:ext uri="{909E8E84-426E-40DD-AFC4-6F175D3DCCD1}">
+              <a14:hiddenFill xmlns:a14="http://schemas.microsoft.com/office/drawing/2010/main">
+                <a:solidFill>
+                  <a:schemeClr val="accent1"/>
+                </a:solidFill>
+              </a14:hiddenFill>
+            </a:ext>
+            <a:ext uri="{91240B29-F687-4F45-9708-019B960494DF}">
+              <a14:hiddenLine xmlns:a14="http://schemas.microsoft.com/office/drawing/2010/main" w="9525">
+                <a:solidFill>
+                  <a:schemeClr val="tx1"/>
+                </a:solidFill>
+                <a:miter lim="800000"/>
+                <a:headEnd/>
+                <a:tailEnd/>
+              </a14:hiddenLine>
+            </a:ext>
+            <a:ext uri="{AF507438-7753-43E0-B8FC-AC1667EBCBE1}">
+              <a14:hiddenEffects xmlns:a14="http://schemas.microsoft.com/office/drawing/2010/main">
+                <a:effectLst>
+                  <a:outerShdw dist="35921" dir="2700000" algn="ctr" rotWithShape="0">
+                    <a:schemeClr val="bg2"/>
+                  </a:outerShdw>
+                </a:effectLst>
+              </a14:hiddenEffects>
+            </a:ext>
+          </a:extLst>
+        </p:spPr>
+      </p:pic>
+    </p:spTree>
+    <p:extLst>
+      <p:ext uri="{BB962C8B-B14F-4D97-AF65-F5344CB8AC3E}">
+        <p14:creationId xmlns:p14="http://schemas.microsoft.com/office/powerpoint/2010/main" val="3116321430"/>
+      </p:ext>
+    </p:extLst>
+  </p:cSld>
+  <p:clrMapOvr>
+    <a:masterClrMapping/>
+  </p:clrMapOvr>
+  <p:timing>
+    <p:tnLst>
+      <p:par>
+        <p:cTn id="1" dur="indefinite" restart="never" nodeType="tmRoot"/>
+      </p:par>
+    </p:tnLst>
+  </p:timing>
+</p:sld>
+</file>
+
+<file path=ppt/slides/slide19.xml><?xml version="1.0" encoding="utf-8"?>
+<p:sld xmlns:a="http://schemas.openxmlformats.org/drawingml/2006/main" xmlns:r="http://schemas.openxmlformats.org/officeDocument/2006/relationships" xmlns:p="http://schemas.openxmlformats.org/presentationml/2006/main">
+  <p:cSld>
+    <p:spTree>
+      <p:nvGrpSpPr>
+        <p:cNvPr id="1" name=""/>
+        <p:cNvGrpSpPr/>
+        <p:nvPr/>
+      </p:nvGrpSpPr>
+      <p:grpSpPr>
+        <a:xfrm>
+          <a:off x="0" y="0"/>
+          <a:ext cx="0" cy="0"/>
+          <a:chOff x="0" y="0"/>
+          <a:chExt cx="0" cy="0"/>
+        </a:xfrm>
+      </p:grpSpPr>
+      <p:sp>
+        <p:nvSpPr>
+          <p:cNvPr id="5" name="Title 1"/>
+          <p:cNvSpPr>
+            <a:spLocks noGrp="1"/>
+          </p:cNvSpPr>
+          <p:nvPr>
+            <p:ph type="title"/>
+          </p:nvPr>
+        </p:nvSpPr>
+        <p:spPr>
+          <a:xfrm>
+            <a:off x="457200" y="274638"/>
+            <a:ext cx="8229600" cy="1143000"/>
+          </a:xfrm>
+        </p:spPr>
+        <p:txBody>
+          <a:bodyPr/>
+          <a:lstStyle/>
+          <a:p>
+            <a:r>
+              <a:rPr lang="en-US" dirty="0" err="1"/>
+              <a:t>Quản</a:t>
+            </a:r>
+            <a:r>
+              <a:rPr lang="en-US" dirty="0"/>
+              <a:t> </a:t>
+            </a:r>
+            <a:r>
+              <a:rPr lang="en-US" dirty="0" err="1"/>
+              <a:t>lý</a:t>
+            </a:r>
+            <a:r>
+              <a:rPr lang="en-US" dirty="0"/>
+              <a:t> </a:t>
+            </a:r>
+            <a:r>
+              <a:rPr lang="en-US" dirty="0" err="1" smtClean="0"/>
+              <a:t>bãi</a:t>
+            </a:r>
+            <a:r>
+              <a:rPr lang="en-US" dirty="0" smtClean="0"/>
+              <a:t> </a:t>
+            </a:r>
+            <a:r>
+              <a:rPr lang="en-US" dirty="0" err="1" smtClean="0"/>
+              <a:t>đỗ</a:t>
+            </a:r>
+            <a:r>
+              <a:rPr lang="en-US" dirty="0" smtClean="0"/>
+              <a:t> </a:t>
+            </a:r>
+            <a:r>
+              <a:rPr lang="en-US" dirty="0" err="1" smtClean="0"/>
+              <a:t>xe</a:t>
+            </a:r>
+            <a:endParaRPr lang="en-GB" dirty="0"/>
+          </a:p>
+        </p:txBody>
+      </p:sp>
+      <p:pic>
+        <p:nvPicPr>
+          <p:cNvPr id="4099" name="Picture 3"/>
+          <p:cNvPicPr>
+            <a:picLocks noChangeAspect="1" noChangeArrowheads="1"/>
+          </p:cNvPicPr>
+          <p:nvPr/>
+        </p:nvPicPr>
+        <p:blipFill>
+          <a:blip r:embed="rId2">
+            <a:extLst>
+              <a:ext uri="{28A0092B-C50C-407E-A947-70E740481C1C}">
+                <a14:useLocalDpi xmlns:a14="http://schemas.microsoft.com/office/drawing/2010/main" val="0"/>
+              </a:ext>
+            </a:extLst>
+          </a:blip>
+          <a:srcRect/>
+          <a:stretch>
+            <a:fillRect/>
+          </a:stretch>
+        </p:blipFill>
+        <p:spPr bwMode="auto">
+          <a:xfrm>
+            <a:off x="1066800" y="1589314"/>
+            <a:ext cx="6624637" cy="4414001"/>
           </a:xfrm>
           <a:prstGeom prst="rect">
             <a:avLst/>
@@ -5363,7 +5744,169 @@
 </p:sld>
 </file>
 
-<file path=ppt/slides/slide18.xml><?xml version="1.0" encoding="utf-8"?>
+<file path=ppt/slides/slide2.xml><?xml version="1.0" encoding="utf-8"?>
+<p:sld xmlns:a="http://schemas.openxmlformats.org/drawingml/2006/main" xmlns:r="http://schemas.openxmlformats.org/officeDocument/2006/relationships" xmlns:p="http://schemas.openxmlformats.org/presentationml/2006/main">
+  <p:cSld>
+    <p:spTree>
+      <p:nvGrpSpPr>
+        <p:cNvPr id="1" name=""/>
+        <p:cNvGrpSpPr/>
+        <p:nvPr/>
+      </p:nvGrpSpPr>
+      <p:grpSpPr>
+        <a:xfrm>
+          <a:off x="0" y="0"/>
+          <a:ext cx="0" cy="0"/>
+          <a:chOff x="0" y="0"/>
+          <a:chExt cx="0" cy="0"/>
+        </a:xfrm>
+      </p:grpSpPr>
+      <p:sp>
+        <p:nvSpPr>
+          <p:cNvPr id="2" name="Title 1"/>
+          <p:cNvSpPr>
+            <a:spLocks noGrp="1"/>
+          </p:cNvSpPr>
+          <p:nvPr>
+            <p:ph type="title"/>
+          </p:nvPr>
+        </p:nvSpPr>
+        <p:spPr/>
+        <p:txBody>
+          <a:bodyPr/>
+          <a:lstStyle/>
+          <a:p>
+            <a:r>
+              <a:rPr lang="en-US" dirty="0" err="1" smtClean="0"/>
+              <a:t>Thành</a:t>
+            </a:r>
+            <a:r>
+              <a:rPr lang="en-US" dirty="0" smtClean="0"/>
+              <a:t> </a:t>
+            </a:r>
+            <a:r>
+              <a:rPr lang="en-US" dirty="0" err="1" smtClean="0"/>
+              <a:t>viên</a:t>
+            </a:r>
+            <a:endParaRPr lang="en-GB" dirty="0"/>
+          </a:p>
+        </p:txBody>
+      </p:sp>
+      <p:sp>
+        <p:nvSpPr>
+          <p:cNvPr id="3" name="Content Placeholder 2"/>
+          <p:cNvSpPr>
+            <a:spLocks noGrp="1"/>
+          </p:cNvSpPr>
+          <p:nvPr>
+            <p:ph idx="1"/>
+          </p:nvPr>
+        </p:nvSpPr>
+        <p:spPr/>
+        <p:txBody>
+          <a:bodyPr/>
+          <a:lstStyle/>
+          <a:p>
+            <a:r>
+              <a:rPr lang="en-US" dirty="0" err="1" smtClean="0"/>
+              <a:t>Nguyễn</a:t>
+            </a:r>
+            <a:r>
+              <a:rPr lang="en-US" dirty="0" smtClean="0"/>
+              <a:t> </a:t>
+            </a:r>
+            <a:r>
+              <a:rPr lang="en-US" dirty="0" err="1" smtClean="0"/>
+              <a:t>Đức</a:t>
+            </a:r>
+            <a:r>
+              <a:rPr lang="en-US" dirty="0" smtClean="0"/>
+              <a:t> </a:t>
+            </a:r>
+            <a:r>
+              <a:rPr lang="en-US" dirty="0" err="1" smtClean="0"/>
+              <a:t>Mạnh</a:t>
+            </a:r>
+            <a:endParaRPr lang="en-US" dirty="0" smtClean="0"/>
+          </a:p>
+          <a:p>
+            <a:r>
+              <a:rPr lang="en-US" dirty="0" err="1" smtClean="0"/>
+              <a:t>Lê</a:t>
+            </a:r>
+            <a:r>
+              <a:rPr lang="en-US" dirty="0" smtClean="0"/>
+              <a:t> </a:t>
+            </a:r>
+            <a:r>
+              <a:rPr lang="en-US" dirty="0" err="1" smtClean="0"/>
+              <a:t>Hồ</a:t>
+            </a:r>
+            <a:r>
+              <a:rPr lang="en-US" dirty="0" smtClean="0"/>
+              <a:t> </a:t>
+            </a:r>
+            <a:r>
+              <a:rPr lang="en-US" dirty="0" err="1" smtClean="0"/>
+              <a:t>Quang</a:t>
+            </a:r>
+            <a:r>
+              <a:rPr lang="en-US" dirty="0" smtClean="0"/>
+              <a:t> </a:t>
+            </a:r>
+            <a:r>
+              <a:rPr lang="en-US" dirty="0" err="1" smtClean="0"/>
+              <a:t>Huy</a:t>
+            </a:r>
+            <a:r>
+              <a:rPr lang="en-US" dirty="0" smtClean="0"/>
+              <a:t> </a:t>
+            </a:r>
+          </a:p>
+          <a:p>
+            <a:r>
+              <a:rPr lang="en-US" dirty="0" err="1" smtClean="0"/>
+              <a:t>Nguyễn</a:t>
+            </a:r>
+            <a:r>
+              <a:rPr lang="en-US" dirty="0" smtClean="0"/>
+              <a:t> </a:t>
+            </a:r>
+            <a:r>
+              <a:rPr lang="en-US" dirty="0" err="1" smtClean="0"/>
+              <a:t>Hoài</a:t>
+            </a:r>
+            <a:r>
+              <a:rPr lang="en-US" dirty="0" smtClean="0"/>
+              <a:t> Nam</a:t>
+            </a:r>
+          </a:p>
+          <a:p>
+            <a:endParaRPr lang="en-GB" dirty="0"/>
+          </a:p>
+        </p:txBody>
+      </p:sp>
+    </p:spTree>
+    <p:extLst>
+      <p:ext uri="{BB962C8B-B14F-4D97-AF65-F5344CB8AC3E}">
+        <p14:creationId xmlns:p14="http://schemas.microsoft.com/office/powerpoint/2010/main" val="3796690516"/>
+      </p:ext>
+    </p:extLst>
+  </p:cSld>
+  <p:clrMapOvr>
+    <a:masterClrMapping/>
+  </p:clrMapOvr>
+  <p:timing>
+    <p:tnLst>
+      <p:par>
+        <p:cTn id="1" dur="indefinite" restart="never" nodeType="tmRoot"/>
+      </p:par>
+    </p:tnLst>
+  </p:timing>
+</p:sld>
+</file>
+
+<file path=ppt/slides/slide20.xml><?xml version="1.0" encoding="utf-8"?>
 <p:sld xmlns:a="http://schemas.openxmlformats.org/drawingml/2006/main" xmlns:r="http://schemas.openxmlformats.org/officeDocument/2006/relationships" xmlns:p="http://schemas.openxmlformats.org/presentationml/2006/main">
   <p:cSld>
     <p:spTree>
@@ -5403,7 +5946,7 @@
         </p:blipFill>
         <p:spPr bwMode="auto">
           <a:xfrm>
-            <a:off x="1600200" y="1905000"/>
+            <a:off x="1600199" y="2209800"/>
             <a:ext cx="5875337" cy="2568575"/>
           </a:xfrm>
           <a:prstGeom prst="rect">
@@ -5518,7 +6061,7 @@
 </p:sld>
 </file>
 
-<file path=ppt/slides/slide19.xml><?xml version="1.0" encoding="utf-8"?>
+<file path=ppt/slides/slide21.xml><?xml version="1.0" encoding="utf-8"?>
 <p:sld xmlns:a="http://schemas.openxmlformats.org/drawingml/2006/main" xmlns:r="http://schemas.openxmlformats.org/officeDocument/2006/relationships" xmlns:p="http://schemas.openxmlformats.org/presentationml/2006/main">
   <p:cSld>
     <p:spTree>
@@ -5558,7 +6101,7 @@
         </p:blipFill>
         <p:spPr bwMode="auto">
           <a:xfrm>
-            <a:off x="2895600" y="1981200"/>
+            <a:off x="2971800" y="1998614"/>
             <a:ext cx="3513137" cy="3611562"/>
           </a:xfrm>
           <a:prstGeom prst="rect">
@@ -5647,169 +6190,7 @@
 </p:sld>
 </file>
 
-<file path=ppt/slides/slide2.xml><?xml version="1.0" encoding="utf-8"?>
-<p:sld xmlns:a="http://schemas.openxmlformats.org/drawingml/2006/main" xmlns:r="http://schemas.openxmlformats.org/officeDocument/2006/relationships" xmlns:p="http://schemas.openxmlformats.org/presentationml/2006/main">
-  <p:cSld>
-    <p:spTree>
-      <p:nvGrpSpPr>
-        <p:cNvPr id="1" name=""/>
-        <p:cNvGrpSpPr/>
-        <p:nvPr/>
-      </p:nvGrpSpPr>
-      <p:grpSpPr>
-        <a:xfrm>
-          <a:off x="0" y="0"/>
-          <a:ext cx="0" cy="0"/>
-          <a:chOff x="0" y="0"/>
-          <a:chExt cx="0" cy="0"/>
-        </a:xfrm>
-      </p:grpSpPr>
-      <p:sp>
-        <p:nvSpPr>
-          <p:cNvPr id="2" name="Title 1"/>
-          <p:cNvSpPr>
-            <a:spLocks noGrp="1"/>
-          </p:cNvSpPr>
-          <p:nvPr>
-            <p:ph type="title"/>
-          </p:nvPr>
-        </p:nvSpPr>
-        <p:spPr/>
-        <p:txBody>
-          <a:bodyPr/>
-          <a:lstStyle/>
-          <a:p>
-            <a:r>
-              <a:rPr lang="en-US" dirty="0" err="1" smtClean="0"/>
-              <a:t>Thành</a:t>
-            </a:r>
-            <a:r>
-              <a:rPr lang="en-US" dirty="0" smtClean="0"/>
-              <a:t> </a:t>
-            </a:r>
-            <a:r>
-              <a:rPr lang="en-US" dirty="0" err="1" smtClean="0"/>
-              <a:t>viên</a:t>
-            </a:r>
-            <a:endParaRPr lang="en-GB" dirty="0"/>
-          </a:p>
-        </p:txBody>
-      </p:sp>
-      <p:sp>
-        <p:nvSpPr>
-          <p:cNvPr id="3" name="Content Placeholder 2"/>
-          <p:cNvSpPr>
-            <a:spLocks noGrp="1"/>
-          </p:cNvSpPr>
-          <p:nvPr>
-            <p:ph idx="1"/>
-          </p:nvPr>
-        </p:nvSpPr>
-        <p:spPr/>
-        <p:txBody>
-          <a:bodyPr/>
-          <a:lstStyle/>
-          <a:p>
-            <a:r>
-              <a:rPr lang="en-US" dirty="0" err="1" smtClean="0"/>
-              <a:t>Nguyễn</a:t>
-            </a:r>
-            <a:r>
-              <a:rPr lang="en-US" dirty="0" smtClean="0"/>
-              <a:t> </a:t>
-            </a:r>
-            <a:r>
-              <a:rPr lang="en-US" dirty="0" err="1" smtClean="0"/>
-              <a:t>Đức</a:t>
-            </a:r>
-            <a:r>
-              <a:rPr lang="en-US" dirty="0" smtClean="0"/>
-              <a:t> </a:t>
-            </a:r>
-            <a:r>
-              <a:rPr lang="en-US" dirty="0" err="1" smtClean="0"/>
-              <a:t>Mạnh</a:t>
-            </a:r>
-            <a:endParaRPr lang="en-US" dirty="0" smtClean="0"/>
-          </a:p>
-          <a:p>
-            <a:r>
-              <a:rPr lang="en-US" dirty="0" err="1" smtClean="0"/>
-              <a:t>Lê</a:t>
-            </a:r>
-            <a:r>
-              <a:rPr lang="en-US" dirty="0" smtClean="0"/>
-              <a:t> </a:t>
-            </a:r>
-            <a:r>
-              <a:rPr lang="en-US" dirty="0" err="1" smtClean="0"/>
-              <a:t>Hồ</a:t>
-            </a:r>
-            <a:r>
-              <a:rPr lang="en-US" dirty="0" smtClean="0"/>
-              <a:t> </a:t>
-            </a:r>
-            <a:r>
-              <a:rPr lang="en-US" dirty="0" err="1" smtClean="0"/>
-              <a:t>Quang</a:t>
-            </a:r>
-            <a:r>
-              <a:rPr lang="en-US" dirty="0" smtClean="0"/>
-              <a:t> </a:t>
-            </a:r>
-            <a:r>
-              <a:rPr lang="en-US" dirty="0" err="1" smtClean="0"/>
-              <a:t>Huy</a:t>
-            </a:r>
-            <a:r>
-              <a:rPr lang="en-US" dirty="0" smtClean="0"/>
-              <a:t> </a:t>
-            </a:r>
-          </a:p>
-          <a:p>
-            <a:r>
-              <a:rPr lang="en-US" dirty="0" err="1" smtClean="0"/>
-              <a:t>Nguyễn</a:t>
-            </a:r>
-            <a:r>
-              <a:rPr lang="en-US" dirty="0" smtClean="0"/>
-              <a:t> </a:t>
-            </a:r>
-            <a:r>
-              <a:rPr lang="en-US" dirty="0" err="1" smtClean="0"/>
-              <a:t>Hoài</a:t>
-            </a:r>
-            <a:r>
-              <a:rPr lang="en-US" dirty="0" smtClean="0"/>
-              <a:t> Nam</a:t>
-            </a:r>
-          </a:p>
-          <a:p>
-            <a:endParaRPr lang="en-GB" dirty="0"/>
-          </a:p>
-        </p:txBody>
-      </p:sp>
-    </p:spTree>
-    <p:extLst>
-      <p:ext uri="{BB962C8B-B14F-4D97-AF65-F5344CB8AC3E}">
-        <p14:creationId xmlns:p14="http://schemas.microsoft.com/office/powerpoint/2010/main" val="3796690516"/>
-      </p:ext>
-    </p:extLst>
-  </p:cSld>
-  <p:clrMapOvr>
-    <a:masterClrMapping/>
-  </p:clrMapOvr>
-  <p:timing>
-    <p:tnLst>
-      <p:par>
-        <p:cTn id="1" dur="indefinite" restart="never" nodeType="tmRoot"/>
-      </p:par>
-    </p:tnLst>
-  </p:timing>
-</p:sld>
-</file>
-
-<file path=ppt/slides/slide20.xml><?xml version="1.0" encoding="utf-8"?>
+<file path=ppt/slides/slide22.xml><?xml version="1.0" encoding="utf-8"?>
 <p:sld xmlns:a="http://schemas.openxmlformats.org/drawingml/2006/main" xmlns:r="http://schemas.openxmlformats.org/officeDocument/2006/relationships" xmlns:p="http://schemas.openxmlformats.org/presentationml/2006/main">
   <p:cSld>
     <p:spTree>
@@ -5935,488 +6316,6 @@
 </p:sld>
 </file>
 
-<file path=ppt/slides/slide21.xml><?xml version="1.0" encoding="utf-8"?>
-<p:sld xmlns:a="http://schemas.openxmlformats.org/drawingml/2006/main" xmlns:r="http://schemas.openxmlformats.org/officeDocument/2006/relationships" xmlns:p="http://schemas.openxmlformats.org/presentationml/2006/main" show="0">
-  <p:cSld>
-    <p:spTree>
-      <p:nvGrpSpPr>
-        <p:cNvPr id="1" name=""/>
-        <p:cNvGrpSpPr/>
-        <p:nvPr/>
-      </p:nvGrpSpPr>
-      <p:grpSpPr>
-        <a:xfrm>
-          <a:off x="0" y="0"/>
-          <a:ext cx="0" cy="0"/>
-          <a:chOff x="0" y="0"/>
-          <a:chExt cx="0" cy="0"/>
-        </a:xfrm>
-      </p:grpSpPr>
-      <p:sp>
-        <p:nvSpPr>
-          <p:cNvPr id="2" name="Title 1"/>
-          <p:cNvSpPr>
-            <a:spLocks noGrp="1"/>
-          </p:cNvSpPr>
-          <p:nvPr>
-            <p:ph type="title"/>
-          </p:nvPr>
-        </p:nvSpPr>
-        <p:spPr/>
-        <p:txBody>
-          <a:bodyPr/>
-          <a:lstStyle/>
-          <a:p>
-            <a:r>
-              <a:rPr lang="en-US" dirty="0" err="1" smtClean="0"/>
-              <a:t>Các</a:t>
-            </a:r>
-            <a:r>
-              <a:rPr lang="en-US" dirty="0" smtClean="0"/>
-              <a:t> </a:t>
-            </a:r>
-            <a:r>
-              <a:rPr lang="en-US" dirty="0" err="1" smtClean="0"/>
-              <a:t>thực</a:t>
-            </a:r>
-            <a:r>
-              <a:rPr lang="en-US" dirty="0" smtClean="0"/>
-              <a:t> </a:t>
-            </a:r>
-            <a:r>
-              <a:rPr lang="en-US" dirty="0" err="1" smtClean="0"/>
-              <a:t>thể</a:t>
-            </a:r>
-            <a:r>
-              <a:rPr lang="en-US" dirty="0" smtClean="0"/>
-              <a:t> </a:t>
-            </a:r>
-            <a:r>
-              <a:rPr lang="en-US" dirty="0" err="1" smtClean="0"/>
-              <a:t>chính</a:t>
-            </a:r>
-            <a:endParaRPr lang="en-GB" dirty="0"/>
-          </a:p>
-        </p:txBody>
-      </p:sp>
-      <p:sp>
-        <p:nvSpPr>
-          <p:cNvPr id="3" name="Content Placeholder 2"/>
-          <p:cNvSpPr>
-            <a:spLocks noGrp="1"/>
-          </p:cNvSpPr>
-          <p:nvPr>
-            <p:ph idx="1"/>
-          </p:nvPr>
-        </p:nvSpPr>
-        <p:spPr/>
-        <p:txBody>
-          <a:bodyPr/>
-          <a:lstStyle/>
-          <a:p>
-            <a:r>
-              <a:rPr lang="en-US" dirty="0" err="1" smtClean="0"/>
-              <a:t>Sinh</a:t>
-            </a:r>
-            <a:r>
-              <a:rPr lang="en-US" dirty="0" smtClean="0"/>
-              <a:t> </a:t>
-            </a:r>
-            <a:r>
-              <a:rPr lang="en-US" dirty="0" err="1" smtClean="0"/>
-              <a:t>viên</a:t>
-            </a:r>
-            <a:r>
-              <a:rPr lang="en-US" dirty="0" smtClean="0"/>
-              <a:t>(student)</a:t>
-            </a:r>
-          </a:p>
-          <a:p>
-            <a:r>
-              <a:rPr lang="en-US" dirty="0" err="1" smtClean="0"/>
-              <a:t>Khách</a:t>
-            </a:r>
-            <a:r>
-              <a:rPr lang="en-US" dirty="0" smtClean="0"/>
-              <a:t> </a:t>
-            </a:r>
-            <a:r>
-              <a:rPr lang="en-US" dirty="0" err="1" smtClean="0"/>
-              <a:t>vãng</a:t>
-            </a:r>
-            <a:r>
-              <a:rPr lang="en-US" dirty="0" smtClean="0"/>
-              <a:t> </a:t>
-            </a:r>
-            <a:r>
-              <a:rPr lang="en-US" dirty="0" err="1" smtClean="0"/>
-              <a:t>lai</a:t>
-            </a:r>
-            <a:r>
-              <a:rPr lang="en-US" dirty="0" smtClean="0"/>
-              <a:t>(visitor) </a:t>
-            </a:r>
-          </a:p>
-          <a:p>
-            <a:r>
-              <a:rPr lang="en-US" dirty="0" err="1" smtClean="0"/>
-              <a:t>Xe</a:t>
-            </a:r>
-            <a:r>
-              <a:rPr lang="en-US" dirty="0" smtClean="0"/>
-              <a:t>(vehicle)</a:t>
-            </a:r>
-          </a:p>
-          <a:p>
-            <a:r>
-              <a:rPr lang="en-US" dirty="0" err="1" smtClean="0"/>
-              <a:t>Bãi</a:t>
-            </a:r>
-            <a:r>
-              <a:rPr lang="en-US" dirty="0" smtClean="0"/>
-              <a:t> </a:t>
-            </a:r>
-            <a:r>
-              <a:rPr lang="en-US" dirty="0" err="1" smtClean="0"/>
-              <a:t>đỗ</a:t>
-            </a:r>
-            <a:r>
-              <a:rPr lang="en-US" dirty="0" smtClean="0"/>
-              <a:t> </a:t>
-            </a:r>
-            <a:r>
-              <a:rPr lang="en-US" dirty="0" err="1" smtClean="0"/>
-              <a:t>xe</a:t>
-            </a:r>
-            <a:r>
-              <a:rPr lang="en-US" dirty="0" smtClean="0"/>
-              <a:t>(</a:t>
-            </a:r>
-            <a:r>
-              <a:rPr lang="en-US" dirty="0" err="1" smtClean="0"/>
-              <a:t>parking_lot</a:t>
-            </a:r>
-            <a:r>
-              <a:rPr lang="en-US" dirty="0" smtClean="0"/>
-              <a:t>)</a:t>
-            </a:r>
-          </a:p>
-          <a:p>
-            <a:r>
-              <a:rPr lang="en-US" dirty="0" err="1" smtClean="0"/>
-              <a:t>Vị</a:t>
-            </a:r>
-            <a:r>
-              <a:rPr lang="en-US" dirty="0" smtClean="0"/>
-              <a:t> </a:t>
-            </a:r>
-            <a:r>
-              <a:rPr lang="en-US" dirty="0" err="1" smtClean="0"/>
-              <a:t>trí</a:t>
-            </a:r>
-            <a:r>
-              <a:rPr lang="en-US" dirty="0" smtClean="0"/>
-              <a:t> </a:t>
-            </a:r>
-            <a:r>
-              <a:rPr lang="en-US" dirty="0" err="1" smtClean="0"/>
-              <a:t>đỗ</a:t>
-            </a:r>
-            <a:r>
-              <a:rPr lang="en-US" dirty="0" smtClean="0"/>
-              <a:t> </a:t>
-            </a:r>
-            <a:r>
-              <a:rPr lang="en-US" dirty="0" err="1" smtClean="0"/>
-              <a:t>xe</a:t>
-            </a:r>
-            <a:r>
-              <a:rPr lang="en-US" dirty="0" smtClean="0"/>
-              <a:t>(</a:t>
-            </a:r>
-            <a:r>
-              <a:rPr lang="en-US" dirty="0" err="1" smtClean="0"/>
-              <a:t>parking_spot</a:t>
-            </a:r>
-            <a:r>
-              <a:rPr lang="en-US" dirty="0" smtClean="0"/>
-              <a:t>)</a:t>
-            </a:r>
-          </a:p>
-          <a:p>
-            <a:r>
-              <a:rPr lang="en-US" dirty="0" err="1" smtClean="0"/>
-              <a:t>Nhân</a:t>
-            </a:r>
-            <a:r>
-              <a:rPr lang="en-US" dirty="0" smtClean="0"/>
-              <a:t> </a:t>
-            </a:r>
-            <a:r>
-              <a:rPr lang="en-US" dirty="0" err="1" smtClean="0"/>
-              <a:t>viên</a:t>
-            </a:r>
-            <a:r>
-              <a:rPr lang="en-US" dirty="0" smtClean="0"/>
-              <a:t>(staff)</a:t>
-            </a:r>
-          </a:p>
-          <a:p>
-            <a:endParaRPr lang="en-US" dirty="0" smtClean="0"/>
-          </a:p>
-        </p:txBody>
-      </p:sp>
-    </p:spTree>
-    <p:extLst>
-      <p:ext uri="{BB962C8B-B14F-4D97-AF65-F5344CB8AC3E}">
-        <p14:creationId xmlns:p14="http://schemas.microsoft.com/office/powerpoint/2010/main" val="2486172056"/>
-      </p:ext>
-    </p:extLst>
-  </p:cSld>
-  <p:clrMapOvr>
-    <a:masterClrMapping/>
-  </p:clrMapOvr>
-  <mc:AlternateContent xmlns:mc="http://schemas.openxmlformats.org/markup-compatibility/2006">
-    <mc:Choice xmlns:p14="http://schemas.microsoft.com/office/powerpoint/2010/main" Requires="p14">
-      <p:transition spd="slow" p14:dur="2000"/>
-    </mc:Choice>
-    <mc:Fallback>
-      <p:transition spd="slow"/>
-    </mc:Fallback>
-  </mc:AlternateContent>
-  <p:timing>
-    <p:tnLst>
-      <p:par>
-        <p:cTn id="1" dur="indefinite" restart="never" nodeType="tmRoot"/>
-      </p:par>
-    </p:tnLst>
-  </p:timing>
-</p:sld>
-</file>
-
-<file path=ppt/slides/slide22.xml><?xml version="1.0" encoding="utf-8"?>
-<p:sld xmlns:a="http://schemas.openxmlformats.org/drawingml/2006/main" xmlns:r="http://schemas.openxmlformats.org/officeDocument/2006/relationships" xmlns:p="http://schemas.openxmlformats.org/presentationml/2006/main" show="0">
-  <p:cSld>
-    <p:spTree>
-      <p:nvGrpSpPr>
-        <p:cNvPr id="1" name=""/>
-        <p:cNvGrpSpPr/>
-        <p:nvPr/>
-      </p:nvGrpSpPr>
-      <p:grpSpPr>
-        <a:xfrm>
-          <a:off x="0" y="0"/>
-          <a:ext cx="0" cy="0"/>
-          <a:chOff x="0" y="0"/>
-          <a:chExt cx="0" cy="0"/>
-        </a:xfrm>
-      </p:grpSpPr>
-      <p:sp>
-        <p:nvSpPr>
-          <p:cNvPr id="2" name="Title 1"/>
-          <p:cNvSpPr>
-            <a:spLocks noGrp="1"/>
-          </p:cNvSpPr>
-          <p:nvPr>
-            <p:ph type="title"/>
-          </p:nvPr>
-        </p:nvSpPr>
-        <p:spPr/>
-        <p:txBody>
-          <a:bodyPr/>
-          <a:lstStyle/>
-          <a:p>
-            <a:r>
-              <a:rPr lang="en-US" dirty="0" err="1" smtClean="0"/>
-              <a:t>Quản</a:t>
-            </a:r>
-            <a:r>
-              <a:rPr lang="en-US" dirty="0" smtClean="0"/>
-              <a:t> </a:t>
-            </a:r>
-            <a:r>
-              <a:rPr lang="en-US" dirty="0" err="1" smtClean="0"/>
-              <a:t>lý</a:t>
-            </a:r>
-            <a:r>
-              <a:rPr lang="en-US" dirty="0" smtClean="0"/>
-              <a:t> </a:t>
-            </a:r>
-            <a:r>
-              <a:rPr lang="en-US" dirty="0" err="1" smtClean="0"/>
-              <a:t>khách</a:t>
-            </a:r>
-            <a:r>
-              <a:rPr lang="en-US" dirty="0" smtClean="0"/>
-              <a:t> </a:t>
-            </a:r>
-            <a:r>
-              <a:rPr lang="en-US" dirty="0" err="1" smtClean="0"/>
-              <a:t>hàng</a:t>
-            </a:r>
-            <a:endParaRPr lang="en-GB" dirty="0"/>
-          </a:p>
-        </p:txBody>
-      </p:sp>
-      <p:sp>
-        <p:nvSpPr>
-          <p:cNvPr id="3" name="Content Placeholder 2"/>
-          <p:cNvSpPr>
-            <a:spLocks noGrp="1"/>
-          </p:cNvSpPr>
-          <p:nvPr>
-            <p:ph idx="1"/>
-          </p:nvPr>
-        </p:nvSpPr>
-        <p:spPr/>
-        <p:txBody>
-          <a:bodyPr/>
-          <a:lstStyle/>
-          <a:p>
-            <a:r>
-              <a:rPr lang="en-US" dirty="0"/>
-              <a:t>Student(</a:t>
-            </a:r>
-            <a:r>
-              <a:rPr lang="en-US" u="sng" dirty="0" err="1"/>
-              <a:t>mssv</a:t>
-            </a:r>
-            <a:r>
-              <a:rPr lang="en-US" dirty="0"/>
-              <a:t>, </a:t>
-            </a:r>
-            <a:r>
-              <a:rPr lang="en-US" dirty="0" err="1" smtClean="0"/>
-              <a:t>customerID</a:t>
-            </a:r>
-            <a:r>
-              <a:rPr lang="en-US" dirty="0" smtClean="0"/>
-              <a:t>, </a:t>
-            </a:r>
-            <a:r>
-              <a:rPr lang="en-US" dirty="0" err="1" smtClean="0"/>
-              <a:t>fullname</a:t>
-            </a:r>
-            <a:r>
-              <a:rPr lang="en-US" dirty="0" smtClean="0"/>
-              <a:t>, balance, password)</a:t>
-            </a:r>
-          </a:p>
-          <a:p>
-            <a:r>
-              <a:rPr lang="en-US" dirty="0" smtClean="0"/>
-              <a:t>Visitor(</a:t>
-            </a:r>
-            <a:r>
-              <a:rPr lang="en-US" u="sng" dirty="0" smtClean="0"/>
-              <a:t>ticket</a:t>
-            </a:r>
-            <a:r>
-              <a:rPr lang="en-US" dirty="0" smtClean="0"/>
-              <a:t>, </a:t>
-            </a:r>
-            <a:r>
-              <a:rPr lang="en-US" dirty="0" err="1" smtClean="0"/>
-              <a:t>customerID</a:t>
-            </a:r>
-            <a:r>
-              <a:rPr lang="en-US" dirty="0" smtClean="0"/>
-              <a:t>)</a:t>
-            </a:r>
-          </a:p>
-          <a:p>
-            <a:r>
-              <a:rPr lang="en-US" dirty="0" smtClean="0"/>
-              <a:t>Customer(</a:t>
-            </a:r>
-            <a:r>
-              <a:rPr lang="en-US" u="sng" dirty="0" err="1" smtClean="0"/>
-              <a:t>customerID</a:t>
-            </a:r>
-            <a:r>
-              <a:rPr lang="en-US" dirty="0" smtClean="0"/>
-              <a:t>, </a:t>
-            </a:r>
-            <a:r>
-              <a:rPr lang="en-US" dirty="0" err="1" smtClean="0"/>
-              <a:t>customertype</a:t>
-            </a:r>
-            <a:r>
-              <a:rPr lang="en-US" dirty="0" smtClean="0"/>
-              <a:t>)</a:t>
-            </a:r>
-          </a:p>
-          <a:p>
-            <a:r>
-              <a:rPr lang="en-US" dirty="0" smtClean="0"/>
-              <a:t>Vehicle(</a:t>
-            </a:r>
-            <a:r>
-              <a:rPr lang="en-US" u="sng" dirty="0" err="1" smtClean="0"/>
-              <a:t>vehicleID</a:t>
-            </a:r>
-            <a:r>
-              <a:rPr lang="en-US" dirty="0" smtClean="0"/>
-              <a:t>, </a:t>
-            </a:r>
-            <a:r>
-              <a:rPr lang="en-US" dirty="0" err="1" smtClean="0"/>
-              <a:t>vehicletypeID</a:t>
-            </a:r>
-            <a:r>
-              <a:rPr lang="en-US" dirty="0" smtClean="0"/>
-              <a:t>, </a:t>
-            </a:r>
-            <a:r>
-              <a:rPr lang="en-US" dirty="0" err="1" smtClean="0"/>
-              <a:t>lisence_plate</a:t>
-            </a:r>
-            <a:r>
-              <a:rPr lang="en-US" dirty="0" smtClean="0"/>
-              <a:t>, color, </a:t>
-            </a:r>
-            <a:r>
-              <a:rPr lang="en-US" dirty="0" err="1" smtClean="0"/>
-              <a:t>customerid</a:t>
-            </a:r>
-            <a:r>
-              <a:rPr lang="en-US" dirty="0" smtClean="0"/>
-              <a:t>)</a:t>
-            </a:r>
-          </a:p>
-          <a:p>
-            <a:endParaRPr lang="en-GB" dirty="0"/>
-          </a:p>
-        </p:txBody>
-      </p:sp>
-    </p:spTree>
-    <p:extLst>
-      <p:ext uri="{BB962C8B-B14F-4D97-AF65-F5344CB8AC3E}">
-        <p14:creationId xmlns:p14="http://schemas.microsoft.com/office/powerpoint/2010/main" val="2951914285"/>
-      </p:ext>
-    </p:extLst>
-  </p:cSld>
-  <p:clrMapOvr>
-    <a:masterClrMapping/>
-  </p:clrMapOvr>
-  <mc:AlternateContent xmlns:mc="http://schemas.openxmlformats.org/markup-compatibility/2006">
-    <mc:Choice xmlns:p14="http://schemas.microsoft.com/office/powerpoint/2010/main" Requires="p14">
-      <p:transition spd="slow" p14:dur="2000"/>
-    </mc:Choice>
-    <mc:Fallback>
-      <p:transition spd="slow"/>
-    </mc:Fallback>
-  </mc:AlternateContent>
-  <p:timing>
-    <p:tnLst>
-      <p:par>
-        <p:cTn id="1" dur="indefinite" restart="never" nodeType="tmRoot"/>
-      </p:par>
-    </p:tnLst>
-  </p:timing>
-</p:sld>
-</file>
-
 <file path=ppt/slides/slide23.xml><?xml version="1.0" encoding="utf-8"?>
 <p:sld xmlns:a="http://schemas.openxmlformats.org/drawingml/2006/main" xmlns:r="http://schemas.openxmlformats.org/officeDocument/2006/relationships" xmlns:p="http://schemas.openxmlformats.org/presentationml/2006/main" show="0">
   <p:cSld>
@@ -6451,39 +6350,31 @@
           <a:p>
             <a:r>
               <a:rPr lang="en-US" dirty="0" err="1" smtClean="0"/>
-              <a:t>Quản</a:t>
-            </a:r>
-            <a:r>
-              <a:rPr lang="en-US" dirty="0" smtClean="0"/>
-              <a:t> </a:t>
-            </a:r>
-            <a:r>
-              <a:rPr lang="en-US" dirty="0" err="1" smtClean="0"/>
-              <a:t>lý</a:t>
-            </a:r>
-            <a:r>
-              <a:rPr lang="en-US" dirty="0" smtClean="0"/>
-              <a:t> </a:t>
-            </a:r>
-            <a:r>
-              <a:rPr lang="en-US" dirty="0" err="1" smtClean="0"/>
-              <a:t>bãi</a:t>
-            </a:r>
-            <a:r>
-              <a:rPr lang="en-US" dirty="0" smtClean="0"/>
-              <a:t> </a:t>
-            </a:r>
-            <a:r>
-              <a:rPr lang="en-US" dirty="0" err="1" smtClean="0"/>
-              <a:t>đỗ</a:t>
-            </a:r>
-            <a:r>
-              <a:rPr lang="en-US" dirty="0" smtClean="0"/>
-              <a:t> </a:t>
-            </a:r>
-            <a:r>
-              <a:rPr lang="en-US" dirty="0" err="1" smtClean="0"/>
-              <a:t>xe</a:t>
+              <a:t>Các</a:t>
+            </a:r>
+            <a:r>
+              <a:rPr lang="en-US" dirty="0" smtClean="0"/>
+              <a:t> </a:t>
+            </a:r>
+            <a:r>
+              <a:rPr lang="en-US" dirty="0" err="1" smtClean="0"/>
+              <a:t>thực</a:t>
+            </a:r>
+            <a:r>
+              <a:rPr lang="en-US" dirty="0" smtClean="0"/>
+              <a:t> </a:t>
+            </a:r>
+            <a:r>
+              <a:rPr lang="en-US" dirty="0" err="1" smtClean="0"/>
+              <a:t>thể</a:t>
+            </a:r>
+            <a:r>
+              <a:rPr lang="en-US" dirty="0" smtClean="0"/>
+              <a:t> </a:t>
+            </a:r>
+            <a:r>
+              <a:rPr lang="en-US" dirty="0" err="1" smtClean="0"/>
+              <a:t>chính</a:t>
             </a:r>
             <a:endParaRPr lang="en-GB" dirty="0"/>
           </a:p>
@@ -6506,108 +6397,171 @@
           <a:p>
             <a:r>
               <a:rPr lang="en-US" dirty="0" err="1" smtClean="0"/>
-              <a:t>Parking_Lot</a:t>
+              <a:t>Sinh</a:t>
+            </a:r>
+            <a:r>
+              <a:rPr lang="en-US" dirty="0" smtClean="0"/>
+              <a:t> </a:t>
+            </a:r>
+            <a:r>
+              <a:rPr lang="en-US" dirty="0" err="1" smtClean="0"/>
+              <a:t>viên</a:t>
+            </a:r>
+            <a:r>
+              <a:rPr lang="en-US" dirty="0" smtClean="0"/>
+              <a:t>(student)</a:t>
+            </a:r>
+          </a:p>
+          <a:p>
+            <a:r>
+              <a:rPr lang="en-US" dirty="0" err="1" smtClean="0"/>
+              <a:t>Khách</a:t>
+            </a:r>
+            <a:r>
+              <a:rPr lang="en-US" dirty="0" smtClean="0"/>
+              <a:t> </a:t>
+            </a:r>
+            <a:r>
+              <a:rPr lang="en-US" dirty="0" err="1" smtClean="0"/>
+              <a:t>vãng</a:t>
+            </a:r>
+            <a:r>
+              <a:rPr lang="en-US" dirty="0" smtClean="0"/>
+              <a:t> </a:t>
+            </a:r>
+            <a:r>
+              <a:rPr lang="en-US" dirty="0" err="1" smtClean="0"/>
+              <a:t>lai</a:t>
+            </a:r>
+            <a:r>
+              <a:rPr lang="en-US" dirty="0" smtClean="0"/>
+              <a:t>(visitor) </a:t>
+            </a:r>
+          </a:p>
+          <a:p>
+            <a:r>
+              <a:rPr lang="en-US" dirty="0" err="1" smtClean="0"/>
+              <a:t>Xe</a:t>
+            </a:r>
+            <a:r>
+              <a:rPr lang="en-US" dirty="0" smtClean="0"/>
+              <a:t>(vehicle)</a:t>
+            </a:r>
+          </a:p>
+          <a:p>
+            <a:r>
+              <a:rPr lang="en-US" dirty="0" err="1" smtClean="0"/>
+              <a:t>Bãi</a:t>
+            </a:r>
+            <a:r>
+              <a:rPr lang="en-US" dirty="0" smtClean="0"/>
+              <a:t> </a:t>
+            </a:r>
+            <a:r>
+              <a:rPr lang="en-US" dirty="0" err="1" smtClean="0"/>
+              <a:t>đỗ</a:t>
+            </a:r>
+            <a:r>
+              <a:rPr lang="en-US" dirty="0" smtClean="0"/>
+              <a:t> </a:t>
+            </a:r>
+            <a:r>
+              <a:rPr lang="en-US" dirty="0" err="1" smtClean="0"/>
+              <a:t>xe</a:t>
             </a:r>
             <a:r>
               <a:rPr lang="en-US" dirty="0" smtClean="0"/>
               <a:t>(</a:t>
             </a:r>
             <a:r>
-              <a:rPr lang="en-US" u="sng" dirty="0" err="1" smtClean="0"/>
-              <a:t>parkingLotID</a:t>
-            </a:r>
-            <a:r>
-              <a:rPr lang="en-US" dirty="0" smtClean="0"/>
-              <a:t>, name, capacity)</a:t>
-            </a:r>
-          </a:p>
-          <a:p>
-            <a:r>
-              <a:rPr lang="en-US" dirty="0" err="1" smtClean="0"/>
-              <a:t>Parking_Spot</a:t>
+              <a:rPr lang="en-US" dirty="0" err="1" smtClean="0"/>
+              <a:t>parking_lot</a:t>
+            </a:r>
+            <a:r>
+              <a:rPr lang="en-US" dirty="0" smtClean="0"/>
+              <a:t>)</a:t>
+            </a:r>
+          </a:p>
+          <a:p>
+            <a:r>
+              <a:rPr lang="en-US" dirty="0" err="1" smtClean="0"/>
+              <a:t>Vị</a:t>
+            </a:r>
+            <a:r>
+              <a:rPr lang="en-US" dirty="0" smtClean="0"/>
+              <a:t> </a:t>
+            </a:r>
+            <a:r>
+              <a:rPr lang="en-US" dirty="0" err="1" smtClean="0"/>
+              <a:t>trí</a:t>
+            </a:r>
+            <a:r>
+              <a:rPr lang="en-US" dirty="0" smtClean="0"/>
+              <a:t> </a:t>
+            </a:r>
+            <a:r>
+              <a:rPr lang="en-US" dirty="0" err="1" smtClean="0"/>
+              <a:t>đỗ</a:t>
+            </a:r>
+            <a:r>
+              <a:rPr lang="en-US" dirty="0" smtClean="0"/>
+              <a:t> </a:t>
+            </a:r>
+            <a:r>
+              <a:rPr lang="en-US" dirty="0" err="1" smtClean="0"/>
+              <a:t>xe</a:t>
             </a:r>
             <a:r>
               <a:rPr lang="en-US" dirty="0" smtClean="0"/>
               <a:t>(</a:t>
             </a:r>
             <a:r>
-              <a:rPr lang="en-US" u="sng" dirty="0" err="1" smtClean="0"/>
-              <a:t>parkingSpotID</a:t>
-            </a:r>
-            <a:r>
-              <a:rPr lang="en-US" dirty="0" smtClean="0"/>
-              <a:t>, </a:t>
-            </a:r>
-            <a:r>
-              <a:rPr lang="en-US" dirty="0" err="1" smtClean="0"/>
-              <a:t>spotTypeID</a:t>
-            </a:r>
-            <a:r>
-              <a:rPr lang="en-US" dirty="0" smtClean="0"/>
-              <a:t>, </a:t>
-            </a:r>
-            <a:r>
-              <a:rPr lang="en-US" dirty="0" err="1" smtClean="0"/>
-              <a:t>parkingLotID</a:t>
-            </a:r>
-            <a:r>
-              <a:rPr lang="en-US" dirty="0" smtClean="0"/>
-              <a:t>, occupied)</a:t>
-            </a:r>
-          </a:p>
-          <a:p>
-            <a:r>
-              <a:rPr lang="en-US" dirty="0" smtClean="0"/>
-              <a:t>Staff(</a:t>
-            </a:r>
-            <a:r>
-              <a:rPr lang="en-US" u="sng" dirty="0" err="1" smtClean="0"/>
-              <a:t>staffID</a:t>
-            </a:r>
-            <a:r>
-              <a:rPr lang="en-US" dirty="0" smtClean="0"/>
-              <a:t>, </a:t>
-            </a:r>
-            <a:r>
-              <a:rPr lang="en-US" dirty="0" err="1" smtClean="0"/>
-              <a:t>fullname</a:t>
-            </a:r>
-            <a:r>
-              <a:rPr lang="en-US" dirty="0" smtClean="0"/>
-              <a:t>, </a:t>
-            </a:r>
-            <a:r>
-              <a:rPr lang="en-US" dirty="0" err="1" smtClean="0"/>
-              <a:t>parkingLotID</a:t>
-            </a:r>
-            <a:r>
-              <a:rPr lang="en-US" dirty="0" smtClean="0"/>
-              <a:t>, password)</a:t>
-            </a:r>
-          </a:p>
-          <a:p>
-            <a:pPr marL="0" indent="0">
-              <a:buNone/>
-            </a:pPr>
-            <a:endParaRPr lang="en-GB" dirty="0"/>
+              <a:rPr lang="en-US" dirty="0" err="1" smtClean="0"/>
+              <a:t>parking_spot</a:t>
+            </a:r>
+            <a:r>
+              <a:rPr lang="en-US" dirty="0" smtClean="0"/>
+              <a:t>)</a:t>
+            </a:r>
+          </a:p>
+          <a:p>
+            <a:r>
+              <a:rPr lang="en-US" dirty="0" err="1" smtClean="0"/>
+              <a:t>Nhân</a:t>
+            </a:r>
+            <a:r>
+              <a:rPr lang="en-US" dirty="0" smtClean="0"/>
+              <a:t> </a:t>
+            </a:r>
+            <a:r>
+              <a:rPr lang="en-US" dirty="0" err="1" smtClean="0"/>
+              <a:t>viên</a:t>
+            </a:r>
+            <a:r>
+              <a:rPr lang="en-US" dirty="0" smtClean="0"/>
+              <a:t>(staff)</a:t>
+            </a:r>
+          </a:p>
+          <a:p>
+            <a:endParaRPr lang="en-US" dirty="0" smtClean="0"/>
           </a:p>
         </p:txBody>
       </p:sp>
     </p:spTree>
     <p:extLst>
       <p:ext uri="{BB962C8B-B14F-4D97-AF65-F5344CB8AC3E}">
-        <p14:creationId xmlns:p14="http://schemas.microsoft.com/office/powerpoint/2010/main" val="1246534415"/>
+        <p14:creationId xmlns:p14="http://schemas.microsoft.com/office/powerpoint/2010/main" val="2486172056"/>
       </p:ext>
     </p:extLst>
   </p:cSld>
   <p:clrMapOvr>
     <a:masterClrMapping/>
   </p:clrMapOvr>
-  <mc:AlternateContent xmlns:mc="http://schemas.openxmlformats.org/markup-compatibility/2006">
-    <mc:Choice xmlns:p14="http://schemas.microsoft.com/office/powerpoint/2010/main" Requires="p14">
+  <mc:AlternateContent xmlns:mc="http://schemas.openxmlformats.org/markup-compatibility/2006" xmlns:p14="http://schemas.microsoft.com/office/powerpoint/2010/main">
+    <mc:Choice Requires="p14">
       <p:transition spd="slow" p14:dur="2000"/>
     </mc:Choice>
-    <mc:Fallback>
+    <mc:Fallback xmlns="">
       <p:transition spd="slow"/>
     </mc:Fallback>
   </mc:AlternateContent>
@@ -6655,23 +6609,31 @@
           <a:p>
             <a:r>
               <a:rPr lang="en-US" dirty="0" err="1" smtClean="0"/>
-              <a:t>Các</a:t>
-            </a:r>
-            <a:r>
-              <a:rPr lang="en-US" dirty="0" smtClean="0"/>
-              <a:t> </a:t>
-            </a:r>
-            <a:r>
-              <a:rPr lang="en-US" dirty="0" err="1" smtClean="0"/>
-              <a:t>thao</a:t>
-            </a:r>
-            <a:r>
-              <a:rPr lang="en-US" dirty="0" smtClean="0"/>
-              <a:t> </a:t>
-            </a:r>
-            <a:r>
-              <a:rPr lang="en-US" dirty="0" err="1" smtClean="0"/>
-              <a:t>tác</a:t>
+              <a:t>Quản</a:t>
+            </a:r>
+            <a:r>
+              <a:rPr lang="en-US" dirty="0" smtClean="0"/>
+              <a:t> </a:t>
+            </a:r>
+            <a:r>
+              <a:rPr lang="en-US" dirty="0" err="1" smtClean="0"/>
+              <a:t>lý</a:t>
+            </a:r>
+            <a:r>
+              <a:rPr lang="en-US" dirty="0" smtClean="0"/>
+              <a:t> </a:t>
+            </a:r>
+            <a:r>
+              <a:rPr lang="en-US" dirty="0" err="1" smtClean="0"/>
+              <a:t>khách</a:t>
+            </a:r>
+            <a:r>
+              <a:rPr lang="en-US" dirty="0" smtClean="0"/>
+              <a:t> </a:t>
+            </a:r>
+            <a:r>
+              <a:rPr lang="en-US" dirty="0" err="1" smtClean="0"/>
+              <a:t>hàng</a:t>
             </a:r>
             <a:endParaRPr lang="en-GB" dirty="0"/>
           </a:p>
@@ -6689,38 +6651,24 @@
         </p:nvSpPr>
         <p:spPr/>
         <p:txBody>
-          <a:bodyPr>
-            <a:normAutofit/>
-          </a:bodyPr>
+          <a:bodyPr/>
           <a:lstStyle/>
           <a:p>
             <a:r>
-              <a:rPr lang="en-US" dirty="0" err="1" smtClean="0"/>
-              <a:t>Gửi</a:t>
-            </a:r>
-            <a:r>
-              <a:rPr lang="en-US" dirty="0" smtClean="0"/>
-              <a:t> </a:t>
-            </a:r>
-            <a:r>
-              <a:rPr lang="en-US" dirty="0" err="1" smtClean="0"/>
-              <a:t>xe</a:t>
-            </a:r>
-            <a:r>
-              <a:rPr lang="en-US" dirty="0" smtClean="0"/>
+              <a:rPr lang="en-US" dirty="0"/>
+              <a:t>Student(</a:t>
+            </a:r>
+            <a:r>
+              <a:rPr lang="en-US" u="sng" dirty="0" err="1"/>
+              <a:t>mssv</a:t>
+            </a:r>
+            <a:r>
+              <a:rPr lang="en-US" dirty="0"/>
               <a:t>, </a:t>
             </a:r>
             <a:r>
               <a:rPr lang="en-US" dirty="0" err="1" smtClean="0"/>
-              <a:t>thanh</a:t>
-            </a:r>
-            <a:r>
-              <a:rPr lang="en-US" dirty="0" smtClean="0"/>
-              <a:t> </a:t>
-            </a:r>
-            <a:r>
-              <a:rPr lang="en-US" dirty="0" err="1" smtClean="0"/>
-              <a:t>toán</a:t>
+              <a:t>customerID</a:t>
             </a:r>
             <a:r>
               <a:rPr lang="en-US" dirty="0" smtClean="0"/>
@@ -6728,27 +6676,43 @@
             </a:r>
             <a:r>
               <a:rPr lang="en-US" dirty="0" err="1" smtClean="0"/>
-              <a:t>nạp</a:t>
-            </a:r>
-            <a:r>
-              <a:rPr lang="en-US" dirty="0" smtClean="0"/>
-              <a:t> </a:t>
-            </a:r>
-            <a:r>
-              <a:rPr lang="en-US" dirty="0" err="1" smtClean="0"/>
-              <a:t>tiền</a:t>
-            </a:r>
-            <a:endParaRPr lang="en-US" dirty="0" smtClean="0"/>
-          </a:p>
-          <a:p>
-            <a:pPr lvl="1"/>
-            <a:r>
-              <a:rPr lang="en-US" dirty="0" smtClean="0"/>
-              <a:t>Park(</a:t>
+              <a:t>fullname</a:t>
+            </a:r>
+            <a:r>
+              <a:rPr lang="en-US" dirty="0" smtClean="0"/>
+              <a:t>, balance, password)</a:t>
+            </a:r>
+          </a:p>
+          <a:p>
+            <a:r>
+              <a:rPr lang="en-US" dirty="0" smtClean="0"/>
+              <a:t>Visitor(</a:t>
+            </a:r>
+            <a:r>
+              <a:rPr lang="en-US" u="sng" dirty="0" smtClean="0"/>
+              <a:t>ticket</a:t>
+            </a:r>
+            <a:r>
+              <a:rPr lang="en-US" dirty="0" smtClean="0"/>
+              <a:t>, </a:t>
+            </a:r>
+            <a:r>
+              <a:rPr lang="en-US" dirty="0" err="1" smtClean="0"/>
+              <a:t>customerID</a:t>
+            </a:r>
+            <a:r>
+              <a:rPr lang="en-US" dirty="0" smtClean="0"/>
+              <a:t>)</a:t>
+            </a:r>
+          </a:p>
+          <a:p>
+            <a:r>
+              <a:rPr lang="en-US" dirty="0" smtClean="0"/>
+              <a:t>Customer(</a:t>
             </a:r>
             <a:r>
               <a:rPr lang="en-US" u="sng" dirty="0" err="1" smtClean="0"/>
-              <a:t>ParkID</a:t>
+              <a:t>customerID</a:t>
             </a:r>
             <a:r>
               <a:rPr lang="en-US" dirty="0" smtClean="0"/>
@@ -6756,7 +6720,21 @@
             </a:r>
             <a:r>
               <a:rPr lang="en-US" dirty="0" err="1" smtClean="0"/>
-              <a:t>VehicleID</a:t>
+              <a:t>customertype</a:t>
+            </a:r>
+            <a:r>
+              <a:rPr lang="en-US" dirty="0" smtClean="0"/>
+              <a:t>)</a:t>
+            </a:r>
+          </a:p>
+          <a:p>
+            <a:r>
+              <a:rPr lang="en-US" dirty="0" smtClean="0"/>
+              <a:t>Vehicle(</a:t>
+            </a:r>
+            <a:r>
+              <a:rPr lang="en-US" u="sng" dirty="0" err="1" smtClean="0"/>
+              <a:t>vehicleID</a:t>
             </a:r>
             <a:r>
               <a:rPr lang="en-US" dirty="0" smtClean="0"/>
@@ -6764,7 +6742,7 @@
             </a:r>
             <a:r>
               <a:rPr lang="en-US" dirty="0" err="1" smtClean="0"/>
-              <a:t>ParkingSpotID</a:t>
+              <a:t>vehicletypeID</a:t>
             </a:r>
             <a:r>
               <a:rPr lang="en-US" dirty="0" smtClean="0"/>
@@ -6772,19 +6750,15 @@
             </a:r>
             <a:r>
               <a:rPr lang="en-US" dirty="0" err="1" smtClean="0"/>
-              <a:t>Entry_Time</a:t>
-            </a:r>
-            <a:r>
-              <a:rPr lang="en-US" dirty="0" smtClean="0"/>
-              <a:t>,</a:t>
-            </a:r>
-            <a:r>
-              <a:rPr lang="en-GB" dirty="0" smtClean="0"/>
-              <a:t> </a:t>
-            </a:r>
-            <a:r>
-              <a:rPr lang="en-US" dirty="0" err="1" smtClean="0"/>
-              <a:t>Exit_Time</a:t>
+              <a:t>lisence_plate</a:t>
+            </a:r>
+            <a:r>
+              <a:rPr lang="en-US" dirty="0" smtClean="0"/>
+              <a:t>, color, </a:t>
+            </a:r>
+            <a:r>
+              <a:rPr lang="en-US" dirty="0" err="1" smtClean="0"/>
+              <a:t>customerid</a:t>
             </a:r>
             <a:r>
               <a:rPr lang="en-US" dirty="0" smtClean="0"/>
@@ -6792,96 +6766,25 @@
             </a:r>
           </a:p>
           <a:p>
-            <a:pPr lvl="1"/>
-            <a:r>
-              <a:rPr lang="en-US" dirty="0" smtClean="0"/>
-              <a:t>Transaction(</a:t>
-            </a:r>
-            <a:r>
-              <a:rPr lang="en-US" u="sng" dirty="0" err="1" smtClean="0"/>
-              <a:t>TransactionID</a:t>
-            </a:r>
-            <a:r>
-              <a:rPr lang="en-US" dirty="0" smtClean="0"/>
-              <a:t>, amount, time, </a:t>
-            </a:r>
-            <a:r>
-              <a:rPr lang="en-US" dirty="0" err="1" smtClean="0"/>
-              <a:t>transaction_type</a:t>
-            </a:r>
-            <a:r>
-              <a:rPr lang="en-US" dirty="0" smtClean="0"/>
-              <a:t>, </a:t>
-            </a:r>
-            <a:r>
-              <a:rPr lang="en-US" dirty="0" err="1" smtClean="0"/>
-              <a:t>customerID</a:t>
-            </a:r>
-            <a:r>
-              <a:rPr lang="en-US" dirty="0"/>
-              <a:t>)</a:t>
-            </a:r>
-            <a:endParaRPr lang="en-US" dirty="0" smtClean="0"/>
-          </a:p>
-          <a:p>
-            <a:r>
-              <a:rPr lang="en-US" dirty="0" smtClean="0"/>
-              <a:t>Xin </a:t>
-            </a:r>
-            <a:r>
-              <a:rPr lang="en-US" dirty="0" err="1" smtClean="0"/>
-              <a:t>việc</a:t>
-            </a:r>
-            <a:endParaRPr lang="en-US" dirty="0" smtClean="0"/>
-          </a:p>
-          <a:p>
-            <a:pPr lvl="1"/>
-            <a:r>
-              <a:rPr lang="en-US" dirty="0" smtClean="0"/>
-              <a:t>Application(</a:t>
-            </a:r>
-            <a:r>
-              <a:rPr lang="en-US" u="sng" dirty="0" smtClean="0"/>
-              <a:t>ID</a:t>
-            </a:r>
-            <a:r>
-              <a:rPr lang="en-US" dirty="0" smtClean="0"/>
-              <a:t>, </a:t>
-            </a:r>
-            <a:r>
-              <a:rPr lang="en-US" dirty="0" err="1" smtClean="0"/>
-              <a:t>fullname</a:t>
-            </a:r>
-            <a:r>
-              <a:rPr lang="en-US" dirty="0" smtClean="0"/>
-              <a:t>, </a:t>
-            </a:r>
-            <a:r>
-              <a:rPr lang="en-US" dirty="0" err="1" smtClean="0"/>
-              <a:t>datebirth</a:t>
-            </a:r>
-            <a:r>
-              <a:rPr lang="en-US" dirty="0" smtClean="0"/>
-              <a:t>, email)</a:t>
-            </a:r>
+            <a:endParaRPr lang="en-GB" dirty="0"/>
           </a:p>
         </p:txBody>
       </p:sp>
     </p:spTree>
     <p:extLst>
       <p:ext uri="{BB962C8B-B14F-4D97-AF65-F5344CB8AC3E}">
-        <p14:creationId xmlns:p14="http://schemas.microsoft.com/office/powerpoint/2010/main" val="1712894505"/>
+        <p14:creationId xmlns:p14="http://schemas.microsoft.com/office/powerpoint/2010/main" val="2951914285"/>
       </p:ext>
     </p:extLst>
   </p:cSld>
   <p:clrMapOvr>
     <a:masterClrMapping/>
   </p:clrMapOvr>
-  <mc:AlternateContent xmlns:mc="http://schemas.openxmlformats.org/markup-compatibility/2006">
-    <mc:Choice xmlns:p14="http://schemas.microsoft.com/office/powerpoint/2010/main" Requires="p14">
+  <mc:AlternateContent xmlns:mc="http://schemas.openxmlformats.org/markup-compatibility/2006" xmlns:p14="http://schemas.microsoft.com/office/powerpoint/2010/main">
+    <mc:Choice Requires="p14">
       <p:transition spd="slow" p14:dur="2000"/>
     </mc:Choice>
-    <mc:Fallback>
+    <mc:Fallback xmlns="">
       <p:transition spd="slow"/>
     </mc:Fallback>
   </mc:AlternateContent>
@@ -6896,7 +6799,7 @@
 </file>
 
 <file path=ppt/slides/slide25.xml><?xml version="1.0" encoding="utf-8"?>
-<p:sld xmlns:a="http://schemas.openxmlformats.org/drawingml/2006/main" xmlns:r="http://schemas.openxmlformats.org/officeDocument/2006/relationships" xmlns:p="http://schemas.openxmlformats.org/presentationml/2006/main">
+<p:sld xmlns:a="http://schemas.openxmlformats.org/drawingml/2006/main" xmlns:r="http://schemas.openxmlformats.org/officeDocument/2006/relationships" xmlns:p="http://schemas.openxmlformats.org/presentationml/2006/main" show="0">
   <p:cSld>
     <p:spTree>
       <p:nvGrpSpPr>
@@ -6929,15 +6832,39 @@
           <a:p>
             <a:r>
               <a:rPr lang="en-US" dirty="0" err="1" smtClean="0"/>
-              <a:t>Phân</a:t>
-            </a:r>
-            <a:r>
-              <a:rPr lang="en-US" dirty="0" smtClean="0"/>
-              <a:t> </a:t>
-            </a:r>
-            <a:r>
-              <a:rPr lang="en-US" dirty="0" err="1" smtClean="0"/>
-              <a:t>loại</a:t>
+              <a:t>Quản</a:t>
+            </a:r>
+            <a:r>
+              <a:rPr lang="en-US" dirty="0" smtClean="0"/>
+              <a:t> </a:t>
+            </a:r>
+            <a:r>
+              <a:rPr lang="en-US" dirty="0" err="1" smtClean="0"/>
+              <a:t>lý</a:t>
+            </a:r>
+            <a:r>
+              <a:rPr lang="en-US" dirty="0" smtClean="0"/>
+              <a:t> </a:t>
+            </a:r>
+            <a:r>
+              <a:rPr lang="en-US" dirty="0" err="1" smtClean="0"/>
+              <a:t>bãi</a:t>
+            </a:r>
+            <a:r>
+              <a:rPr lang="en-US" dirty="0" smtClean="0"/>
+              <a:t> </a:t>
+            </a:r>
+            <a:r>
+              <a:rPr lang="en-US" dirty="0" err="1" smtClean="0"/>
+              <a:t>đỗ</a:t>
+            </a:r>
+            <a:r>
+              <a:rPr lang="en-US" dirty="0" smtClean="0"/>
+              <a:t> </a:t>
+            </a:r>
+            <a:r>
+              <a:rPr lang="en-US" dirty="0" err="1" smtClean="0"/>
+              <a:t>xe</a:t>
             </a:r>
             <a:endParaRPr lang="en-GB" dirty="0"/>
           </a:p>
@@ -6960,29 +6887,89 @@
           <a:p>
             <a:r>
               <a:rPr lang="en-US" dirty="0" err="1" smtClean="0"/>
-              <a:t>spot_type</a:t>
-            </a:r>
-            <a:r>
-              <a:rPr lang="en-US" dirty="0" smtClean="0"/>
-              <a:t>(…)</a:t>
-            </a:r>
-            <a:endParaRPr lang="en-US" dirty="0"/>
-          </a:p>
-          <a:p>
-            <a:r>
-              <a:rPr lang="en-US" dirty="0" err="1" smtClean="0"/>
-              <a:t>vehicle_type</a:t>
-            </a:r>
-            <a:r>
-              <a:rPr lang="en-US" dirty="0" smtClean="0"/>
-              <a:t>(…)</a:t>
-            </a:r>
-          </a:p>
-          <a:p>
-            <a:r>
-              <a:rPr lang="en-US" dirty="0" err="1" smtClean="0"/>
-              <a:t>Customer_type</a:t>
-            </a:r>
+              <a:t>Parking_Lot</a:t>
+            </a:r>
+            <a:r>
+              <a:rPr lang="en-US" dirty="0" smtClean="0"/>
+              <a:t>(</a:t>
+            </a:r>
+            <a:r>
+              <a:rPr lang="en-US" u="sng" dirty="0" err="1" smtClean="0"/>
+              <a:t>parkingLotID</a:t>
+            </a:r>
+            <a:r>
+              <a:rPr lang="en-US" dirty="0" smtClean="0"/>
+              <a:t>, name, capacity)</a:t>
+            </a:r>
+          </a:p>
+          <a:p>
+            <a:r>
+              <a:rPr lang="en-US" dirty="0" err="1" smtClean="0"/>
+              <a:t>Parking_Spot</a:t>
+            </a:r>
+            <a:r>
+              <a:rPr lang="en-US" dirty="0" smtClean="0"/>
+              <a:t>(</a:t>
+            </a:r>
+            <a:r>
+              <a:rPr lang="en-US" u="sng" dirty="0" err="1" smtClean="0"/>
+              <a:t>parkingSpotID</a:t>
+            </a:r>
+            <a:r>
+              <a:rPr lang="en-US" dirty="0" smtClean="0"/>
+              <a:t>, </a:t>
+            </a:r>
+            <a:r>
+              <a:rPr lang="en-US" dirty="0" err="1" smtClean="0"/>
+              <a:t>spotTypeID</a:t>
+            </a:r>
+            <a:r>
+              <a:rPr lang="en-US" dirty="0" smtClean="0"/>
+              <a:t>, </a:t>
+            </a:r>
+            <a:r>
+              <a:rPr lang="en-US" dirty="0" err="1" smtClean="0"/>
+              <a:t>parkingLotID</a:t>
+            </a:r>
+            <a:r>
+              <a:rPr lang="en-US" dirty="0" smtClean="0"/>
+              <a:t>, occupied)</a:t>
+            </a:r>
+          </a:p>
+          <a:p>
+            <a:r>
+              <a:rPr lang="en-US" dirty="0" smtClean="0"/>
+              <a:t>Staff(</a:t>
+            </a:r>
+            <a:r>
+              <a:rPr lang="en-US" u="sng" dirty="0" err="1" smtClean="0"/>
+              <a:t>staffID</a:t>
+            </a:r>
+            <a:r>
+              <a:rPr lang="en-US" dirty="0" smtClean="0"/>
+              <a:t>, </a:t>
+            </a:r>
+            <a:r>
+              <a:rPr lang="en-US" dirty="0" err="1" smtClean="0"/>
+              <a:t>fullname</a:t>
+            </a:r>
+            <a:r>
+              <a:rPr lang="en-US" dirty="0" smtClean="0"/>
+              <a:t>, </a:t>
+            </a:r>
+            <a:r>
+              <a:rPr lang="en-US" dirty="0" err="1" smtClean="0"/>
+              <a:t>parkingLotID</a:t>
+            </a:r>
+            <a:r>
+              <a:rPr lang="en-US" dirty="0" smtClean="0"/>
+              <a:t>, password)</a:t>
+            </a:r>
+          </a:p>
+          <a:p>
+            <a:pPr marL="0" indent="0">
+              <a:buNone/>
+            </a:pPr>
             <a:endParaRPr lang="en-GB" dirty="0"/>
           </a:p>
         </p:txBody>
@@ -6990,13 +6977,21 @@
     </p:spTree>
     <p:extLst>
       <p:ext uri="{BB962C8B-B14F-4D97-AF65-F5344CB8AC3E}">
-        <p14:creationId xmlns:p14="http://schemas.microsoft.com/office/powerpoint/2010/main" val="1107836323"/>
+        <p14:creationId xmlns:p14="http://schemas.microsoft.com/office/powerpoint/2010/main" val="1246534415"/>
       </p:ext>
     </p:extLst>
   </p:cSld>
   <p:clrMapOvr>
     <a:masterClrMapping/>
   </p:clrMapOvr>
+  <mc:AlternateContent xmlns:mc="http://schemas.openxmlformats.org/markup-compatibility/2006" xmlns:p14="http://schemas.microsoft.com/office/powerpoint/2010/main">
+    <mc:Choice Requires="p14">
+      <p:transition spd="slow" p14:dur="2000"/>
+    </mc:Choice>
+    <mc:Fallback xmlns="">
+      <p:transition spd="slow"/>
+    </mc:Fallback>
+  </mc:AlternateContent>
   <p:timing>
     <p:tnLst>
       <p:par>
@@ -7008,7 +7003,7 @@
 </file>
 
 <file path=ppt/slides/slide26.xml><?xml version="1.0" encoding="utf-8"?>
-<p:sld xmlns:a="http://schemas.openxmlformats.org/drawingml/2006/main" xmlns:r="http://schemas.openxmlformats.org/officeDocument/2006/relationships" xmlns:p="http://schemas.openxmlformats.org/presentationml/2006/main">
+<p:sld xmlns:a="http://schemas.openxmlformats.org/drawingml/2006/main" xmlns:r="http://schemas.openxmlformats.org/officeDocument/2006/relationships" xmlns:p="http://schemas.openxmlformats.org/presentationml/2006/main" show="0">
   <p:cSld>
     <p:spTree>
       <p:nvGrpSpPr>
@@ -7049,15 +7044,15 @@
             </a:r>
             <a:r>
               <a:rPr lang="en-US" dirty="0" err="1" smtClean="0"/>
-              <a:t>ràng</a:t>
-            </a:r>
-            <a:r>
-              <a:rPr lang="en-US" dirty="0" smtClean="0"/>
-              <a:t> </a:t>
-            </a:r>
-            <a:r>
-              <a:rPr lang="en-US" dirty="0" err="1" smtClean="0"/>
-              <a:t>buộc</a:t>
+              <a:t>thao</a:t>
+            </a:r>
+            <a:r>
+              <a:rPr lang="en-US" dirty="0" smtClean="0"/>
+              <a:t> </a:t>
+            </a:r>
+            <a:r>
+              <a:rPr lang="en-US" dirty="0" err="1" smtClean="0"/>
+              <a:t>tác</a:t>
             </a:r>
             <a:endParaRPr lang="en-GB" dirty="0"/>
           </a:p>
@@ -7075,16 +7070,22 @@
         </p:nvSpPr>
         <p:spPr/>
         <p:txBody>
-          <a:bodyPr/>
+          <a:bodyPr>
+            <a:normAutofit/>
+          </a:bodyPr>
           <a:lstStyle/>
           <a:p>
             <a:r>
-              <a:rPr lang="en-US" dirty="0" smtClean="0"/>
-              <a:t>UNIQUE: </a:t>
-            </a:r>
-            <a:r>
-              <a:rPr lang="en-US" dirty="0" err="1" smtClean="0"/>
-              <a:t>student.customerid</a:t>
+              <a:rPr lang="en-US" dirty="0" err="1" smtClean="0"/>
+              <a:t>Gửi</a:t>
+            </a:r>
+            <a:r>
+              <a:rPr lang="en-US" dirty="0" smtClean="0"/>
+              <a:t> </a:t>
+            </a:r>
+            <a:r>
+              <a:rPr lang="en-US" dirty="0" err="1" smtClean="0"/>
+              <a:t>xe</a:t>
             </a:r>
             <a:r>
               <a:rPr lang="en-US" dirty="0" smtClean="0"/>
@@ -7092,26 +7093,157 @@
             </a:r>
             <a:r>
               <a:rPr lang="en-US" dirty="0" err="1" smtClean="0"/>
-              <a:t>visitor.customerid</a:t>
+              <a:t>thanh</a:t>
+            </a:r>
+            <a:r>
+              <a:rPr lang="en-US" dirty="0" smtClean="0"/>
+              <a:t> </a:t>
+            </a:r>
+            <a:r>
+              <a:rPr lang="en-US" dirty="0" err="1" smtClean="0"/>
+              <a:t>toán</a:t>
+            </a:r>
+            <a:r>
+              <a:rPr lang="en-US" dirty="0" smtClean="0"/>
+              <a:t>, </a:t>
+            </a:r>
+            <a:r>
+              <a:rPr lang="en-US" dirty="0" err="1" smtClean="0"/>
+              <a:t>nạp</a:t>
+            </a:r>
+            <a:r>
+              <a:rPr lang="en-US" dirty="0" smtClean="0"/>
+              <a:t> </a:t>
+            </a:r>
+            <a:r>
+              <a:rPr lang="en-US" dirty="0" err="1" smtClean="0"/>
+              <a:t>tiền</a:t>
             </a:r>
             <a:endParaRPr lang="en-US" dirty="0" smtClean="0"/>
           </a:p>
           <a:p>
-            <a:r>
-              <a:rPr lang="en-US" dirty="0" smtClean="0"/>
-              <a:t>NOT NULL</a:t>
-            </a:r>
-          </a:p>
-          <a:p>
-            <a:r>
-              <a:rPr lang="en-US" dirty="0" smtClean="0"/>
-              <a:t>CHECK length(password)</a:t>
-            </a:r>
-          </a:p>
-          <a:p>
-            <a:r>
-              <a:rPr lang="en-US" dirty="0" smtClean="0"/>
-              <a:t>Trigger</a:t>
+            <a:pPr lvl="1"/>
+            <a:r>
+              <a:rPr lang="en-US" dirty="0" smtClean="0"/>
+              <a:t>Park(</a:t>
+            </a:r>
+            <a:r>
+              <a:rPr lang="en-US" u="sng" dirty="0" err="1" smtClean="0"/>
+              <a:t>ParkID</a:t>
+            </a:r>
+            <a:r>
+              <a:rPr lang="en-US" dirty="0" smtClean="0"/>
+              <a:t>, </a:t>
+            </a:r>
+            <a:r>
+              <a:rPr lang="en-US" dirty="0" err="1" smtClean="0"/>
+              <a:t>VehicleID</a:t>
+            </a:r>
+            <a:r>
+              <a:rPr lang="en-US" dirty="0" smtClean="0"/>
+              <a:t>, </a:t>
+            </a:r>
+            <a:r>
+              <a:rPr lang="en-US" dirty="0" err="1" smtClean="0"/>
+              <a:t>ParkingSpotID</a:t>
+            </a:r>
+            <a:r>
+              <a:rPr lang="en-US" dirty="0" smtClean="0"/>
+              <a:t>, </a:t>
+            </a:r>
+            <a:r>
+              <a:rPr lang="en-US" dirty="0" err="1" smtClean="0"/>
+              <a:t>Entry_Time</a:t>
+            </a:r>
+            <a:r>
+              <a:rPr lang="en-US" dirty="0" smtClean="0"/>
+              <a:t>,</a:t>
+            </a:r>
+            <a:r>
+              <a:rPr lang="en-GB" dirty="0" smtClean="0"/>
+              <a:t> </a:t>
+            </a:r>
+            <a:r>
+              <a:rPr lang="en-US" dirty="0" err="1" smtClean="0"/>
+              <a:t>Exit_Time</a:t>
+            </a:r>
+            <a:r>
+              <a:rPr lang="en-US" dirty="0" smtClean="0"/>
+              <a:t>)</a:t>
+            </a:r>
+          </a:p>
+          <a:p>
+            <a:pPr lvl="1"/>
+            <a:r>
+              <a:rPr lang="en-US" dirty="0" smtClean="0"/>
+              <a:t>Transaction(</a:t>
+            </a:r>
+            <a:r>
+              <a:rPr lang="en-US" u="sng" dirty="0" err="1" smtClean="0"/>
+              <a:t>TransactionID</a:t>
+            </a:r>
+            <a:r>
+              <a:rPr lang="en-US" dirty="0" smtClean="0"/>
+              <a:t>, amount, time, </a:t>
+            </a:r>
+            <a:r>
+              <a:rPr lang="en-US" dirty="0" err="1" smtClean="0"/>
+              <a:t>transaction_type</a:t>
+            </a:r>
+            <a:r>
+              <a:rPr lang="en-US" dirty="0" smtClean="0"/>
+              <a:t>, </a:t>
+            </a:r>
+            <a:r>
+              <a:rPr lang="en-US" dirty="0" err="1" smtClean="0"/>
+              <a:t>customerID</a:t>
+            </a:r>
+            <a:r>
+              <a:rPr lang="en-US" dirty="0"/>
+              <a:t>)</a:t>
+            </a:r>
+            <a:endParaRPr lang="en-US" dirty="0" smtClean="0"/>
+          </a:p>
+          <a:p>
+            <a:r>
+              <a:rPr lang="en-US" dirty="0" smtClean="0"/>
+              <a:t>Xin </a:t>
+            </a:r>
+            <a:r>
+              <a:rPr lang="en-US" dirty="0" err="1" smtClean="0"/>
+              <a:t>việc</a:t>
+            </a:r>
+            <a:endParaRPr lang="en-US" dirty="0" smtClean="0"/>
+          </a:p>
+          <a:p>
+            <a:pPr lvl="1"/>
+            <a:r>
+              <a:rPr lang="en-US" dirty="0" smtClean="0"/>
+              <a:t>Application(</a:t>
+            </a:r>
+            <a:r>
+              <a:rPr lang="en-US" u="sng" dirty="0" smtClean="0"/>
+              <a:t>ID</a:t>
+            </a:r>
+            <a:r>
+              <a:rPr lang="en-US" dirty="0" smtClean="0"/>
+              <a:t>, </a:t>
+            </a:r>
+            <a:r>
+              <a:rPr lang="en-US" dirty="0" err="1" smtClean="0"/>
+              <a:t>fullname</a:t>
+            </a:r>
+            <a:r>
+              <a:rPr lang="en-US" dirty="0" smtClean="0"/>
+              <a:t>, </a:t>
+            </a:r>
+            <a:r>
+              <a:rPr lang="en-US" dirty="0" err="1" smtClean="0"/>
+              <a:t>datebirth</a:t>
+            </a:r>
+            <a:r>
+              <a:rPr lang="en-US" dirty="0" smtClean="0"/>
+              <a:t>, email)</a:t>
             </a:r>
           </a:p>
         </p:txBody>
@@ -7119,13 +7251,21 @@
     </p:spTree>
     <p:extLst>
       <p:ext uri="{BB962C8B-B14F-4D97-AF65-F5344CB8AC3E}">
-        <p14:creationId xmlns:p14="http://schemas.microsoft.com/office/powerpoint/2010/main" val="3606725957"/>
+        <p14:creationId xmlns:p14="http://schemas.microsoft.com/office/powerpoint/2010/main" val="1712894505"/>
       </p:ext>
     </p:extLst>
   </p:cSld>
   <p:clrMapOvr>
     <a:masterClrMapping/>
   </p:clrMapOvr>
+  <mc:AlternateContent xmlns:mc="http://schemas.openxmlformats.org/markup-compatibility/2006" xmlns:p14="http://schemas.microsoft.com/office/powerpoint/2010/main">
+    <mc:Choice Requires="p14">
+      <p:transition spd="slow" p14:dur="2000"/>
+    </mc:Choice>
+    <mc:Fallback xmlns="">
+      <p:transition spd="slow"/>
+    </mc:Fallback>
+  </mc:AlternateContent>
   <p:timing>
     <p:tnLst>
       <p:par>
@@ -7170,25 +7310,17 @@
           <a:p>
             <a:r>
               <a:rPr lang="en-US" dirty="0" err="1" smtClean="0"/>
-              <a:t>Các</a:t>
-            </a:r>
-            <a:r>
-              <a:rPr lang="en-US" dirty="0" smtClean="0"/>
-              <a:t> </a:t>
-            </a:r>
-            <a:r>
-              <a:rPr lang="en-US" dirty="0" err="1" smtClean="0"/>
-              <a:t>truy</a:t>
-            </a:r>
-            <a:r>
-              <a:rPr lang="en-US" dirty="0" smtClean="0"/>
-              <a:t> </a:t>
-            </a:r>
-            <a:r>
-              <a:rPr lang="en-US" dirty="0" err="1" smtClean="0"/>
-              <a:t>vấn</a:t>
-            </a:r>
-            <a:endParaRPr lang="en-US" dirty="0"/>
+              <a:t>Phân</a:t>
+            </a:r>
+            <a:r>
+              <a:rPr lang="en-US" dirty="0" smtClean="0"/>
+              <a:t> </a:t>
+            </a:r>
+            <a:r>
+              <a:rPr lang="en-US" dirty="0" err="1" smtClean="0"/>
+              <a:t>loại</a:t>
+            </a:r>
+            <a:endParaRPr lang="en-GB" dirty="0"/>
           </a:p>
         </p:txBody>
       </p:sp>
@@ -7208,241 +7340,38 @@
           <a:lstStyle/>
           <a:p>
             <a:r>
-              <a:rPr lang="en-US" dirty="0" smtClean="0"/>
-              <a:t>In </a:t>
-            </a:r>
-            <a:r>
-              <a:rPr lang="en-US" dirty="0" err="1" smtClean="0"/>
-              <a:t>ra</a:t>
-            </a:r>
-            <a:r>
-              <a:rPr lang="en-US" dirty="0" smtClean="0"/>
-              <a:t> </a:t>
-            </a:r>
-            <a:r>
-              <a:rPr lang="en-US" dirty="0" err="1" smtClean="0"/>
-              <a:t>giao</a:t>
-            </a:r>
-            <a:r>
-              <a:rPr lang="en-US" dirty="0" smtClean="0"/>
-              <a:t> </a:t>
-            </a:r>
-            <a:r>
-              <a:rPr lang="en-US" dirty="0" err="1" smtClean="0"/>
-              <a:t>dịch</a:t>
-            </a:r>
-            <a:r>
-              <a:rPr lang="en-US" dirty="0" smtClean="0"/>
-              <a:t> </a:t>
-            </a:r>
-            <a:r>
-              <a:rPr lang="en-US" dirty="0" err="1" smtClean="0"/>
-              <a:t>của</a:t>
-            </a:r>
-            <a:r>
-              <a:rPr lang="en-US" dirty="0" smtClean="0"/>
-              <a:t> </a:t>
-            </a:r>
-            <a:r>
-              <a:rPr lang="en-US" dirty="0" err="1" smtClean="0"/>
-              <a:t>sinh</a:t>
-            </a:r>
-            <a:r>
-              <a:rPr lang="en-US" dirty="0" smtClean="0"/>
-              <a:t> </a:t>
-            </a:r>
-            <a:r>
-              <a:rPr lang="en-US" dirty="0" err="1" smtClean="0"/>
-              <a:t>viên</a:t>
-            </a:r>
-            <a:r>
-              <a:rPr lang="en-US" dirty="0" smtClean="0"/>
-              <a:t> </a:t>
-            </a:r>
-            <a:r>
-              <a:rPr lang="en-US" dirty="0" err="1" smtClean="0"/>
-              <a:t>có</a:t>
-            </a:r>
-            <a:r>
-              <a:rPr lang="en-US" dirty="0" smtClean="0"/>
-              <a:t> </a:t>
-            </a:r>
-            <a:r>
-              <a:rPr lang="en-US" dirty="0" err="1" smtClean="0"/>
-              <a:t>tên</a:t>
-            </a:r>
-            <a:r>
-              <a:rPr lang="en-US" dirty="0" smtClean="0"/>
-              <a:t> </a:t>
-            </a:r>
-            <a:r>
-              <a:rPr lang="en-US" dirty="0" err="1" smtClean="0"/>
-              <a:t>là</a:t>
-            </a:r>
-            <a:r>
-              <a:rPr lang="en-US" dirty="0" smtClean="0"/>
-              <a:t> </a:t>
-            </a:r>
-            <a:r>
-              <a:rPr lang="en-US" dirty="0" err="1" smtClean="0"/>
-              <a:t>Nguyễn</a:t>
-            </a:r>
-            <a:r>
-              <a:rPr lang="en-US" dirty="0" smtClean="0"/>
-              <a:t> </a:t>
-            </a:r>
-            <a:r>
-              <a:rPr lang="en-US" dirty="0" err="1" smtClean="0"/>
-              <a:t>Đức</a:t>
-            </a:r>
-            <a:r>
-              <a:rPr lang="en-US" dirty="0" smtClean="0"/>
-              <a:t> </a:t>
-            </a:r>
-            <a:r>
-              <a:rPr lang="en-US" dirty="0" err="1" smtClean="0"/>
-              <a:t>Mạnh</a:t>
-            </a:r>
-            <a:r>
-              <a:rPr lang="en-US" dirty="0" smtClean="0"/>
-              <a:t>.</a:t>
-            </a:r>
-          </a:p>
-          <a:p>
-            <a:r>
-              <a:rPr lang="en-US" dirty="0"/>
-              <a:t>In </a:t>
-            </a:r>
-            <a:r>
-              <a:rPr lang="en-US" dirty="0" err="1"/>
-              <a:t>ra</a:t>
-            </a:r>
-            <a:r>
-              <a:rPr lang="en-US" dirty="0"/>
-              <a:t> </a:t>
-            </a:r>
-            <a:r>
-              <a:rPr lang="en-US" dirty="0" err="1"/>
-              <a:t>tất</a:t>
-            </a:r>
-            <a:r>
-              <a:rPr lang="en-US" dirty="0"/>
-              <a:t> </a:t>
-            </a:r>
-            <a:r>
-              <a:rPr lang="en-US" dirty="0" err="1"/>
-              <a:t>cả</a:t>
-            </a:r>
-            <a:r>
-              <a:rPr lang="en-US" dirty="0"/>
-              <a:t> </a:t>
-            </a:r>
-            <a:r>
-              <a:rPr lang="en-US" dirty="0" err="1"/>
-              <a:t>lần</a:t>
-            </a:r>
-            <a:r>
-              <a:rPr lang="en-US" dirty="0"/>
-              <a:t> </a:t>
-            </a:r>
-            <a:r>
-              <a:rPr lang="en-US" dirty="0" err="1"/>
-              <a:t>đỗ</a:t>
-            </a:r>
-            <a:r>
-              <a:rPr lang="en-US" dirty="0"/>
-              <a:t> </a:t>
-            </a:r>
-            <a:r>
-              <a:rPr lang="en-US" dirty="0" err="1"/>
-              <a:t>xe</a:t>
-            </a:r>
-            <a:r>
-              <a:rPr lang="en-US" dirty="0"/>
-              <a:t> </a:t>
-            </a:r>
-            <a:r>
-              <a:rPr lang="en-US" dirty="0" err="1"/>
-              <a:t>của</a:t>
-            </a:r>
-            <a:r>
-              <a:rPr lang="en-US" dirty="0"/>
-              <a:t> </a:t>
-            </a:r>
-            <a:r>
-              <a:rPr lang="en-US" dirty="0" err="1"/>
-              <a:t>sinh</a:t>
-            </a:r>
-            <a:r>
-              <a:rPr lang="en-US" dirty="0"/>
-              <a:t> </a:t>
-            </a:r>
-            <a:r>
-              <a:rPr lang="en-US" dirty="0" err="1"/>
-              <a:t>viên</a:t>
-            </a:r>
-            <a:r>
-              <a:rPr lang="en-US" dirty="0"/>
-              <a:t> </a:t>
-            </a:r>
-            <a:r>
-              <a:rPr lang="en-US" dirty="0" err="1"/>
-              <a:t>có</a:t>
-            </a:r>
-            <a:r>
-              <a:rPr lang="en-US" dirty="0"/>
-              <a:t> </a:t>
-            </a:r>
-            <a:r>
-              <a:rPr lang="en-US" dirty="0" err="1" smtClean="0"/>
-              <a:t>tên</a:t>
-            </a:r>
-            <a:r>
-              <a:rPr lang="en-US" dirty="0" smtClean="0"/>
-              <a:t> </a:t>
-            </a:r>
-            <a:r>
-              <a:rPr lang="en-US" dirty="0" err="1" smtClean="0"/>
-              <a:t>là</a:t>
-            </a:r>
-            <a:r>
-              <a:rPr lang="en-US" dirty="0" smtClean="0"/>
-              <a:t> </a:t>
-            </a:r>
-            <a:r>
-              <a:rPr lang="en-US" dirty="0" err="1" smtClean="0"/>
-              <a:t>Nguyễn</a:t>
-            </a:r>
-            <a:r>
-              <a:rPr lang="en-US" dirty="0" smtClean="0"/>
-              <a:t> </a:t>
-            </a:r>
-            <a:r>
-              <a:rPr lang="en-US" dirty="0" err="1" smtClean="0"/>
-              <a:t>Đức</a:t>
-            </a:r>
-            <a:r>
-              <a:rPr lang="en-US" dirty="0" smtClean="0"/>
-              <a:t> </a:t>
-            </a:r>
-            <a:r>
-              <a:rPr lang="en-US" dirty="0" err="1" smtClean="0"/>
-              <a:t>Mạnh</a:t>
-            </a:r>
-            <a:r>
-              <a:rPr lang="en-US" dirty="0" smtClean="0"/>
-              <a:t>.</a:t>
-            </a:r>
-          </a:p>
-          <a:p>
+              <a:rPr lang="en-US" dirty="0" err="1" smtClean="0"/>
+              <a:t>spot_type</a:t>
+            </a:r>
+            <a:r>
+              <a:rPr lang="en-US" dirty="0" smtClean="0"/>
+              <a:t>(…)</a:t>
+            </a:r>
             <a:endParaRPr lang="en-US" dirty="0"/>
+          </a:p>
+          <a:p>
+            <a:r>
+              <a:rPr lang="en-US" dirty="0" err="1" smtClean="0"/>
+              <a:t>vehicle_type</a:t>
+            </a:r>
+            <a:r>
+              <a:rPr lang="en-US" dirty="0" smtClean="0"/>
+              <a:t>(…)</a:t>
+            </a:r>
+          </a:p>
+          <a:p>
+            <a:r>
+              <a:rPr lang="en-US" dirty="0" err="1" smtClean="0"/>
+              <a:t>Customer_type</a:t>
+            </a:r>
+            <a:endParaRPr lang="en-GB" dirty="0"/>
           </a:p>
         </p:txBody>
       </p:sp>
     </p:spTree>
     <p:extLst>
       <p:ext uri="{BB962C8B-B14F-4D97-AF65-F5344CB8AC3E}">
-        <p14:creationId xmlns:p14="http://schemas.microsoft.com/office/powerpoint/2010/main" val="3752954763"/>
+        <p14:creationId xmlns:p14="http://schemas.microsoft.com/office/powerpoint/2010/main" val="1107836323"/>
       </p:ext>
     </p:extLst>
   </p:cSld>
@@ -7492,10 +7421,26 @@
           <a:lstStyle/>
           <a:p>
             <a:r>
-              <a:rPr lang="en-US" dirty="0" smtClean="0"/>
-              <a:t>Function</a:t>
-            </a:r>
-            <a:endParaRPr lang="en-US" dirty="0"/>
+              <a:rPr lang="en-US" dirty="0" err="1" smtClean="0"/>
+              <a:t>Các</a:t>
+            </a:r>
+            <a:r>
+              <a:rPr lang="en-US" dirty="0" smtClean="0"/>
+              <a:t> </a:t>
+            </a:r>
+            <a:r>
+              <a:rPr lang="en-US" dirty="0" err="1" smtClean="0"/>
+              <a:t>ràng</a:t>
+            </a:r>
+            <a:r>
+              <a:rPr lang="en-US" dirty="0" smtClean="0"/>
+              <a:t> </a:t>
+            </a:r>
+            <a:r>
+              <a:rPr lang="en-US" dirty="0" err="1" smtClean="0"/>
+              <a:t>buộc</a:t>
+            </a:r>
+            <a:endParaRPr lang="en-GB" dirty="0"/>
           </a:p>
         </p:txBody>
       </p:sp>
@@ -7514,14 +7459,48 @@
           <a:bodyPr/>
           <a:lstStyle/>
           <a:p>
-            <a:endParaRPr lang="en-US"/>
+            <a:r>
+              <a:rPr lang="en-US" dirty="0" smtClean="0"/>
+              <a:t>UNIQUE: </a:t>
+            </a:r>
+            <a:r>
+              <a:rPr lang="en-US" dirty="0" err="1" smtClean="0"/>
+              <a:t>student.customerid</a:t>
+            </a:r>
+            <a:r>
+              <a:rPr lang="en-US" dirty="0" smtClean="0"/>
+              <a:t>, </a:t>
+            </a:r>
+            <a:r>
+              <a:rPr lang="en-US" dirty="0" err="1" smtClean="0"/>
+              <a:t>visitor.customerid</a:t>
+            </a:r>
+            <a:endParaRPr lang="en-US" dirty="0" smtClean="0"/>
+          </a:p>
+          <a:p>
+            <a:r>
+              <a:rPr lang="en-US" dirty="0" smtClean="0"/>
+              <a:t>NOT NULL</a:t>
+            </a:r>
+          </a:p>
+          <a:p>
+            <a:r>
+              <a:rPr lang="en-US" dirty="0" smtClean="0"/>
+              <a:t>CHECK length(password)</a:t>
+            </a:r>
+          </a:p>
+          <a:p>
+            <a:r>
+              <a:rPr lang="en-US" dirty="0" smtClean="0"/>
+              <a:t>Trigger</a:t>
+            </a:r>
           </a:p>
         </p:txBody>
       </p:sp>
     </p:spTree>
     <p:extLst>
       <p:ext uri="{BB962C8B-B14F-4D97-AF65-F5344CB8AC3E}">
-        <p14:creationId xmlns:p14="http://schemas.microsoft.com/office/powerpoint/2010/main" val="13791632"/>
+        <p14:creationId xmlns:p14="http://schemas.microsoft.com/office/powerpoint/2010/main" val="3606725957"/>
       </p:ext>
     </p:extLst>
   </p:cSld>
@@ -7571,8 +7550,24 @@
           <a:lstStyle/>
           <a:p>
             <a:r>
-              <a:rPr lang="en-US" dirty="0" smtClean="0"/>
-              <a:t>Trigger</a:t>
+              <a:rPr lang="en-US" dirty="0" err="1" smtClean="0"/>
+              <a:t>Các</a:t>
+            </a:r>
+            <a:r>
+              <a:rPr lang="en-US" dirty="0" smtClean="0"/>
+              <a:t> </a:t>
+            </a:r>
+            <a:r>
+              <a:rPr lang="en-US" dirty="0" err="1" smtClean="0"/>
+              <a:t>truy</a:t>
+            </a:r>
+            <a:r>
+              <a:rPr lang="en-US" dirty="0" smtClean="0"/>
+              <a:t> </a:t>
+            </a:r>
+            <a:r>
+              <a:rPr lang="en-US" dirty="0" err="1" smtClean="0"/>
+              <a:t>vấn</a:t>
             </a:r>
             <a:endParaRPr lang="en-US" dirty="0"/>
           </a:p>
@@ -7593,20 +7588,255 @@
           <a:bodyPr/>
           <a:lstStyle/>
           <a:p>
-            <a:endParaRPr lang="en-US"/>
+            <a:r>
+              <a:rPr lang="en-US" dirty="0" smtClean="0"/>
+              <a:t>In </a:t>
+            </a:r>
+            <a:r>
+              <a:rPr lang="en-US" dirty="0" err="1" smtClean="0"/>
+              <a:t>ra</a:t>
+            </a:r>
+            <a:r>
+              <a:rPr lang="en-US" dirty="0" smtClean="0"/>
+              <a:t> </a:t>
+            </a:r>
+            <a:r>
+              <a:rPr lang="en-US" dirty="0" err="1" smtClean="0"/>
+              <a:t>giao</a:t>
+            </a:r>
+            <a:r>
+              <a:rPr lang="en-US" dirty="0" smtClean="0"/>
+              <a:t> </a:t>
+            </a:r>
+            <a:r>
+              <a:rPr lang="en-US" dirty="0" err="1" smtClean="0"/>
+              <a:t>dịch</a:t>
+            </a:r>
+            <a:r>
+              <a:rPr lang="en-US" dirty="0" smtClean="0"/>
+              <a:t> </a:t>
+            </a:r>
+            <a:r>
+              <a:rPr lang="en-US" dirty="0" err="1" smtClean="0"/>
+              <a:t>của</a:t>
+            </a:r>
+            <a:r>
+              <a:rPr lang="en-US" dirty="0" smtClean="0"/>
+              <a:t> </a:t>
+            </a:r>
+            <a:r>
+              <a:rPr lang="en-US" dirty="0" err="1" smtClean="0"/>
+              <a:t>sinh</a:t>
+            </a:r>
+            <a:r>
+              <a:rPr lang="en-US" dirty="0" smtClean="0"/>
+              <a:t> </a:t>
+            </a:r>
+            <a:r>
+              <a:rPr lang="en-US" dirty="0" err="1" smtClean="0"/>
+              <a:t>viên</a:t>
+            </a:r>
+            <a:r>
+              <a:rPr lang="en-US" dirty="0" smtClean="0"/>
+              <a:t> </a:t>
+            </a:r>
+            <a:r>
+              <a:rPr lang="en-US" dirty="0" err="1" smtClean="0"/>
+              <a:t>có</a:t>
+            </a:r>
+            <a:r>
+              <a:rPr lang="en-US" dirty="0" smtClean="0"/>
+              <a:t> </a:t>
+            </a:r>
+            <a:r>
+              <a:rPr lang="en-US" dirty="0" err="1" smtClean="0"/>
+              <a:t>tên</a:t>
+            </a:r>
+            <a:r>
+              <a:rPr lang="en-US" dirty="0" smtClean="0"/>
+              <a:t> </a:t>
+            </a:r>
+            <a:r>
+              <a:rPr lang="en-US" dirty="0" err="1" smtClean="0"/>
+              <a:t>là</a:t>
+            </a:r>
+            <a:r>
+              <a:rPr lang="en-US" dirty="0" smtClean="0"/>
+              <a:t> </a:t>
+            </a:r>
+            <a:r>
+              <a:rPr lang="en-US" dirty="0" err="1" smtClean="0"/>
+              <a:t>Nguyễn</a:t>
+            </a:r>
+            <a:r>
+              <a:rPr lang="en-US" dirty="0" smtClean="0"/>
+              <a:t> </a:t>
+            </a:r>
+            <a:r>
+              <a:rPr lang="en-US" dirty="0" err="1" smtClean="0"/>
+              <a:t>Đức</a:t>
+            </a:r>
+            <a:r>
+              <a:rPr lang="en-US" dirty="0" smtClean="0"/>
+              <a:t> </a:t>
+            </a:r>
+            <a:r>
+              <a:rPr lang="en-US" dirty="0" err="1" smtClean="0"/>
+              <a:t>Mạnh</a:t>
+            </a:r>
+            <a:r>
+              <a:rPr lang="en-US" dirty="0" smtClean="0"/>
+              <a:t>.</a:t>
+            </a:r>
+          </a:p>
+          <a:p>
+            <a:r>
+              <a:rPr lang="en-US" dirty="0"/>
+              <a:t>In </a:t>
+            </a:r>
+            <a:r>
+              <a:rPr lang="en-US" dirty="0" err="1"/>
+              <a:t>ra</a:t>
+            </a:r>
+            <a:r>
+              <a:rPr lang="en-US" dirty="0"/>
+              <a:t> </a:t>
+            </a:r>
+            <a:r>
+              <a:rPr lang="en-US" dirty="0" err="1"/>
+              <a:t>tất</a:t>
+            </a:r>
+            <a:r>
+              <a:rPr lang="en-US" dirty="0"/>
+              <a:t> </a:t>
+            </a:r>
+            <a:r>
+              <a:rPr lang="en-US" dirty="0" err="1"/>
+              <a:t>cả</a:t>
+            </a:r>
+            <a:r>
+              <a:rPr lang="en-US" dirty="0"/>
+              <a:t> </a:t>
+            </a:r>
+            <a:r>
+              <a:rPr lang="en-US" dirty="0" err="1"/>
+              <a:t>lần</a:t>
+            </a:r>
+            <a:r>
+              <a:rPr lang="en-US" dirty="0"/>
+              <a:t> </a:t>
+            </a:r>
+            <a:r>
+              <a:rPr lang="en-US" dirty="0" err="1"/>
+              <a:t>đỗ</a:t>
+            </a:r>
+            <a:r>
+              <a:rPr lang="en-US" dirty="0"/>
+              <a:t> </a:t>
+            </a:r>
+            <a:r>
+              <a:rPr lang="en-US" dirty="0" err="1"/>
+              <a:t>xe</a:t>
+            </a:r>
+            <a:r>
+              <a:rPr lang="en-US" dirty="0"/>
+              <a:t> </a:t>
+            </a:r>
+            <a:r>
+              <a:rPr lang="en-US" dirty="0" err="1"/>
+              <a:t>của</a:t>
+            </a:r>
+            <a:r>
+              <a:rPr lang="en-US" dirty="0"/>
+              <a:t> </a:t>
+            </a:r>
+            <a:r>
+              <a:rPr lang="en-US" dirty="0" err="1"/>
+              <a:t>sinh</a:t>
+            </a:r>
+            <a:r>
+              <a:rPr lang="en-US" dirty="0"/>
+              <a:t> </a:t>
+            </a:r>
+            <a:r>
+              <a:rPr lang="en-US" dirty="0" err="1"/>
+              <a:t>viên</a:t>
+            </a:r>
+            <a:r>
+              <a:rPr lang="en-US" dirty="0"/>
+              <a:t> </a:t>
+            </a:r>
+            <a:r>
+              <a:rPr lang="en-US" dirty="0" err="1"/>
+              <a:t>có</a:t>
+            </a:r>
+            <a:r>
+              <a:rPr lang="en-US" dirty="0"/>
+              <a:t> </a:t>
+            </a:r>
+            <a:r>
+              <a:rPr lang="en-US" dirty="0" err="1" smtClean="0"/>
+              <a:t>tên</a:t>
+            </a:r>
+            <a:r>
+              <a:rPr lang="en-US" dirty="0" smtClean="0"/>
+              <a:t> </a:t>
+            </a:r>
+            <a:r>
+              <a:rPr lang="en-US" dirty="0" err="1" smtClean="0"/>
+              <a:t>là</a:t>
+            </a:r>
+            <a:r>
+              <a:rPr lang="en-US" dirty="0" smtClean="0"/>
+              <a:t> </a:t>
+            </a:r>
+            <a:r>
+              <a:rPr lang="en-US" dirty="0" err="1" smtClean="0"/>
+              <a:t>Nguyễn</a:t>
+            </a:r>
+            <a:r>
+              <a:rPr lang="en-US" dirty="0" smtClean="0"/>
+              <a:t> </a:t>
+            </a:r>
+            <a:r>
+              <a:rPr lang="en-US" dirty="0" err="1" smtClean="0"/>
+              <a:t>Đức</a:t>
+            </a:r>
+            <a:r>
+              <a:rPr lang="en-US" dirty="0" smtClean="0"/>
+              <a:t> </a:t>
+            </a:r>
+            <a:r>
+              <a:rPr lang="en-US" dirty="0" err="1" smtClean="0"/>
+              <a:t>Mạnh</a:t>
+            </a:r>
+            <a:r>
+              <a:rPr lang="en-US" dirty="0" smtClean="0"/>
+              <a:t>.</a:t>
+            </a:r>
+          </a:p>
+          <a:p>
+            <a:endParaRPr lang="en-US" dirty="0"/>
           </a:p>
         </p:txBody>
       </p:sp>
     </p:spTree>
     <p:extLst>
       <p:ext uri="{BB962C8B-B14F-4D97-AF65-F5344CB8AC3E}">
-        <p14:creationId xmlns:p14="http://schemas.microsoft.com/office/powerpoint/2010/main" val="2191653763"/>
+        <p14:creationId xmlns:p14="http://schemas.microsoft.com/office/powerpoint/2010/main" val="3752954763"/>
       </p:ext>
     </p:extLst>
   </p:cSld>
   <p:clrMapOvr>
     <a:masterClrMapping/>
   </p:clrMapOvr>
+  <p:timing>
+    <p:tnLst>
+      <p:par>
+        <p:cTn id="1" dur="indefinite" restart="never" nodeType="tmRoot"/>
+      </p:par>
+    </p:tnLst>
+  </p:timing>
 </p:sld>
 </file>
 
@@ -7745,7 +7975,6 @@
               <a:rPr lang="en-US" dirty="0" smtClean="0"/>
               <a:t> CSDL</a:t>
             </a:r>
-            <a:endParaRPr lang="en-US" dirty="0" smtClean="0"/>
           </a:p>
           <a:p>
             <a:r>
@@ -7980,6 +8209,157 @@
 </file>
 
 <file path=ppt/slides/slide30.xml><?xml version="1.0" encoding="utf-8"?>
+<p:sld xmlns:a="http://schemas.openxmlformats.org/drawingml/2006/main" xmlns:r="http://schemas.openxmlformats.org/officeDocument/2006/relationships" xmlns:p="http://schemas.openxmlformats.org/presentationml/2006/main">
+  <p:cSld>
+    <p:spTree>
+      <p:nvGrpSpPr>
+        <p:cNvPr id="1" name=""/>
+        <p:cNvGrpSpPr/>
+        <p:nvPr/>
+      </p:nvGrpSpPr>
+      <p:grpSpPr>
+        <a:xfrm>
+          <a:off x="0" y="0"/>
+          <a:ext cx="0" cy="0"/>
+          <a:chOff x="0" y="0"/>
+          <a:chExt cx="0" cy="0"/>
+        </a:xfrm>
+      </p:grpSpPr>
+      <p:sp>
+        <p:nvSpPr>
+          <p:cNvPr id="2" name="Title 1"/>
+          <p:cNvSpPr>
+            <a:spLocks noGrp="1"/>
+          </p:cNvSpPr>
+          <p:nvPr>
+            <p:ph type="title"/>
+          </p:nvPr>
+        </p:nvSpPr>
+        <p:spPr/>
+        <p:txBody>
+          <a:bodyPr/>
+          <a:lstStyle/>
+          <a:p>
+            <a:r>
+              <a:rPr lang="en-US" dirty="0" smtClean="0"/>
+              <a:t>Function</a:t>
+            </a:r>
+            <a:endParaRPr lang="en-US" dirty="0"/>
+          </a:p>
+        </p:txBody>
+      </p:sp>
+      <p:sp>
+        <p:nvSpPr>
+          <p:cNvPr id="3" name="Content Placeholder 2"/>
+          <p:cNvSpPr>
+            <a:spLocks noGrp="1"/>
+          </p:cNvSpPr>
+          <p:nvPr>
+            <p:ph idx="1"/>
+          </p:nvPr>
+        </p:nvSpPr>
+        <p:spPr/>
+        <p:txBody>
+          <a:bodyPr/>
+          <a:lstStyle/>
+          <a:p>
+            <a:endParaRPr lang="en-US"/>
+          </a:p>
+        </p:txBody>
+      </p:sp>
+    </p:spTree>
+    <p:extLst>
+      <p:ext uri="{BB962C8B-B14F-4D97-AF65-F5344CB8AC3E}">
+        <p14:creationId xmlns:p14="http://schemas.microsoft.com/office/powerpoint/2010/main" val="13791632"/>
+      </p:ext>
+    </p:extLst>
+  </p:cSld>
+  <p:clrMapOvr>
+    <a:masterClrMapping/>
+  </p:clrMapOvr>
+  <p:timing>
+    <p:tnLst>
+      <p:par>
+        <p:cTn id="1" dur="indefinite" restart="never" nodeType="tmRoot"/>
+      </p:par>
+    </p:tnLst>
+  </p:timing>
+</p:sld>
+</file>
+
+<file path=ppt/slides/slide31.xml><?xml version="1.0" encoding="utf-8"?>
+<p:sld xmlns:a="http://schemas.openxmlformats.org/drawingml/2006/main" xmlns:r="http://schemas.openxmlformats.org/officeDocument/2006/relationships" xmlns:p="http://schemas.openxmlformats.org/presentationml/2006/main">
+  <p:cSld>
+    <p:spTree>
+      <p:nvGrpSpPr>
+        <p:cNvPr id="1" name=""/>
+        <p:cNvGrpSpPr/>
+        <p:nvPr/>
+      </p:nvGrpSpPr>
+      <p:grpSpPr>
+        <a:xfrm>
+          <a:off x="0" y="0"/>
+          <a:ext cx="0" cy="0"/>
+          <a:chOff x="0" y="0"/>
+          <a:chExt cx="0" cy="0"/>
+        </a:xfrm>
+      </p:grpSpPr>
+      <p:sp>
+        <p:nvSpPr>
+          <p:cNvPr id="2" name="Title 1"/>
+          <p:cNvSpPr>
+            <a:spLocks noGrp="1"/>
+          </p:cNvSpPr>
+          <p:nvPr>
+            <p:ph type="title"/>
+          </p:nvPr>
+        </p:nvSpPr>
+        <p:spPr/>
+        <p:txBody>
+          <a:bodyPr/>
+          <a:lstStyle/>
+          <a:p>
+            <a:r>
+              <a:rPr lang="en-US" dirty="0" smtClean="0"/>
+              <a:t>Trigger</a:t>
+            </a:r>
+            <a:endParaRPr lang="en-US" dirty="0"/>
+          </a:p>
+        </p:txBody>
+      </p:sp>
+      <p:sp>
+        <p:nvSpPr>
+          <p:cNvPr id="3" name="Content Placeholder 2"/>
+          <p:cNvSpPr>
+            <a:spLocks noGrp="1"/>
+          </p:cNvSpPr>
+          <p:nvPr>
+            <p:ph idx="1"/>
+          </p:nvPr>
+        </p:nvSpPr>
+        <p:spPr/>
+        <p:txBody>
+          <a:bodyPr/>
+          <a:lstStyle/>
+          <a:p>
+            <a:endParaRPr lang="en-US"/>
+          </a:p>
+        </p:txBody>
+      </p:sp>
+    </p:spTree>
+    <p:extLst>
+      <p:ext uri="{BB962C8B-B14F-4D97-AF65-F5344CB8AC3E}">
+        <p14:creationId xmlns:p14="http://schemas.microsoft.com/office/powerpoint/2010/main" val="2191653763"/>
+      </p:ext>
+    </p:extLst>
+  </p:cSld>
+  <p:clrMapOvr>
+    <a:masterClrMapping/>
+  </p:clrMapOvr>
+</p:sld>
+</file>
+
+<file path=ppt/slides/slide32.xml><?xml version="1.0" encoding="utf-8"?>
 <p:sld xmlns:a="http://schemas.openxmlformats.org/drawingml/2006/main" xmlns:r="http://schemas.openxmlformats.org/officeDocument/2006/relationships" xmlns:p="http://schemas.openxmlformats.org/presentationml/2006/main">
   <p:cSld>
     <p:spTree>
